--- a/predstavitve/PR2021-22_koncna_01.pptx
+++ b/predstavitve/PR2021-22_koncna_01.pptx
@@ -5,15 +5,17 @@
     <p:sldMasterId id="2147483660" r:id="rId1"/>
   </p:sldMasterIdLst>
   <p:notesMasterIdLst>
-    <p:notesMasterId r:id="rId5"/>
+    <p:notesMasterId r:id="rId7"/>
   </p:notesMasterIdLst>
   <p:handoutMasterIdLst>
-    <p:handoutMasterId r:id="rId6"/>
+    <p:handoutMasterId r:id="rId8"/>
   </p:handoutMasterIdLst>
   <p:sldIdLst>
     <p:sldId id="256" r:id="rId2"/>
     <p:sldId id="258" r:id="rId3"/>
-    <p:sldId id="259" r:id="rId4"/>
+    <p:sldId id="260" r:id="rId4"/>
+    <p:sldId id="261" r:id="rId5"/>
+    <p:sldId id="259" r:id="rId6"/>
   </p:sldIdLst>
   <p:sldSz cx="9144000" cy="5143500" type="screen16x9"/>
   <p:notesSz cx="6858000" cy="9144000"/>
@@ -3578,80 +3580,8 @@
           <a:lstStyle/>
           <a:p>
             <a:r>
-              <a:rPr lang="en-US" dirty="0" err="1"/>
-              <a:t>Naslov</a:t>
-            </a:r>
-            <a:r>
-              <a:rPr lang="en-US" dirty="0"/>
-              <a:t> </a:t>
-            </a:r>
-            <a:r>
-              <a:rPr lang="en-US" dirty="0" err="1"/>
-              <a:t>projekta</a:t>
-            </a:r>
-            <a:r>
-              <a:rPr lang="en-US" dirty="0"/>
-              <a:t> </a:t>
-            </a:r>
-            <a:r>
-              <a:rPr lang="en-US" dirty="0" err="1"/>
-              <a:t>naj</a:t>
-            </a:r>
-            <a:r>
-              <a:rPr lang="en-US" dirty="0"/>
-              <a:t> </a:t>
-            </a:r>
-            <a:r>
-              <a:rPr lang="en-US" dirty="0" err="1"/>
-              <a:t>bo</a:t>
-            </a:r>
-            <a:r>
-              <a:rPr lang="en-US" dirty="0"/>
-              <a:t> </a:t>
-            </a:r>
-            <a:r>
-              <a:rPr lang="en-US" dirty="0" err="1"/>
-              <a:t>kratek</a:t>
-            </a:r>
-            <a:r>
-              <a:rPr lang="en-US" dirty="0"/>
-              <a:t>, </a:t>
-            </a:r>
-            <a:r>
-              <a:rPr lang="en-US" dirty="0" err="1"/>
-              <a:t>informativen</a:t>
-            </a:r>
-            <a:r>
-              <a:rPr lang="en-US" dirty="0"/>
-              <a:t> in </a:t>
-            </a:r>
-            <a:r>
-              <a:rPr lang="en-US" dirty="0" err="1"/>
-              <a:t>naj</a:t>
-            </a:r>
-            <a:r>
-              <a:rPr lang="en-US" dirty="0"/>
-              <a:t> </a:t>
-            </a:r>
-            <a:r>
-              <a:rPr lang="en-US" dirty="0" err="1"/>
-              <a:t>povzame</a:t>
-            </a:r>
-            <a:r>
-              <a:rPr lang="en-US" dirty="0"/>
-              <a:t> </a:t>
-            </a:r>
-            <a:r>
-              <a:rPr lang="en-US" dirty="0" err="1"/>
-              <a:t>bistvo</a:t>
-            </a:r>
-            <a:r>
-              <a:rPr lang="en-US" dirty="0"/>
-              <a:t> </a:t>
-            </a:r>
-            <a:r>
-              <a:rPr lang="en-US" dirty="0" err="1"/>
-              <a:t>projekta</a:t>
+              <a:rPr lang="sl-SI" b="1" dirty="0"/>
+              <a:t>Razvoj in vpliv različnih faktorjev na epidemijo Korona-virusa v Sloveniji.</a:t>
             </a:r>
             <a:endParaRPr lang="en-US" dirty="0"/>
           </a:p>
@@ -3705,93 +3635,10 @@
               <a:buChar char="-"/>
             </a:pPr>
             <a:r>
-              <a:rPr lang="en-US" sz="1600" dirty="0" err="1"/>
-              <a:t>viri</a:t>
-            </a:r>
-            <a:r>
-              <a:rPr lang="en-US" sz="1600" dirty="0"/>
-              <a:t> </a:t>
-            </a:r>
-            <a:r>
-              <a:rPr lang="en-US" sz="1600" dirty="0" err="1"/>
-              <a:t>podatkov</a:t>
-            </a:r>
-            <a:r>
-              <a:rPr lang="en-US" sz="1600" dirty="0"/>
-              <a:t> (</a:t>
-            </a:r>
-            <a:r>
-              <a:rPr lang="en-US" sz="1600" dirty="0" err="1"/>
-              <a:t>navedi</a:t>
-            </a:r>
-            <a:r>
-              <a:rPr lang="en-US" sz="1600" dirty="0"/>
-              <a:t> </a:t>
-            </a:r>
-            <a:r>
-              <a:rPr lang="en-US" sz="1600" dirty="0" err="1"/>
-              <a:t>povezavo</a:t>
-            </a:r>
-            <a:r>
-              <a:rPr lang="en-US" sz="1600" dirty="0"/>
-              <a:t> do </a:t>
-            </a:r>
-            <a:r>
-              <a:rPr lang="en-US" sz="1600" dirty="0" err="1"/>
-              <a:t>podatkov</a:t>
-            </a:r>
-            <a:r>
-              <a:rPr lang="en-US" sz="1600" dirty="0"/>
-              <a:t>, </a:t>
-            </a:r>
-            <a:r>
-              <a:rPr lang="en-US" sz="1600" dirty="0" err="1"/>
-              <a:t>boste</a:t>
-            </a:r>
-            <a:r>
-              <a:rPr lang="en-US" sz="1600" dirty="0"/>
-              <a:t> </a:t>
-            </a:r>
-            <a:r>
-              <a:rPr lang="en-US" sz="1600" dirty="0" err="1"/>
-              <a:t>uporabljali</a:t>
-            </a:r>
-            <a:r>
-              <a:rPr lang="en-US" sz="1600" dirty="0"/>
-              <a:t> </a:t>
-            </a:r>
-            <a:r>
-              <a:rPr lang="en-US" sz="1600" dirty="0" err="1"/>
-              <a:t>en</a:t>
-            </a:r>
-            <a:r>
-              <a:rPr lang="en-US" sz="1600" dirty="0"/>
-              <a:t> </a:t>
-            </a:r>
-            <a:r>
-              <a:rPr lang="en-US" sz="1600" dirty="0" err="1"/>
-              <a:t>ali</a:t>
-            </a:r>
-            <a:r>
-              <a:rPr lang="en-US" sz="1600" dirty="0"/>
-              <a:t> </a:t>
-            </a:r>
-            <a:r>
-              <a:rPr lang="en-US" sz="1600" dirty="0" err="1"/>
-              <a:t>več</a:t>
-            </a:r>
-            <a:r>
-              <a:rPr lang="en-US" sz="1600" dirty="0"/>
-              <a:t> </a:t>
-            </a:r>
-            <a:r>
-              <a:rPr lang="en-US" sz="1600" dirty="0" err="1"/>
-              <a:t>virov</a:t>
-            </a:r>
-            <a:r>
-              <a:rPr lang="en-US" sz="1600" dirty="0"/>
-              <a:t>?)</a:t>
-            </a:r>
+              <a:rPr lang="sl-SI" sz="1600" dirty="0"/>
+              <a:t>Covid podatki aplikacije „Covid sledilnik“ (https://github.com/sledilnik/data)</a:t>
+            </a:r>
+            <a:endParaRPr lang="en-US" sz="1600" dirty="0"/>
           </a:p>
           <a:p>
             <a:pPr>
@@ -3799,69 +3646,10 @@
               <a:buChar char="-"/>
             </a:pPr>
             <a:r>
-              <a:rPr lang="en-US" sz="1600" dirty="0" err="1"/>
-              <a:t>prvotni</a:t>
-            </a:r>
-            <a:r>
-              <a:rPr lang="en-US" sz="1600" dirty="0"/>
-              <a:t> </a:t>
-            </a:r>
-            <a:r>
-              <a:rPr lang="en-US" sz="1600" dirty="0" err="1"/>
-              <a:t>namen</a:t>
-            </a:r>
-            <a:r>
-              <a:rPr lang="en-US" sz="1600" dirty="0"/>
-              <a:t> </a:t>
-            </a:r>
-            <a:r>
-              <a:rPr lang="en-US" sz="1600" dirty="0" err="1"/>
-              <a:t>zbiranja</a:t>
-            </a:r>
-            <a:r>
-              <a:rPr lang="en-US" sz="1600" dirty="0"/>
-              <a:t> (</a:t>
-            </a:r>
-            <a:r>
-              <a:rPr lang="en-US" sz="1600" dirty="0" err="1"/>
-              <a:t>zakaj</a:t>
-            </a:r>
-            <a:r>
-              <a:rPr lang="en-US" sz="1600" dirty="0"/>
-              <a:t> so </a:t>
-            </a:r>
-            <a:r>
-              <a:rPr lang="en-US" sz="1600" dirty="0" err="1"/>
-              <a:t>jih</a:t>
-            </a:r>
-            <a:r>
-              <a:rPr lang="en-US" sz="1600" dirty="0"/>
-              <a:t> </a:t>
-            </a:r>
-            <a:r>
-              <a:rPr lang="en-US" sz="1600" dirty="0" err="1"/>
-              <a:t>avtorji</a:t>
-            </a:r>
-            <a:r>
-              <a:rPr lang="en-US" sz="1600" dirty="0"/>
-              <a:t> </a:t>
-            </a:r>
-            <a:r>
-              <a:rPr lang="en-US" sz="1600" dirty="0" err="1"/>
-              <a:t>zbirali</a:t>
-            </a:r>
-            <a:r>
-              <a:rPr lang="en-US" sz="1600" dirty="0"/>
-              <a:t> oz. </a:t>
-            </a:r>
-            <a:r>
-              <a:rPr lang="en-US" sz="1600" dirty="0" err="1"/>
-              <a:t>uporabili</a:t>
-            </a:r>
-            <a:r>
-              <a:rPr lang="en-US" sz="1600" dirty="0"/>
-              <a:t>)</a:t>
-            </a:r>
+              <a:rPr lang="sl-SI" sz="1600" dirty="0"/>
+              <a:t>Obsežnost in raznolikost podatkov</a:t>
+            </a:r>
+            <a:endParaRPr lang="en-US" sz="1600" dirty="0"/>
           </a:p>
           <a:p>
             <a:pPr>
@@ -3869,121 +3657,10 @@
               <a:buChar char="-"/>
             </a:pPr>
             <a:r>
-              <a:rPr lang="en-US" sz="1600" dirty="0"/>
-              <a:t>tip </a:t>
-            </a:r>
-            <a:r>
-              <a:rPr lang="en-US" sz="1600" dirty="0" err="1"/>
-              <a:t>podatkov</a:t>
-            </a:r>
-            <a:r>
-              <a:rPr lang="en-US" sz="1600" dirty="0"/>
-              <a:t> (</a:t>
-            </a:r>
-            <a:r>
-              <a:rPr lang="en-US" sz="1600" dirty="0" err="1"/>
-              <a:t>besedila</a:t>
-            </a:r>
-            <a:r>
-              <a:rPr lang="en-US" sz="1600" dirty="0"/>
-              <a:t>, </a:t>
-            </a:r>
-            <a:r>
-              <a:rPr lang="en-US" sz="1600" dirty="0" err="1"/>
-              <a:t>slike</a:t>
-            </a:r>
-            <a:r>
-              <a:rPr lang="en-US" sz="1600" dirty="0"/>
-              <a:t>, </a:t>
-            </a:r>
-            <a:r>
-              <a:rPr lang="en-US" sz="1600" dirty="0" err="1"/>
-              <a:t>meritve</a:t>
-            </a:r>
-            <a:r>
-              <a:rPr lang="en-US" sz="1600" dirty="0"/>
-              <a:t>, </a:t>
-            </a:r>
-            <a:r>
-              <a:rPr lang="en-US" sz="1600" dirty="0" err="1"/>
-              <a:t>števci</a:t>
-            </a:r>
-            <a:r>
-              <a:rPr lang="en-US" sz="1600" dirty="0"/>
-              <a:t>, </a:t>
-            </a:r>
-            <a:r>
-              <a:rPr lang="en-US" sz="1600" dirty="0" err="1"/>
-              <a:t>statistike</a:t>
-            </a:r>
-            <a:r>
-              <a:rPr lang="en-US" sz="1600" dirty="0"/>
-              <a:t>,…) in </a:t>
-            </a:r>
-            <a:r>
-              <a:rPr lang="en-US" sz="1600" dirty="0" err="1"/>
-              <a:t>obseg</a:t>
-            </a:r>
-            <a:r>
-              <a:rPr lang="en-US" sz="1600" dirty="0"/>
-              <a:t> </a:t>
-            </a:r>
-            <a:r>
-              <a:rPr lang="en-US" sz="1600" dirty="0" err="1"/>
-              <a:t>podatkov</a:t>
-            </a:r>
-            <a:r>
-              <a:rPr lang="en-US" sz="1600" dirty="0"/>
-              <a:t> (</a:t>
-            </a:r>
-            <a:r>
-              <a:rPr lang="en-US" sz="1600" dirty="0" err="1"/>
-              <a:t>koliko</a:t>
-            </a:r>
-            <a:r>
-              <a:rPr lang="en-US" sz="1600" dirty="0"/>
-              <a:t> </a:t>
-            </a:r>
-            <a:r>
-              <a:rPr lang="en-US" sz="1600" dirty="0" err="1"/>
-              <a:t>primerov</a:t>
-            </a:r>
-            <a:r>
-              <a:rPr lang="en-US" sz="1600" dirty="0"/>
-              <a:t>, </a:t>
-            </a:r>
-            <a:r>
-              <a:rPr lang="en-US" sz="1600" dirty="0" err="1"/>
-              <a:t>koliko</a:t>
-            </a:r>
-            <a:r>
-              <a:rPr lang="en-US" sz="1600" dirty="0"/>
-              <a:t> </a:t>
-            </a:r>
-            <a:r>
-              <a:rPr lang="en-US" sz="1600" dirty="0" err="1"/>
-              <a:t>atributov</a:t>
-            </a:r>
-            <a:r>
-              <a:rPr lang="en-US" sz="1600" dirty="0"/>
-              <a:t>, </a:t>
-            </a:r>
-            <a:r>
-              <a:rPr lang="en-US" sz="1600" dirty="0" err="1"/>
-              <a:t>koliko</a:t>
-            </a:r>
-            <a:r>
-              <a:rPr lang="en-US" sz="1600" dirty="0"/>
-              <a:t> </a:t>
-            </a:r>
-            <a:r>
-              <a:rPr lang="en-US" sz="1600" dirty="0" err="1"/>
-              <a:t>razredov</a:t>
-            </a:r>
-            <a:r>
-              <a:rPr lang="en-US" sz="1600" dirty="0"/>
-              <a:t>, …)</a:t>
-            </a:r>
+              <a:rPr lang="sl-SI" sz="1600" dirty="0"/>
+              <a:t>CSV datoteke (cepljenja po kategoriji, primeri po kategoriji, dnevni primeri, …), vsi podatki so v 111 datotekah, 5152 stolpcih s skupno 368944 vrsticami</a:t>
+            </a:r>
+            <a:endParaRPr lang="en-US" sz="1600" dirty="0"/>
           </a:p>
           <a:p>
             <a:pPr>
@@ -3991,50 +3668,17 @@
               <a:buChar char="-"/>
             </a:pPr>
             <a:r>
-              <a:rPr lang="en-US" sz="1600" dirty="0" err="1"/>
-              <a:t>število</a:t>
-            </a:r>
-            <a:r>
-              <a:rPr lang="en-US" sz="1600" dirty="0"/>
-              <a:t> </a:t>
-            </a:r>
-            <a:r>
-              <a:rPr lang="en-US" sz="1600" dirty="0" err="1"/>
-              <a:t>manjkajočih</a:t>
-            </a:r>
-            <a:r>
-              <a:rPr lang="en-US" sz="1600" dirty="0"/>
-              <a:t> </a:t>
-            </a:r>
-            <a:r>
-              <a:rPr lang="en-US" sz="1600" dirty="0" err="1"/>
-              <a:t>zapisov</a:t>
-            </a:r>
-            <a:r>
-              <a:rPr lang="en-US" sz="1600" dirty="0"/>
-              <a:t>, </a:t>
-            </a:r>
-            <a:r>
-              <a:rPr lang="en-US" sz="1600" dirty="0" err="1"/>
-              <a:t>napak</a:t>
-            </a:r>
-            <a:r>
-              <a:rPr lang="en-US" sz="1600" dirty="0"/>
-              <a:t>, </a:t>
-            </a:r>
-            <a:r>
-              <a:rPr lang="en-US" sz="1600" dirty="0" err="1"/>
-              <a:t>druge</a:t>
-            </a:r>
-            <a:r>
-              <a:rPr lang="en-US" sz="1600" dirty="0"/>
-              <a:t> </a:t>
-            </a:r>
-            <a:r>
-              <a:rPr lang="en-US" sz="1600" dirty="0" err="1"/>
-              <a:t>težave</a:t>
-            </a:r>
-            <a:endParaRPr lang="en-US" sz="1600" dirty="0"/>
+              <a:rPr lang="sl-SI" sz="1600" dirty="0"/>
+              <a:t>Pokvarjene </a:t>
+            </a:r>
+            <a:r>
+              <a:rPr lang="sl-SI" sz="1600" dirty="0" err="1"/>
+              <a:t>csv</a:t>
+            </a:r>
+            <a:r>
+              <a:rPr lang="sl-SI" sz="1600" dirty="0"/>
+              <a:t> datoteke, napačno branje</a:t>
+            </a:r>
           </a:p>
           <a:p>
             <a:pPr>
@@ -4042,77 +3686,66 @@
               <a:buChar char="-"/>
             </a:pPr>
             <a:r>
-              <a:rPr lang="en-US" sz="1600" dirty="0" err="1"/>
-              <a:t>opis</a:t>
-            </a:r>
-            <a:r>
-              <a:rPr lang="en-US" sz="1600" dirty="0"/>
+              <a:rPr lang="sl-SI" sz="1600" dirty="0"/>
+              <a:t>Zamenjava null vrednosti, izbira atributov, brisanje </a:t>
+            </a:r>
+            <a:r>
+              <a:rPr lang="sl-SI" sz="1600" dirty="0" err="1"/>
+              <a:t>mankajičih</a:t>
+            </a:r>
+            <a:r>
+              <a:rPr lang="sl-SI" sz="1600" dirty="0"/>
+              <a:t> vrednosti, dodajanje atributov</a:t>
+            </a:r>
+            <a:endParaRPr lang="en-US" sz="1600" dirty="0"/>
+          </a:p>
+          <a:p>
+            <a:pPr marL="0" indent="0">
+              <a:buNone/>
+            </a:pPr>
+            <a:endParaRPr lang="en-US" sz="1600" dirty="0"/>
+          </a:p>
+          <a:p>
+            <a:pPr marL="0" indent="0">
+              <a:buNone/>
+            </a:pPr>
+            <a:r>
+              <a:rPr lang="en-US" sz="1600" b="1" dirty="0" err="1"/>
+              <a:t>Glavna</a:t>
+            </a:r>
+            <a:r>
+              <a:rPr lang="en-US" sz="1600" b="1" dirty="0"/>
               <a:t> </a:t>
             </a:r>
             <a:r>
-              <a:rPr lang="en-US" sz="1600" dirty="0" err="1"/>
-              <a:t>predprocesiranja</a:t>
-            </a:r>
-            <a:r>
-              <a:rPr lang="en-US" sz="1600" dirty="0"/>
-              <a:t>, da </a:t>
-            </a:r>
-            <a:r>
-              <a:rPr lang="en-US" sz="1600" dirty="0" err="1"/>
-              <a:t>postanejo</a:t>
-            </a:r>
-            <a:r>
-              <a:rPr lang="en-US" sz="1600" dirty="0"/>
+              <a:rPr lang="en-US" sz="1600" b="1" dirty="0" err="1"/>
+              <a:t>vprašanja</a:t>
+            </a:r>
+            <a:r>
+              <a:rPr lang="en-US" sz="1600" b="1" dirty="0"/>
+              <a:t>/</a:t>
+            </a:r>
+            <a:r>
+              <a:rPr lang="en-US" sz="1600" b="1" dirty="0" err="1"/>
+              <a:t>cilji</a:t>
+            </a:r>
+            <a:r>
+              <a:rPr lang="en-US" sz="1600" b="1" dirty="0"/>
               <a:t> </a:t>
             </a:r>
             <a:r>
-              <a:rPr lang="en-US" sz="1600" dirty="0" err="1"/>
-              <a:t>podatki</a:t>
-            </a:r>
-            <a:r>
-              <a:rPr lang="en-US" sz="1600" dirty="0"/>
-              <a:t> “</a:t>
-            </a:r>
-            <a:r>
-              <a:rPr lang="en-US" sz="1600" dirty="0" err="1"/>
-              <a:t>uporabni</a:t>
-            </a:r>
-            <a:r>
-              <a:rPr lang="en-US" sz="1600" dirty="0"/>
-              <a:t>” (</a:t>
-            </a:r>
-            <a:r>
-              <a:rPr lang="en-US" sz="1600" dirty="0" err="1"/>
-              <a:t>pretvorbe</a:t>
-            </a:r>
-            <a:r>
-              <a:rPr lang="en-US" sz="1600" dirty="0"/>
-              <a:t>, </a:t>
-            </a:r>
-            <a:r>
-              <a:rPr lang="en-US" sz="1600" dirty="0" err="1"/>
-              <a:t>filtriranje</a:t>
-            </a:r>
-            <a:r>
-              <a:rPr lang="en-US" sz="1600" dirty="0"/>
-              <a:t>, </a:t>
-            </a:r>
-            <a:r>
-              <a:rPr lang="en-US" sz="1600" dirty="0" err="1"/>
-              <a:t>obravnava</a:t>
-            </a:r>
-            <a:r>
-              <a:rPr lang="en-US" sz="1600" dirty="0"/>
+              <a:rPr lang="en-US" sz="1600" b="1" dirty="0" err="1"/>
+              <a:t>podatkovnega</a:t>
+            </a:r>
+            <a:r>
+              <a:rPr lang="en-US" sz="1600" b="1" dirty="0"/>
               <a:t> </a:t>
             </a:r>
             <a:r>
-              <a:rPr lang="en-US" sz="1600" dirty="0" err="1"/>
-              <a:t>napak</a:t>
-            </a:r>
-            <a:r>
-              <a:rPr lang="en-US" sz="1600" dirty="0"/>
-              <a:t>…)</a:t>
-            </a:r>
+              <a:rPr lang="en-US" sz="1600" b="1" dirty="0" err="1"/>
+              <a:t>rudarjenja</a:t>
+            </a:r>
+            <a:endParaRPr lang="en-US" sz="1600" b="1" dirty="0"/>
           </a:p>
           <a:p>
             <a:pPr>
@@ -4120,67 +3753,61 @@
               <a:buChar char="-"/>
             </a:pPr>
             <a:r>
-              <a:rPr lang="en-US" sz="1600" dirty="0" err="1"/>
-              <a:t>združevanje</a:t>
+              <a:rPr lang="sl-SI" sz="1600" dirty="0"/>
+              <a:t>Kakšne so razlike med regijami in starostnimi skupinami</a:t>
             </a:r>
             <a:r>
               <a:rPr lang="en-US" sz="1600" dirty="0"/>
-              <a:t> </a:t>
-            </a:r>
-            <a:r>
-              <a:rPr lang="en-US" sz="1600" dirty="0" err="1"/>
-              <a:t>virov</a:t>
-            </a:r>
-            <a:endParaRPr lang="en-US" sz="1600" dirty="0"/>
+              <a:t>?</a:t>
+            </a:r>
+            <a:endParaRPr lang="sl-SI" sz="1600" dirty="0"/>
           </a:p>
           <a:p>
             <a:pPr>
               <a:buFontTx/>
               <a:buChar char="-"/>
             </a:pPr>
-            <a:endParaRPr lang="en-US" sz="1600" dirty="0"/>
-          </a:p>
-          <a:p>
-            <a:pPr marL="0" indent="0">
-              <a:buNone/>
-            </a:pPr>
-            <a:r>
-              <a:rPr lang="en-US" sz="1600" b="1" dirty="0" err="1"/>
-              <a:t>Glavna</a:t>
-            </a:r>
-            <a:r>
-              <a:rPr lang="en-US" sz="1600" b="1" dirty="0"/>
+            <a:r>
+              <a:rPr lang="it-IT" sz="1600" dirty="0" err="1"/>
+              <a:t>Kakšne</a:t>
+            </a:r>
+            <a:r>
+              <a:rPr lang="it-IT" sz="1600" dirty="0"/>
+              <a:t> so </a:t>
+            </a:r>
+            <a:r>
+              <a:rPr lang="it-IT" sz="1600" dirty="0" err="1"/>
+              <a:t>razlike</a:t>
+            </a:r>
+            <a:r>
+              <a:rPr lang="it-IT" sz="1600" dirty="0"/>
               <a:t> </a:t>
             </a:r>
             <a:r>
-              <a:rPr lang="en-US" sz="1600" b="1" dirty="0" err="1"/>
-              <a:t>vprašanja</a:t>
-            </a:r>
-            <a:r>
-              <a:rPr lang="en-US" sz="1600" b="1" dirty="0"/>
-              <a:t>/</a:t>
-            </a:r>
-            <a:r>
-              <a:rPr lang="en-US" sz="1600" b="1" dirty="0" err="1"/>
-              <a:t>cilji</a:t>
-            </a:r>
-            <a:r>
-              <a:rPr lang="en-US" sz="1600" b="1" dirty="0"/>
+              <a:rPr lang="it-IT" sz="1600" dirty="0" err="1"/>
+              <a:t>med</a:t>
+            </a:r>
+            <a:r>
+              <a:rPr lang="it-IT" sz="1600" dirty="0"/>
               <a:t> </a:t>
             </a:r>
             <a:r>
-              <a:rPr lang="en-US" sz="1600" b="1" dirty="0" err="1"/>
-              <a:t>podatkovnega</a:t>
-            </a:r>
-            <a:r>
-              <a:rPr lang="en-US" sz="1600" b="1" dirty="0"/>
-              <a:t> </a:t>
-            </a:r>
-            <a:r>
-              <a:rPr lang="en-US" sz="1600" b="1" dirty="0" err="1"/>
-              <a:t>rudarjenja</a:t>
-            </a:r>
-            <a:endParaRPr lang="en-US" sz="1600" b="1" dirty="0"/>
+              <a:rPr lang="it-IT" sz="1600" dirty="0" err="1"/>
+              <a:t>cepljenimi</a:t>
+            </a:r>
+            <a:r>
+              <a:rPr lang="it-IT" sz="1600" dirty="0"/>
+              <a:t> in ne </a:t>
+            </a:r>
+            <a:r>
+              <a:rPr lang="it-IT" sz="1600" dirty="0" err="1"/>
+              <a:t>cepljenimi</a:t>
+            </a:r>
+            <a:r>
+              <a:rPr lang="en-US" sz="1600" dirty="0"/>
+              <a:t>?</a:t>
+            </a:r>
+            <a:endParaRPr lang="sl-SI" sz="1600" dirty="0"/>
           </a:p>
           <a:p>
             <a:pPr>
@@ -4188,65 +3815,14 @@
               <a:buChar char="-"/>
             </a:pPr>
             <a:r>
-              <a:rPr lang="en-US" sz="1600" dirty="0" err="1"/>
-              <a:t>Vprašanje</a:t>
-            </a:r>
-            <a:r>
-              <a:rPr lang="en-US" sz="1600" dirty="0"/>
-              <a:t>/</a:t>
-            </a:r>
-            <a:r>
-              <a:rPr lang="en-US" sz="1600" dirty="0" err="1"/>
-              <a:t>Cilj</a:t>
-            </a:r>
-            <a:r>
-              <a:rPr lang="en-US" sz="1600" dirty="0"/>
-              <a:t> 1</a:t>
-            </a:r>
-          </a:p>
-          <a:p>
-            <a:pPr>
-              <a:buFontTx/>
-              <a:buChar char="-"/>
-            </a:pPr>
-            <a:r>
-              <a:rPr lang="en-US" sz="1600" dirty="0" err="1"/>
-              <a:t>Vprašanje</a:t>
-            </a:r>
-            <a:r>
-              <a:rPr lang="en-US" sz="1600" dirty="0"/>
-              <a:t>/</a:t>
-            </a:r>
-            <a:r>
-              <a:rPr lang="en-US" sz="1600" dirty="0" err="1"/>
-              <a:t>Cilj</a:t>
-            </a:r>
-            <a:r>
-              <a:rPr lang="en-US" sz="1600" dirty="0"/>
-              <a:t> 2</a:t>
-            </a:r>
-          </a:p>
-          <a:p>
-            <a:pPr>
-              <a:buFontTx/>
-              <a:buChar char="-"/>
-            </a:pPr>
-            <a:r>
-              <a:rPr lang="en-US" sz="1600" dirty="0" err="1"/>
-              <a:t>Vprašanje</a:t>
-            </a:r>
-            <a:r>
-              <a:rPr lang="en-US" sz="1600" dirty="0"/>
-              <a:t>/</a:t>
-            </a:r>
-            <a:r>
-              <a:rPr lang="en-US" sz="1600" dirty="0" err="1"/>
-              <a:t>Cilj</a:t>
-            </a:r>
-            <a:r>
-              <a:rPr lang="en-US" sz="1600" dirty="0"/>
-              <a:t> 3</a:t>
-            </a:r>
+              <a:rPr lang="pt-BR" sz="1600" dirty="0"/>
+              <a:t>Kakšen je vpliv socialnega življenja ter vladnih ukrepov?</a:t>
+            </a:r>
+            <a:r>
+              <a:rPr lang="sl-SI" sz="1600" dirty="0"/>
+              <a:t>+</a:t>
+            </a:r>
+            <a:endParaRPr lang="en-US" sz="1600" dirty="0"/>
           </a:p>
         </p:txBody>
       </p:sp>
@@ -4282,118 +3858,26 @@
           <a:lstStyle/>
           <a:p>
             <a:r>
-              <a:rPr lang="en-US" dirty="0" err="1"/>
-              <a:t>Ime</a:t>
-            </a:r>
-            <a:r>
-              <a:rPr lang="en-US" dirty="0"/>
-              <a:t> </a:t>
-            </a:r>
-            <a:r>
-              <a:rPr lang="en-US" dirty="0" err="1"/>
-              <a:t>Priimek</a:t>
-            </a:r>
-            <a:r>
-              <a:rPr lang="en-US" dirty="0"/>
-              <a:t> </a:t>
-            </a:r>
-            <a:r>
-              <a:rPr lang="en-US" dirty="0" err="1"/>
-              <a:t>člana</a:t>
-            </a:r>
-            <a:r>
-              <a:rPr lang="en-US" dirty="0"/>
-              <a:t> 1</a:t>
-            </a:r>
-          </a:p>
-          <a:p>
-            <a:r>
-              <a:rPr lang="en-US" dirty="0" err="1"/>
-              <a:t>Ime</a:t>
-            </a:r>
-            <a:r>
-              <a:rPr lang="en-US" dirty="0"/>
-              <a:t> </a:t>
-            </a:r>
-            <a:r>
-              <a:rPr lang="en-US" dirty="0" err="1"/>
-              <a:t>Priimek</a:t>
-            </a:r>
-            <a:r>
-              <a:rPr lang="en-US" dirty="0"/>
-              <a:t> </a:t>
-            </a:r>
-            <a:r>
-              <a:rPr lang="en-US" dirty="0" err="1"/>
-              <a:t>člana</a:t>
-            </a:r>
-            <a:r>
-              <a:rPr lang="en-US" dirty="0"/>
-              <a:t> 2</a:t>
-            </a:r>
-          </a:p>
-          <a:p>
-            <a:r>
-              <a:rPr lang="en-US" dirty="0" err="1"/>
-              <a:t>Ime</a:t>
-            </a:r>
-            <a:r>
-              <a:rPr lang="en-US" dirty="0"/>
-              <a:t> </a:t>
-            </a:r>
-            <a:r>
-              <a:rPr lang="en-US" dirty="0" err="1"/>
-              <a:t>Priimek</a:t>
-            </a:r>
-            <a:r>
-              <a:rPr lang="en-US" dirty="0"/>
-              <a:t> </a:t>
-            </a:r>
-            <a:r>
-              <a:rPr lang="en-US" dirty="0" err="1"/>
-              <a:t>člana</a:t>
-            </a:r>
-            <a:r>
-              <a:rPr lang="en-US" dirty="0"/>
-              <a:t> 3</a:t>
-            </a:r>
-          </a:p>
-          <a:p>
-            <a:r>
-              <a:rPr lang="en-US" dirty="0" err="1"/>
-              <a:t>Ime</a:t>
-            </a:r>
-            <a:r>
-              <a:rPr lang="en-US" dirty="0"/>
-              <a:t> </a:t>
-            </a:r>
-            <a:r>
-              <a:rPr lang="en-US" dirty="0" err="1"/>
-              <a:t>Priimek</a:t>
-            </a:r>
-            <a:r>
-              <a:rPr lang="en-US" dirty="0"/>
-              <a:t> </a:t>
-            </a:r>
-            <a:r>
-              <a:rPr lang="en-US" dirty="0" err="1"/>
-              <a:t>člana</a:t>
-            </a:r>
-            <a:r>
-              <a:rPr lang="en-US" dirty="0"/>
-              <a:t> 4</a:t>
-            </a:r>
-          </a:p>
-          <a:p>
-            <a:r>
-              <a:rPr lang="en-US" dirty="0"/>
-              <a:t>…</a:t>
-            </a:r>
-          </a:p>
-          <a:p>
-            <a:endParaRPr lang="en-US" dirty="0"/>
-          </a:p>
-          <a:p>
+              <a:rPr lang="sl-SI" dirty="0"/>
+              <a:t>David </a:t>
+            </a:r>
+            <a:r>
+              <a:rPr lang="sl-SI" dirty="0" err="1"/>
+              <a:t>Šeruga,</a:t>
+            </a:r>
+            <a:endParaRPr lang="sl-SI" dirty="0"/>
+          </a:p>
+          <a:p>
+            <a:r>
+              <a:rPr lang="sl-SI" dirty="0"/>
+              <a:t>Žan Hočevar,</a:t>
+            </a:r>
+          </a:p>
+          <a:p>
+            <a:r>
+              <a:rPr lang="sl-SI" dirty="0"/>
+              <a:t>Matija Marc</a:t>
+            </a:r>
             <a:endParaRPr lang="en-US" dirty="0"/>
           </a:p>
         </p:txBody>
@@ -4716,8 +4200,8 @@
         </p:nvSpPr>
         <p:spPr>
           <a:xfrm>
-            <a:off x="92765" y="82696"/>
-            <a:ext cx="4403432" cy="372120"/>
+            <a:off x="92764" y="82696"/>
+            <a:ext cx="8958469" cy="372120"/>
           </a:xfrm>
           <a:prstGeom prst="rect">
             <a:avLst/>
@@ -4899,32 +4383,8 @@
               <a:buNone/>
             </a:pPr>
             <a:r>
-              <a:rPr lang="en-US" sz="1600" b="1" dirty="0" err="1"/>
-              <a:t>Podroben</a:t>
-            </a:r>
-            <a:r>
-              <a:rPr lang="en-US" sz="1600" b="1" dirty="0"/>
-              <a:t> </a:t>
-            </a:r>
-            <a:r>
-              <a:rPr lang="en-US" sz="1600" b="1" dirty="0" err="1"/>
-              <a:t>opis</a:t>
-            </a:r>
-            <a:r>
-              <a:rPr lang="en-US" sz="1600" b="1" dirty="0"/>
-              <a:t> </a:t>
-            </a:r>
-            <a:r>
-              <a:rPr lang="en-US" sz="1600" b="1" dirty="0" err="1"/>
-              <a:t>ciljev</a:t>
-            </a:r>
-            <a:r>
-              <a:rPr lang="en-US" sz="1600" b="1" dirty="0"/>
-              <a:t> in </a:t>
-            </a:r>
-            <a:r>
-              <a:rPr lang="en-US" sz="1600" b="1" dirty="0" err="1"/>
-              <a:t>metod</a:t>
+              <a:rPr lang="sl-SI" sz="1600" b="1" dirty="0"/>
+              <a:t>Vprašanje 1: Razlike med regijami in starostnimi skupinami.</a:t>
             </a:r>
             <a:endParaRPr lang="en-US" sz="1600" b="1" dirty="0"/>
           </a:p>
@@ -5130,10 +4590,288 @@
       </p:sp>
       <p:sp>
         <p:nvSpPr>
-          <p:cNvPr id="19" name="Content Placeholder 2">
+          <p:cNvPr id="10" name="Date Placeholder 11">
             <a:extLst>
               <a:ext uri="{FF2B5EF4-FFF2-40B4-BE49-F238E27FC236}">
-                <a16:creationId xmlns:a16="http://schemas.microsoft.com/office/drawing/2014/main" id="{990225E6-F674-D74E-9E6E-25DF3C6A53B1}"/>
+                <a16:creationId xmlns:a16="http://schemas.microsoft.com/office/drawing/2014/main" id="{32A25F90-8F3F-BA4A-B69D-D50871AAE3FF}"/>
+              </a:ext>
+            </a:extLst>
+          </p:cNvPr>
+          <p:cNvSpPr>
+            <a:spLocks noGrp="1"/>
+          </p:cNvSpPr>
+          <p:nvPr>
+            <p:ph type="dt" sz="half" idx="10"/>
+          </p:nvPr>
+        </p:nvSpPr>
+        <p:spPr>
+          <a:xfrm>
+            <a:off x="76857" y="4800600"/>
+            <a:ext cx="3754164" cy="273844"/>
+          </a:xfrm>
+        </p:spPr>
+        <p:txBody>
+          <a:bodyPr/>
+          <a:lstStyle/>
+          <a:p>
+            <a:r>
+              <a:rPr lang="en-US" dirty="0"/>
+              <a:t> 26. 5. 2022</a:t>
+            </a:r>
+          </a:p>
+        </p:txBody>
+      </p:sp>
+      <p:sp>
+        <p:nvSpPr>
+          <p:cNvPr id="14" name="Footer Placeholder 12">
+            <a:extLst>
+              <a:ext uri="{FF2B5EF4-FFF2-40B4-BE49-F238E27FC236}">
+                <a16:creationId xmlns:a16="http://schemas.microsoft.com/office/drawing/2014/main" id="{0AD5B515-41AA-9B49-B73A-7917CFB0034B}"/>
+              </a:ext>
+            </a:extLst>
+          </p:cNvPr>
+          <p:cNvSpPr>
+            <a:spLocks noGrp="1"/>
+          </p:cNvSpPr>
+          <p:nvPr>
+            <p:ph type="ftr" sz="quarter" idx="11"/>
+          </p:nvPr>
+        </p:nvSpPr>
+        <p:spPr>
+          <a:xfrm>
+            <a:off x="3028950" y="4767263"/>
+            <a:ext cx="3086100" cy="273844"/>
+          </a:xfrm>
+        </p:spPr>
+        <p:txBody>
+          <a:bodyPr/>
+          <a:lstStyle/>
+          <a:p>
+            <a:r>
+              <a:rPr lang="en-US" dirty="0"/>
+              <a:t>PR21-22, </a:t>
+            </a:r>
+            <a:r>
+              <a:rPr lang="en-US" dirty="0" err="1"/>
+              <a:t>Končna</a:t>
+            </a:r>
+            <a:r>
+              <a:rPr lang="en-US" dirty="0"/>
+              <a:t> </a:t>
+            </a:r>
+            <a:r>
+              <a:rPr lang="en-US" dirty="0" err="1"/>
+              <a:t>predstavitev</a:t>
+            </a:r>
+            <a:endParaRPr lang="en-US" dirty="0"/>
+          </a:p>
+        </p:txBody>
+      </p:sp>
+    </p:spTree>
+    <p:extLst>
+      <p:ext uri="{BB962C8B-B14F-4D97-AF65-F5344CB8AC3E}">
+        <p14:creationId xmlns:p14="http://schemas.microsoft.com/office/powerpoint/2010/main" val="2633653843"/>
+      </p:ext>
+    </p:extLst>
+  </p:cSld>
+  <p:clrMapOvr>
+    <a:masterClrMapping/>
+  </p:clrMapOvr>
+</p:sld>
+</file>
+
+<file path=ppt/slides/slide3.xml><?xml version="1.0" encoding="utf-8"?>
+<p:sld xmlns:a="http://schemas.openxmlformats.org/drawingml/2006/main" xmlns:r="http://schemas.openxmlformats.org/officeDocument/2006/relationships" xmlns:p="http://schemas.openxmlformats.org/presentationml/2006/main">
+  <p:cSld>
+    <p:spTree>
+      <p:nvGrpSpPr>
+        <p:cNvPr id="1" name=""/>
+        <p:cNvGrpSpPr/>
+        <p:nvPr/>
+      </p:nvGrpSpPr>
+      <p:grpSpPr>
+        <a:xfrm>
+          <a:off x="0" y="0"/>
+          <a:ext cx="0" cy="0"/>
+          <a:chOff x="0" y="0"/>
+          <a:chExt cx="0" cy="0"/>
+        </a:xfrm>
+      </p:grpSpPr>
+      <p:sp>
+        <p:nvSpPr>
+          <p:cNvPr id="3" name="Content Placeholder 2">
+            <a:extLst>
+              <a:ext uri="{FF2B5EF4-FFF2-40B4-BE49-F238E27FC236}">
+                <a16:creationId xmlns:a16="http://schemas.microsoft.com/office/drawing/2014/main" id="{9D9094EB-9AF8-C443-A38F-2140C80C75A0}"/>
+              </a:ext>
+            </a:extLst>
+          </p:cNvPr>
+          <p:cNvSpPr>
+            <a:spLocks noGrp="1"/>
+          </p:cNvSpPr>
+          <p:nvPr>
+            <p:ph sz="half" idx="1"/>
+          </p:nvPr>
+        </p:nvSpPr>
+        <p:spPr>
+          <a:xfrm>
+            <a:off x="92765" y="589356"/>
+            <a:ext cx="4403432" cy="4177907"/>
+          </a:xfrm>
+          <a:ln>
+            <a:solidFill>
+              <a:schemeClr val="tx1"/>
+            </a:solidFill>
+          </a:ln>
+        </p:spPr>
+        <p:txBody>
+          <a:bodyPr>
+            <a:normAutofit/>
+          </a:bodyPr>
+          <a:lstStyle/>
+          <a:p>
+            <a:pPr marL="0" indent="0">
+              <a:buNone/>
+            </a:pPr>
+            <a:r>
+              <a:rPr lang="en-US" sz="1600" dirty="0" err="1"/>
+              <a:t>Kako</a:t>
+            </a:r>
+            <a:r>
+              <a:rPr lang="en-US" sz="1600" dirty="0"/>
+              <a:t> </a:t>
+            </a:r>
+            <a:r>
+              <a:rPr lang="en-US" sz="1600" dirty="0" err="1"/>
+              <a:t>boste</a:t>
+            </a:r>
+            <a:r>
+              <a:rPr lang="en-US" sz="1600" dirty="0"/>
+              <a:t> </a:t>
+            </a:r>
+            <a:r>
+              <a:rPr lang="en-US" sz="1600" dirty="0" err="1"/>
+              <a:t>dosegli</a:t>
+            </a:r>
+            <a:r>
+              <a:rPr lang="en-US" sz="1600" dirty="0"/>
+              <a:t> </a:t>
+            </a:r>
+            <a:r>
+              <a:rPr lang="en-US" sz="1600" dirty="0" err="1"/>
+              <a:t>cilj</a:t>
+            </a:r>
+            <a:r>
+              <a:rPr lang="en-US" sz="1600" dirty="0"/>
+              <a:t> 1 </a:t>
+            </a:r>
+            <a:r>
+              <a:rPr lang="en-US" sz="1600" dirty="0" err="1"/>
+              <a:t>oziroma</a:t>
+            </a:r>
+            <a:r>
+              <a:rPr lang="en-US" sz="1600" dirty="0"/>
+              <a:t> </a:t>
+            </a:r>
+            <a:r>
+              <a:rPr lang="en-US" sz="1600" dirty="0" err="1"/>
+              <a:t>odgovorili</a:t>
+            </a:r>
+            <a:r>
+              <a:rPr lang="en-US" sz="1600" dirty="0"/>
+              <a:t> </a:t>
+            </a:r>
+            <a:r>
+              <a:rPr lang="en-US" sz="1600" dirty="0" err="1"/>
+              <a:t>na</a:t>
+            </a:r>
+            <a:r>
+              <a:rPr lang="en-US" sz="1600" dirty="0"/>
+              <a:t> </a:t>
+            </a:r>
+            <a:r>
+              <a:rPr lang="en-US" sz="1600" dirty="0" err="1"/>
+              <a:t>vprašanje</a:t>
+            </a:r>
+            <a:r>
+              <a:rPr lang="en-US" sz="1600" dirty="0"/>
+              <a:t> 1…</a:t>
+            </a:r>
+          </a:p>
+        </p:txBody>
+      </p:sp>
+      <p:sp>
+        <p:nvSpPr>
+          <p:cNvPr id="18" name="Content Placeholder 17">
+            <a:extLst>
+              <a:ext uri="{FF2B5EF4-FFF2-40B4-BE49-F238E27FC236}">
+                <a16:creationId xmlns:a16="http://schemas.microsoft.com/office/drawing/2014/main" id="{BFC9798E-C22A-6049-8D8E-80BEDDEA70AA}"/>
+              </a:ext>
+            </a:extLst>
+          </p:cNvPr>
+          <p:cNvSpPr>
+            <a:spLocks noGrp="1"/>
+          </p:cNvSpPr>
+          <p:nvPr>
+            <p:ph sz="half" idx="2"/>
+          </p:nvPr>
+        </p:nvSpPr>
+        <p:spPr>
+          <a:xfrm>
+            <a:off x="4588962" y="589356"/>
+            <a:ext cx="4462272" cy="4177907"/>
+          </a:xfrm>
+          <a:ln>
+            <a:solidFill>
+              <a:schemeClr val="tx1"/>
+            </a:solidFill>
+          </a:ln>
+        </p:spPr>
+        <p:txBody>
+          <a:bodyPr>
+            <a:normAutofit/>
+          </a:bodyPr>
+          <a:lstStyle/>
+          <a:p>
+            <a:endParaRPr lang="en-US" sz="1600" dirty="0"/>
+          </a:p>
+        </p:txBody>
+      </p:sp>
+      <p:sp>
+        <p:nvSpPr>
+          <p:cNvPr id="7" name="Slide Number Placeholder 6">
+            <a:extLst>
+              <a:ext uri="{FF2B5EF4-FFF2-40B4-BE49-F238E27FC236}">
+                <a16:creationId xmlns:a16="http://schemas.microsoft.com/office/drawing/2014/main" id="{C24814E3-8963-334D-848C-E4EE0D7A5ECE}"/>
+              </a:ext>
+            </a:extLst>
+          </p:cNvPr>
+          <p:cNvSpPr>
+            <a:spLocks noGrp="1"/>
+          </p:cNvSpPr>
+          <p:nvPr>
+            <p:ph type="sldNum" sz="quarter" idx="12"/>
+          </p:nvPr>
+        </p:nvSpPr>
+        <p:spPr/>
+        <p:txBody>
+          <a:bodyPr/>
+          <a:lstStyle/>
+          <a:p>
+            <a:fld id="{03BC8BC1-971C-5C4D-898D-87CE7EF1EB36}" type="slidenum">
+              <a:rPr lang="en-US" smtClean="0"/>
+              <a:t>3</a:t>
+            </a:fld>
+            <a:endParaRPr lang="en-US"/>
+          </a:p>
+        </p:txBody>
+      </p:sp>
+      <p:sp>
+        <p:nvSpPr>
+          <p:cNvPr id="8" name="Content Placeholder 2">
+            <a:extLst>
+              <a:ext uri="{FF2B5EF4-FFF2-40B4-BE49-F238E27FC236}">
+                <a16:creationId xmlns:a16="http://schemas.microsoft.com/office/drawing/2014/main" id="{194343F5-9AFD-314A-B851-B4B16EF4AB6C}"/>
               </a:ext>
             </a:extLst>
           </p:cNvPr>
@@ -5144,8 +4882,8 @@
         </p:nvSpPr>
         <p:spPr>
           <a:xfrm>
-            <a:off x="4588962" y="82696"/>
-            <a:ext cx="4462272" cy="372120"/>
+            <a:off x="92764" y="82696"/>
+            <a:ext cx="8958469" cy="372120"/>
           </a:xfrm>
           <a:prstGeom prst="rect">
             <a:avLst/>
@@ -5324,46 +5062,211 @@
           </a:lstStyle>
           <a:p>
             <a:pPr marL="0" indent="0">
+              <a:buNone/>
+            </a:pPr>
+            <a:r>
+              <a:rPr lang="sl-SI" sz="1600" b="1" dirty="0"/>
+              <a:t>Vprašanje 2: Razlike med cepljenimi in ne cepljenimi.</a:t>
+            </a:r>
+            <a:endParaRPr lang="en-US" sz="1600" b="1" dirty="0"/>
+          </a:p>
+        </p:txBody>
+      </p:sp>
+      <p:sp>
+        <p:nvSpPr>
+          <p:cNvPr id="11" name="Content Placeholder 11">
+            <a:extLst>
+              <a:ext uri="{FF2B5EF4-FFF2-40B4-BE49-F238E27FC236}">
+                <a16:creationId xmlns:a16="http://schemas.microsoft.com/office/drawing/2014/main" id="{7B9F5A0B-66B3-574B-8ADF-47E9BEA982E5}"/>
+              </a:ext>
+            </a:extLst>
+          </p:cNvPr>
+          <p:cNvSpPr txBox="1">
+            <a:spLocks/>
+          </p:cNvSpPr>
+          <p:nvPr/>
+        </p:nvSpPr>
+        <p:spPr>
+          <a:xfrm>
+            <a:off x="4572000" y="720327"/>
+            <a:ext cx="4436828" cy="3040640"/>
+          </a:xfrm>
+          <a:prstGeom prst="rect">
+            <a:avLst/>
+          </a:prstGeom>
+        </p:spPr>
+        <p:txBody>
+          <a:bodyPr/>
+          <a:lstStyle>
+            <a:lvl1pPr marL="171450" indent="-171450" algn="l" defTabSz="685800" rtl="0" eaLnBrk="1" latinLnBrk="0" hangingPunct="1">
+              <a:lnSpc>
+                <a:spcPct val="90000"/>
+              </a:lnSpc>
+              <a:spcBef>
+                <a:spcPts val="750"/>
+              </a:spcBef>
               <a:buFont typeface="Arial" panose="020B0604020202020204" pitchFamily="34" charset="0"/>
+              <a:buChar char="•"/>
+              <a:defRPr sz="2100" kern="1200">
+                <a:solidFill>
+                  <a:schemeClr val="tx1"/>
+                </a:solidFill>
+                <a:latin typeface="+mn-lt"/>
+                <a:ea typeface="+mn-ea"/>
+                <a:cs typeface="+mn-cs"/>
+              </a:defRPr>
+            </a:lvl1pPr>
+            <a:lvl2pPr marL="514350" indent="-171450" algn="l" defTabSz="685800" rtl="0" eaLnBrk="1" latinLnBrk="0" hangingPunct="1">
+              <a:lnSpc>
+                <a:spcPct val="90000"/>
+              </a:lnSpc>
+              <a:spcBef>
+                <a:spcPts val="375"/>
+              </a:spcBef>
+              <a:buFont typeface="Arial" panose="020B0604020202020204" pitchFamily="34" charset="0"/>
+              <a:buChar char="•"/>
+              <a:defRPr sz="1800" kern="1200">
+                <a:solidFill>
+                  <a:schemeClr val="tx1"/>
+                </a:solidFill>
+                <a:latin typeface="+mn-lt"/>
+                <a:ea typeface="+mn-ea"/>
+                <a:cs typeface="+mn-cs"/>
+              </a:defRPr>
+            </a:lvl2pPr>
+            <a:lvl3pPr marL="857250" indent="-171450" algn="l" defTabSz="685800" rtl="0" eaLnBrk="1" latinLnBrk="0" hangingPunct="1">
+              <a:lnSpc>
+                <a:spcPct val="90000"/>
+              </a:lnSpc>
+              <a:spcBef>
+                <a:spcPts val="375"/>
+              </a:spcBef>
+              <a:buFont typeface="Arial" panose="020B0604020202020204" pitchFamily="34" charset="0"/>
+              <a:buChar char="•"/>
+              <a:defRPr sz="1500" kern="1200">
+                <a:solidFill>
+                  <a:schemeClr val="tx1"/>
+                </a:solidFill>
+                <a:latin typeface="+mn-lt"/>
+                <a:ea typeface="+mn-ea"/>
+                <a:cs typeface="+mn-cs"/>
+              </a:defRPr>
+            </a:lvl3pPr>
+            <a:lvl4pPr marL="1200150" indent="-171450" algn="l" defTabSz="685800" rtl="0" eaLnBrk="1" latinLnBrk="0" hangingPunct="1">
+              <a:lnSpc>
+                <a:spcPct val="90000"/>
+              </a:lnSpc>
+              <a:spcBef>
+                <a:spcPts val="375"/>
+              </a:spcBef>
+              <a:buFont typeface="Arial" panose="020B0604020202020204" pitchFamily="34" charset="0"/>
+              <a:buChar char="•"/>
+              <a:defRPr sz="1350" kern="1200">
+                <a:solidFill>
+                  <a:schemeClr val="tx1"/>
+                </a:solidFill>
+                <a:latin typeface="+mn-lt"/>
+                <a:ea typeface="+mn-ea"/>
+                <a:cs typeface="+mn-cs"/>
+              </a:defRPr>
+            </a:lvl4pPr>
+            <a:lvl5pPr marL="1543050" indent="-171450" algn="l" defTabSz="685800" rtl="0" eaLnBrk="1" latinLnBrk="0" hangingPunct="1">
+              <a:lnSpc>
+                <a:spcPct val="90000"/>
+              </a:lnSpc>
+              <a:spcBef>
+                <a:spcPts val="375"/>
+              </a:spcBef>
+              <a:buFont typeface="Arial" panose="020B0604020202020204" pitchFamily="34" charset="0"/>
+              <a:buChar char="•"/>
+              <a:defRPr sz="1350" kern="1200">
+                <a:solidFill>
+                  <a:schemeClr val="tx1"/>
+                </a:solidFill>
+                <a:latin typeface="+mn-lt"/>
+                <a:ea typeface="+mn-ea"/>
+                <a:cs typeface="+mn-cs"/>
+              </a:defRPr>
+            </a:lvl5pPr>
+            <a:lvl6pPr marL="1885950" indent="-171450" algn="l" defTabSz="685800" rtl="0" eaLnBrk="1" latinLnBrk="0" hangingPunct="1">
+              <a:lnSpc>
+                <a:spcPct val="90000"/>
+              </a:lnSpc>
+              <a:spcBef>
+                <a:spcPts val="375"/>
+              </a:spcBef>
+              <a:buFont typeface="Arial" panose="020B0604020202020204" pitchFamily="34" charset="0"/>
+              <a:buChar char="•"/>
+              <a:defRPr sz="1350" kern="1200">
+                <a:solidFill>
+                  <a:schemeClr val="tx1"/>
+                </a:solidFill>
+                <a:latin typeface="+mn-lt"/>
+                <a:ea typeface="+mn-ea"/>
+                <a:cs typeface="+mn-cs"/>
+              </a:defRPr>
+            </a:lvl6pPr>
+            <a:lvl7pPr marL="2228850" indent="-171450" algn="l" defTabSz="685800" rtl="0" eaLnBrk="1" latinLnBrk="0" hangingPunct="1">
+              <a:lnSpc>
+                <a:spcPct val="90000"/>
+              </a:lnSpc>
+              <a:spcBef>
+                <a:spcPts val="375"/>
+              </a:spcBef>
+              <a:buFont typeface="Arial" panose="020B0604020202020204" pitchFamily="34" charset="0"/>
+              <a:buChar char="•"/>
+              <a:defRPr sz="1350" kern="1200">
+                <a:solidFill>
+                  <a:schemeClr val="tx1"/>
+                </a:solidFill>
+                <a:latin typeface="+mn-lt"/>
+                <a:ea typeface="+mn-ea"/>
+                <a:cs typeface="+mn-cs"/>
+              </a:defRPr>
+            </a:lvl7pPr>
+            <a:lvl8pPr marL="2571750" indent="-171450" algn="l" defTabSz="685800" rtl="0" eaLnBrk="1" latinLnBrk="0" hangingPunct="1">
+              <a:lnSpc>
+                <a:spcPct val="90000"/>
+              </a:lnSpc>
+              <a:spcBef>
+                <a:spcPts val="375"/>
+              </a:spcBef>
+              <a:buFont typeface="Arial" panose="020B0604020202020204" pitchFamily="34" charset="0"/>
+              <a:buChar char="•"/>
+              <a:defRPr sz="1350" kern="1200">
+                <a:solidFill>
+                  <a:schemeClr val="tx1"/>
+                </a:solidFill>
+                <a:latin typeface="+mn-lt"/>
+                <a:ea typeface="+mn-ea"/>
+                <a:cs typeface="+mn-cs"/>
+              </a:defRPr>
+            </a:lvl8pPr>
+            <a:lvl9pPr marL="2914650" indent="-171450" algn="l" defTabSz="685800" rtl="0" eaLnBrk="1" latinLnBrk="0" hangingPunct="1">
+              <a:lnSpc>
+                <a:spcPct val="90000"/>
+              </a:lnSpc>
+              <a:spcBef>
+                <a:spcPts val="375"/>
+              </a:spcBef>
+              <a:buFont typeface="Arial" panose="020B0604020202020204" pitchFamily="34" charset="0"/>
+              <a:buChar char="•"/>
+              <a:defRPr sz="1350" kern="1200">
+                <a:solidFill>
+                  <a:schemeClr val="tx1"/>
+                </a:solidFill>
+                <a:latin typeface="+mn-lt"/>
+                <a:ea typeface="+mn-ea"/>
+                <a:cs typeface="+mn-cs"/>
+              </a:defRPr>
+            </a:lvl9pPr>
+          </a:lstStyle>
+          <a:p>
+            <a:pPr marL="0" indent="0">
+              <a:buFont typeface="Arial" panose="020B0604020202020204" pitchFamily="34" charset="0"/>
               <a:buNone/>
             </a:pPr>
-            <a:r>
-              <a:rPr lang="en-US" sz="1600" b="1" dirty="0" err="1"/>
-              <a:t>Rezultati</a:t>
-            </a:r>
-            <a:r>
-              <a:rPr lang="en-US" sz="1600" b="1" dirty="0"/>
-              <a:t>/</a:t>
-            </a:r>
-            <a:r>
-              <a:rPr lang="en-US" sz="1600" b="1" dirty="0" err="1"/>
-              <a:t>dosedanje</a:t>
-            </a:r>
-            <a:r>
-              <a:rPr lang="en-US" sz="1600" b="1" dirty="0"/>
-              <a:t> </a:t>
-            </a:r>
-            <a:r>
-              <a:rPr lang="en-US" sz="1600" b="1" dirty="0" err="1"/>
-              <a:t>ugotovitve</a:t>
-            </a:r>
-            <a:r>
-              <a:rPr lang="en-US" sz="1600" b="1" dirty="0"/>
-              <a:t>/</a:t>
-            </a:r>
-            <a:r>
-              <a:rPr lang="en-US" sz="1600" b="1" dirty="0" err="1"/>
-              <a:t>odprta</a:t>
-            </a:r>
-            <a:r>
-              <a:rPr lang="en-US" sz="1600" b="1" dirty="0"/>
-              <a:t> </a:t>
-            </a:r>
-            <a:r>
-              <a:rPr lang="en-US" sz="1600" b="1" dirty="0" err="1"/>
-              <a:t>vprašanja</a:t>
-            </a:r>
-            <a:endParaRPr lang="en-US" sz="1600" b="1" dirty="0"/>
+            <a:endParaRPr lang="en-US" sz="1600" dirty="0"/>
           </a:p>
         </p:txBody>
       </p:sp>
@@ -5449,7 +5352,7 @@
     </p:spTree>
     <p:extLst>
       <p:ext uri="{BB962C8B-B14F-4D97-AF65-F5344CB8AC3E}">
-        <p14:creationId xmlns:p14="http://schemas.microsoft.com/office/powerpoint/2010/main" val="2633653843"/>
+        <p14:creationId xmlns:p14="http://schemas.microsoft.com/office/powerpoint/2010/main" val="2800665392"/>
       </p:ext>
     </p:extLst>
   </p:cSld>
@@ -5459,7 +5362,7 @@
 </p:sld>
 </file>
 
-<file path=ppt/slides/slide3.xml><?xml version="1.0" encoding="utf-8"?>
+<file path=ppt/slides/slide4.xml><?xml version="1.0" encoding="utf-8"?>
 <p:sld xmlns:a="http://schemas.openxmlformats.org/drawingml/2006/main" xmlns:r="http://schemas.openxmlformats.org/officeDocument/2006/relationships" xmlns:p="http://schemas.openxmlformats.org/presentationml/2006/main">
   <p:cSld>
     <p:spTree>
@@ -5478,6 +5381,688 @@
       </p:grpSpPr>
       <p:sp>
         <p:nvSpPr>
+          <p:cNvPr id="3" name="Content Placeholder 2">
+            <a:extLst>
+              <a:ext uri="{FF2B5EF4-FFF2-40B4-BE49-F238E27FC236}">
+                <a16:creationId xmlns:a16="http://schemas.microsoft.com/office/drawing/2014/main" id="{9D9094EB-9AF8-C443-A38F-2140C80C75A0}"/>
+              </a:ext>
+            </a:extLst>
+          </p:cNvPr>
+          <p:cNvSpPr>
+            <a:spLocks noGrp="1"/>
+          </p:cNvSpPr>
+          <p:nvPr>
+            <p:ph sz="half" idx="1"/>
+          </p:nvPr>
+        </p:nvSpPr>
+        <p:spPr>
+          <a:xfrm>
+            <a:off x="92765" y="589356"/>
+            <a:ext cx="4403432" cy="4177907"/>
+          </a:xfrm>
+          <a:ln>
+            <a:solidFill>
+              <a:schemeClr val="tx1"/>
+            </a:solidFill>
+          </a:ln>
+        </p:spPr>
+        <p:txBody>
+          <a:bodyPr>
+            <a:normAutofit/>
+          </a:bodyPr>
+          <a:lstStyle/>
+          <a:p>
+            <a:pPr marL="0" indent="0">
+              <a:buNone/>
+            </a:pPr>
+            <a:r>
+              <a:rPr lang="en-US" sz="1600" dirty="0" err="1"/>
+              <a:t>Kako</a:t>
+            </a:r>
+            <a:r>
+              <a:rPr lang="en-US" sz="1600" dirty="0"/>
+              <a:t> </a:t>
+            </a:r>
+            <a:r>
+              <a:rPr lang="en-US" sz="1600" dirty="0" err="1"/>
+              <a:t>boste</a:t>
+            </a:r>
+            <a:r>
+              <a:rPr lang="en-US" sz="1600" dirty="0"/>
+              <a:t> </a:t>
+            </a:r>
+            <a:r>
+              <a:rPr lang="en-US" sz="1600" dirty="0" err="1"/>
+              <a:t>dosegli</a:t>
+            </a:r>
+            <a:r>
+              <a:rPr lang="en-US" sz="1600" dirty="0"/>
+              <a:t> </a:t>
+            </a:r>
+            <a:r>
+              <a:rPr lang="en-US" sz="1600" dirty="0" err="1"/>
+              <a:t>cilj</a:t>
+            </a:r>
+            <a:r>
+              <a:rPr lang="en-US" sz="1600" dirty="0"/>
+              <a:t> 1 </a:t>
+            </a:r>
+            <a:r>
+              <a:rPr lang="en-US" sz="1600" dirty="0" err="1"/>
+              <a:t>oziroma</a:t>
+            </a:r>
+            <a:r>
+              <a:rPr lang="en-US" sz="1600" dirty="0"/>
+              <a:t> </a:t>
+            </a:r>
+            <a:r>
+              <a:rPr lang="en-US" sz="1600" dirty="0" err="1"/>
+              <a:t>odgovorili</a:t>
+            </a:r>
+            <a:r>
+              <a:rPr lang="en-US" sz="1600" dirty="0"/>
+              <a:t> </a:t>
+            </a:r>
+            <a:r>
+              <a:rPr lang="en-US" sz="1600" dirty="0" err="1"/>
+              <a:t>na</a:t>
+            </a:r>
+            <a:r>
+              <a:rPr lang="en-US" sz="1600" dirty="0"/>
+              <a:t> </a:t>
+            </a:r>
+            <a:r>
+              <a:rPr lang="en-US" sz="1600" dirty="0" err="1"/>
+              <a:t>vprašanje</a:t>
+            </a:r>
+            <a:r>
+              <a:rPr lang="en-US" sz="1600" dirty="0"/>
+              <a:t> 1…</a:t>
+            </a:r>
+          </a:p>
+        </p:txBody>
+      </p:sp>
+      <p:sp>
+        <p:nvSpPr>
+          <p:cNvPr id="18" name="Content Placeholder 17">
+            <a:extLst>
+              <a:ext uri="{FF2B5EF4-FFF2-40B4-BE49-F238E27FC236}">
+                <a16:creationId xmlns:a16="http://schemas.microsoft.com/office/drawing/2014/main" id="{BFC9798E-C22A-6049-8D8E-80BEDDEA70AA}"/>
+              </a:ext>
+            </a:extLst>
+          </p:cNvPr>
+          <p:cNvSpPr>
+            <a:spLocks noGrp="1"/>
+          </p:cNvSpPr>
+          <p:nvPr>
+            <p:ph sz="half" idx="2"/>
+          </p:nvPr>
+        </p:nvSpPr>
+        <p:spPr>
+          <a:xfrm>
+            <a:off x="4588962" y="589356"/>
+            <a:ext cx="4462272" cy="4177907"/>
+          </a:xfrm>
+          <a:ln>
+            <a:solidFill>
+              <a:schemeClr val="tx1"/>
+            </a:solidFill>
+          </a:ln>
+        </p:spPr>
+        <p:txBody>
+          <a:bodyPr>
+            <a:normAutofit/>
+          </a:bodyPr>
+          <a:lstStyle/>
+          <a:p>
+            <a:endParaRPr lang="en-US" sz="1600" dirty="0"/>
+          </a:p>
+        </p:txBody>
+      </p:sp>
+      <p:sp>
+        <p:nvSpPr>
+          <p:cNvPr id="7" name="Slide Number Placeholder 6">
+            <a:extLst>
+              <a:ext uri="{FF2B5EF4-FFF2-40B4-BE49-F238E27FC236}">
+                <a16:creationId xmlns:a16="http://schemas.microsoft.com/office/drawing/2014/main" id="{C24814E3-8963-334D-848C-E4EE0D7A5ECE}"/>
+              </a:ext>
+            </a:extLst>
+          </p:cNvPr>
+          <p:cNvSpPr>
+            <a:spLocks noGrp="1"/>
+          </p:cNvSpPr>
+          <p:nvPr>
+            <p:ph type="sldNum" sz="quarter" idx="12"/>
+          </p:nvPr>
+        </p:nvSpPr>
+        <p:spPr/>
+        <p:txBody>
+          <a:bodyPr/>
+          <a:lstStyle/>
+          <a:p>
+            <a:fld id="{03BC8BC1-971C-5C4D-898D-87CE7EF1EB36}" type="slidenum">
+              <a:rPr lang="en-US" smtClean="0"/>
+              <a:t>4</a:t>
+            </a:fld>
+            <a:endParaRPr lang="en-US"/>
+          </a:p>
+        </p:txBody>
+      </p:sp>
+      <p:sp>
+        <p:nvSpPr>
+          <p:cNvPr id="8" name="Content Placeholder 2">
+            <a:extLst>
+              <a:ext uri="{FF2B5EF4-FFF2-40B4-BE49-F238E27FC236}">
+                <a16:creationId xmlns:a16="http://schemas.microsoft.com/office/drawing/2014/main" id="{194343F5-9AFD-314A-B851-B4B16EF4AB6C}"/>
+              </a:ext>
+            </a:extLst>
+          </p:cNvPr>
+          <p:cNvSpPr txBox="1">
+            <a:spLocks/>
+          </p:cNvSpPr>
+          <p:nvPr/>
+        </p:nvSpPr>
+        <p:spPr>
+          <a:xfrm>
+            <a:off x="92764" y="82696"/>
+            <a:ext cx="8958469" cy="372120"/>
+          </a:xfrm>
+          <a:prstGeom prst="rect">
+            <a:avLst/>
+          </a:prstGeom>
+          <a:ln>
+            <a:noFill/>
+          </a:ln>
+        </p:spPr>
+        <p:txBody>
+          <a:bodyPr vert="horz" lIns="91440" tIns="45720" rIns="91440" bIns="45720" rtlCol="0">
+            <a:normAutofit/>
+          </a:bodyPr>
+          <a:lstStyle>
+            <a:lvl1pPr marL="171450" indent="-171450" algn="l" defTabSz="685800" rtl="0" eaLnBrk="1" latinLnBrk="0" hangingPunct="1">
+              <a:lnSpc>
+                <a:spcPct val="90000"/>
+              </a:lnSpc>
+              <a:spcBef>
+                <a:spcPts val="750"/>
+              </a:spcBef>
+              <a:buFont typeface="Arial" panose="020B0604020202020204" pitchFamily="34" charset="0"/>
+              <a:buChar char="•"/>
+              <a:defRPr sz="2100" kern="1200">
+                <a:solidFill>
+                  <a:schemeClr val="tx1"/>
+                </a:solidFill>
+                <a:latin typeface="+mn-lt"/>
+                <a:ea typeface="+mn-ea"/>
+                <a:cs typeface="+mn-cs"/>
+              </a:defRPr>
+            </a:lvl1pPr>
+            <a:lvl2pPr marL="514350" indent="-171450" algn="l" defTabSz="685800" rtl="0" eaLnBrk="1" latinLnBrk="0" hangingPunct="1">
+              <a:lnSpc>
+                <a:spcPct val="90000"/>
+              </a:lnSpc>
+              <a:spcBef>
+                <a:spcPts val="375"/>
+              </a:spcBef>
+              <a:buFont typeface="Arial" panose="020B0604020202020204" pitchFamily="34" charset="0"/>
+              <a:buChar char="•"/>
+              <a:defRPr sz="1800" kern="1200">
+                <a:solidFill>
+                  <a:schemeClr val="tx1"/>
+                </a:solidFill>
+                <a:latin typeface="+mn-lt"/>
+                <a:ea typeface="+mn-ea"/>
+                <a:cs typeface="+mn-cs"/>
+              </a:defRPr>
+            </a:lvl2pPr>
+            <a:lvl3pPr marL="857250" indent="-171450" algn="l" defTabSz="685800" rtl="0" eaLnBrk="1" latinLnBrk="0" hangingPunct="1">
+              <a:lnSpc>
+                <a:spcPct val="90000"/>
+              </a:lnSpc>
+              <a:spcBef>
+                <a:spcPts val="375"/>
+              </a:spcBef>
+              <a:buFont typeface="Arial" panose="020B0604020202020204" pitchFamily="34" charset="0"/>
+              <a:buChar char="•"/>
+              <a:defRPr sz="1500" kern="1200">
+                <a:solidFill>
+                  <a:schemeClr val="tx1"/>
+                </a:solidFill>
+                <a:latin typeface="+mn-lt"/>
+                <a:ea typeface="+mn-ea"/>
+                <a:cs typeface="+mn-cs"/>
+              </a:defRPr>
+            </a:lvl3pPr>
+            <a:lvl4pPr marL="1200150" indent="-171450" algn="l" defTabSz="685800" rtl="0" eaLnBrk="1" latinLnBrk="0" hangingPunct="1">
+              <a:lnSpc>
+                <a:spcPct val="90000"/>
+              </a:lnSpc>
+              <a:spcBef>
+                <a:spcPts val="375"/>
+              </a:spcBef>
+              <a:buFont typeface="Arial" panose="020B0604020202020204" pitchFamily="34" charset="0"/>
+              <a:buChar char="•"/>
+              <a:defRPr sz="1350" kern="1200">
+                <a:solidFill>
+                  <a:schemeClr val="tx1"/>
+                </a:solidFill>
+                <a:latin typeface="+mn-lt"/>
+                <a:ea typeface="+mn-ea"/>
+                <a:cs typeface="+mn-cs"/>
+              </a:defRPr>
+            </a:lvl4pPr>
+            <a:lvl5pPr marL="1543050" indent="-171450" algn="l" defTabSz="685800" rtl="0" eaLnBrk="1" latinLnBrk="0" hangingPunct="1">
+              <a:lnSpc>
+                <a:spcPct val="90000"/>
+              </a:lnSpc>
+              <a:spcBef>
+                <a:spcPts val="375"/>
+              </a:spcBef>
+              <a:buFont typeface="Arial" panose="020B0604020202020204" pitchFamily="34" charset="0"/>
+              <a:buChar char="•"/>
+              <a:defRPr sz="1350" kern="1200">
+                <a:solidFill>
+                  <a:schemeClr val="tx1"/>
+                </a:solidFill>
+                <a:latin typeface="+mn-lt"/>
+                <a:ea typeface="+mn-ea"/>
+                <a:cs typeface="+mn-cs"/>
+              </a:defRPr>
+            </a:lvl5pPr>
+            <a:lvl6pPr marL="1885950" indent="-171450" algn="l" defTabSz="685800" rtl="0" eaLnBrk="1" latinLnBrk="0" hangingPunct="1">
+              <a:lnSpc>
+                <a:spcPct val="90000"/>
+              </a:lnSpc>
+              <a:spcBef>
+                <a:spcPts val="375"/>
+              </a:spcBef>
+              <a:buFont typeface="Arial" panose="020B0604020202020204" pitchFamily="34" charset="0"/>
+              <a:buChar char="•"/>
+              <a:defRPr sz="1350" kern="1200">
+                <a:solidFill>
+                  <a:schemeClr val="tx1"/>
+                </a:solidFill>
+                <a:latin typeface="+mn-lt"/>
+                <a:ea typeface="+mn-ea"/>
+                <a:cs typeface="+mn-cs"/>
+              </a:defRPr>
+            </a:lvl6pPr>
+            <a:lvl7pPr marL="2228850" indent="-171450" algn="l" defTabSz="685800" rtl="0" eaLnBrk="1" latinLnBrk="0" hangingPunct="1">
+              <a:lnSpc>
+                <a:spcPct val="90000"/>
+              </a:lnSpc>
+              <a:spcBef>
+                <a:spcPts val="375"/>
+              </a:spcBef>
+              <a:buFont typeface="Arial" panose="020B0604020202020204" pitchFamily="34" charset="0"/>
+              <a:buChar char="•"/>
+              <a:defRPr sz="1350" kern="1200">
+                <a:solidFill>
+                  <a:schemeClr val="tx1"/>
+                </a:solidFill>
+                <a:latin typeface="+mn-lt"/>
+                <a:ea typeface="+mn-ea"/>
+                <a:cs typeface="+mn-cs"/>
+              </a:defRPr>
+            </a:lvl7pPr>
+            <a:lvl8pPr marL="2571750" indent="-171450" algn="l" defTabSz="685800" rtl="0" eaLnBrk="1" latinLnBrk="0" hangingPunct="1">
+              <a:lnSpc>
+                <a:spcPct val="90000"/>
+              </a:lnSpc>
+              <a:spcBef>
+                <a:spcPts val="375"/>
+              </a:spcBef>
+              <a:buFont typeface="Arial" panose="020B0604020202020204" pitchFamily="34" charset="0"/>
+              <a:buChar char="•"/>
+              <a:defRPr sz="1350" kern="1200">
+                <a:solidFill>
+                  <a:schemeClr val="tx1"/>
+                </a:solidFill>
+                <a:latin typeface="+mn-lt"/>
+                <a:ea typeface="+mn-ea"/>
+                <a:cs typeface="+mn-cs"/>
+              </a:defRPr>
+            </a:lvl8pPr>
+            <a:lvl9pPr marL="2914650" indent="-171450" algn="l" defTabSz="685800" rtl="0" eaLnBrk="1" latinLnBrk="0" hangingPunct="1">
+              <a:lnSpc>
+                <a:spcPct val="90000"/>
+              </a:lnSpc>
+              <a:spcBef>
+                <a:spcPts val="375"/>
+              </a:spcBef>
+              <a:buFont typeface="Arial" panose="020B0604020202020204" pitchFamily="34" charset="0"/>
+              <a:buChar char="•"/>
+              <a:defRPr sz="1350" kern="1200">
+                <a:solidFill>
+                  <a:schemeClr val="tx1"/>
+                </a:solidFill>
+                <a:latin typeface="+mn-lt"/>
+                <a:ea typeface="+mn-ea"/>
+                <a:cs typeface="+mn-cs"/>
+              </a:defRPr>
+            </a:lvl9pPr>
+          </a:lstStyle>
+          <a:p>
+            <a:pPr marL="0" indent="0">
+              <a:buNone/>
+            </a:pPr>
+            <a:r>
+              <a:rPr lang="sl-SI" sz="1600" b="1" dirty="0"/>
+              <a:t>Vprašanje 3: Vpliv socialnega življenja ter vladnih ukrepov.</a:t>
+            </a:r>
+            <a:endParaRPr lang="en-US" sz="1600" b="1" dirty="0"/>
+          </a:p>
+        </p:txBody>
+      </p:sp>
+      <p:sp>
+        <p:nvSpPr>
+          <p:cNvPr id="11" name="Content Placeholder 11">
+            <a:extLst>
+              <a:ext uri="{FF2B5EF4-FFF2-40B4-BE49-F238E27FC236}">
+                <a16:creationId xmlns:a16="http://schemas.microsoft.com/office/drawing/2014/main" id="{7B9F5A0B-66B3-574B-8ADF-47E9BEA982E5}"/>
+              </a:ext>
+            </a:extLst>
+          </p:cNvPr>
+          <p:cNvSpPr txBox="1">
+            <a:spLocks/>
+          </p:cNvSpPr>
+          <p:nvPr/>
+        </p:nvSpPr>
+        <p:spPr>
+          <a:xfrm>
+            <a:off x="4572000" y="720327"/>
+            <a:ext cx="4436828" cy="3040640"/>
+          </a:xfrm>
+          <a:prstGeom prst="rect">
+            <a:avLst/>
+          </a:prstGeom>
+        </p:spPr>
+        <p:txBody>
+          <a:bodyPr/>
+          <a:lstStyle>
+            <a:lvl1pPr marL="171450" indent="-171450" algn="l" defTabSz="685800" rtl="0" eaLnBrk="1" latinLnBrk="0" hangingPunct="1">
+              <a:lnSpc>
+                <a:spcPct val="90000"/>
+              </a:lnSpc>
+              <a:spcBef>
+                <a:spcPts val="750"/>
+              </a:spcBef>
+              <a:buFont typeface="Arial" panose="020B0604020202020204" pitchFamily="34" charset="0"/>
+              <a:buChar char="•"/>
+              <a:defRPr sz="2100" kern="1200">
+                <a:solidFill>
+                  <a:schemeClr val="tx1"/>
+                </a:solidFill>
+                <a:latin typeface="+mn-lt"/>
+                <a:ea typeface="+mn-ea"/>
+                <a:cs typeface="+mn-cs"/>
+              </a:defRPr>
+            </a:lvl1pPr>
+            <a:lvl2pPr marL="514350" indent="-171450" algn="l" defTabSz="685800" rtl="0" eaLnBrk="1" latinLnBrk="0" hangingPunct="1">
+              <a:lnSpc>
+                <a:spcPct val="90000"/>
+              </a:lnSpc>
+              <a:spcBef>
+                <a:spcPts val="375"/>
+              </a:spcBef>
+              <a:buFont typeface="Arial" panose="020B0604020202020204" pitchFamily="34" charset="0"/>
+              <a:buChar char="•"/>
+              <a:defRPr sz="1800" kern="1200">
+                <a:solidFill>
+                  <a:schemeClr val="tx1"/>
+                </a:solidFill>
+                <a:latin typeface="+mn-lt"/>
+                <a:ea typeface="+mn-ea"/>
+                <a:cs typeface="+mn-cs"/>
+              </a:defRPr>
+            </a:lvl2pPr>
+            <a:lvl3pPr marL="857250" indent="-171450" algn="l" defTabSz="685800" rtl="0" eaLnBrk="1" latinLnBrk="0" hangingPunct="1">
+              <a:lnSpc>
+                <a:spcPct val="90000"/>
+              </a:lnSpc>
+              <a:spcBef>
+                <a:spcPts val="375"/>
+              </a:spcBef>
+              <a:buFont typeface="Arial" panose="020B0604020202020204" pitchFamily="34" charset="0"/>
+              <a:buChar char="•"/>
+              <a:defRPr sz="1500" kern="1200">
+                <a:solidFill>
+                  <a:schemeClr val="tx1"/>
+                </a:solidFill>
+                <a:latin typeface="+mn-lt"/>
+                <a:ea typeface="+mn-ea"/>
+                <a:cs typeface="+mn-cs"/>
+              </a:defRPr>
+            </a:lvl3pPr>
+            <a:lvl4pPr marL="1200150" indent="-171450" algn="l" defTabSz="685800" rtl="0" eaLnBrk="1" latinLnBrk="0" hangingPunct="1">
+              <a:lnSpc>
+                <a:spcPct val="90000"/>
+              </a:lnSpc>
+              <a:spcBef>
+                <a:spcPts val="375"/>
+              </a:spcBef>
+              <a:buFont typeface="Arial" panose="020B0604020202020204" pitchFamily="34" charset="0"/>
+              <a:buChar char="•"/>
+              <a:defRPr sz="1350" kern="1200">
+                <a:solidFill>
+                  <a:schemeClr val="tx1"/>
+                </a:solidFill>
+                <a:latin typeface="+mn-lt"/>
+                <a:ea typeface="+mn-ea"/>
+                <a:cs typeface="+mn-cs"/>
+              </a:defRPr>
+            </a:lvl4pPr>
+            <a:lvl5pPr marL="1543050" indent="-171450" algn="l" defTabSz="685800" rtl="0" eaLnBrk="1" latinLnBrk="0" hangingPunct="1">
+              <a:lnSpc>
+                <a:spcPct val="90000"/>
+              </a:lnSpc>
+              <a:spcBef>
+                <a:spcPts val="375"/>
+              </a:spcBef>
+              <a:buFont typeface="Arial" panose="020B0604020202020204" pitchFamily="34" charset="0"/>
+              <a:buChar char="•"/>
+              <a:defRPr sz="1350" kern="1200">
+                <a:solidFill>
+                  <a:schemeClr val="tx1"/>
+                </a:solidFill>
+                <a:latin typeface="+mn-lt"/>
+                <a:ea typeface="+mn-ea"/>
+                <a:cs typeface="+mn-cs"/>
+              </a:defRPr>
+            </a:lvl5pPr>
+            <a:lvl6pPr marL="1885950" indent="-171450" algn="l" defTabSz="685800" rtl="0" eaLnBrk="1" latinLnBrk="0" hangingPunct="1">
+              <a:lnSpc>
+                <a:spcPct val="90000"/>
+              </a:lnSpc>
+              <a:spcBef>
+                <a:spcPts val="375"/>
+              </a:spcBef>
+              <a:buFont typeface="Arial" panose="020B0604020202020204" pitchFamily="34" charset="0"/>
+              <a:buChar char="•"/>
+              <a:defRPr sz="1350" kern="1200">
+                <a:solidFill>
+                  <a:schemeClr val="tx1"/>
+                </a:solidFill>
+                <a:latin typeface="+mn-lt"/>
+                <a:ea typeface="+mn-ea"/>
+                <a:cs typeface="+mn-cs"/>
+              </a:defRPr>
+            </a:lvl6pPr>
+            <a:lvl7pPr marL="2228850" indent="-171450" algn="l" defTabSz="685800" rtl="0" eaLnBrk="1" latinLnBrk="0" hangingPunct="1">
+              <a:lnSpc>
+                <a:spcPct val="90000"/>
+              </a:lnSpc>
+              <a:spcBef>
+                <a:spcPts val="375"/>
+              </a:spcBef>
+              <a:buFont typeface="Arial" panose="020B0604020202020204" pitchFamily="34" charset="0"/>
+              <a:buChar char="•"/>
+              <a:defRPr sz="1350" kern="1200">
+                <a:solidFill>
+                  <a:schemeClr val="tx1"/>
+                </a:solidFill>
+                <a:latin typeface="+mn-lt"/>
+                <a:ea typeface="+mn-ea"/>
+                <a:cs typeface="+mn-cs"/>
+              </a:defRPr>
+            </a:lvl7pPr>
+            <a:lvl8pPr marL="2571750" indent="-171450" algn="l" defTabSz="685800" rtl="0" eaLnBrk="1" latinLnBrk="0" hangingPunct="1">
+              <a:lnSpc>
+                <a:spcPct val="90000"/>
+              </a:lnSpc>
+              <a:spcBef>
+                <a:spcPts val="375"/>
+              </a:spcBef>
+              <a:buFont typeface="Arial" panose="020B0604020202020204" pitchFamily="34" charset="0"/>
+              <a:buChar char="•"/>
+              <a:defRPr sz="1350" kern="1200">
+                <a:solidFill>
+                  <a:schemeClr val="tx1"/>
+                </a:solidFill>
+                <a:latin typeface="+mn-lt"/>
+                <a:ea typeface="+mn-ea"/>
+                <a:cs typeface="+mn-cs"/>
+              </a:defRPr>
+            </a:lvl8pPr>
+            <a:lvl9pPr marL="2914650" indent="-171450" algn="l" defTabSz="685800" rtl="0" eaLnBrk="1" latinLnBrk="0" hangingPunct="1">
+              <a:lnSpc>
+                <a:spcPct val="90000"/>
+              </a:lnSpc>
+              <a:spcBef>
+                <a:spcPts val="375"/>
+              </a:spcBef>
+              <a:buFont typeface="Arial" panose="020B0604020202020204" pitchFamily="34" charset="0"/>
+              <a:buChar char="•"/>
+              <a:defRPr sz="1350" kern="1200">
+                <a:solidFill>
+                  <a:schemeClr val="tx1"/>
+                </a:solidFill>
+                <a:latin typeface="+mn-lt"/>
+                <a:ea typeface="+mn-ea"/>
+                <a:cs typeface="+mn-cs"/>
+              </a:defRPr>
+            </a:lvl9pPr>
+          </a:lstStyle>
+          <a:p>
+            <a:pPr marL="0" indent="0">
+              <a:buFont typeface="Arial" panose="020B0604020202020204" pitchFamily="34" charset="0"/>
+              <a:buNone/>
+            </a:pPr>
+            <a:endParaRPr lang="en-US" sz="1600" dirty="0"/>
+          </a:p>
+        </p:txBody>
+      </p:sp>
+      <p:sp>
+        <p:nvSpPr>
+          <p:cNvPr id="10" name="Date Placeholder 11">
+            <a:extLst>
+              <a:ext uri="{FF2B5EF4-FFF2-40B4-BE49-F238E27FC236}">
+                <a16:creationId xmlns:a16="http://schemas.microsoft.com/office/drawing/2014/main" id="{32A25F90-8F3F-BA4A-B69D-D50871AAE3FF}"/>
+              </a:ext>
+            </a:extLst>
+          </p:cNvPr>
+          <p:cNvSpPr>
+            <a:spLocks noGrp="1"/>
+          </p:cNvSpPr>
+          <p:nvPr>
+            <p:ph type="dt" sz="half" idx="10"/>
+          </p:nvPr>
+        </p:nvSpPr>
+        <p:spPr>
+          <a:xfrm>
+            <a:off x="76857" y="4800600"/>
+            <a:ext cx="3754164" cy="273844"/>
+          </a:xfrm>
+        </p:spPr>
+        <p:txBody>
+          <a:bodyPr/>
+          <a:lstStyle/>
+          <a:p>
+            <a:r>
+              <a:rPr lang="en-US" dirty="0"/>
+              <a:t> 26. 5. 2022</a:t>
+            </a:r>
+          </a:p>
+        </p:txBody>
+      </p:sp>
+      <p:sp>
+        <p:nvSpPr>
+          <p:cNvPr id="14" name="Footer Placeholder 12">
+            <a:extLst>
+              <a:ext uri="{FF2B5EF4-FFF2-40B4-BE49-F238E27FC236}">
+                <a16:creationId xmlns:a16="http://schemas.microsoft.com/office/drawing/2014/main" id="{0AD5B515-41AA-9B49-B73A-7917CFB0034B}"/>
+              </a:ext>
+            </a:extLst>
+          </p:cNvPr>
+          <p:cNvSpPr>
+            <a:spLocks noGrp="1"/>
+          </p:cNvSpPr>
+          <p:nvPr>
+            <p:ph type="ftr" sz="quarter" idx="11"/>
+          </p:nvPr>
+        </p:nvSpPr>
+        <p:spPr>
+          <a:xfrm>
+            <a:off x="3028950" y="4767263"/>
+            <a:ext cx="3086100" cy="273844"/>
+          </a:xfrm>
+        </p:spPr>
+        <p:txBody>
+          <a:bodyPr/>
+          <a:lstStyle/>
+          <a:p>
+            <a:r>
+              <a:rPr lang="en-US" dirty="0"/>
+              <a:t>PR21-22, </a:t>
+            </a:r>
+            <a:r>
+              <a:rPr lang="en-US" dirty="0" err="1"/>
+              <a:t>Končna</a:t>
+            </a:r>
+            <a:r>
+              <a:rPr lang="en-US" dirty="0"/>
+              <a:t> </a:t>
+            </a:r>
+            <a:r>
+              <a:rPr lang="en-US" dirty="0" err="1"/>
+              <a:t>predstavitev</a:t>
+            </a:r>
+            <a:endParaRPr lang="en-US" dirty="0"/>
+          </a:p>
+        </p:txBody>
+      </p:sp>
+    </p:spTree>
+    <p:extLst>
+      <p:ext uri="{BB962C8B-B14F-4D97-AF65-F5344CB8AC3E}">
+        <p14:creationId xmlns:p14="http://schemas.microsoft.com/office/powerpoint/2010/main" val="4020387492"/>
+      </p:ext>
+    </p:extLst>
+  </p:cSld>
+  <p:clrMapOvr>
+    <a:masterClrMapping/>
+  </p:clrMapOvr>
+</p:sld>
+</file>
+
+<file path=ppt/slides/slide5.xml><?xml version="1.0" encoding="utf-8"?>
+<p:sld xmlns:a="http://schemas.openxmlformats.org/drawingml/2006/main" xmlns:r="http://schemas.openxmlformats.org/officeDocument/2006/relationships" xmlns:p="http://schemas.openxmlformats.org/presentationml/2006/main">
+  <p:cSld>
+    <p:spTree>
+      <p:nvGrpSpPr>
+        <p:cNvPr id="1" name=""/>
+        <p:cNvGrpSpPr/>
+        <p:nvPr/>
+      </p:nvGrpSpPr>
+      <p:grpSpPr>
+        <a:xfrm>
+          <a:off x="0" y="0"/>
+          <a:ext cx="0" cy="0"/>
+          <a:chOff x="0" y="0"/>
+          <a:chExt cx="0" cy="0"/>
+        </a:xfrm>
+      </p:grpSpPr>
+      <p:sp>
+        <p:nvSpPr>
           <p:cNvPr id="2" name="Title 1">
             <a:extLst>
               <a:ext uri="{FF2B5EF4-FFF2-40B4-BE49-F238E27FC236}">
@@ -5651,7 +6236,7 @@
           <a:p>
             <a:fld id="{03BC8BC1-971C-5C4D-898D-87CE7EF1EB36}" type="slidenum">
               <a:rPr lang="en-US" smtClean="0"/>
-              <a:t>3</a:t>
+              <a:t>5</a:t>
             </a:fld>
             <a:endParaRPr lang="en-US"/>
           </a:p>

--- a/predstavitve/PR2021-22_koncna_01.pptx
+++ b/predstavitve/PR2021-22_koncna_01.pptx
@@ -2,7 +2,7 @@
 <file path=ppt/presentation.xml><?xml version="1.0" encoding="utf-8"?>
 <p:presentation xmlns:a="http://schemas.openxmlformats.org/drawingml/2006/main" xmlns:r="http://schemas.openxmlformats.org/officeDocument/2006/relationships" xmlns:p="http://schemas.openxmlformats.org/presentationml/2006/main" saveSubsetFonts="1" autoCompressPictures="0">
   <p:sldMasterIdLst>
-    <p:sldMasterId id="2147483660" r:id="rId1"/>
+    <p:sldMasterId id="2147483723" r:id="rId1"/>
   </p:sldMasterIdLst>
   <p:notesMasterIdLst>
     <p:notesMasterId r:id="rId7"/>
@@ -122,6 +122,15 @@
 </p:presentation>
 </file>
 
+<file path=ppt/revisionInfo.xml><?xml version="1.0" encoding="utf-8"?>
+<p1510:revInfo xmlns:a="http://schemas.openxmlformats.org/drawingml/2006/main" xmlns:r="http://schemas.openxmlformats.org/officeDocument/2006/relationships" xmlns:p1510="http://schemas.microsoft.com/office/powerpoint/2015/10/main">
+  <p1510:revLst>
+    <p1510:client id="{5CBDCFC7-051B-A133-18D1-3DB036492130}" v="235" dt="2022-05-25T13:52:23.016"/>
+    <p1510:client id="{61F7C987-7A71-5574-0F90-6CEF61744426}" v="198" dt="2022-05-25T13:29:49.023"/>
+  </p1510:revLst>
+</p1510:revInfo>
+</file>
+
 <file path=ppt/handoutMasters/handoutMaster1.xml><?xml version="1.0" encoding="utf-8"?>
 <p:handoutMaster xmlns:a="http://schemas.openxmlformats.org/drawingml/2006/main" xmlns:r="http://schemas.openxmlformats.org/officeDocument/2006/relationships" xmlns:p="http://schemas.openxmlformats.org/presentationml/2006/main">
   <p:cSld>
@@ -661,7 +670,7 @@
 </file>
 
 <file path=ppt/slideLayouts/slideLayout1.xml><?xml version="1.0" encoding="utf-8"?>
-<p:sldLayout xmlns:a="http://schemas.openxmlformats.org/drawingml/2006/main" xmlns:r="http://schemas.openxmlformats.org/officeDocument/2006/relationships" xmlns:p="http://schemas.openxmlformats.org/presentationml/2006/main" type="title" preserve="1">
+<p:sldLayout xmlns:a="http://schemas.openxmlformats.org/drawingml/2006/main" xmlns:r="http://schemas.openxmlformats.org/officeDocument/2006/relationships" xmlns:p="http://schemas.openxmlformats.org/presentationml/2006/main" showMasterSp="0" type="title" preserve="1">
   <p:cSld name="Title Slide">
     <p:spTree>
       <p:nvGrpSpPr>
@@ -677,6 +686,536 @@
           <a:chExt cx="0" cy="0"/>
         </a:xfrm>
       </p:grpSpPr>
+      <p:grpSp>
+        <p:nvGrpSpPr>
+          <p:cNvPr id="7" name="Group 6"/>
+          <p:cNvGrpSpPr/>
+          <p:nvPr/>
+        </p:nvGrpSpPr>
+        <p:grpSpPr>
+          <a:xfrm>
+            <a:off x="0" y="-6350"/>
+            <a:ext cx="9144000" cy="5149850"/>
+            <a:chOff x="0" y="-8467"/>
+            <a:chExt cx="12192000" cy="6866467"/>
+          </a:xfrm>
+        </p:grpSpPr>
+        <p:cxnSp>
+          <p:nvCxnSpPr>
+            <p:cNvPr id="32" name="Straight Connector 31"/>
+            <p:cNvCxnSpPr/>
+            <p:nvPr/>
+          </p:nvCxnSpPr>
+          <p:spPr>
+            <a:xfrm>
+              <a:off x="9371012" y="0"/>
+              <a:ext cx="1219200" cy="6858000"/>
+            </a:xfrm>
+            <a:prstGeom prst="line">
+              <a:avLst/>
+            </a:prstGeom>
+            <a:ln w="9525">
+              <a:solidFill>
+                <a:schemeClr val="bg1">
+                  <a:lumMod val="75000"/>
+                </a:schemeClr>
+              </a:solidFill>
+            </a:ln>
+          </p:spPr>
+          <p:style>
+            <a:lnRef idx="2">
+              <a:schemeClr val="accent1"/>
+            </a:lnRef>
+            <a:fillRef idx="0">
+              <a:schemeClr val="accent1"/>
+            </a:fillRef>
+            <a:effectRef idx="1">
+              <a:schemeClr val="accent1"/>
+            </a:effectRef>
+            <a:fontRef idx="minor">
+              <a:schemeClr val="tx1"/>
+            </a:fontRef>
+          </p:style>
+        </p:cxnSp>
+        <p:cxnSp>
+          <p:nvCxnSpPr>
+            <p:cNvPr id="21" name="Straight Connector 20"/>
+            <p:cNvCxnSpPr/>
+            <p:nvPr/>
+          </p:nvCxnSpPr>
+          <p:spPr>
+            <a:xfrm flipH="1">
+              <a:off x="7425267" y="3681413"/>
+              <a:ext cx="4763558" cy="3176587"/>
+            </a:xfrm>
+            <a:prstGeom prst="line">
+              <a:avLst/>
+            </a:prstGeom>
+            <a:ln w="9525">
+              <a:solidFill>
+                <a:schemeClr val="bg1">
+                  <a:lumMod val="85000"/>
+                </a:schemeClr>
+              </a:solidFill>
+            </a:ln>
+          </p:spPr>
+          <p:style>
+            <a:lnRef idx="2">
+              <a:schemeClr val="accent1"/>
+            </a:lnRef>
+            <a:fillRef idx="0">
+              <a:schemeClr val="accent1"/>
+            </a:fillRef>
+            <a:effectRef idx="1">
+              <a:schemeClr val="accent1"/>
+            </a:effectRef>
+            <a:fontRef idx="minor">
+              <a:schemeClr val="tx1"/>
+            </a:fontRef>
+          </p:style>
+        </p:cxnSp>
+        <p:sp>
+          <p:nvSpPr>
+            <p:cNvPr id="24" name="Rectangle 23"/>
+            <p:cNvSpPr/>
+            <p:nvPr/>
+          </p:nvSpPr>
+          <p:spPr>
+            <a:xfrm>
+              <a:off x="9181476" y="-8467"/>
+              <a:ext cx="3007349" cy="6866467"/>
+            </a:xfrm>
+            <a:custGeom>
+              <a:avLst/>
+              <a:gdLst/>
+              <a:ahLst/>
+              <a:cxnLst/>
+              <a:rect l="l" t="t" r="r" b="b"/>
+              <a:pathLst>
+                <a:path w="3007349" h="6866467">
+                  <a:moveTo>
+                    <a:pt x="2045532" y="0"/>
+                  </a:moveTo>
+                  <a:lnTo>
+                    <a:pt x="3007349" y="0"/>
+                  </a:lnTo>
+                  <a:lnTo>
+                    <a:pt x="3007349" y="6866467"/>
+                  </a:lnTo>
+                  <a:lnTo>
+                    <a:pt x="0" y="6866467"/>
+                  </a:lnTo>
+                  <a:lnTo>
+                    <a:pt x="2045532" y="0"/>
+                  </a:lnTo>
+                  <a:close/>
+                </a:path>
+              </a:pathLst>
+            </a:custGeom>
+            <a:solidFill>
+              <a:schemeClr val="accent1">
+                <a:alpha val="30000"/>
+              </a:schemeClr>
+            </a:solidFill>
+            <a:ln>
+              <a:noFill/>
+            </a:ln>
+            <a:effectLst/>
+          </p:spPr>
+          <p:style>
+            <a:lnRef idx="1">
+              <a:schemeClr val="accent1"/>
+            </a:lnRef>
+            <a:fillRef idx="3">
+              <a:schemeClr val="accent1"/>
+            </a:fillRef>
+            <a:effectRef idx="2">
+              <a:schemeClr val="accent1"/>
+            </a:effectRef>
+            <a:fontRef idx="minor">
+              <a:schemeClr val="lt1"/>
+            </a:fontRef>
+          </p:style>
+        </p:sp>
+        <p:sp>
+          <p:nvSpPr>
+            <p:cNvPr id="26" name="Rectangle 25"/>
+            <p:cNvSpPr/>
+            <p:nvPr/>
+          </p:nvSpPr>
+          <p:spPr>
+            <a:xfrm>
+              <a:off x="9603442" y="-8467"/>
+              <a:ext cx="2588558" cy="6866467"/>
+            </a:xfrm>
+            <a:custGeom>
+              <a:avLst/>
+              <a:gdLst/>
+              <a:ahLst/>
+              <a:cxnLst/>
+              <a:rect l="l" t="t" r="r" b="b"/>
+              <a:pathLst>
+                <a:path w="2573311" h="6866467">
+                  <a:moveTo>
+                    <a:pt x="0" y="0"/>
+                  </a:moveTo>
+                  <a:lnTo>
+                    <a:pt x="2573311" y="0"/>
+                  </a:lnTo>
+                  <a:lnTo>
+                    <a:pt x="2573311" y="6866467"/>
+                  </a:lnTo>
+                  <a:lnTo>
+                    <a:pt x="1202336" y="6866467"/>
+                  </a:lnTo>
+                  <a:lnTo>
+                    <a:pt x="0" y="0"/>
+                  </a:lnTo>
+                  <a:close/>
+                </a:path>
+              </a:pathLst>
+            </a:custGeom>
+            <a:solidFill>
+              <a:schemeClr val="accent1">
+                <a:alpha val="20000"/>
+              </a:schemeClr>
+            </a:solidFill>
+            <a:ln>
+              <a:noFill/>
+            </a:ln>
+            <a:effectLst/>
+          </p:spPr>
+          <p:style>
+            <a:lnRef idx="1">
+              <a:schemeClr val="accent1"/>
+            </a:lnRef>
+            <a:fillRef idx="3">
+              <a:schemeClr val="accent1"/>
+            </a:fillRef>
+            <a:effectRef idx="2">
+              <a:schemeClr val="accent1"/>
+            </a:effectRef>
+            <a:fontRef idx="minor">
+              <a:schemeClr val="lt1"/>
+            </a:fontRef>
+          </p:style>
+        </p:sp>
+        <p:sp>
+          <p:nvSpPr>
+            <p:cNvPr id="27" name="Isosceles Triangle 26"/>
+            <p:cNvSpPr/>
+            <p:nvPr/>
+          </p:nvSpPr>
+          <p:spPr>
+            <a:xfrm>
+              <a:off x="8932333" y="3048000"/>
+              <a:ext cx="3259667" cy="3810000"/>
+            </a:xfrm>
+            <a:prstGeom prst="triangle">
+              <a:avLst>
+                <a:gd name="adj" fmla="val 100000"/>
+              </a:avLst>
+            </a:prstGeom>
+            <a:solidFill>
+              <a:schemeClr val="accent2">
+                <a:alpha val="72000"/>
+              </a:schemeClr>
+            </a:solidFill>
+            <a:ln>
+              <a:noFill/>
+            </a:ln>
+            <a:effectLst/>
+          </p:spPr>
+          <p:style>
+            <a:lnRef idx="1">
+              <a:schemeClr val="accent1"/>
+            </a:lnRef>
+            <a:fillRef idx="3">
+              <a:schemeClr val="accent1"/>
+            </a:fillRef>
+            <a:effectRef idx="2">
+              <a:schemeClr val="accent1"/>
+            </a:effectRef>
+            <a:fontRef idx="minor">
+              <a:schemeClr val="lt1"/>
+            </a:fontRef>
+          </p:style>
+        </p:sp>
+        <p:sp>
+          <p:nvSpPr>
+            <p:cNvPr id="28" name="Rectangle 27"/>
+            <p:cNvSpPr/>
+            <p:nvPr/>
+          </p:nvSpPr>
+          <p:spPr>
+            <a:xfrm>
+              <a:off x="9334500" y="-8467"/>
+              <a:ext cx="2854326" cy="6866467"/>
+            </a:xfrm>
+            <a:custGeom>
+              <a:avLst/>
+              <a:gdLst/>
+              <a:ahLst/>
+              <a:cxnLst/>
+              <a:rect l="l" t="t" r="r" b="b"/>
+              <a:pathLst>
+                <a:path w="2858013" h="6866467">
+                  <a:moveTo>
+                    <a:pt x="0" y="0"/>
+                  </a:moveTo>
+                  <a:lnTo>
+                    <a:pt x="2858013" y="0"/>
+                  </a:lnTo>
+                  <a:lnTo>
+                    <a:pt x="2858013" y="6866467"/>
+                  </a:lnTo>
+                  <a:lnTo>
+                    <a:pt x="2473942" y="6866467"/>
+                  </a:lnTo>
+                  <a:lnTo>
+                    <a:pt x="0" y="0"/>
+                  </a:lnTo>
+                  <a:close/>
+                </a:path>
+              </a:pathLst>
+            </a:custGeom>
+            <a:solidFill>
+              <a:schemeClr val="accent2">
+                <a:lumMod val="75000"/>
+                <a:alpha val="70000"/>
+              </a:schemeClr>
+            </a:solidFill>
+            <a:ln>
+              <a:noFill/>
+            </a:ln>
+            <a:effectLst/>
+          </p:spPr>
+          <p:style>
+            <a:lnRef idx="1">
+              <a:schemeClr val="accent1"/>
+            </a:lnRef>
+            <a:fillRef idx="3">
+              <a:schemeClr val="accent1"/>
+            </a:fillRef>
+            <a:effectRef idx="2">
+              <a:schemeClr val="accent1"/>
+            </a:effectRef>
+            <a:fontRef idx="minor">
+              <a:schemeClr val="lt1"/>
+            </a:fontRef>
+          </p:style>
+        </p:sp>
+        <p:sp>
+          <p:nvSpPr>
+            <p:cNvPr id="29" name="Rectangle 28"/>
+            <p:cNvSpPr/>
+            <p:nvPr/>
+          </p:nvSpPr>
+          <p:spPr>
+            <a:xfrm>
+              <a:off x="10898730" y="-8467"/>
+              <a:ext cx="1290094" cy="6866467"/>
+            </a:xfrm>
+            <a:custGeom>
+              <a:avLst/>
+              <a:gdLst/>
+              <a:ahLst/>
+              <a:cxnLst/>
+              <a:rect l="l" t="t" r="r" b="b"/>
+              <a:pathLst>
+                <a:path w="1290094" h="6858000">
+                  <a:moveTo>
+                    <a:pt x="1019735" y="0"/>
+                  </a:moveTo>
+                  <a:lnTo>
+                    <a:pt x="1290094" y="0"/>
+                  </a:lnTo>
+                  <a:lnTo>
+                    <a:pt x="1290094" y="6858000"/>
+                  </a:lnTo>
+                  <a:lnTo>
+                    <a:pt x="0" y="6858000"/>
+                  </a:lnTo>
+                  <a:lnTo>
+                    <a:pt x="1019735" y="0"/>
+                  </a:lnTo>
+                  <a:close/>
+                </a:path>
+              </a:pathLst>
+            </a:custGeom>
+            <a:solidFill>
+              <a:schemeClr val="accent1">
+                <a:lumMod val="60000"/>
+                <a:lumOff val="40000"/>
+                <a:alpha val="70000"/>
+              </a:schemeClr>
+            </a:solidFill>
+            <a:ln>
+              <a:noFill/>
+            </a:ln>
+            <a:effectLst/>
+          </p:spPr>
+          <p:style>
+            <a:lnRef idx="1">
+              <a:schemeClr val="accent1"/>
+            </a:lnRef>
+            <a:fillRef idx="3">
+              <a:schemeClr val="accent1"/>
+            </a:fillRef>
+            <a:effectRef idx="2">
+              <a:schemeClr val="accent1"/>
+            </a:effectRef>
+            <a:fontRef idx="minor">
+              <a:schemeClr val="lt1"/>
+            </a:fontRef>
+          </p:style>
+        </p:sp>
+        <p:sp>
+          <p:nvSpPr>
+            <p:cNvPr id="30" name="Rectangle 29"/>
+            <p:cNvSpPr/>
+            <p:nvPr/>
+          </p:nvSpPr>
+          <p:spPr>
+            <a:xfrm>
+              <a:off x="10938999" y="-8467"/>
+              <a:ext cx="1249825" cy="6866467"/>
+            </a:xfrm>
+            <a:custGeom>
+              <a:avLst/>
+              <a:gdLst/>
+              <a:ahLst/>
+              <a:cxnLst/>
+              <a:rect l="l" t="t" r="r" b="b"/>
+              <a:pathLst>
+                <a:path w="1249825" h="6858000">
+                  <a:moveTo>
+                    <a:pt x="0" y="0"/>
+                  </a:moveTo>
+                  <a:lnTo>
+                    <a:pt x="1249825" y="0"/>
+                  </a:lnTo>
+                  <a:lnTo>
+                    <a:pt x="1249825" y="6858000"/>
+                  </a:lnTo>
+                  <a:lnTo>
+                    <a:pt x="1109382" y="6858000"/>
+                  </a:lnTo>
+                  <a:lnTo>
+                    <a:pt x="0" y="0"/>
+                  </a:lnTo>
+                  <a:close/>
+                </a:path>
+              </a:pathLst>
+            </a:custGeom>
+            <a:solidFill>
+              <a:schemeClr val="accent1">
+                <a:alpha val="65000"/>
+              </a:schemeClr>
+            </a:solidFill>
+            <a:ln>
+              <a:noFill/>
+            </a:ln>
+            <a:effectLst/>
+          </p:spPr>
+          <p:style>
+            <a:lnRef idx="1">
+              <a:schemeClr val="accent1"/>
+            </a:lnRef>
+            <a:fillRef idx="3">
+              <a:schemeClr val="accent1"/>
+            </a:fillRef>
+            <a:effectRef idx="2">
+              <a:schemeClr val="accent1"/>
+            </a:effectRef>
+            <a:fontRef idx="minor">
+              <a:schemeClr val="lt1"/>
+            </a:fontRef>
+          </p:style>
+        </p:sp>
+        <p:sp>
+          <p:nvSpPr>
+            <p:cNvPr id="31" name="Isosceles Triangle 30"/>
+            <p:cNvSpPr/>
+            <p:nvPr/>
+          </p:nvSpPr>
+          <p:spPr>
+            <a:xfrm>
+              <a:off x="10371666" y="3589867"/>
+              <a:ext cx="1817159" cy="3268133"/>
+            </a:xfrm>
+            <a:prstGeom prst="triangle">
+              <a:avLst>
+                <a:gd name="adj" fmla="val 100000"/>
+              </a:avLst>
+            </a:prstGeom>
+            <a:solidFill>
+              <a:schemeClr val="accent1">
+                <a:alpha val="80000"/>
+              </a:schemeClr>
+            </a:solidFill>
+            <a:ln>
+              <a:noFill/>
+            </a:ln>
+            <a:effectLst/>
+          </p:spPr>
+          <p:style>
+            <a:lnRef idx="1">
+              <a:schemeClr val="accent1"/>
+            </a:lnRef>
+            <a:fillRef idx="3">
+              <a:schemeClr val="accent1"/>
+            </a:fillRef>
+            <a:effectRef idx="2">
+              <a:schemeClr val="accent1"/>
+            </a:effectRef>
+            <a:fontRef idx="minor">
+              <a:schemeClr val="lt1"/>
+            </a:fontRef>
+          </p:style>
+        </p:sp>
+        <p:sp>
+          <p:nvSpPr>
+            <p:cNvPr id="19" name="Isosceles Triangle 18"/>
+            <p:cNvSpPr/>
+            <p:nvPr/>
+          </p:nvSpPr>
+          <p:spPr>
+            <a:xfrm rot="10800000">
+              <a:off x="0" y="0"/>
+              <a:ext cx="842596" cy="5666154"/>
+            </a:xfrm>
+            <a:prstGeom prst="triangle">
+              <a:avLst>
+                <a:gd name="adj" fmla="val 100000"/>
+              </a:avLst>
+            </a:prstGeom>
+            <a:solidFill>
+              <a:schemeClr val="accent1">
+                <a:alpha val="85000"/>
+              </a:schemeClr>
+            </a:solidFill>
+            <a:ln>
+              <a:noFill/>
+            </a:ln>
+            <a:effectLst/>
+          </p:spPr>
+          <p:style>
+            <a:lnRef idx="1">
+              <a:schemeClr val="accent1"/>
+            </a:lnRef>
+            <a:fillRef idx="3">
+              <a:schemeClr val="accent1"/>
+            </a:fillRef>
+            <a:effectRef idx="2">
+              <a:schemeClr val="accent1"/>
+            </a:effectRef>
+            <a:fontRef idx="minor">
+              <a:schemeClr val="lt1"/>
+            </a:fontRef>
+          </p:style>
+        </p:sp>
+      </p:grpSp>
       <p:sp>
         <p:nvSpPr>
           <p:cNvPr id="2" name="Title 1"/>
@@ -689,23 +1228,28 @@
         </p:nvSpPr>
         <p:spPr>
           <a:xfrm>
-            <a:off x="1143000" y="841772"/>
-            <a:ext cx="6858000" cy="1790700"/>
+            <a:off x="1130300" y="1803400"/>
+            <a:ext cx="5825202" cy="1234727"/>
           </a:xfrm>
         </p:spPr>
         <p:txBody>
-          <a:bodyPr anchor="b"/>
+          <a:bodyPr anchor="b">
+            <a:noAutofit/>
+          </a:bodyPr>
           <a:lstStyle>
-            <a:lvl1pPr algn="ctr">
-              <a:defRPr sz="4500"/>
+            <a:lvl1pPr algn="r">
+              <a:defRPr sz="9600">
+                <a:solidFill>
+                  <a:schemeClr val="accent1"/>
+                </a:solidFill>
+              </a:defRPr>
             </a:lvl1pPr>
           </a:lstStyle>
           <a:p>
             <a:r>
-              <a:rPr lang="en-US"/>
+              <a:rPr lang="en-US" dirty="0"/>
               <a:t>Click to edit Master title style</a:t>
             </a:r>
-            <a:endParaRPr lang="en-US" dirty="0"/>
           </a:p>
         </p:txBody>
       </p:sp>
@@ -721,56 +1265,110 @@
         </p:nvSpPr>
         <p:spPr>
           <a:xfrm>
-            <a:off x="1143000" y="2701528"/>
-            <a:ext cx="6858000" cy="1241822"/>
+            <a:off x="1130300" y="3038125"/>
+            <a:ext cx="5825202" cy="822674"/>
           </a:xfrm>
         </p:spPr>
         <p:txBody>
-          <a:bodyPr/>
+          <a:bodyPr anchor="t"/>
           <a:lstStyle>
-            <a:lvl1pPr marL="0" indent="0" algn="ctr">
-              <a:buNone/>
-              <a:defRPr sz="1800"/>
+            <a:lvl1pPr marL="0" indent="0" algn="r">
+              <a:buNone/>
+              <a:defRPr>
+                <a:solidFill>
+                  <a:schemeClr val="tx1">
+                    <a:lumMod val="50000"/>
+                    <a:lumOff val="50000"/>
+                  </a:schemeClr>
+                </a:solidFill>
+              </a:defRPr>
             </a:lvl1pPr>
-            <a:lvl2pPr marL="342900" indent="0" algn="ctr">
-              <a:buNone/>
-              <a:defRPr sz="1500"/>
+            <a:lvl2pPr marL="812810" indent="0" algn="ctr">
+              <a:buNone/>
+              <a:defRPr>
+                <a:solidFill>
+                  <a:schemeClr val="tx1">
+                    <a:tint val="75000"/>
+                  </a:schemeClr>
+                </a:solidFill>
+              </a:defRPr>
             </a:lvl2pPr>
-            <a:lvl3pPr marL="685800" indent="0" algn="ctr">
-              <a:buNone/>
-              <a:defRPr sz="1350"/>
+            <a:lvl3pPr marL="1625620" indent="0" algn="ctr">
+              <a:buNone/>
+              <a:defRPr>
+                <a:solidFill>
+                  <a:schemeClr val="tx1">
+                    <a:tint val="75000"/>
+                  </a:schemeClr>
+                </a:solidFill>
+              </a:defRPr>
             </a:lvl3pPr>
-            <a:lvl4pPr marL="1028700" indent="0" algn="ctr">
-              <a:buNone/>
-              <a:defRPr sz="1200"/>
+            <a:lvl4pPr marL="2438430" indent="0" algn="ctr">
+              <a:buNone/>
+              <a:defRPr>
+                <a:solidFill>
+                  <a:schemeClr val="tx1">
+                    <a:tint val="75000"/>
+                  </a:schemeClr>
+                </a:solidFill>
+              </a:defRPr>
             </a:lvl4pPr>
-            <a:lvl5pPr marL="1371600" indent="0" algn="ctr">
-              <a:buNone/>
-              <a:defRPr sz="1200"/>
+            <a:lvl5pPr marL="3251241" indent="0" algn="ctr">
+              <a:buNone/>
+              <a:defRPr>
+                <a:solidFill>
+                  <a:schemeClr val="tx1">
+                    <a:tint val="75000"/>
+                  </a:schemeClr>
+                </a:solidFill>
+              </a:defRPr>
             </a:lvl5pPr>
-            <a:lvl6pPr marL="1714500" indent="0" algn="ctr">
-              <a:buNone/>
-              <a:defRPr sz="1200"/>
+            <a:lvl6pPr marL="4064051" indent="0" algn="ctr">
+              <a:buNone/>
+              <a:defRPr>
+                <a:solidFill>
+                  <a:schemeClr val="tx1">
+                    <a:tint val="75000"/>
+                  </a:schemeClr>
+                </a:solidFill>
+              </a:defRPr>
             </a:lvl6pPr>
-            <a:lvl7pPr marL="2057400" indent="0" algn="ctr">
-              <a:buNone/>
-              <a:defRPr sz="1200"/>
+            <a:lvl7pPr marL="4876861" indent="0" algn="ctr">
+              <a:buNone/>
+              <a:defRPr>
+                <a:solidFill>
+                  <a:schemeClr val="tx1">
+                    <a:tint val="75000"/>
+                  </a:schemeClr>
+                </a:solidFill>
+              </a:defRPr>
             </a:lvl7pPr>
-            <a:lvl8pPr marL="2400300" indent="0" algn="ctr">
-              <a:buNone/>
-              <a:defRPr sz="1200"/>
+            <a:lvl8pPr marL="5689671" indent="0" algn="ctr">
+              <a:buNone/>
+              <a:defRPr>
+                <a:solidFill>
+                  <a:schemeClr val="tx1">
+                    <a:tint val="75000"/>
+                  </a:schemeClr>
+                </a:solidFill>
+              </a:defRPr>
             </a:lvl8pPr>
-            <a:lvl9pPr marL="2743200" indent="0" algn="ctr">
-              <a:buNone/>
-              <a:defRPr sz="1200"/>
+            <a:lvl9pPr marL="6502481" indent="0" algn="ctr">
+              <a:buNone/>
+              <a:defRPr>
+                <a:solidFill>
+                  <a:schemeClr val="tx1">
+                    <a:tint val="75000"/>
+                  </a:schemeClr>
+                </a:solidFill>
+              </a:defRPr>
             </a:lvl9pPr>
           </a:lstStyle>
           <a:p>
             <a:r>
-              <a:rPr lang="en-US"/>
+              <a:rPr lang="en-US" dirty="0"/>
               <a:t>Click to edit Master subtitle style</a:t>
             </a:r>
-            <a:endParaRPr lang="en-US" dirty="0"/>
           </a:p>
         </p:txBody>
       </p:sp>
@@ -789,10 +1387,12 @@
           <a:bodyPr/>
           <a:lstStyle/>
           <a:p>
-            <a:r>
-              <a:rPr lang="en-US"/>
-              <a:t>6. 4. 2020</a:t>
-            </a:r>
+            <a:fld id="{B61BEF0D-F0BB-DE4B-95CE-6DB70DBA9567}" type="datetimeFigureOut">
+              <a:rPr lang="en-US" dirty="0"/>
+              <a:pPr/>
+              <a:t>5/25/2022</a:t>
+            </a:fld>
+            <a:endParaRPr lang="en-US" dirty="0"/>
           </a:p>
         </p:txBody>
       </p:sp>
@@ -811,10 +1411,7 @@
           <a:bodyPr/>
           <a:lstStyle/>
           <a:p>
-            <a:r>
-              <a:rPr lang="en-US"/>
-              <a:t>PR19-20, Vmesna predstavitev</a:t>
-            </a:r>
+            <a:endParaRPr lang="en-US" dirty="0"/>
           </a:p>
         </p:txBody>
       </p:sp>
@@ -833,18 +1430,19 @@
           <a:bodyPr/>
           <a:lstStyle/>
           <a:p>
-            <a:fld id="{03BC8BC1-971C-5C4D-898D-87CE7EF1EB36}" type="slidenum">
-              <a:rPr lang="en-US" smtClean="0"/>
+            <a:fld id="{D57F1E4F-1CFF-5643-939E-217C01CDF565}" type="slidenum">
+              <a:rPr lang="en-US" dirty="0"/>
+              <a:pPr/>
               <a:t>‹#›</a:t>
             </a:fld>
-            <a:endParaRPr lang="en-US"/>
+            <a:endParaRPr lang="en-US" dirty="0"/>
           </a:p>
         </p:txBody>
       </p:sp>
     </p:spTree>
     <p:extLst>
       <p:ext uri="{BB962C8B-B14F-4D97-AF65-F5344CB8AC3E}">
-        <p14:creationId xmlns:p14="http://schemas.microsoft.com/office/powerpoint/2010/main" val="745526017"/>
+        <p14:creationId xmlns:p14="http://schemas.microsoft.com/office/powerpoint/2010/main" val="2510780775"/>
       </p:ext>
     </p:extLst>
   </p:cSld>
@@ -855,6 +1453,1624 @@
 </file>
 
 <file path=ppt/slideLayouts/slideLayout10.xml><?xml version="1.0" encoding="utf-8"?>
+<p:sldLayout xmlns:a="http://schemas.openxmlformats.org/drawingml/2006/main" xmlns:r="http://schemas.openxmlformats.org/officeDocument/2006/relationships" xmlns:p="http://schemas.openxmlformats.org/presentationml/2006/main" preserve="1">
+  <p:cSld name="Title and Caption">
+    <p:spTree>
+      <p:nvGrpSpPr>
+        <p:cNvPr id="1" name=""/>
+        <p:cNvGrpSpPr/>
+        <p:nvPr/>
+      </p:nvGrpSpPr>
+      <p:grpSpPr>
+        <a:xfrm>
+          <a:off x="0" y="0"/>
+          <a:ext cx="0" cy="0"/>
+          <a:chOff x="0" y="0"/>
+          <a:chExt cx="0" cy="0"/>
+        </a:xfrm>
+      </p:grpSpPr>
+      <p:sp>
+        <p:nvSpPr>
+          <p:cNvPr id="2" name="Title 1"/>
+          <p:cNvSpPr>
+            <a:spLocks noGrp="1"/>
+          </p:cNvSpPr>
+          <p:nvPr>
+            <p:ph type="title"/>
+          </p:nvPr>
+        </p:nvSpPr>
+        <p:spPr>
+          <a:xfrm>
+            <a:off x="508001" y="457200"/>
+            <a:ext cx="6447501" cy="2552700"/>
+          </a:xfrm>
+        </p:spPr>
+        <p:txBody>
+          <a:bodyPr anchor="ctr">
+            <a:normAutofit/>
+          </a:bodyPr>
+          <a:lstStyle>
+            <a:lvl1pPr algn="l">
+              <a:defRPr sz="7822" b="0" cap="none"/>
+            </a:lvl1pPr>
+          </a:lstStyle>
+          <a:p>
+            <a:r>
+              <a:rPr lang="en-US" dirty="0"/>
+              <a:t>Click to edit Master title style</a:t>
+            </a:r>
+          </a:p>
+        </p:txBody>
+      </p:sp>
+      <p:sp>
+        <p:nvSpPr>
+          <p:cNvPr id="3" name="Text Placeholder 2"/>
+          <p:cNvSpPr>
+            <a:spLocks noGrp="1"/>
+          </p:cNvSpPr>
+          <p:nvPr>
+            <p:ph type="body" idx="1"/>
+          </p:nvPr>
+        </p:nvSpPr>
+        <p:spPr>
+          <a:xfrm>
+            <a:off x="508001" y="3352800"/>
+            <a:ext cx="6447501" cy="1178222"/>
+          </a:xfrm>
+        </p:spPr>
+        <p:txBody>
+          <a:bodyPr anchor="ctr">
+            <a:normAutofit/>
+          </a:bodyPr>
+          <a:lstStyle>
+            <a:lvl1pPr marL="0" indent="0" algn="l">
+              <a:buNone/>
+              <a:defRPr sz="3200">
+                <a:solidFill>
+                  <a:schemeClr val="tx1">
+                    <a:lumMod val="75000"/>
+                    <a:lumOff val="25000"/>
+                  </a:schemeClr>
+                </a:solidFill>
+              </a:defRPr>
+            </a:lvl1pPr>
+            <a:lvl2pPr marL="812810" indent="0">
+              <a:buNone/>
+              <a:defRPr sz="3200">
+                <a:solidFill>
+                  <a:schemeClr val="tx1">
+                    <a:tint val="75000"/>
+                  </a:schemeClr>
+                </a:solidFill>
+              </a:defRPr>
+            </a:lvl2pPr>
+            <a:lvl3pPr marL="1625620" indent="0">
+              <a:buNone/>
+              <a:defRPr sz="2844">
+                <a:solidFill>
+                  <a:schemeClr val="tx1">
+                    <a:tint val="75000"/>
+                  </a:schemeClr>
+                </a:solidFill>
+              </a:defRPr>
+            </a:lvl3pPr>
+            <a:lvl4pPr marL="2438430" indent="0">
+              <a:buNone/>
+              <a:defRPr sz="2489">
+                <a:solidFill>
+                  <a:schemeClr val="tx1">
+                    <a:tint val="75000"/>
+                  </a:schemeClr>
+                </a:solidFill>
+              </a:defRPr>
+            </a:lvl4pPr>
+            <a:lvl5pPr marL="3251241" indent="0">
+              <a:buNone/>
+              <a:defRPr sz="2489">
+                <a:solidFill>
+                  <a:schemeClr val="tx1">
+                    <a:tint val="75000"/>
+                  </a:schemeClr>
+                </a:solidFill>
+              </a:defRPr>
+            </a:lvl5pPr>
+            <a:lvl6pPr marL="4064051" indent="0">
+              <a:buNone/>
+              <a:defRPr sz="2489">
+                <a:solidFill>
+                  <a:schemeClr val="tx1">
+                    <a:tint val="75000"/>
+                  </a:schemeClr>
+                </a:solidFill>
+              </a:defRPr>
+            </a:lvl6pPr>
+            <a:lvl7pPr marL="4876861" indent="0">
+              <a:buNone/>
+              <a:defRPr sz="2489">
+                <a:solidFill>
+                  <a:schemeClr val="tx1">
+                    <a:tint val="75000"/>
+                  </a:schemeClr>
+                </a:solidFill>
+              </a:defRPr>
+            </a:lvl7pPr>
+            <a:lvl8pPr marL="5689671" indent="0">
+              <a:buNone/>
+              <a:defRPr sz="2489">
+                <a:solidFill>
+                  <a:schemeClr val="tx1">
+                    <a:tint val="75000"/>
+                  </a:schemeClr>
+                </a:solidFill>
+              </a:defRPr>
+            </a:lvl8pPr>
+            <a:lvl9pPr marL="6502481" indent="0">
+              <a:buNone/>
+              <a:defRPr sz="2489">
+                <a:solidFill>
+                  <a:schemeClr val="tx1">
+                    <a:tint val="75000"/>
+                  </a:schemeClr>
+                </a:solidFill>
+              </a:defRPr>
+            </a:lvl9pPr>
+          </a:lstStyle>
+          <a:p>
+            <a:pPr lvl="0"/>
+            <a:r>
+              <a:rPr lang="en-US" dirty="0"/>
+              <a:t>Click to edit Master text styles</a:t>
+            </a:r>
+          </a:p>
+        </p:txBody>
+      </p:sp>
+      <p:sp>
+        <p:nvSpPr>
+          <p:cNvPr id="4" name="Date Placeholder 3"/>
+          <p:cNvSpPr>
+            <a:spLocks noGrp="1"/>
+          </p:cNvSpPr>
+          <p:nvPr>
+            <p:ph type="dt" sz="half" idx="10"/>
+          </p:nvPr>
+        </p:nvSpPr>
+        <p:spPr/>
+        <p:txBody>
+          <a:bodyPr/>
+          <a:lstStyle/>
+          <a:p>
+            <a:fld id="{B61BEF0D-F0BB-DE4B-95CE-6DB70DBA9567}" type="datetimeFigureOut">
+              <a:rPr lang="en-US" dirty="0"/>
+              <a:pPr/>
+              <a:t>5/25/2022</a:t>
+            </a:fld>
+            <a:endParaRPr lang="en-US" dirty="0"/>
+          </a:p>
+        </p:txBody>
+      </p:sp>
+      <p:sp>
+        <p:nvSpPr>
+          <p:cNvPr id="5" name="Footer Placeholder 4"/>
+          <p:cNvSpPr>
+            <a:spLocks noGrp="1"/>
+          </p:cNvSpPr>
+          <p:nvPr>
+            <p:ph type="ftr" sz="quarter" idx="11"/>
+          </p:nvPr>
+        </p:nvSpPr>
+        <p:spPr/>
+        <p:txBody>
+          <a:bodyPr/>
+          <a:lstStyle/>
+          <a:p>
+            <a:endParaRPr lang="en-US" dirty="0"/>
+          </a:p>
+        </p:txBody>
+      </p:sp>
+      <p:sp>
+        <p:nvSpPr>
+          <p:cNvPr id="6" name="Slide Number Placeholder 5"/>
+          <p:cNvSpPr>
+            <a:spLocks noGrp="1"/>
+          </p:cNvSpPr>
+          <p:nvPr>
+            <p:ph type="sldNum" sz="quarter" idx="12"/>
+          </p:nvPr>
+        </p:nvSpPr>
+        <p:spPr/>
+        <p:txBody>
+          <a:bodyPr/>
+          <a:lstStyle/>
+          <a:p>
+            <a:fld id="{D57F1E4F-1CFF-5643-939E-217C01CDF565}" type="slidenum">
+              <a:rPr lang="en-US" dirty="0"/>
+              <a:pPr/>
+              <a:t>‹#›</a:t>
+            </a:fld>
+            <a:endParaRPr lang="en-US" dirty="0"/>
+          </a:p>
+        </p:txBody>
+      </p:sp>
+    </p:spTree>
+    <p:extLst>
+      <p:ext uri="{BB962C8B-B14F-4D97-AF65-F5344CB8AC3E}">
+        <p14:creationId xmlns:p14="http://schemas.microsoft.com/office/powerpoint/2010/main" val="1157072341"/>
+      </p:ext>
+    </p:extLst>
+  </p:cSld>
+  <p:clrMapOvr>
+    <a:masterClrMapping/>
+  </p:clrMapOvr>
+</p:sldLayout>
+</file>
+
+<file path=ppt/slideLayouts/slideLayout11.xml><?xml version="1.0" encoding="utf-8"?>
+<p:sldLayout xmlns:a="http://schemas.openxmlformats.org/drawingml/2006/main" xmlns:r="http://schemas.openxmlformats.org/officeDocument/2006/relationships" xmlns:p="http://schemas.openxmlformats.org/presentationml/2006/main" preserve="1">
+  <p:cSld name="Quote with Caption">
+    <p:spTree>
+      <p:nvGrpSpPr>
+        <p:cNvPr id="1" name=""/>
+        <p:cNvGrpSpPr/>
+        <p:nvPr/>
+      </p:nvGrpSpPr>
+      <p:grpSpPr>
+        <a:xfrm>
+          <a:off x="0" y="0"/>
+          <a:ext cx="0" cy="0"/>
+          <a:chOff x="0" y="0"/>
+          <a:chExt cx="0" cy="0"/>
+        </a:xfrm>
+      </p:grpSpPr>
+      <p:sp>
+        <p:nvSpPr>
+          <p:cNvPr id="2" name="Title 1"/>
+          <p:cNvSpPr>
+            <a:spLocks noGrp="1"/>
+          </p:cNvSpPr>
+          <p:nvPr>
+            <p:ph type="title"/>
+          </p:nvPr>
+        </p:nvSpPr>
+        <p:spPr>
+          <a:xfrm>
+            <a:off x="698500" y="457200"/>
+            <a:ext cx="6070601" cy="2266950"/>
+          </a:xfrm>
+        </p:spPr>
+        <p:txBody>
+          <a:bodyPr anchor="ctr">
+            <a:normAutofit/>
+          </a:bodyPr>
+          <a:lstStyle>
+            <a:lvl1pPr algn="l">
+              <a:defRPr sz="7822" b="0" cap="none"/>
+            </a:lvl1pPr>
+          </a:lstStyle>
+          <a:p>
+            <a:r>
+              <a:rPr lang="en-US" dirty="0"/>
+              <a:t>Click to edit Master title style</a:t>
+            </a:r>
+          </a:p>
+        </p:txBody>
+      </p:sp>
+      <p:sp>
+        <p:nvSpPr>
+          <p:cNvPr id="23" name="Text Placeholder 9"/>
+          <p:cNvSpPr>
+            <a:spLocks noGrp="1"/>
+          </p:cNvSpPr>
+          <p:nvPr>
+            <p:ph type="body" sz="quarter" idx="13"/>
+          </p:nvPr>
+        </p:nvSpPr>
+        <p:spPr>
+          <a:xfrm>
+            <a:off x="1024604" y="2724150"/>
+            <a:ext cx="5418393" cy="285750"/>
+          </a:xfrm>
+        </p:spPr>
+        <p:txBody>
+          <a:bodyPr anchor="ctr">
+            <a:noAutofit/>
+          </a:bodyPr>
+          <a:lstStyle>
+            <a:lvl1pPr marL="0" indent="0">
+              <a:buFontTx/>
+              <a:buNone/>
+              <a:defRPr sz="2844">
+                <a:solidFill>
+                  <a:schemeClr val="tx1">
+                    <a:lumMod val="50000"/>
+                    <a:lumOff val="50000"/>
+                  </a:schemeClr>
+                </a:solidFill>
+              </a:defRPr>
+            </a:lvl1pPr>
+            <a:lvl2pPr marL="812810" indent="0">
+              <a:buFontTx/>
+              <a:buNone/>
+              <a:defRPr/>
+            </a:lvl2pPr>
+            <a:lvl3pPr marL="1625620" indent="0">
+              <a:buFontTx/>
+              <a:buNone/>
+              <a:defRPr/>
+            </a:lvl3pPr>
+            <a:lvl4pPr marL="2438430" indent="0">
+              <a:buFontTx/>
+              <a:buNone/>
+              <a:defRPr/>
+            </a:lvl4pPr>
+            <a:lvl5pPr marL="3251241" indent="0">
+              <a:buFontTx/>
+              <a:buNone/>
+              <a:defRPr/>
+            </a:lvl5pPr>
+          </a:lstStyle>
+          <a:p>
+            <a:pPr lvl="0"/>
+            <a:r>
+              <a:rPr lang="en-US" dirty="0"/>
+              <a:t>Click to edit Master text styles</a:t>
+            </a:r>
+          </a:p>
+        </p:txBody>
+      </p:sp>
+      <p:sp>
+        <p:nvSpPr>
+          <p:cNvPr id="3" name="Text Placeholder 2"/>
+          <p:cNvSpPr>
+            <a:spLocks noGrp="1"/>
+          </p:cNvSpPr>
+          <p:nvPr>
+            <p:ph type="body" idx="1"/>
+          </p:nvPr>
+        </p:nvSpPr>
+        <p:spPr>
+          <a:xfrm>
+            <a:off x="508001" y="3352800"/>
+            <a:ext cx="6447501" cy="1178222"/>
+          </a:xfrm>
+        </p:spPr>
+        <p:txBody>
+          <a:bodyPr anchor="ctr">
+            <a:normAutofit/>
+          </a:bodyPr>
+          <a:lstStyle>
+            <a:lvl1pPr marL="0" indent="0" algn="l">
+              <a:buNone/>
+              <a:defRPr sz="3200">
+                <a:solidFill>
+                  <a:schemeClr val="tx1">
+                    <a:lumMod val="75000"/>
+                    <a:lumOff val="25000"/>
+                  </a:schemeClr>
+                </a:solidFill>
+              </a:defRPr>
+            </a:lvl1pPr>
+            <a:lvl2pPr marL="812810" indent="0">
+              <a:buNone/>
+              <a:defRPr sz="3200">
+                <a:solidFill>
+                  <a:schemeClr val="tx1">
+                    <a:tint val="75000"/>
+                  </a:schemeClr>
+                </a:solidFill>
+              </a:defRPr>
+            </a:lvl2pPr>
+            <a:lvl3pPr marL="1625620" indent="0">
+              <a:buNone/>
+              <a:defRPr sz="2844">
+                <a:solidFill>
+                  <a:schemeClr val="tx1">
+                    <a:tint val="75000"/>
+                  </a:schemeClr>
+                </a:solidFill>
+              </a:defRPr>
+            </a:lvl3pPr>
+            <a:lvl4pPr marL="2438430" indent="0">
+              <a:buNone/>
+              <a:defRPr sz="2489">
+                <a:solidFill>
+                  <a:schemeClr val="tx1">
+                    <a:tint val="75000"/>
+                  </a:schemeClr>
+                </a:solidFill>
+              </a:defRPr>
+            </a:lvl4pPr>
+            <a:lvl5pPr marL="3251241" indent="0">
+              <a:buNone/>
+              <a:defRPr sz="2489">
+                <a:solidFill>
+                  <a:schemeClr val="tx1">
+                    <a:tint val="75000"/>
+                  </a:schemeClr>
+                </a:solidFill>
+              </a:defRPr>
+            </a:lvl5pPr>
+            <a:lvl6pPr marL="4064051" indent="0">
+              <a:buNone/>
+              <a:defRPr sz="2489">
+                <a:solidFill>
+                  <a:schemeClr val="tx1">
+                    <a:tint val="75000"/>
+                  </a:schemeClr>
+                </a:solidFill>
+              </a:defRPr>
+            </a:lvl6pPr>
+            <a:lvl7pPr marL="4876861" indent="0">
+              <a:buNone/>
+              <a:defRPr sz="2489">
+                <a:solidFill>
+                  <a:schemeClr val="tx1">
+                    <a:tint val="75000"/>
+                  </a:schemeClr>
+                </a:solidFill>
+              </a:defRPr>
+            </a:lvl7pPr>
+            <a:lvl8pPr marL="5689671" indent="0">
+              <a:buNone/>
+              <a:defRPr sz="2489">
+                <a:solidFill>
+                  <a:schemeClr val="tx1">
+                    <a:tint val="75000"/>
+                  </a:schemeClr>
+                </a:solidFill>
+              </a:defRPr>
+            </a:lvl8pPr>
+            <a:lvl9pPr marL="6502481" indent="0">
+              <a:buNone/>
+              <a:defRPr sz="2489">
+                <a:solidFill>
+                  <a:schemeClr val="tx1">
+                    <a:tint val="75000"/>
+                  </a:schemeClr>
+                </a:solidFill>
+              </a:defRPr>
+            </a:lvl9pPr>
+          </a:lstStyle>
+          <a:p>
+            <a:pPr lvl="0"/>
+            <a:r>
+              <a:rPr lang="en-US" dirty="0"/>
+              <a:t>Click to edit Master text styles</a:t>
+            </a:r>
+          </a:p>
+        </p:txBody>
+      </p:sp>
+      <p:sp>
+        <p:nvSpPr>
+          <p:cNvPr id="4" name="Date Placeholder 3"/>
+          <p:cNvSpPr>
+            <a:spLocks noGrp="1"/>
+          </p:cNvSpPr>
+          <p:nvPr>
+            <p:ph type="dt" sz="half" idx="10"/>
+          </p:nvPr>
+        </p:nvSpPr>
+        <p:spPr/>
+        <p:txBody>
+          <a:bodyPr/>
+          <a:lstStyle/>
+          <a:p>
+            <a:fld id="{B61BEF0D-F0BB-DE4B-95CE-6DB70DBA9567}" type="datetimeFigureOut">
+              <a:rPr lang="en-US" dirty="0"/>
+              <a:pPr/>
+              <a:t>5/25/2022</a:t>
+            </a:fld>
+            <a:endParaRPr lang="en-US" dirty="0"/>
+          </a:p>
+        </p:txBody>
+      </p:sp>
+      <p:sp>
+        <p:nvSpPr>
+          <p:cNvPr id="5" name="Footer Placeholder 4"/>
+          <p:cNvSpPr>
+            <a:spLocks noGrp="1"/>
+          </p:cNvSpPr>
+          <p:nvPr>
+            <p:ph type="ftr" sz="quarter" idx="11"/>
+          </p:nvPr>
+        </p:nvSpPr>
+        <p:spPr/>
+        <p:txBody>
+          <a:bodyPr/>
+          <a:lstStyle/>
+          <a:p>
+            <a:endParaRPr lang="en-US" dirty="0"/>
+          </a:p>
+        </p:txBody>
+      </p:sp>
+      <p:sp>
+        <p:nvSpPr>
+          <p:cNvPr id="6" name="Slide Number Placeholder 5"/>
+          <p:cNvSpPr>
+            <a:spLocks noGrp="1"/>
+          </p:cNvSpPr>
+          <p:nvPr>
+            <p:ph type="sldNum" sz="quarter" idx="12"/>
+          </p:nvPr>
+        </p:nvSpPr>
+        <p:spPr/>
+        <p:txBody>
+          <a:bodyPr/>
+          <a:lstStyle/>
+          <a:p>
+            <a:fld id="{D57F1E4F-1CFF-5643-939E-217C01CDF565}" type="slidenum">
+              <a:rPr lang="en-US" dirty="0"/>
+              <a:pPr/>
+              <a:t>‹#›</a:t>
+            </a:fld>
+            <a:endParaRPr lang="en-US" dirty="0"/>
+          </a:p>
+        </p:txBody>
+      </p:sp>
+      <p:sp>
+        <p:nvSpPr>
+          <p:cNvPr id="20" name="TextBox 19"/>
+          <p:cNvSpPr txBox="1"/>
+          <p:nvPr/>
+        </p:nvSpPr>
+        <p:spPr>
+          <a:xfrm>
+            <a:off x="406403" y="592784"/>
+            <a:ext cx="457200" cy="438582"/>
+          </a:xfrm>
+          <a:prstGeom prst="rect">
+            <a:avLst/>
+          </a:prstGeom>
+        </p:spPr>
+        <p:txBody>
+          <a:bodyPr vert="horz" lIns="162560" tIns="81280" rIns="162560" bIns="81280" rtlCol="0" anchor="ctr">
+            <a:noAutofit/>
+          </a:bodyPr>
+          <a:lstStyle/>
+          <a:p>
+            <a:pPr lvl="0"/>
+            <a:r>
+              <a:rPr lang="en-US" sz="14222" baseline="0" dirty="0">
+                <a:ln w="3175" cmpd="sng">
+                  <a:noFill/>
+                </a:ln>
+                <a:solidFill>
+                  <a:schemeClr val="accent1">
+                    <a:lumMod val="60000"/>
+                    <a:lumOff val="40000"/>
+                  </a:schemeClr>
+                </a:solidFill>
+                <a:effectLst/>
+                <a:latin typeface="Arial"/>
+              </a:rPr>
+              <a:t>“</a:t>
+            </a:r>
+          </a:p>
+        </p:txBody>
+      </p:sp>
+      <p:sp>
+        <p:nvSpPr>
+          <p:cNvPr id="22" name="TextBox 21"/>
+          <p:cNvSpPr txBox="1"/>
+          <p:nvPr/>
+        </p:nvSpPr>
+        <p:spPr>
+          <a:xfrm>
+            <a:off x="6669758" y="2164917"/>
+            <a:ext cx="457200" cy="438582"/>
+          </a:xfrm>
+          <a:prstGeom prst="rect">
+            <a:avLst/>
+          </a:prstGeom>
+        </p:spPr>
+        <p:txBody>
+          <a:bodyPr vert="horz" lIns="162560" tIns="81280" rIns="162560" bIns="81280" rtlCol="0" anchor="ctr">
+            <a:noAutofit/>
+          </a:bodyPr>
+          <a:lstStyle/>
+          <a:p>
+            <a:pPr lvl="0"/>
+            <a:r>
+              <a:rPr lang="en-US" sz="14222" baseline="0" dirty="0">
+                <a:ln w="3175" cmpd="sng">
+                  <a:noFill/>
+                </a:ln>
+                <a:solidFill>
+                  <a:schemeClr val="accent1">
+                    <a:lumMod val="60000"/>
+                    <a:lumOff val="40000"/>
+                  </a:schemeClr>
+                </a:solidFill>
+                <a:latin typeface="Arial"/>
+              </a:rPr>
+              <a:t>”</a:t>
+            </a:r>
+            <a:endParaRPr lang="en-US" sz="3200" dirty="0">
+              <a:solidFill>
+                <a:schemeClr val="accent1">
+                  <a:lumMod val="60000"/>
+                  <a:lumOff val="40000"/>
+                </a:schemeClr>
+              </a:solidFill>
+              <a:latin typeface="Arial"/>
+            </a:endParaRPr>
+          </a:p>
+        </p:txBody>
+      </p:sp>
+    </p:spTree>
+    <p:extLst>
+      <p:ext uri="{BB962C8B-B14F-4D97-AF65-F5344CB8AC3E}">
+        <p14:creationId xmlns:p14="http://schemas.microsoft.com/office/powerpoint/2010/main" val="744827640"/>
+      </p:ext>
+    </p:extLst>
+  </p:cSld>
+  <p:clrMapOvr>
+    <a:masterClrMapping/>
+  </p:clrMapOvr>
+</p:sldLayout>
+</file>
+
+<file path=ppt/slideLayouts/slideLayout12.xml><?xml version="1.0" encoding="utf-8"?>
+<p:sldLayout xmlns:a="http://schemas.openxmlformats.org/drawingml/2006/main" xmlns:r="http://schemas.openxmlformats.org/officeDocument/2006/relationships" xmlns:p="http://schemas.openxmlformats.org/presentationml/2006/main" preserve="1">
+  <p:cSld name="Name Card">
+    <p:spTree>
+      <p:nvGrpSpPr>
+        <p:cNvPr id="1" name=""/>
+        <p:cNvGrpSpPr/>
+        <p:nvPr/>
+      </p:nvGrpSpPr>
+      <p:grpSpPr>
+        <a:xfrm>
+          <a:off x="0" y="0"/>
+          <a:ext cx="0" cy="0"/>
+          <a:chOff x="0" y="0"/>
+          <a:chExt cx="0" cy="0"/>
+        </a:xfrm>
+      </p:grpSpPr>
+      <p:sp>
+        <p:nvSpPr>
+          <p:cNvPr id="2" name="Title 1"/>
+          <p:cNvSpPr>
+            <a:spLocks noGrp="1"/>
+          </p:cNvSpPr>
+          <p:nvPr>
+            <p:ph type="title"/>
+          </p:nvPr>
+        </p:nvSpPr>
+        <p:spPr>
+          <a:xfrm>
+            <a:off x="508001" y="1448991"/>
+            <a:ext cx="6447501" cy="1946595"/>
+          </a:xfrm>
+        </p:spPr>
+        <p:txBody>
+          <a:bodyPr anchor="b">
+            <a:normAutofit/>
+          </a:bodyPr>
+          <a:lstStyle>
+            <a:lvl1pPr algn="l">
+              <a:defRPr sz="7822" b="0" cap="none"/>
+            </a:lvl1pPr>
+          </a:lstStyle>
+          <a:p>
+            <a:r>
+              <a:rPr lang="en-US" dirty="0"/>
+              <a:t>Click to edit Master title style</a:t>
+            </a:r>
+          </a:p>
+        </p:txBody>
+      </p:sp>
+      <p:sp>
+        <p:nvSpPr>
+          <p:cNvPr id="3" name="Text Placeholder 2"/>
+          <p:cNvSpPr>
+            <a:spLocks noGrp="1"/>
+          </p:cNvSpPr>
+          <p:nvPr>
+            <p:ph type="body" idx="1"/>
+          </p:nvPr>
+        </p:nvSpPr>
+        <p:spPr>
+          <a:xfrm>
+            <a:off x="508001" y="3395586"/>
+            <a:ext cx="6447501" cy="1135436"/>
+          </a:xfrm>
+        </p:spPr>
+        <p:txBody>
+          <a:bodyPr anchor="t">
+            <a:normAutofit/>
+          </a:bodyPr>
+          <a:lstStyle>
+            <a:lvl1pPr marL="0" indent="0" algn="l">
+              <a:buNone/>
+              <a:defRPr sz="3200">
+                <a:solidFill>
+                  <a:schemeClr val="tx1">
+                    <a:lumMod val="75000"/>
+                    <a:lumOff val="25000"/>
+                  </a:schemeClr>
+                </a:solidFill>
+              </a:defRPr>
+            </a:lvl1pPr>
+            <a:lvl2pPr marL="812810" indent="0">
+              <a:buNone/>
+              <a:defRPr sz="3200">
+                <a:solidFill>
+                  <a:schemeClr val="tx1">
+                    <a:tint val="75000"/>
+                  </a:schemeClr>
+                </a:solidFill>
+              </a:defRPr>
+            </a:lvl2pPr>
+            <a:lvl3pPr marL="1625620" indent="0">
+              <a:buNone/>
+              <a:defRPr sz="2844">
+                <a:solidFill>
+                  <a:schemeClr val="tx1">
+                    <a:tint val="75000"/>
+                  </a:schemeClr>
+                </a:solidFill>
+              </a:defRPr>
+            </a:lvl3pPr>
+            <a:lvl4pPr marL="2438430" indent="0">
+              <a:buNone/>
+              <a:defRPr sz="2489">
+                <a:solidFill>
+                  <a:schemeClr val="tx1">
+                    <a:tint val="75000"/>
+                  </a:schemeClr>
+                </a:solidFill>
+              </a:defRPr>
+            </a:lvl4pPr>
+            <a:lvl5pPr marL="3251241" indent="0">
+              <a:buNone/>
+              <a:defRPr sz="2489">
+                <a:solidFill>
+                  <a:schemeClr val="tx1">
+                    <a:tint val="75000"/>
+                  </a:schemeClr>
+                </a:solidFill>
+              </a:defRPr>
+            </a:lvl5pPr>
+            <a:lvl6pPr marL="4064051" indent="0">
+              <a:buNone/>
+              <a:defRPr sz="2489">
+                <a:solidFill>
+                  <a:schemeClr val="tx1">
+                    <a:tint val="75000"/>
+                  </a:schemeClr>
+                </a:solidFill>
+              </a:defRPr>
+            </a:lvl6pPr>
+            <a:lvl7pPr marL="4876861" indent="0">
+              <a:buNone/>
+              <a:defRPr sz="2489">
+                <a:solidFill>
+                  <a:schemeClr val="tx1">
+                    <a:tint val="75000"/>
+                  </a:schemeClr>
+                </a:solidFill>
+              </a:defRPr>
+            </a:lvl7pPr>
+            <a:lvl8pPr marL="5689671" indent="0">
+              <a:buNone/>
+              <a:defRPr sz="2489">
+                <a:solidFill>
+                  <a:schemeClr val="tx1">
+                    <a:tint val="75000"/>
+                  </a:schemeClr>
+                </a:solidFill>
+              </a:defRPr>
+            </a:lvl8pPr>
+            <a:lvl9pPr marL="6502481" indent="0">
+              <a:buNone/>
+              <a:defRPr sz="2489">
+                <a:solidFill>
+                  <a:schemeClr val="tx1">
+                    <a:tint val="75000"/>
+                  </a:schemeClr>
+                </a:solidFill>
+              </a:defRPr>
+            </a:lvl9pPr>
+          </a:lstStyle>
+          <a:p>
+            <a:pPr lvl="0"/>
+            <a:r>
+              <a:rPr lang="en-US" dirty="0"/>
+              <a:t>Click to edit Master text styles</a:t>
+            </a:r>
+          </a:p>
+        </p:txBody>
+      </p:sp>
+      <p:sp>
+        <p:nvSpPr>
+          <p:cNvPr id="4" name="Date Placeholder 3"/>
+          <p:cNvSpPr>
+            <a:spLocks noGrp="1"/>
+          </p:cNvSpPr>
+          <p:nvPr>
+            <p:ph type="dt" sz="half" idx="10"/>
+          </p:nvPr>
+        </p:nvSpPr>
+        <p:spPr/>
+        <p:txBody>
+          <a:bodyPr/>
+          <a:lstStyle/>
+          <a:p>
+            <a:fld id="{B61BEF0D-F0BB-DE4B-95CE-6DB70DBA9567}" type="datetimeFigureOut">
+              <a:rPr lang="en-US" dirty="0"/>
+              <a:pPr/>
+              <a:t>5/25/2022</a:t>
+            </a:fld>
+            <a:endParaRPr lang="en-US" dirty="0"/>
+          </a:p>
+        </p:txBody>
+      </p:sp>
+      <p:sp>
+        <p:nvSpPr>
+          <p:cNvPr id="5" name="Footer Placeholder 4"/>
+          <p:cNvSpPr>
+            <a:spLocks noGrp="1"/>
+          </p:cNvSpPr>
+          <p:nvPr>
+            <p:ph type="ftr" sz="quarter" idx="11"/>
+          </p:nvPr>
+        </p:nvSpPr>
+        <p:spPr/>
+        <p:txBody>
+          <a:bodyPr/>
+          <a:lstStyle/>
+          <a:p>
+            <a:endParaRPr lang="en-US" dirty="0"/>
+          </a:p>
+        </p:txBody>
+      </p:sp>
+      <p:sp>
+        <p:nvSpPr>
+          <p:cNvPr id="6" name="Slide Number Placeholder 5"/>
+          <p:cNvSpPr>
+            <a:spLocks noGrp="1"/>
+          </p:cNvSpPr>
+          <p:nvPr>
+            <p:ph type="sldNum" sz="quarter" idx="12"/>
+          </p:nvPr>
+        </p:nvSpPr>
+        <p:spPr/>
+        <p:txBody>
+          <a:bodyPr/>
+          <a:lstStyle/>
+          <a:p>
+            <a:fld id="{D57F1E4F-1CFF-5643-939E-217C01CDF565}" type="slidenum">
+              <a:rPr lang="en-US" dirty="0"/>
+              <a:pPr/>
+              <a:t>‹#›</a:t>
+            </a:fld>
+            <a:endParaRPr lang="en-US" dirty="0"/>
+          </a:p>
+        </p:txBody>
+      </p:sp>
+    </p:spTree>
+    <p:extLst>
+      <p:ext uri="{BB962C8B-B14F-4D97-AF65-F5344CB8AC3E}">
+        <p14:creationId xmlns:p14="http://schemas.microsoft.com/office/powerpoint/2010/main" val="663200595"/>
+      </p:ext>
+    </p:extLst>
+  </p:cSld>
+  <p:clrMapOvr>
+    <a:masterClrMapping/>
+  </p:clrMapOvr>
+</p:sldLayout>
+</file>
+
+<file path=ppt/slideLayouts/slideLayout13.xml><?xml version="1.0" encoding="utf-8"?>
+<p:sldLayout xmlns:a="http://schemas.openxmlformats.org/drawingml/2006/main" xmlns:r="http://schemas.openxmlformats.org/officeDocument/2006/relationships" xmlns:p="http://schemas.openxmlformats.org/presentationml/2006/main" preserve="1">
+  <p:cSld name="Quote Name Card">
+    <p:spTree>
+      <p:nvGrpSpPr>
+        <p:cNvPr id="1" name=""/>
+        <p:cNvGrpSpPr/>
+        <p:nvPr/>
+      </p:nvGrpSpPr>
+      <p:grpSpPr>
+        <a:xfrm>
+          <a:off x="0" y="0"/>
+          <a:ext cx="0" cy="0"/>
+          <a:chOff x="0" y="0"/>
+          <a:chExt cx="0" cy="0"/>
+        </a:xfrm>
+      </p:grpSpPr>
+      <p:sp>
+        <p:nvSpPr>
+          <p:cNvPr id="2" name="Title 1"/>
+          <p:cNvSpPr>
+            <a:spLocks noGrp="1"/>
+          </p:cNvSpPr>
+          <p:nvPr>
+            <p:ph type="title"/>
+          </p:nvPr>
+        </p:nvSpPr>
+        <p:spPr>
+          <a:xfrm>
+            <a:off x="698500" y="457200"/>
+            <a:ext cx="6070601" cy="2266950"/>
+          </a:xfrm>
+        </p:spPr>
+        <p:txBody>
+          <a:bodyPr anchor="ctr">
+            <a:normAutofit/>
+          </a:bodyPr>
+          <a:lstStyle>
+            <a:lvl1pPr algn="l">
+              <a:defRPr sz="7822" b="0" cap="none"/>
+            </a:lvl1pPr>
+          </a:lstStyle>
+          <a:p>
+            <a:r>
+              <a:rPr lang="en-US" dirty="0"/>
+              <a:t>Click to edit Master title style</a:t>
+            </a:r>
+          </a:p>
+        </p:txBody>
+      </p:sp>
+      <p:sp>
+        <p:nvSpPr>
+          <p:cNvPr id="23" name="Text Placeholder 9"/>
+          <p:cNvSpPr>
+            <a:spLocks noGrp="1"/>
+          </p:cNvSpPr>
+          <p:nvPr>
+            <p:ph type="body" sz="quarter" idx="13"/>
+          </p:nvPr>
+        </p:nvSpPr>
+        <p:spPr>
+          <a:xfrm>
+            <a:off x="507999" y="3009900"/>
+            <a:ext cx="6447502" cy="385686"/>
+          </a:xfrm>
+        </p:spPr>
+        <p:txBody>
+          <a:bodyPr anchor="b">
+            <a:noAutofit/>
+          </a:bodyPr>
+          <a:lstStyle>
+            <a:lvl1pPr marL="0" indent="0">
+              <a:buFontTx/>
+              <a:buNone/>
+              <a:defRPr sz="4267">
+                <a:solidFill>
+                  <a:schemeClr val="tx1">
+                    <a:lumMod val="75000"/>
+                    <a:lumOff val="25000"/>
+                  </a:schemeClr>
+                </a:solidFill>
+              </a:defRPr>
+            </a:lvl1pPr>
+            <a:lvl2pPr marL="812810" indent="0">
+              <a:buFontTx/>
+              <a:buNone/>
+              <a:defRPr/>
+            </a:lvl2pPr>
+            <a:lvl3pPr marL="1625620" indent="0">
+              <a:buFontTx/>
+              <a:buNone/>
+              <a:defRPr/>
+            </a:lvl3pPr>
+            <a:lvl4pPr marL="2438430" indent="0">
+              <a:buFontTx/>
+              <a:buNone/>
+              <a:defRPr/>
+            </a:lvl4pPr>
+            <a:lvl5pPr marL="3251241" indent="0">
+              <a:buFontTx/>
+              <a:buNone/>
+              <a:defRPr/>
+            </a:lvl5pPr>
+          </a:lstStyle>
+          <a:p>
+            <a:pPr lvl="0"/>
+            <a:r>
+              <a:rPr lang="en-US" dirty="0"/>
+              <a:t>Click to edit Master text styles</a:t>
+            </a:r>
+          </a:p>
+        </p:txBody>
+      </p:sp>
+      <p:sp>
+        <p:nvSpPr>
+          <p:cNvPr id="3" name="Text Placeholder 2"/>
+          <p:cNvSpPr>
+            <a:spLocks noGrp="1"/>
+          </p:cNvSpPr>
+          <p:nvPr>
+            <p:ph type="body" idx="1"/>
+          </p:nvPr>
+        </p:nvSpPr>
+        <p:spPr>
+          <a:xfrm>
+            <a:off x="508001" y="3395586"/>
+            <a:ext cx="6447501" cy="1135436"/>
+          </a:xfrm>
+        </p:spPr>
+        <p:txBody>
+          <a:bodyPr anchor="t">
+            <a:normAutofit/>
+          </a:bodyPr>
+          <a:lstStyle>
+            <a:lvl1pPr marL="0" indent="0" algn="l">
+              <a:buNone/>
+              <a:defRPr sz="3200">
+                <a:solidFill>
+                  <a:schemeClr val="tx1">
+                    <a:lumMod val="50000"/>
+                    <a:lumOff val="50000"/>
+                  </a:schemeClr>
+                </a:solidFill>
+              </a:defRPr>
+            </a:lvl1pPr>
+            <a:lvl2pPr marL="812810" indent="0">
+              <a:buNone/>
+              <a:defRPr sz="3200">
+                <a:solidFill>
+                  <a:schemeClr val="tx1">
+                    <a:tint val="75000"/>
+                  </a:schemeClr>
+                </a:solidFill>
+              </a:defRPr>
+            </a:lvl2pPr>
+            <a:lvl3pPr marL="1625620" indent="0">
+              <a:buNone/>
+              <a:defRPr sz="2844">
+                <a:solidFill>
+                  <a:schemeClr val="tx1">
+                    <a:tint val="75000"/>
+                  </a:schemeClr>
+                </a:solidFill>
+              </a:defRPr>
+            </a:lvl3pPr>
+            <a:lvl4pPr marL="2438430" indent="0">
+              <a:buNone/>
+              <a:defRPr sz="2489">
+                <a:solidFill>
+                  <a:schemeClr val="tx1">
+                    <a:tint val="75000"/>
+                  </a:schemeClr>
+                </a:solidFill>
+              </a:defRPr>
+            </a:lvl4pPr>
+            <a:lvl5pPr marL="3251241" indent="0">
+              <a:buNone/>
+              <a:defRPr sz="2489">
+                <a:solidFill>
+                  <a:schemeClr val="tx1">
+                    <a:tint val="75000"/>
+                  </a:schemeClr>
+                </a:solidFill>
+              </a:defRPr>
+            </a:lvl5pPr>
+            <a:lvl6pPr marL="4064051" indent="0">
+              <a:buNone/>
+              <a:defRPr sz="2489">
+                <a:solidFill>
+                  <a:schemeClr val="tx1">
+                    <a:tint val="75000"/>
+                  </a:schemeClr>
+                </a:solidFill>
+              </a:defRPr>
+            </a:lvl6pPr>
+            <a:lvl7pPr marL="4876861" indent="0">
+              <a:buNone/>
+              <a:defRPr sz="2489">
+                <a:solidFill>
+                  <a:schemeClr val="tx1">
+                    <a:tint val="75000"/>
+                  </a:schemeClr>
+                </a:solidFill>
+              </a:defRPr>
+            </a:lvl7pPr>
+            <a:lvl8pPr marL="5689671" indent="0">
+              <a:buNone/>
+              <a:defRPr sz="2489">
+                <a:solidFill>
+                  <a:schemeClr val="tx1">
+                    <a:tint val="75000"/>
+                  </a:schemeClr>
+                </a:solidFill>
+              </a:defRPr>
+            </a:lvl8pPr>
+            <a:lvl9pPr marL="6502481" indent="0">
+              <a:buNone/>
+              <a:defRPr sz="2489">
+                <a:solidFill>
+                  <a:schemeClr val="tx1">
+                    <a:tint val="75000"/>
+                  </a:schemeClr>
+                </a:solidFill>
+              </a:defRPr>
+            </a:lvl9pPr>
+          </a:lstStyle>
+          <a:p>
+            <a:pPr lvl="0"/>
+            <a:r>
+              <a:rPr lang="en-US" dirty="0"/>
+              <a:t>Click to edit Master text styles</a:t>
+            </a:r>
+          </a:p>
+        </p:txBody>
+      </p:sp>
+      <p:sp>
+        <p:nvSpPr>
+          <p:cNvPr id="4" name="Date Placeholder 3"/>
+          <p:cNvSpPr>
+            <a:spLocks noGrp="1"/>
+          </p:cNvSpPr>
+          <p:nvPr>
+            <p:ph type="dt" sz="half" idx="10"/>
+          </p:nvPr>
+        </p:nvSpPr>
+        <p:spPr/>
+        <p:txBody>
+          <a:bodyPr/>
+          <a:lstStyle/>
+          <a:p>
+            <a:fld id="{B61BEF0D-F0BB-DE4B-95CE-6DB70DBA9567}" type="datetimeFigureOut">
+              <a:rPr lang="en-US" dirty="0"/>
+              <a:pPr/>
+              <a:t>5/25/2022</a:t>
+            </a:fld>
+            <a:endParaRPr lang="en-US" dirty="0"/>
+          </a:p>
+        </p:txBody>
+      </p:sp>
+      <p:sp>
+        <p:nvSpPr>
+          <p:cNvPr id="5" name="Footer Placeholder 4"/>
+          <p:cNvSpPr>
+            <a:spLocks noGrp="1"/>
+          </p:cNvSpPr>
+          <p:nvPr>
+            <p:ph type="ftr" sz="quarter" idx="11"/>
+          </p:nvPr>
+        </p:nvSpPr>
+        <p:spPr/>
+        <p:txBody>
+          <a:bodyPr/>
+          <a:lstStyle/>
+          <a:p>
+            <a:endParaRPr lang="en-US" dirty="0"/>
+          </a:p>
+        </p:txBody>
+      </p:sp>
+      <p:sp>
+        <p:nvSpPr>
+          <p:cNvPr id="6" name="Slide Number Placeholder 5"/>
+          <p:cNvSpPr>
+            <a:spLocks noGrp="1"/>
+          </p:cNvSpPr>
+          <p:nvPr>
+            <p:ph type="sldNum" sz="quarter" idx="12"/>
+          </p:nvPr>
+        </p:nvSpPr>
+        <p:spPr/>
+        <p:txBody>
+          <a:bodyPr/>
+          <a:lstStyle/>
+          <a:p>
+            <a:fld id="{D57F1E4F-1CFF-5643-939E-217C01CDF565}" type="slidenum">
+              <a:rPr lang="en-US" dirty="0"/>
+              <a:pPr/>
+              <a:t>‹#›</a:t>
+            </a:fld>
+            <a:endParaRPr lang="en-US" dirty="0"/>
+          </a:p>
+        </p:txBody>
+      </p:sp>
+      <p:sp>
+        <p:nvSpPr>
+          <p:cNvPr id="24" name="TextBox 23"/>
+          <p:cNvSpPr txBox="1"/>
+          <p:nvPr/>
+        </p:nvSpPr>
+        <p:spPr>
+          <a:xfrm>
+            <a:off x="406403" y="592784"/>
+            <a:ext cx="457200" cy="438582"/>
+          </a:xfrm>
+          <a:prstGeom prst="rect">
+            <a:avLst/>
+          </a:prstGeom>
+        </p:spPr>
+        <p:txBody>
+          <a:bodyPr vert="horz" lIns="162560" tIns="81280" rIns="162560" bIns="81280" rtlCol="0" anchor="ctr">
+            <a:noAutofit/>
+          </a:bodyPr>
+          <a:lstStyle/>
+          <a:p>
+            <a:pPr lvl="0"/>
+            <a:r>
+              <a:rPr lang="en-US" sz="14222" baseline="0" dirty="0">
+                <a:ln w="3175" cmpd="sng">
+                  <a:noFill/>
+                </a:ln>
+                <a:solidFill>
+                  <a:schemeClr val="accent1">
+                    <a:lumMod val="60000"/>
+                    <a:lumOff val="40000"/>
+                  </a:schemeClr>
+                </a:solidFill>
+                <a:effectLst/>
+                <a:latin typeface="Arial"/>
+              </a:rPr>
+              <a:t>“</a:t>
+            </a:r>
+          </a:p>
+        </p:txBody>
+      </p:sp>
+      <p:sp>
+        <p:nvSpPr>
+          <p:cNvPr id="25" name="TextBox 24"/>
+          <p:cNvSpPr txBox="1"/>
+          <p:nvPr/>
+        </p:nvSpPr>
+        <p:spPr>
+          <a:xfrm>
+            <a:off x="6669758" y="2164917"/>
+            <a:ext cx="457200" cy="438582"/>
+          </a:xfrm>
+          <a:prstGeom prst="rect">
+            <a:avLst/>
+          </a:prstGeom>
+        </p:spPr>
+        <p:txBody>
+          <a:bodyPr vert="horz" lIns="162560" tIns="81280" rIns="162560" bIns="81280" rtlCol="0" anchor="ctr">
+            <a:noAutofit/>
+          </a:bodyPr>
+          <a:lstStyle/>
+          <a:p>
+            <a:pPr lvl="0"/>
+            <a:r>
+              <a:rPr lang="en-US" sz="14222" baseline="0" dirty="0">
+                <a:ln w="3175" cmpd="sng">
+                  <a:noFill/>
+                </a:ln>
+                <a:solidFill>
+                  <a:schemeClr val="accent1">
+                    <a:lumMod val="60000"/>
+                    <a:lumOff val="40000"/>
+                  </a:schemeClr>
+                </a:solidFill>
+                <a:effectLst/>
+                <a:latin typeface="Arial"/>
+              </a:rPr>
+              <a:t>”</a:t>
+            </a:r>
+          </a:p>
+        </p:txBody>
+      </p:sp>
+    </p:spTree>
+    <p:extLst>
+      <p:ext uri="{BB962C8B-B14F-4D97-AF65-F5344CB8AC3E}">
+        <p14:creationId xmlns:p14="http://schemas.microsoft.com/office/powerpoint/2010/main" val="606536846"/>
+      </p:ext>
+    </p:extLst>
+  </p:cSld>
+  <p:clrMapOvr>
+    <a:masterClrMapping/>
+  </p:clrMapOvr>
+</p:sldLayout>
+</file>
+
+<file path=ppt/slideLayouts/slideLayout14.xml><?xml version="1.0" encoding="utf-8"?>
+<p:sldLayout xmlns:a="http://schemas.openxmlformats.org/drawingml/2006/main" xmlns:r="http://schemas.openxmlformats.org/officeDocument/2006/relationships" xmlns:p="http://schemas.openxmlformats.org/presentationml/2006/main" preserve="1">
+  <p:cSld name="True or False">
+    <p:spTree>
+      <p:nvGrpSpPr>
+        <p:cNvPr id="1" name=""/>
+        <p:cNvGrpSpPr/>
+        <p:nvPr/>
+      </p:nvGrpSpPr>
+      <p:grpSpPr>
+        <a:xfrm>
+          <a:off x="0" y="0"/>
+          <a:ext cx="0" cy="0"/>
+          <a:chOff x="0" y="0"/>
+          <a:chExt cx="0" cy="0"/>
+        </a:xfrm>
+      </p:grpSpPr>
+      <p:sp>
+        <p:nvSpPr>
+          <p:cNvPr id="2" name="Title 1"/>
+          <p:cNvSpPr>
+            <a:spLocks noGrp="1"/>
+          </p:cNvSpPr>
+          <p:nvPr>
+            <p:ph type="title"/>
+          </p:nvPr>
+        </p:nvSpPr>
+        <p:spPr>
+          <a:xfrm>
+            <a:off x="514350" y="457200"/>
+            <a:ext cx="6441152" cy="2266950"/>
+          </a:xfrm>
+        </p:spPr>
+        <p:txBody>
+          <a:bodyPr anchor="ctr">
+            <a:normAutofit/>
+          </a:bodyPr>
+          <a:lstStyle>
+            <a:lvl1pPr algn="l">
+              <a:defRPr sz="7822" b="0" cap="none"/>
+            </a:lvl1pPr>
+          </a:lstStyle>
+          <a:p>
+            <a:r>
+              <a:rPr lang="en-US" dirty="0"/>
+              <a:t>Click to edit Master title style</a:t>
+            </a:r>
+          </a:p>
+        </p:txBody>
+      </p:sp>
+      <p:sp>
+        <p:nvSpPr>
+          <p:cNvPr id="23" name="Text Placeholder 9"/>
+          <p:cNvSpPr>
+            <a:spLocks noGrp="1"/>
+          </p:cNvSpPr>
+          <p:nvPr>
+            <p:ph type="body" sz="quarter" idx="13"/>
+          </p:nvPr>
+        </p:nvSpPr>
+        <p:spPr>
+          <a:xfrm>
+            <a:off x="507999" y="3009900"/>
+            <a:ext cx="6447502" cy="385686"/>
+          </a:xfrm>
+        </p:spPr>
+        <p:txBody>
+          <a:bodyPr anchor="b">
+            <a:noAutofit/>
+          </a:bodyPr>
+          <a:lstStyle>
+            <a:lvl1pPr marL="0" indent="0">
+              <a:buFontTx/>
+              <a:buNone/>
+              <a:defRPr sz="4267">
+                <a:solidFill>
+                  <a:schemeClr val="accent1"/>
+                </a:solidFill>
+              </a:defRPr>
+            </a:lvl1pPr>
+            <a:lvl2pPr marL="812810" indent="0">
+              <a:buFontTx/>
+              <a:buNone/>
+              <a:defRPr/>
+            </a:lvl2pPr>
+            <a:lvl3pPr marL="1625620" indent="0">
+              <a:buFontTx/>
+              <a:buNone/>
+              <a:defRPr/>
+            </a:lvl3pPr>
+            <a:lvl4pPr marL="2438430" indent="0">
+              <a:buFontTx/>
+              <a:buNone/>
+              <a:defRPr/>
+            </a:lvl4pPr>
+            <a:lvl5pPr marL="3251241" indent="0">
+              <a:buFontTx/>
+              <a:buNone/>
+              <a:defRPr/>
+            </a:lvl5pPr>
+          </a:lstStyle>
+          <a:p>
+            <a:pPr lvl="0"/>
+            <a:r>
+              <a:rPr lang="en-US" dirty="0"/>
+              <a:t>Click to edit Master text styles</a:t>
+            </a:r>
+          </a:p>
+        </p:txBody>
+      </p:sp>
+      <p:sp>
+        <p:nvSpPr>
+          <p:cNvPr id="3" name="Text Placeholder 2"/>
+          <p:cNvSpPr>
+            <a:spLocks noGrp="1"/>
+          </p:cNvSpPr>
+          <p:nvPr>
+            <p:ph type="body" idx="1"/>
+          </p:nvPr>
+        </p:nvSpPr>
+        <p:spPr>
+          <a:xfrm>
+            <a:off x="508001" y="3395586"/>
+            <a:ext cx="6447501" cy="1135436"/>
+          </a:xfrm>
+        </p:spPr>
+        <p:txBody>
+          <a:bodyPr anchor="t">
+            <a:normAutofit/>
+          </a:bodyPr>
+          <a:lstStyle>
+            <a:lvl1pPr marL="0" indent="0" algn="l">
+              <a:buNone/>
+              <a:defRPr sz="3200">
+                <a:solidFill>
+                  <a:schemeClr val="tx1">
+                    <a:lumMod val="50000"/>
+                    <a:lumOff val="50000"/>
+                  </a:schemeClr>
+                </a:solidFill>
+              </a:defRPr>
+            </a:lvl1pPr>
+            <a:lvl2pPr marL="812810" indent="0">
+              <a:buNone/>
+              <a:defRPr sz="3200">
+                <a:solidFill>
+                  <a:schemeClr val="tx1">
+                    <a:tint val="75000"/>
+                  </a:schemeClr>
+                </a:solidFill>
+              </a:defRPr>
+            </a:lvl2pPr>
+            <a:lvl3pPr marL="1625620" indent="0">
+              <a:buNone/>
+              <a:defRPr sz="2844">
+                <a:solidFill>
+                  <a:schemeClr val="tx1">
+                    <a:tint val="75000"/>
+                  </a:schemeClr>
+                </a:solidFill>
+              </a:defRPr>
+            </a:lvl3pPr>
+            <a:lvl4pPr marL="2438430" indent="0">
+              <a:buNone/>
+              <a:defRPr sz="2489">
+                <a:solidFill>
+                  <a:schemeClr val="tx1">
+                    <a:tint val="75000"/>
+                  </a:schemeClr>
+                </a:solidFill>
+              </a:defRPr>
+            </a:lvl4pPr>
+            <a:lvl5pPr marL="3251241" indent="0">
+              <a:buNone/>
+              <a:defRPr sz="2489">
+                <a:solidFill>
+                  <a:schemeClr val="tx1">
+                    <a:tint val="75000"/>
+                  </a:schemeClr>
+                </a:solidFill>
+              </a:defRPr>
+            </a:lvl5pPr>
+            <a:lvl6pPr marL="4064051" indent="0">
+              <a:buNone/>
+              <a:defRPr sz="2489">
+                <a:solidFill>
+                  <a:schemeClr val="tx1">
+                    <a:tint val="75000"/>
+                  </a:schemeClr>
+                </a:solidFill>
+              </a:defRPr>
+            </a:lvl6pPr>
+            <a:lvl7pPr marL="4876861" indent="0">
+              <a:buNone/>
+              <a:defRPr sz="2489">
+                <a:solidFill>
+                  <a:schemeClr val="tx1">
+                    <a:tint val="75000"/>
+                  </a:schemeClr>
+                </a:solidFill>
+              </a:defRPr>
+            </a:lvl7pPr>
+            <a:lvl8pPr marL="5689671" indent="0">
+              <a:buNone/>
+              <a:defRPr sz="2489">
+                <a:solidFill>
+                  <a:schemeClr val="tx1">
+                    <a:tint val="75000"/>
+                  </a:schemeClr>
+                </a:solidFill>
+              </a:defRPr>
+            </a:lvl8pPr>
+            <a:lvl9pPr marL="6502481" indent="0">
+              <a:buNone/>
+              <a:defRPr sz="2489">
+                <a:solidFill>
+                  <a:schemeClr val="tx1">
+                    <a:tint val="75000"/>
+                  </a:schemeClr>
+                </a:solidFill>
+              </a:defRPr>
+            </a:lvl9pPr>
+          </a:lstStyle>
+          <a:p>
+            <a:pPr lvl="0"/>
+            <a:r>
+              <a:rPr lang="en-US" dirty="0"/>
+              <a:t>Click to edit Master text styles</a:t>
+            </a:r>
+          </a:p>
+        </p:txBody>
+      </p:sp>
+      <p:sp>
+        <p:nvSpPr>
+          <p:cNvPr id="4" name="Date Placeholder 3"/>
+          <p:cNvSpPr>
+            <a:spLocks noGrp="1"/>
+          </p:cNvSpPr>
+          <p:nvPr>
+            <p:ph type="dt" sz="half" idx="10"/>
+          </p:nvPr>
+        </p:nvSpPr>
+        <p:spPr/>
+        <p:txBody>
+          <a:bodyPr/>
+          <a:lstStyle/>
+          <a:p>
+            <a:fld id="{B61BEF0D-F0BB-DE4B-95CE-6DB70DBA9567}" type="datetimeFigureOut">
+              <a:rPr lang="en-US" dirty="0"/>
+              <a:pPr/>
+              <a:t>5/25/2022</a:t>
+            </a:fld>
+            <a:endParaRPr lang="en-US" dirty="0"/>
+          </a:p>
+        </p:txBody>
+      </p:sp>
+      <p:sp>
+        <p:nvSpPr>
+          <p:cNvPr id="5" name="Footer Placeholder 4"/>
+          <p:cNvSpPr>
+            <a:spLocks noGrp="1"/>
+          </p:cNvSpPr>
+          <p:nvPr>
+            <p:ph type="ftr" sz="quarter" idx="11"/>
+          </p:nvPr>
+        </p:nvSpPr>
+        <p:spPr/>
+        <p:txBody>
+          <a:bodyPr/>
+          <a:lstStyle/>
+          <a:p>
+            <a:endParaRPr lang="en-US" dirty="0"/>
+          </a:p>
+        </p:txBody>
+      </p:sp>
+      <p:sp>
+        <p:nvSpPr>
+          <p:cNvPr id="6" name="Slide Number Placeholder 5"/>
+          <p:cNvSpPr>
+            <a:spLocks noGrp="1"/>
+          </p:cNvSpPr>
+          <p:nvPr>
+            <p:ph type="sldNum" sz="quarter" idx="12"/>
+          </p:nvPr>
+        </p:nvSpPr>
+        <p:spPr/>
+        <p:txBody>
+          <a:bodyPr/>
+          <a:lstStyle/>
+          <a:p>
+            <a:fld id="{D57F1E4F-1CFF-5643-939E-217C01CDF565}" type="slidenum">
+              <a:rPr lang="en-US" dirty="0"/>
+              <a:pPr/>
+              <a:t>‹#›</a:t>
+            </a:fld>
+            <a:endParaRPr lang="en-US" dirty="0"/>
+          </a:p>
+        </p:txBody>
+      </p:sp>
+    </p:spTree>
+    <p:extLst>
+      <p:ext uri="{BB962C8B-B14F-4D97-AF65-F5344CB8AC3E}">
+        <p14:creationId xmlns:p14="http://schemas.microsoft.com/office/powerpoint/2010/main" val="3989396539"/>
+      </p:ext>
+    </p:extLst>
+  </p:cSld>
+  <p:clrMapOvr>
+    <a:masterClrMapping/>
+  </p:clrMapOvr>
+</p:sldLayout>
+</file>
+
+<file path=ppt/slideLayouts/slideLayout15.xml><?xml version="1.0" encoding="utf-8"?>
 <p:sldLayout xmlns:a="http://schemas.openxmlformats.org/drawingml/2006/main" xmlns:r="http://schemas.openxmlformats.org/officeDocument/2006/relationships" xmlns:p="http://schemas.openxmlformats.org/presentationml/2006/main" type="vertTx" preserve="1">
   <p:cSld name="Title and Vertical Text">
     <p:spTree>
@@ -887,10 +3103,9 @@
           <a:lstStyle/>
           <a:p>
             <a:r>
-              <a:rPr lang="en-US"/>
+              <a:rPr lang="en-US" dirty="0"/>
               <a:t>Click to edit Master title style</a:t>
             </a:r>
-            <a:endParaRPr lang="en-US" dirty="0"/>
           </a:p>
         </p:txBody>
       </p:sp>
@@ -911,38 +3126,37 @@
           <a:p>
             <a:pPr lvl="0"/>
             <a:r>
-              <a:rPr lang="en-US"/>
+              <a:rPr lang="en-US" dirty="0"/>
               <a:t>Click to edit Master text styles</a:t>
             </a:r>
           </a:p>
           <a:p>
             <a:pPr lvl="1"/>
             <a:r>
-              <a:rPr lang="en-US"/>
+              <a:rPr lang="en-US" dirty="0"/>
               <a:t>Second level</a:t>
             </a:r>
           </a:p>
           <a:p>
             <a:pPr lvl="2"/>
             <a:r>
-              <a:rPr lang="en-US"/>
+              <a:rPr lang="en-US" dirty="0"/>
               <a:t>Third level</a:t>
             </a:r>
           </a:p>
           <a:p>
             <a:pPr lvl="3"/>
             <a:r>
-              <a:rPr lang="en-US"/>
+              <a:rPr lang="en-US" dirty="0"/>
               <a:t>Fourth level</a:t>
             </a:r>
           </a:p>
           <a:p>
             <a:pPr lvl="4"/>
             <a:r>
-              <a:rPr lang="en-US"/>
+              <a:rPr lang="en-US" dirty="0"/>
               <a:t>Fifth level</a:t>
             </a:r>
-            <a:endParaRPr lang="en-US" dirty="0"/>
           </a:p>
         </p:txBody>
       </p:sp>
@@ -961,10 +3175,11 @@
           <a:bodyPr/>
           <a:lstStyle/>
           <a:p>
-            <a:r>
-              <a:rPr lang="en-US"/>
-              <a:t>6. 4. 2020</a:t>
-            </a:r>
+            <a:fld id="{55C6B4A9-1611-4792-9094-5F34BCA07E0B}" type="datetimeFigureOut">
+              <a:rPr lang="en-US" dirty="0"/>
+              <a:t>5/25/2022</a:t>
+            </a:fld>
+            <a:endParaRPr lang="en-US" dirty="0"/>
           </a:p>
         </p:txBody>
       </p:sp>
@@ -983,10 +3198,7 @@
           <a:bodyPr/>
           <a:lstStyle/>
           <a:p>
-            <a:r>
-              <a:rPr lang="en-US"/>
-              <a:t>PR19-20, Vmesna predstavitev</a:t>
-            </a:r>
+            <a:endParaRPr lang="en-US" dirty="0"/>
           </a:p>
         </p:txBody>
       </p:sp>
@@ -1005,18 +3217,18 @@
           <a:bodyPr/>
           <a:lstStyle/>
           <a:p>
-            <a:fld id="{03BC8BC1-971C-5C4D-898D-87CE7EF1EB36}" type="slidenum">
-              <a:rPr lang="en-US" smtClean="0"/>
+            <a:fld id="{89333C77-0158-454C-844F-B7AB9BD7DAD4}" type="slidenum">
+              <a:rPr lang="en-US" dirty="0"/>
               <a:t>‹#›</a:t>
             </a:fld>
-            <a:endParaRPr lang="en-US"/>
+            <a:endParaRPr lang="en-US" dirty="0"/>
           </a:p>
         </p:txBody>
       </p:sp>
     </p:spTree>
     <p:extLst>
       <p:ext uri="{BB962C8B-B14F-4D97-AF65-F5344CB8AC3E}">
-        <p14:creationId xmlns:p14="http://schemas.microsoft.com/office/powerpoint/2010/main" val="273447216"/>
+        <p14:creationId xmlns:p14="http://schemas.microsoft.com/office/powerpoint/2010/main" val="314063492"/>
       </p:ext>
     </p:extLst>
   </p:cSld>
@@ -1026,7 +3238,7 @@
 </p:sldLayout>
 </file>
 
-<file path=ppt/slideLayouts/slideLayout11.xml><?xml version="1.0" encoding="utf-8"?>
+<file path=ppt/slideLayouts/slideLayout16.xml><?xml version="1.0" encoding="utf-8"?>
 <p:sldLayout xmlns:a="http://schemas.openxmlformats.org/drawingml/2006/main" xmlns:r="http://schemas.openxmlformats.org/officeDocument/2006/relationships" xmlns:p="http://schemas.openxmlformats.org/presentationml/2006/main" type="vertTitleAndTx" preserve="1">
   <p:cSld name="Vertical Title and Text">
     <p:spTree>
@@ -1055,76 +3267,74 @@
         </p:nvSpPr>
         <p:spPr>
           <a:xfrm>
-            <a:off x="6543675" y="273844"/>
-            <a:ext cx="1971675" cy="4358879"/>
+            <a:off x="5975755" y="457200"/>
+            <a:ext cx="978557" cy="3938588"/>
           </a:xfrm>
         </p:spPr>
         <p:txBody>
+          <a:bodyPr vert="eaVert" anchor="ctr"/>
+          <a:lstStyle/>
+          <a:p>
+            <a:r>
+              <a:rPr lang="en-US" dirty="0"/>
+              <a:t>Click to edit Master title style</a:t>
+            </a:r>
+          </a:p>
+        </p:txBody>
+      </p:sp>
+      <p:sp>
+        <p:nvSpPr>
+          <p:cNvPr id="3" name="Vertical Text Placeholder 2"/>
+          <p:cNvSpPr>
+            <a:spLocks noGrp="1"/>
+          </p:cNvSpPr>
+          <p:nvPr>
+            <p:ph type="body" orient="vert" idx="1"/>
+          </p:nvPr>
+        </p:nvSpPr>
+        <p:spPr>
+          <a:xfrm>
+            <a:off x="508001" y="457200"/>
+            <a:ext cx="5295113" cy="3938588"/>
+          </a:xfrm>
+        </p:spPr>
+        <p:txBody>
           <a:bodyPr vert="eaVert"/>
           <a:lstStyle/>
           <a:p>
-            <a:r>
-              <a:rPr lang="en-US"/>
-              <a:t>Click to edit Master title style</a:t>
-            </a:r>
-            <a:endParaRPr lang="en-US" dirty="0"/>
-          </a:p>
-        </p:txBody>
-      </p:sp>
-      <p:sp>
-        <p:nvSpPr>
-          <p:cNvPr id="3" name="Vertical Text Placeholder 2"/>
-          <p:cNvSpPr>
-            <a:spLocks noGrp="1"/>
-          </p:cNvSpPr>
-          <p:nvPr>
-            <p:ph type="body" orient="vert" idx="1"/>
-          </p:nvPr>
-        </p:nvSpPr>
-        <p:spPr>
-          <a:xfrm>
-            <a:off x="628650" y="273844"/>
-            <a:ext cx="5800725" cy="4358879"/>
-          </a:xfrm>
-        </p:spPr>
-        <p:txBody>
-          <a:bodyPr vert="eaVert"/>
-          <a:lstStyle/>
-          <a:p>
             <a:pPr lvl="0"/>
             <a:r>
-              <a:rPr lang="en-US"/>
+              <a:rPr lang="en-US" dirty="0"/>
               <a:t>Click to edit Master text styles</a:t>
             </a:r>
           </a:p>
           <a:p>
             <a:pPr lvl="1"/>
             <a:r>
-              <a:rPr lang="en-US"/>
+              <a:rPr lang="en-US" dirty="0"/>
               <a:t>Second level</a:t>
             </a:r>
           </a:p>
           <a:p>
             <a:pPr lvl="2"/>
             <a:r>
-              <a:rPr lang="en-US"/>
+              <a:rPr lang="en-US" dirty="0"/>
               <a:t>Third level</a:t>
             </a:r>
           </a:p>
           <a:p>
             <a:pPr lvl="3"/>
             <a:r>
-              <a:rPr lang="en-US"/>
+              <a:rPr lang="en-US" dirty="0"/>
               <a:t>Fourth level</a:t>
             </a:r>
           </a:p>
           <a:p>
             <a:pPr lvl="4"/>
             <a:r>
-              <a:rPr lang="en-US"/>
+              <a:rPr lang="en-US" dirty="0"/>
               <a:t>Fifth level</a:t>
             </a:r>
-            <a:endParaRPr lang="en-US" dirty="0"/>
           </a:p>
         </p:txBody>
       </p:sp>
@@ -1143,10 +3353,12 @@
           <a:bodyPr/>
           <a:lstStyle/>
           <a:p>
-            <a:r>
-              <a:rPr lang="en-US"/>
-              <a:t>6. 4. 2020</a:t>
-            </a:r>
+            <a:fld id="{B61BEF0D-F0BB-DE4B-95CE-6DB70DBA9567}" type="datetimeFigureOut">
+              <a:rPr lang="en-US" dirty="0"/>
+              <a:pPr/>
+              <a:t>5/25/2022</a:t>
+            </a:fld>
+            <a:endParaRPr lang="en-US" dirty="0"/>
           </a:p>
         </p:txBody>
       </p:sp>
@@ -1165,10 +3377,7 @@
           <a:bodyPr/>
           <a:lstStyle/>
           <a:p>
-            <a:r>
-              <a:rPr lang="en-US"/>
-              <a:t>PR19-20, Vmesna predstavitev</a:t>
-            </a:r>
+            <a:endParaRPr lang="en-US" dirty="0"/>
           </a:p>
         </p:txBody>
       </p:sp>
@@ -1187,18 +3396,19 @@
           <a:bodyPr/>
           <a:lstStyle/>
           <a:p>
-            <a:fld id="{03BC8BC1-971C-5C4D-898D-87CE7EF1EB36}" type="slidenum">
-              <a:rPr lang="en-US" smtClean="0"/>
+            <a:fld id="{D57F1E4F-1CFF-5643-939E-217C01CDF565}" type="slidenum">
+              <a:rPr lang="en-US" dirty="0"/>
+              <a:pPr/>
               <a:t>‹#›</a:t>
             </a:fld>
-            <a:endParaRPr lang="en-US"/>
+            <a:endParaRPr lang="en-US" dirty="0"/>
           </a:p>
         </p:txBody>
       </p:sp>
     </p:spTree>
     <p:extLst>
       <p:ext uri="{BB962C8B-B14F-4D97-AF65-F5344CB8AC3E}">
-        <p14:creationId xmlns:p14="http://schemas.microsoft.com/office/powerpoint/2010/main" val="1299891923"/>
+        <p14:creationId xmlns:p14="http://schemas.microsoft.com/office/powerpoint/2010/main" val="3030633491"/>
       </p:ext>
     </p:extLst>
   </p:cSld>
@@ -1237,25 +3447,81 @@
         </p:nvSpPr>
         <p:spPr/>
         <p:txBody>
+          <a:bodyPr>
+            <a:normAutofit/>
+          </a:bodyPr>
+          <a:lstStyle>
+            <a:lvl1pPr>
+              <a:defRPr sz="6400"/>
+            </a:lvl1pPr>
+          </a:lstStyle>
+          <a:p>
+            <a:r>
+              <a:rPr lang="en-US" dirty="0"/>
+              <a:t>Click to edit Master title style</a:t>
+            </a:r>
+          </a:p>
+        </p:txBody>
+      </p:sp>
+      <p:sp>
+        <p:nvSpPr>
+          <p:cNvPr id="3" name="Content Placeholder 2"/>
+          <p:cNvSpPr>
+            <a:spLocks noGrp="1"/>
+          </p:cNvSpPr>
+          <p:nvPr>
+            <p:ph idx="1"/>
+          </p:nvPr>
+        </p:nvSpPr>
+        <p:spPr/>
+        <p:txBody>
           <a:bodyPr/>
           <a:lstStyle/>
           <a:p>
-            <a:r>
-              <a:rPr lang="en-US"/>
-              <a:t>Click to edit Master title style</a:t>
-            </a:r>
-            <a:endParaRPr lang="en-US" dirty="0"/>
-          </a:p>
-        </p:txBody>
-      </p:sp>
-      <p:sp>
-        <p:nvSpPr>
-          <p:cNvPr id="3" name="Content Placeholder 2"/>
-          <p:cNvSpPr>
-            <a:spLocks noGrp="1"/>
-          </p:cNvSpPr>
-          <p:nvPr>
-            <p:ph idx="1"/>
+            <a:pPr lvl="0"/>
+            <a:r>
+              <a:rPr lang="en-US" dirty="0"/>
+              <a:t>Click to edit Master text styles</a:t>
+            </a:r>
+          </a:p>
+          <a:p>
+            <a:pPr lvl="1"/>
+            <a:r>
+              <a:rPr lang="en-US" dirty="0"/>
+              <a:t>Second level</a:t>
+            </a:r>
+          </a:p>
+          <a:p>
+            <a:pPr lvl="2"/>
+            <a:r>
+              <a:rPr lang="en-US" dirty="0"/>
+              <a:t>Third level</a:t>
+            </a:r>
+          </a:p>
+          <a:p>
+            <a:pPr lvl="3"/>
+            <a:r>
+              <a:rPr lang="en-US" dirty="0"/>
+              <a:t>Fourth level</a:t>
+            </a:r>
+          </a:p>
+          <a:p>
+            <a:pPr lvl="4"/>
+            <a:r>
+              <a:rPr lang="en-US" dirty="0"/>
+              <a:t>Fifth level</a:t>
+            </a:r>
+          </a:p>
+        </p:txBody>
+      </p:sp>
+      <p:sp>
+        <p:nvSpPr>
+          <p:cNvPr id="4" name="Date Placeholder 3"/>
+          <p:cNvSpPr>
+            <a:spLocks noGrp="1"/>
+          </p:cNvSpPr>
+          <p:nvPr>
+            <p:ph type="dt" sz="half" idx="10"/>
           </p:nvPr>
         </p:nvSpPr>
         <p:spPr/>
@@ -1263,51 +3529,23 @@
           <a:bodyPr/>
           <a:lstStyle/>
           <a:p>
-            <a:pPr lvl="0"/>
-            <a:r>
-              <a:rPr lang="en-US"/>
-              <a:t>Click to edit Master text styles</a:t>
-            </a:r>
-          </a:p>
-          <a:p>
-            <a:pPr lvl="1"/>
-            <a:r>
-              <a:rPr lang="en-US"/>
-              <a:t>Second level</a:t>
-            </a:r>
-          </a:p>
-          <a:p>
-            <a:pPr lvl="2"/>
-            <a:r>
-              <a:rPr lang="en-US"/>
-              <a:t>Third level</a:t>
-            </a:r>
-          </a:p>
-          <a:p>
-            <a:pPr lvl="3"/>
-            <a:r>
-              <a:rPr lang="en-US"/>
-              <a:t>Fourth level</a:t>
-            </a:r>
-          </a:p>
-          <a:p>
-            <a:pPr lvl="4"/>
-            <a:r>
-              <a:rPr lang="en-US"/>
-              <a:t>Fifth level</a:t>
-            </a:r>
+            <a:fld id="{B61BEF0D-F0BB-DE4B-95CE-6DB70DBA9567}" type="datetimeFigureOut">
+              <a:rPr lang="en-US" dirty="0"/>
+              <a:pPr/>
+              <a:t>5/25/2022</a:t>
+            </a:fld>
             <a:endParaRPr lang="en-US" dirty="0"/>
           </a:p>
         </p:txBody>
       </p:sp>
       <p:sp>
         <p:nvSpPr>
-          <p:cNvPr id="4" name="Date Placeholder 3"/>
-          <p:cNvSpPr>
-            <a:spLocks noGrp="1"/>
-          </p:cNvSpPr>
-          <p:nvPr>
-            <p:ph type="dt" sz="half" idx="10"/>
+          <p:cNvPr id="5" name="Footer Placeholder 4"/>
+          <p:cNvSpPr>
+            <a:spLocks noGrp="1"/>
+          </p:cNvSpPr>
+          <p:nvPr>
+            <p:ph type="ftr" sz="quarter" idx="11"/>
           </p:nvPr>
         </p:nvSpPr>
         <p:spPr/>
@@ -1315,21 +3553,18 @@
           <a:bodyPr/>
           <a:lstStyle/>
           <a:p>
-            <a:r>
-              <a:rPr lang="en-US"/>
-              <a:t>6. 4. 2020</a:t>
-            </a:r>
-          </a:p>
-        </p:txBody>
-      </p:sp>
-      <p:sp>
-        <p:nvSpPr>
-          <p:cNvPr id="5" name="Footer Placeholder 4"/>
-          <p:cNvSpPr>
-            <a:spLocks noGrp="1"/>
-          </p:cNvSpPr>
-          <p:nvPr>
-            <p:ph type="ftr" sz="quarter" idx="11"/>
+            <a:endParaRPr lang="en-US" dirty="0"/>
+          </a:p>
+        </p:txBody>
+      </p:sp>
+      <p:sp>
+        <p:nvSpPr>
+          <p:cNvPr id="6" name="Slide Number Placeholder 5"/>
+          <p:cNvSpPr>
+            <a:spLocks noGrp="1"/>
+          </p:cNvSpPr>
+          <p:nvPr>
+            <p:ph type="sldNum" sz="quarter" idx="12"/>
           </p:nvPr>
         </p:nvSpPr>
         <p:spPr/>
@@ -1337,40 +3572,19 @@
           <a:bodyPr/>
           <a:lstStyle/>
           <a:p>
-            <a:r>
-              <a:rPr lang="en-US"/>
-              <a:t>PR19-20, Vmesna predstavitev</a:t>
-            </a:r>
-          </a:p>
-        </p:txBody>
-      </p:sp>
-      <p:sp>
-        <p:nvSpPr>
-          <p:cNvPr id="6" name="Slide Number Placeholder 5"/>
-          <p:cNvSpPr>
-            <a:spLocks noGrp="1"/>
-          </p:cNvSpPr>
-          <p:nvPr>
-            <p:ph type="sldNum" sz="quarter" idx="12"/>
-          </p:nvPr>
-        </p:nvSpPr>
-        <p:spPr/>
-        <p:txBody>
-          <a:bodyPr/>
-          <a:lstStyle/>
-          <a:p>
-            <a:fld id="{03BC8BC1-971C-5C4D-898D-87CE7EF1EB36}" type="slidenum">
-              <a:rPr lang="en-US" smtClean="0"/>
+            <a:fld id="{D57F1E4F-1CFF-5643-939E-217C01CDF565}" type="slidenum">
+              <a:rPr lang="en-US" dirty="0"/>
+              <a:pPr/>
               <a:t>‹#›</a:t>
             </a:fld>
-            <a:endParaRPr lang="en-US"/>
+            <a:endParaRPr lang="en-US" dirty="0"/>
           </a:p>
         </p:txBody>
       </p:sp>
     </p:spTree>
     <p:extLst>
       <p:ext uri="{BB962C8B-B14F-4D97-AF65-F5344CB8AC3E}">
-        <p14:creationId xmlns:p14="http://schemas.microsoft.com/office/powerpoint/2010/main" val="1545573108"/>
+        <p14:creationId xmlns:p14="http://schemas.microsoft.com/office/powerpoint/2010/main" val="108900684"/>
       </p:ext>
     </p:extLst>
   </p:cSld>
@@ -1409,23 +3623,22 @@
         </p:nvSpPr>
         <p:spPr>
           <a:xfrm>
-            <a:off x="623888" y="1282304"/>
-            <a:ext cx="7886700" cy="2139553"/>
+            <a:off x="508001" y="2025651"/>
+            <a:ext cx="6447501" cy="1369936"/>
           </a:xfrm>
         </p:spPr>
         <p:txBody>
           <a:bodyPr anchor="b"/>
           <a:lstStyle>
-            <a:lvl1pPr>
-              <a:defRPr sz="4500"/>
+            <a:lvl1pPr algn="l">
+              <a:defRPr sz="7111" b="0" cap="none"/>
             </a:lvl1pPr>
           </a:lstStyle>
           <a:p>
             <a:r>
-              <a:rPr lang="en-US"/>
+              <a:rPr lang="en-US" dirty="0"/>
               <a:t>Click to edit Master title style</a:t>
             </a:r>
-            <a:endParaRPr lang="en-US" dirty="0"/>
           </a:p>
         </p:txBody>
       </p:sp>
@@ -1441,108 +3654,109 @@
         </p:nvSpPr>
         <p:spPr>
           <a:xfrm>
-            <a:off x="623888" y="3442098"/>
-            <a:ext cx="7886700" cy="1125140"/>
+            <a:off x="508001" y="3395586"/>
+            <a:ext cx="6447501" cy="645300"/>
           </a:xfrm>
         </p:spPr>
         <p:txBody>
-          <a:bodyPr/>
+          <a:bodyPr anchor="t"/>
           <a:lstStyle>
-            <a:lvl1pPr marL="0" indent="0">
-              <a:buNone/>
-              <a:defRPr sz="1800">
+            <a:lvl1pPr marL="0" indent="0" algn="l">
+              <a:buNone/>
+              <a:defRPr sz="3556">
+                <a:solidFill>
+                  <a:schemeClr val="tx1">
+                    <a:lumMod val="50000"/>
+                    <a:lumOff val="50000"/>
+                  </a:schemeClr>
+                </a:solidFill>
+              </a:defRPr>
+            </a:lvl1pPr>
+            <a:lvl2pPr marL="812810" indent="0">
+              <a:buNone/>
+              <a:defRPr sz="3200">
                 <a:solidFill>
                   <a:schemeClr val="tx1">
                     <a:tint val="75000"/>
                   </a:schemeClr>
                 </a:solidFill>
               </a:defRPr>
-            </a:lvl1pPr>
-            <a:lvl2pPr marL="342900" indent="0">
-              <a:buNone/>
-              <a:defRPr sz="1500">
+            </a:lvl2pPr>
+            <a:lvl3pPr marL="1625620" indent="0">
+              <a:buNone/>
+              <a:defRPr sz="2844">
                 <a:solidFill>
                   <a:schemeClr val="tx1">
                     <a:tint val="75000"/>
                   </a:schemeClr>
                 </a:solidFill>
               </a:defRPr>
-            </a:lvl2pPr>
-            <a:lvl3pPr marL="685800" indent="0">
-              <a:buNone/>
-              <a:defRPr sz="1350">
+            </a:lvl3pPr>
+            <a:lvl4pPr marL="2438430" indent="0">
+              <a:buNone/>
+              <a:defRPr sz="2489">
                 <a:solidFill>
                   <a:schemeClr val="tx1">
                     <a:tint val="75000"/>
                   </a:schemeClr>
                 </a:solidFill>
               </a:defRPr>
-            </a:lvl3pPr>
-            <a:lvl4pPr marL="1028700" indent="0">
-              <a:buNone/>
-              <a:defRPr sz="1200">
+            </a:lvl4pPr>
+            <a:lvl5pPr marL="3251241" indent="0">
+              <a:buNone/>
+              <a:defRPr sz="2489">
                 <a:solidFill>
                   <a:schemeClr val="tx1">
                     <a:tint val="75000"/>
                   </a:schemeClr>
                 </a:solidFill>
               </a:defRPr>
-            </a:lvl4pPr>
-            <a:lvl5pPr marL="1371600" indent="0">
-              <a:buNone/>
-              <a:defRPr sz="1200">
+            </a:lvl5pPr>
+            <a:lvl6pPr marL="4064051" indent="0">
+              <a:buNone/>
+              <a:defRPr sz="2489">
                 <a:solidFill>
                   <a:schemeClr val="tx1">
                     <a:tint val="75000"/>
                   </a:schemeClr>
                 </a:solidFill>
               </a:defRPr>
-            </a:lvl5pPr>
-            <a:lvl6pPr marL="1714500" indent="0">
-              <a:buNone/>
-              <a:defRPr sz="1200">
+            </a:lvl6pPr>
+            <a:lvl7pPr marL="4876861" indent="0">
+              <a:buNone/>
+              <a:defRPr sz="2489">
                 <a:solidFill>
                   <a:schemeClr val="tx1">
                     <a:tint val="75000"/>
                   </a:schemeClr>
                 </a:solidFill>
               </a:defRPr>
-            </a:lvl6pPr>
-            <a:lvl7pPr marL="2057400" indent="0">
-              <a:buNone/>
-              <a:defRPr sz="1200">
+            </a:lvl7pPr>
+            <a:lvl8pPr marL="5689671" indent="0">
+              <a:buNone/>
+              <a:defRPr sz="2489">
                 <a:solidFill>
                   <a:schemeClr val="tx1">
                     <a:tint val="75000"/>
                   </a:schemeClr>
                 </a:solidFill>
               </a:defRPr>
-            </a:lvl7pPr>
-            <a:lvl8pPr marL="2400300" indent="0">
-              <a:buNone/>
-              <a:defRPr sz="1200">
+            </a:lvl8pPr>
+            <a:lvl9pPr marL="6502481" indent="0">
+              <a:buNone/>
+              <a:defRPr sz="2489">
                 <a:solidFill>
                   <a:schemeClr val="tx1">
                     <a:tint val="75000"/>
                   </a:schemeClr>
                 </a:solidFill>
               </a:defRPr>
-            </a:lvl8pPr>
-            <a:lvl9pPr marL="2743200" indent="0">
-              <a:buNone/>
-              <a:defRPr sz="1200">
-                <a:solidFill>
-                  <a:schemeClr val="tx1">
-                    <a:tint val="75000"/>
-                  </a:schemeClr>
-                </a:solidFill>
-              </a:defRPr>
             </a:lvl9pPr>
           </a:lstStyle>
           <a:p>
             <a:pPr lvl="0"/>
             <a:r>
-              <a:rPr lang="en-US"/>
+              <a:rPr lang="en-US" dirty="0"/>
               <a:t>Click to edit Master text styles</a:t>
             </a:r>
           </a:p>
@@ -1563,10 +3777,12 @@
           <a:bodyPr/>
           <a:lstStyle/>
           <a:p>
-            <a:r>
-              <a:rPr lang="en-US"/>
-              <a:t>6. 4. 2020</a:t>
-            </a:r>
+            <a:fld id="{B61BEF0D-F0BB-DE4B-95CE-6DB70DBA9567}" type="datetimeFigureOut">
+              <a:rPr lang="en-US" dirty="0"/>
+              <a:pPr/>
+              <a:t>5/25/2022</a:t>
+            </a:fld>
+            <a:endParaRPr lang="en-US" dirty="0"/>
           </a:p>
         </p:txBody>
       </p:sp>
@@ -1585,10 +3801,7 @@
           <a:bodyPr/>
           <a:lstStyle/>
           <a:p>
-            <a:r>
-              <a:rPr lang="en-US"/>
-              <a:t>PR19-20, Vmesna predstavitev</a:t>
-            </a:r>
+            <a:endParaRPr lang="en-US" dirty="0"/>
           </a:p>
         </p:txBody>
       </p:sp>
@@ -1607,18 +3820,19 @@
           <a:bodyPr/>
           <a:lstStyle/>
           <a:p>
-            <a:fld id="{03BC8BC1-971C-5C4D-898D-87CE7EF1EB36}" type="slidenum">
-              <a:rPr lang="en-US" smtClean="0"/>
+            <a:fld id="{D57F1E4F-1CFF-5643-939E-217C01CDF565}" type="slidenum">
+              <a:rPr lang="en-US" dirty="0"/>
+              <a:pPr/>
               <a:t>‹#›</a:t>
             </a:fld>
-            <a:endParaRPr lang="en-US"/>
+            <a:endParaRPr lang="en-US" dirty="0"/>
           </a:p>
         </p:txBody>
       </p:sp>
     </p:spTree>
     <p:extLst>
       <p:ext uri="{BB962C8B-B14F-4D97-AF65-F5344CB8AC3E}">
-        <p14:creationId xmlns:p14="http://schemas.microsoft.com/office/powerpoint/2010/main" val="2565282253"/>
+        <p14:creationId xmlns:p14="http://schemas.microsoft.com/office/powerpoint/2010/main" val="314870862"/>
       </p:ext>
     </p:extLst>
   </p:cSld>
@@ -1661,10 +3875,9 @@
           <a:lstStyle/>
           <a:p>
             <a:r>
-              <a:rPr lang="en-US"/>
+              <a:rPr lang="en-US" dirty="0"/>
               <a:t>Click to edit Master title style</a:t>
             </a:r>
-            <a:endParaRPr lang="en-US" dirty="0"/>
           </a:p>
         </p:txBody>
       </p:sp>
@@ -1680,8 +3893,8 @@
         </p:nvSpPr>
         <p:spPr>
           <a:xfrm>
-            <a:off x="628650" y="1369219"/>
-            <a:ext cx="3886200" cy="3263504"/>
+            <a:off x="508001" y="1620442"/>
+            <a:ext cx="3138026" cy="2910579"/>
           </a:xfrm>
         </p:spPr>
         <p:txBody>
@@ -1690,38 +3903,37 @@
           <a:p>
             <a:pPr lvl="0"/>
             <a:r>
-              <a:rPr lang="en-US"/>
+              <a:rPr lang="en-US" dirty="0"/>
               <a:t>Click to edit Master text styles</a:t>
             </a:r>
           </a:p>
           <a:p>
             <a:pPr lvl="1"/>
             <a:r>
-              <a:rPr lang="en-US"/>
+              <a:rPr lang="en-US" dirty="0"/>
               <a:t>Second level</a:t>
             </a:r>
           </a:p>
           <a:p>
             <a:pPr lvl="2"/>
             <a:r>
-              <a:rPr lang="en-US"/>
+              <a:rPr lang="en-US" dirty="0"/>
               <a:t>Third level</a:t>
             </a:r>
           </a:p>
           <a:p>
             <a:pPr lvl="3"/>
             <a:r>
-              <a:rPr lang="en-US"/>
+              <a:rPr lang="en-US" dirty="0"/>
               <a:t>Fourth level</a:t>
             </a:r>
           </a:p>
           <a:p>
             <a:pPr lvl="4"/>
             <a:r>
-              <a:rPr lang="en-US"/>
+              <a:rPr lang="en-US" dirty="0"/>
               <a:t>Fifth level</a:t>
             </a:r>
-            <a:endParaRPr lang="en-US" dirty="0"/>
           </a:p>
         </p:txBody>
       </p:sp>
@@ -1737,8 +3949,8 @@
         </p:nvSpPr>
         <p:spPr>
           <a:xfrm>
-            <a:off x="4629150" y="1369219"/>
-            <a:ext cx="3886200" cy="3263504"/>
+            <a:off x="3817477" y="1620442"/>
+            <a:ext cx="3138026" cy="2910580"/>
           </a:xfrm>
         </p:spPr>
         <p:txBody>
@@ -1747,38 +3959,37 @@
           <a:p>
             <a:pPr lvl="0"/>
             <a:r>
-              <a:rPr lang="en-US"/>
+              <a:rPr lang="en-US" dirty="0"/>
               <a:t>Click to edit Master text styles</a:t>
             </a:r>
           </a:p>
           <a:p>
             <a:pPr lvl="1"/>
             <a:r>
-              <a:rPr lang="en-US"/>
+              <a:rPr lang="en-US" dirty="0"/>
               <a:t>Second level</a:t>
             </a:r>
           </a:p>
           <a:p>
             <a:pPr lvl="2"/>
             <a:r>
-              <a:rPr lang="en-US"/>
+              <a:rPr lang="en-US" dirty="0"/>
               <a:t>Third level</a:t>
             </a:r>
           </a:p>
           <a:p>
             <a:pPr lvl="3"/>
             <a:r>
-              <a:rPr lang="en-US"/>
+              <a:rPr lang="en-US" dirty="0"/>
               <a:t>Fourth level</a:t>
             </a:r>
           </a:p>
           <a:p>
             <a:pPr lvl="4"/>
             <a:r>
-              <a:rPr lang="en-US"/>
+              <a:rPr lang="en-US" dirty="0"/>
               <a:t>Fifth level</a:t>
             </a:r>
-            <a:endParaRPr lang="en-US" dirty="0"/>
           </a:p>
         </p:txBody>
       </p:sp>
@@ -1797,10 +4008,11 @@
           <a:bodyPr/>
           <a:lstStyle/>
           <a:p>
-            <a:r>
-              <a:rPr lang="en-US"/>
-              <a:t>6. 4. 2020</a:t>
-            </a:r>
+            <a:fld id="{EB712588-04B1-427B-82EE-E8DB90309F08}" type="datetimeFigureOut">
+              <a:rPr lang="en-US" dirty="0"/>
+              <a:t>5/25/2022</a:t>
+            </a:fld>
+            <a:endParaRPr lang="en-US" dirty="0"/>
           </a:p>
         </p:txBody>
       </p:sp>
@@ -1819,10 +4031,7 @@
           <a:bodyPr/>
           <a:lstStyle/>
           <a:p>
-            <a:r>
-              <a:rPr lang="en-US"/>
-              <a:t>PR19-20, Vmesna predstavitev</a:t>
-            </a:r>
+            <a:endParaRPr lang="en-US" dirty="0"/>
           </a:p>
         </p:txBody>
       </p:sp>
@@ -1841,18 +4050,18 @@
           <a:bodyPr/>
           <a:lstStyle/>
           <a:p>
-            <a:fld id="{03BC8BC1-971C-5C4D-898D-87CE7EF1EB36}" type="slidenum">
-              <a:rPr lang="en-US" smtClean="0"/>
+            <a:fld id="{6FF9F0C5-380F-41C2-899A-BAC0F0927E16}" type="slidenum">
+              <a:rPr lang="en-US" dirty="0"/>
               <a:t>‹#›</a:t>
             </a:fld>
-            <a:endParaRPr lang="en-US"/>
+            <a:endParaRPr lang="en-US" dirty="0"/>
           </a:p>
         </p:txBody>
       </p:sp>
     </p:spTree>
     <p:extLst>
       <p:ext uri="{BB962C8B-B14F-4D97-AF65-F5344CB8AC3E}">
-        <p14:creationId xmlns:p14="http://schemas.microsoft.com/office/powerpoint/2010/main" val="4021393930"/>
+        <p14:creationId xmlns:p14="http://schemas.microsoft.com/office/powerpoint/2010/main" val="1389760433"/>
       </p:ext>
     </p:extLst>
   </p:cSld>
@@ -1889,339 +4098,343 @@
             <p:ph type="title"/>
           </p:nvPr>
         </p:nvSpPr>
+        <p:spPr/>
+        <p:txBody>
+          <a:bodyPr/>
+          <a:lstStyle>
+            <a:lvl1pPr>
+              <a:defRPr/>
+            </a:lvl1pPr>
+          </a:lstStyle>
+          <a:p>
+            <a:r>
+              <a:rPr lang="en-US" dirty="0"/>
+              <a:t>Click to edit Master title style</a:t>
+            </a:r>
+          </a:p>
+        </p:txBody>
+      </p:sp>
+      <p:sp>
+        <p:nvSpPr>
+          <p:cNvPr id="3" name="Text Placeholder 2"/>
+          <p:cNvSpPr>
+            <a:spLocks noGrp="1"/>
+          </p:cNvSpPr>
+          <p:nvPr>
+            <p:ph type="body" idx="1"/>
+          </p:nvPr>
+        </p:nvSpPr>
         <p:spPr>
           <a:xfrm>
-            <a:off x="629841" y="273844"/>
-            <a:ext cx="7886700" cy="994172"/>
+            <a:off x="506809" y="1620737"/>
+            <a:ext cx="3139217" cy="432197"/>
           </a:xfrm>
         </p:spPr>
         <p:txBody>
+          <a:bodyPr anchor="b">
+            <a:noAutofit/>
+          </a:bodyPr>
+          <a:lstStyle>
+            <a:lvl1pPr marL="0" indent="0">
+              <a:buNone/>
+              <a:defRPr sz="4267" b="0"/>
+            </a:lvl1pPr>
+            <a:lvl2pPr marL="812810" indent="0">
+              <a:buNone/>
+              <a:defRPr sz="3556" b="1"/>
+            </a:lvl2pPr>
+            <a:lvl3pPr marL="1625620" indent="0">
+              <a:buNone/>
+              <a:defRPr sz="3200" b="1"/>
+            </a:lvl3pPr>
+            <a:lvl4pPr marL="2438430" indent="0">
+              <a:buNone/>
+              <a:defRPr sz="2844" b="1"/>
+            </a:lvl4pPr>
+            <a:lvl5pPr marL="3251241" indent="0">
+              <a:buNone/>
+              <a:defRPr sz="2844" b="1"/>
+            </a:lvl5pPr>
+            <a:lvl6pPr marL="4064051" indent="0">
+              <a:buNone/>
+              <a:defRPr sz="2844" b="1"/>
+            </a:lvl6pPr>
+            <a:lvl7pPr marL="4876861" indent="0">
+              <a:buNone/>
+              <a:defRPr sz="2844" b="1"/>
+            </a:lvl7pPr>
+            <a:lvl8pPr marL="5689671" indent="0">
+              <a:buNone/>
+              <a:defRPr sz="2844" b="1"/>
+            </a:lvl8pPr>
+            <a:lvl9pPr marL="6502481" indent="0">
+              <a:buNone/>
+              <a:defRPr sz="2844" b="1"/>
+            </a:lvl9pPr>
+          </a:lstStyle>
+          <a:p>
+            <a:pPr lvl="0"/>
+            <a:r>
+              <a:rPr lang="en-US" dirty="0"/>
+              <a:t>Click to edit Master text styles</a:t>
+            </a:r>
+          </a:p>
+        </p:txBody>
+      </p:sp>
+      <p:sp>
+        <p:nvSpPr>
+          <p:cNvPr id="4" name="Content Placeholder 3"/>
+          <p:cNvSpPr>
+            <a:spLocks noGrp="1"/>
+          </p:cNvSpPr>
+          <p:nvPr>
+            <p:ph sz="half" idx="2"/>
+          </p:nvPr>
+        </p:nvSpPr>
+        <p:spPr>
+          <a:xfrm>
+            <a:off x="506809" y="2052934"/>
+            <a:ext cx="3139217" cy="2478088"/>
+          </a:xfrm>
+        </p:spPr>
+        <p:txBody>
+          <a:bodyPr>
+            <a:normAutofit/>
+          </a:bodyPr>
+          <a:lstStyle/>
+          <a:p>
+            <a:pPr lvl="0"/>
+            <a:r>
+              <a:rPr lang="en-US" dirty="0"/>
+              <a:t>Click to edit Master text styles</a:t>
+            </a:r>
+          </a:p>
+          <a:p>
+            <a:pPr lvl="1"/>
+            <a:r>
+              <a:rPr lang="en-US" dirty="0"/>
+              <a:t>Second level</a:t>
+            </a:r>
+          </a:p>
+          <a:p>
+            <a:pPr lvl="2"/>
+            <a:r>
+              <a:rPr lang="en-US" dirty="0"/>
+              <a:t>Third level</a:t>
+            </a:r>
+          </a:p>
+          <a:p>
+            <a:pPr lvl="3"/>
+            <a:r>
+              <a:rPr lang="en-US" dirty="0"/>
+              <a:t>Fourth level</a:t>
+            </a:r>
+          </a:p>
+          <a:p>
+            <a:pPr lvl="4"/>
+            <a:r>
+              <a:rPr lang="en-US" dirty="0"/>
+              <a:t>Fifth level</a:t>
+            </a:r>
+          </a:p>
+        </p:txBody>
+      </p:sp>
+      <p:sp>
+        <p:nvSpPr>
+          <p:cNvPr id="5" name="Text Placeholder 4"/>
+          <p:cNvSpPr>
+            <a:spLocks noGrp="1"/>
+          </p:cNvSpPr>
+          <p:nvPr>
+            <p:ph type="body" sz="quarter" idx="3"/>
+          </p:nvPr>
+        </p:nvSpPr>
+        <p:spPr>
+          <a:xfrm>
+            <a:off x="3816287" y="1620737"/>
+            <a:ext cx="3139214" cy="432197"/>
+          </a:xfrm>
+        </p:spPr>
+        <p:txBody>
+          <a:bodyPr anchor="b">
+            <a:noAutofit/>
+          </a:bodyPr>
+          <a:lstStyle>
+            <a:lvl1pPr marL="0" indent="0">
+              <a:buNone/>
+              <a:defRPr sz="4267" b="0"/>
+            </a:lvl1pPr>
+            <a:lvl2pPr marL="812810" indent="0">
+              <a:buNone/>
+              <a:defRPr sz="3556" b="1"/>
+            </a:lvl2pPr>
+            <a:lvl3pPr marL="1625620" indent="0">
+              <a:buNone/>
+              <a:defRPr sz="3200" b="1"/>
+            </a:lvl3pPr>
+            <a:lvl4pPr marL="2438430" indent="0">
+              <a:buNone/>
+              <a:defRPr sz="2844" b="1"/>
+            </a:lvl4pPr>
+            <a:lvl5pPr marL="3251241" indent="0">
+              <a:buNone/>
+              <a:defRPr sz="2844" b="1"/>
+            </a:lvl5pPr>
+            <a:lvl6pPr marL="4064051" indent="0">
+              <a:buNone/>
+              <a:defRPr sz="2844" b="1"/>
+            </a:lvl6pPr>
+            <a:lvl7pPr marL="4876861" indent="0">
+              <a:buNone/>
+              <a:defRPr sz="2844" b="1"/>
+            </a:lvl7pPr>
+            <a:lvl8pPr marL="5689671" indent="0">
+              <a:buNone/>
+              <a:defRPr sz="2844" b="1"/>
+            </a:lvl8pPr>
+            <a:lvl9pPr marL="6502481" indent="0">
+              <a:buNone/>
+              <a:defRPr sz="2844" b="1"/>
+            </a:lvl9pPr>
+          </a:lstStyle>
+          <a:p>
+            <a:pPr lvl="0"/>
+            <a:r>
+              <a:rPr lang="en-US" dirty="0"/>
+              <a:t>Click to edit Master text styles</a:t>
+            </a:r>
+          </a:p>
+        </p:txBody>
+      </p:sp>
+      <p:sp>
+        <p:nvSpPr>
+          <p:cNvPr id="6" name="Content Placeholder 5"/>
+          <p:cNvSpPr>
+            <a:spLocks noGrp="1"/>
+          </p:cNvSpPr>
+          <p:nvPr>
+            <p:ph sz="quarter" idx="4"/>
+          </p:nvPr>
+        </p:nvSpPr>
+        <p:spPr>
+          <a:xfrm>
+            <a:off x="3816288" y="2052934"/>
+            <a:ext cx="3139213" cy="2478088"/>
+          </a:xfrm>
+        </p:spPr>
+        <p:txBody>
+          <a:bodyPr>
+            <a:normAutofit/>
+          </a:bodyPr>
+          <a:lstStyle/>
+          <a:p>
+            <a:pPr lvl="0"/>
+            <a:r>
+              <a:rPr lang="en-US" dirty="0"/>
+              <a:t>Click to edit Master text styles</a:t>
+            </a:r>
+          </a:p>
+          <a:p>
+            <a:pPr lvl="1"/>
+            <a:r>
+              <a:rPr lang="en-US" dirty="0"/>
+              <a:t>Second level</a:t>
+            </a:r>
+          </a:p>
+          <a:p>
+            <a:pPr lvl="2"/>
+            <a:r>
+              <a:rPr lang="en-US" dirty="0"/>
+              <a:t>Third level</a:t>
+            </a:r>
+          </a:p>
+          <a:p>
+            <a:pPr lvl="3"/>
+            <a:r>
+              <a:rPr lang="en-US" dirty="0"/>
+              <a:t>Fourth level</a:t>
+            </a:r>
+          </a:p>
+          <a:p>
+            <a:pPr lvl="4"/>
+            <a:r>
+              <a:rPr lang="en-US" dirty="0"/>
+              <a:t>Fifth level</a:t>
+            </a:r>
+          </a:p>
+        </p:txBody>
+      </p:sp>
+      <p:sp>
+        <p:nvSpPr>
+          <p:cNvPr id="7" name="Date Placeholder 6"/>
+          <p:cNvSpPr>
+            <a:spLocks noGrp="1"/>
+          </p:cNvSpPr>
+          <p:nvPr>
+            <p:ph type="dt" sz="half" idx="10"/>
+          </p:nvPr>
+        </p:nvSpPr>
+        <p:spPr/>
+        <p:txBody>
           <a:bodyPr/>
           <a:lstStyle/>
           <a:p>
-            <a:r>
-              <a:rPr lang="en-US"/>
-              <a:t>Click to edit Master title style</a:t>
-            </a:r>
+            <a:fld id="{B61BEF0D-F0BB-DE4B-95CE-6DB70DBA9567}" type="datetimeFigureOut">
+              <a:rPr lang="en-US" dirty="0"/>
+              <a:pPr/>
+              <a:t>5/25/2022</a:t>
+            </a:fld>
             <a:endParaRPr lang="en-US" dirty="0"/>
           </a:p>
         </p:txBody>
       </p:sp>
       <p:sp>
         <p:nvSpPr>
-          <p:cNvPr id="3" name="Text Placeholder 2"/>
-          <p:cNvSpPr>
-            <a:spLocks noGrp="1"/>
-          </p:cNvSpPr>
-          <p:nvPr>
-            <p:ph type="body" idx="1"/>
-          </p:nvPr>
-        </p:nvSpPr>
-        <p:spPr>
-          <a:xfrm>
-            <a:off x="629842" y="1260872"/>
-            <a:ext cx="3868340" cy="617934"/>
-          </a:xfrm>
-        </p:spPr>
-        <p:txBody>
-          <a:bodyPr anchor="b"/>
-          <a:lstStyle>
-            <a:lvl1pPr marL="0" indent="0">
-              <a:buNone/>
-              <a:defRPr sz="1800" b="1"/>
-            </a:lvl1pPr>
-            <a:lvl2pPr marL="342900" indent="0">
-              <a:buNone/>
-              <a:defRPr sz="1500" b="1"/>
-            </a:lvl2pPr>
-            <a:lvl3pPr marL="685800" indent="0">
-              <a:buNone/>
-              <a:defRPr sz="1350" b="1"/>
-            </a:lvl3pPr>
-            <a:lvl4pPr marL="1028700" indent="0">
-              <a:buNone/>
-              <a:defRPr sz="1200" b="1"/>
-            </a:lvl4pPr>
-            <a:lvl5pPr marL="1371600" indent="0">
-              <a:buNone/>
-              <a:defRPr sz="1200" b="1"/>
-            </a:lvl5pPr>
-            <a:lvl6pPr marL="1714500" indent="0">
-              <a:buNone/>
-              <a:defRPr sz="1200" b="1"/>
-            </a:lvl6pPr>
-            <a:lvl7pPr marL="2057400" indent="0">
-              <a:buNone/>
-              <a:defRPr sz="1200" b="1"/>
-            </a:lvl7pPr>
-            <a:lvl8pPr marL="2400300" indent="0">
-              <a:buNone/>
-              <a:defRPr sz="1200" b="1"/>
-            </a:lvl8pPr>
-            <a:lvl9pPr marL="2743200" indent="0">
-              <a:buNone/>
-              <a:defRPr sz="1200" b="1"/>
-            </a:lvl9pPr>
-          </a:lstStyle>
-          <a:p>
-            <a:pPr lvl="0"/>
-            <a:r>
-              <a:rPr lang="en-US"/>
-              <a:t>Click to edit Master text styles</a:t>
-            </a:r>
-          </a:p>
-        </p:txBody>
-      </p:sp>
-      <p:sp>
-        <p:nvSpPr>
-          <p:cNvPr id="4" name="Content Placeholder 3"/>
-          <p:cNvSpPr>
-            <a:spLocks noGrp="1"/>
-          </p:cNvSpPr>
-          <p:nvPr>
-            <p:ph sz="half" idx="2"/>
-          </p:nvPr>
-        </p:nvSpPr>
-        <p:spPr>
-          <a:xfrm>
-            <a:off x="629842" y="1878806"/>
-            <a:ext cx="3868340" cy="2763441"/>
-          </a:xfrm>
-        </p:spPr>
+          <p:cNvPr id="8" name="Footer Placeholder 7"/>
+          <p:cNvSpPr>
+            <a:spLocks noGrp="1"/>
+          </p:cNvSpPr>
+          <p:nvPr>
+            <p:ph type="ftr" sz="quarter" idx="11"/>
+          </p:nvPr>
+        </p:nvSpPr>
+        <p:spPr/>
         <p:txBody>
           <a:bodyPr/>
           <a:lstStyle/>
           <a:p>
-            <a:pPr lvl="0"/>
-            <a:r>
-              <a:rPr lang="en-US"/>
-              <a:t>Click to edit Master text styles</a:t>
-            </a:r>
-          </a:p>
-          <a:p>
-            <a:pPr lvl="1"/>
-            <a:r>
-              <a:rPr lang="en-US"/>
-              <a:t>Second level</a:t>
-            </a:r>
-          </a:p>
-          <a:p>
-            <a:pPr lvl="2"/>
-            <a:r>
-              <a:rPr lang="en-US"/>
-              <a:t>Third level</a:t>
-            </a:r>
-          </a:p>
-          <a:p>
-            <a:pPr lvl="3"/>
-            <a:r>
-              <a:rPr lang="en-US"/>
-              <a:t>Fourth level</a:t>
-            </a:r>
-          </a:p>
-          <a:p>
-            <a:pPr lvl="4"/>
-            <a:r>
-              <a:rPr lang="en-US"/>
-              <a:t>Fifth level</a:t>
-            </a:r>
             <a:endParaRPr lang="en-US" dirty="0"/>
           </a:p>
         </p:txBody>
       </p:sp>
       <p:sp>
         <p:nvSpPr>
-          <p:cNvPr id="5" name="Text Placeholder 4"/>
-          <p:cNvSpPr>
-            <a:spLocks noGrp="1"/>
-          </p:cNvSpPr>
-          <p:nvPr>
-            <p:ph type="body" sz="quarter" idx="3"/>
-          </p:nvPr>
-        </p:nvSpPr>
-        <p:spPr>
-          <a:xfrm>
-            <a:off x="4629150" y="1260872"/>
-            <a:ext cx="3887391" cy="617934"/>
-          </a:xfrm>
-        </p:spPr>
-        <p:txBody>
-          <a:bodyPr anchor="b"/>
-          <a:lstStyle>
-            <a:lvl1pPr marL="0" indent="0">
-              <a:buNone/>
-              <a:defRPr sz="1800" b="1"/>
-            </a:lvl1pPr>
-            <a:lvl2pPr marL="342900" indent="0">
-              <a:buNone/>
-              <a:defRPr sz="1500" b="1"/>
-            </a:lvl2pPr>
-            <a:lvl3pPr marL="685800" indent="0">
-              <a:buNone/>
-              <a:defRPr sz="1350" b="1"/>
-            </a:lvl3pPr>
-            <a:lvl4pPr marL="1028700" indent="0">
-              <a:buNone/>
-              <a:defRPr sz="1200" b="1"/>
-            </a:lvl4pPr>
-            <a:lvl5pPr marL="1371600" indent="0">
-              <a:buNone/>
-              <a:defRPr sz="1200" b="1"/>
-            </a:lvl5pPr>
-            <a:lvl6pPr marL="1714500" indent="0">
-              <a:buNone/>
-              <a:defRPr sz="1200" b="1"/>
-            </a:lvl6pPr>
-            <a:lvl7pPr marL="2057400" indent="0">
-              <a:buNone/>
-              <a:defRPr sz="1200" b="1"/>
-            </a:lvl7pPr>
-            <a:lvl8pPr marL="2400300" indent="0">
-              <a:buNone/>
-              <a:defRPr sz="1200" b="1"/>
-            </a:lvl8pPr>
-            <a:lvl9pPr marL="2743200" indent="0">
-              <a:buNone/>
-              <a:defRPr sz="1200" b="1"/>
-            </a:lvl9pPr>
-          </a:lstStyle>
-          <a:p>
-            <a:pPr lvl="0"/>
-            <a:r>
-              <a:rPr lang="en-US"/>
-              <a:t>Click to edit Master text styles</a:t>
-            </a:r>
-          </a:p>
-        </p:txBody>
-      </p:sp>
-      <p:sp>
-        <p:nvSpPr>
-          <p:cNvPr id="6" name="Content Placeholder 5"/>
-          <p:cNvSpPr>
-            <a:spLocks noGrp="1"/>
-          </p:cNvSpPr>
-          <p:nvPr>
-            <p:ph sz="quarter" idx="4"/>
-          </p:nvPr>
-        </p:nvSpPr>
-        <p:spPr>
-          <a:xfrm>
-            <a:off x="4629150" y="1878806"/>
-            <a:ext cx="3887391" cy="2763441"/>
-          </a:xfrm>
-        </p:spPr>
+          <p:cNvPr id="9" name="Slide Number Placeholder 8"/>
+          <p:cNvSpPr>
+            <a:spLocks noGrp="1"/>
+          </p:cNvSpPr>
+          <p:nvPr>
+            <p:ph type="sldNum" sz="quarter" idx="12"/>
+          </p:nvPr>
+        </p:nvSpPr>
+        <p:spPr/>
         <p:txBody>
           <a:bodyPr/>
           <a:lstStyle/>
           <a:p>
-            <a:pPr lvl="0"/>
-            <a:r>
-              <a:rPr lang="en-US"/>
-              <a:t>Click to edit Master text styles</a:t>
-            </a:r>
-          </a:p>
-          <a:p>
-            <a:pPr lvl="1"/>
-            <a:r>
-              <a:rPr lang="en-US"/>
-              <a:t>Second level</a:t>
-            </a:r>
-          </a:p>
-          <a:p>
-            <a:pPr lvl="2"/>
-            <a:r>
-              <a:rPr lang="en-US"/>
-              <a:t>Third level</a:t>
-            </a:r>
-          </a:p>
-          <a:p>
-            <a:pPr lvl="3"/>
-            <a:r>
-              <a:rPr lang="en-US"/>
-              <a:t>Fourth level</a:t>
-            </a:r>
-          </a:p>
-          <a:p>
-            <a:pPr lvl="4"/>
-            <a:r>
-              <a:rPr lang="en-US"/>
-              <a:t>Fifth level</a:t>
-            </a:r>
-            <a:endParaRPr lang="en-US" dirty="0"/>
-          </a:p>
-        </p:txBody>
-      </p:sp>
-      <p:sp>
-        <p:nvSpPr>
-          <p:cNvPr id="7" name="Date Placeholder 6"/>
-          <p:cNvSpPr>
-            <a:spLocks noGrp="1"/>
-          </p:cNvSpPr>
-          <p:nvPr>
-            <p:ph type="dt" sz="half" idx="10"/>
-          </p:nvPr>
-        </p:nvSpPr>
-        <p:spPr/>
-        <p:txBody>
-          <a:bodyPr/>
-          <a:lstStyle/>
-          <a:p>
-            <a:r>
-              <a:rPr lang="en-US"/>
-              <a:t>6. 4. 2020</a:t>
-            </a:r>
-          </a:p>
-        </p:txBody>
-      </p:sp>
-      <p:sp>
-        <p:nvSpPr>
-          <p:cNvPr id="8" name="Footer Placeholder 7"/>
-          <p:cNvSpPr>
-            <a:spLocks noGrp="1"/>
-          </p:cNvSpPr>
-          <p:nvPr>
-            <p:ph type="ftr" sz="quarter" idx="11"/>
-          </p:nvPr>
-        </p:nvSpPr>
-        <p:spPr/>
-        <p:txBody>
-          <a:bodyPr/>
-          <a:lstStyle/>
-          <a:p>
-            <a:r>
-              <a:rPr lang="en-US"/>
-              <a:t>PR19-20, Vmesna predstavitev</a:t>
-            </a:r>
-          </a:p>
-        </p:txBody>
-      </p:sp>
-      <p:sp>
-        <p:nvSpPr>
-          <p:cNvPr id="9" name="Slide Number Placeholder 8"/>
-          <p:cNvSpPr>
-            <a:spLocks noGrp="1"/>
-          </p:cNvSpPr>
-          <p:nvPr>
-            <p:ph type="sldNum" sz="quarter" idx="12"/>
-          </p:nvPr>
-        </p:nvSpPr>
-        <p:spPr/>
-        <p:txBody>
-          <a:bodyPr/>
-          <a:lstStyle/>
-          <a:p>
-            <a:fld id="{03BC8BC1-971C-5C4D-898D-87CE7EF1EB36}" type="slidenum">
-              <a:rPr lang="en-US" smtClean="0"/>
+            <a:fld id="{D57F1E4F-1CFF-5643-939E-217C01CDF565}" type="slidenum">
+              <a:rPr lang="en-US" dirty="0"/>
+              <a:pPr/>
               <a:t>‹#›</a:t>
             </a:fld>
-            <a:endParaRPr lang="en-US"/>
+            <a:endParaRPr lang="en-US" dirty="0"/>
           </a:p>
         </p:txBody>
       </p:sp>
     </p:spTree>
     <p:extLst>
       <p:ext uri="{BB962C8B-B14F-4D97-AF65-F5344CB8AC3E}">
-        <p14:creationId xmlns:p14="http://schemas.microsoft.com/office/powerpoint/2010/main" val="3814437875"/>
+        <p14:creationId xmlns:p14="http://schemas.microsoft.com/office/powerpoint/2010/main" val="4210451620"/>
       </p:ext>
     </p:extLst>
   </p:cSld>
@@ -2258,16 +4471,20 @@
             <p:ph type="title"/>
           </p:nvPr>
         </p:nvSpPr>
-        <p:spPr/>
+        <p:spPr>
+          <a:xfrm>
+            <a:off x="508001" y="457200"/>
+            <a:ext cx="6447501" cy="990600"/>
+          </a:xfrm>
+        </p:spPr>
         <p:txBody>
           <a:bodyPr/>
           <a:lstStyle/>
           <a:p>
             <a:r>
-              <a:rPr lang="en-US"/>
+              <a:rPr lang="en-US" dirty="0"/>
               <a:t>Click to edit Master title style</a:t>
             </a:r>
-            <a:endParaRPr lang="en-US" dirty="0"/>
           </a:p>
         </p:txBody>
       </p:sp>
@@ -2286,10 +4503,12 @@
           <a:bodyPr/>
           <a:lstStyle/>
           <a:p>
-            <a:r>
-              <a:rPr lang="en-US"/>
-              <a:t>6. 4. 2020</a:t>
-            </a:r>
+            <a:fld id="{B61BEF0D-F0BB-DE4B-95CE-6DB70DBA9567}" type="datetimeFigureOut">
+              <a:rPr lang="en-US" dirty="0"/>
+              <a:pPr/>
+              <a:t>5/25/2022</a:t>
+            </a:fld>
+            <a:endParaRPr lang="en-US" dirty="0"/>
           </a:p>
         </p:txBody>
       </p:sp>
@@ -2308,10 +4527,7 @@
           <a:bodyPr/>
           <a:lstStyle/>
           <a:p>
-            <a:r>
-              <a:rPr lang="en-US"/>
-              <a:t>PR19-20, Vmesna predstavitev</a:t>
-            </a:r>
+            <a:endParaRPr lang="en-US" dirty="0"/>
           </a:p>
         </p:txBody>
       </p:sp>
@@ -2330,18 +4546,19 @@
           <a:bodyPr/>
           <a:lstStyle/>
           <a:p>
-            <a:fld id="{03BC8BC1-971C-5C4D-898D-87CE7EF1EB36}" type="slidenum">
-              <a:rPr lang="en-US" smtClean="0"/>
+            <a:fld id="{D57F1E4F-1CFF-5643-939E-217C01CDF565}" type="slidenum">
+              <a:rPr lang="en-US" dirty="0"/>
+              <a:pPr/>
               <a:t>‹#›</a:t>
             </a:fld>
-            <a:endParaRPr lang="en-US"/>
+            <a:endParaRPr lang="en-US" dirty="0"/>
           </a:p>
         </p:txBody>
       </p:sp>
     </p:spTree>
     <p:extLst>
       <p:ext uri="{BB962C8B-B14F-4D97-AF65-F5344CB8AC3E}">
-        <p14:creationId xmlns:p14="http://schemas.microsoft.com/office/powerpoint/2010/main" val="3089588147"/>
+        <p14:creationId xmlns:p14="http://schemas.microsoft.com/office/powerpoint/2010/main" val="2385030486"/>
       </p:ext>
     </p:extLst>
   </p:cSld>
@@ -2383,10 +4600,12 @@
           <a:bodyPr/>
           <a:lstStyle/>
           <a:p>
-            <a:r>
-              <a:rPr lang="en-US"/>
-              <a:t>6. 4. 2020</a:t>
-            </a:r>
+            <a:fld id="{B61BEF0D-F0BB-DE4B-95CE-6DB70DBA9567}" type="datetimeFigureOut">
+              <a:rPr lang="en-US" dirty="0"/>
+              <a:pPr/>
+              <a:t>5/25/2022</a:t>
+            </a:fld>
+            <a:endParaRPr lang="en-US" dirty="0"/>
           </a:p>
         </p:txBody>
       </p:sp>
@@ -2405,10 +4624,7 @@
           <a:bodyPr/>
           <a:lstStyle/>
           <a:p>
-            <a:r>
-              <a:rPr lang="en-US"/>
-              <a:t>PR19-20, Vmesna predstavitev</a:t>
-            </a:r>
+            <a:endParaRPr lang="en-US" dirty="0"/>
           </a:p>
         </p:txBody>
       </p:sp>
@@ -2427,18 +4643,19 @@
           <a:bodyPr/>
           <a:lstStyle/>
           <a:p>
-            <a:fld id="{03BC8BC1-971C-5C4D-898D-87CE7EF1EB36}" type="slidenum">
-              <a:rPr lang="en-US" smtClean="0"/>
+            <a:fld id="{D57F1E4F-1CFF-5643-939E-217C01CDF565}" type="slidenum">
+              <a:rPr lang="en-US" dirty="0"/>
+              <a:pPr/>
               <a:t>‹#›</a:t>
             </a:fld>
-            <a:endParaRPr lang="en-US"/>
+            <a:endParaRPr lang="en-US" dirty="0"/>
           </a:p>
         </p:txBody>
       </p:sp>
     </p:spTree>
     <p:extLst>
       <p:ext uri="{BB962C8B-B14F-4D97-AF65-F5344CB8AC3E}">
-        <p14:creationId xmlns:p14="http://schemas.microsoft.com/office/powerpoint/2010/main" val="2457851597"/>
+        <p14:creationId xmlns:p14="http://schemas.microsoft.com/office/powerpoint/2010/main" val="240025883"/>
       </p:ext>
     </p:extLst>
   </p:cSld>
@@ -2477,23 +4694,24 @@
         </p:nvSpPr>
         <p:spPr>
           <a:xfrm>
-            <a:off x="629841" y="342900"/>
-            <a:ext cx="2949178" cy="1200150"/>
+            <a:off x="508001" y="1123953"/>
+            <a:ext cx="2890896" cy="958850"/>
           </a:xfrm>
         </p:spPr>
         <p:txBody>
-          <a:bodyPr anchor="b"/>
+          <a:bodyPr anchor="b">
+            <a:normAutofit/>
+          </a:bodyPr>
           <a:lstStyle>
             <a:lvl1pPr>
-              <a:defRPr sz="2400"/>
+              <a:defRPr sz="3556"/>
             </a:lvl1pPr>
           </a:lstStyle>
           <a:p>
             <a:r>
-              <a:rPr lang="en-US"/>
+              <a:rPr lang="en-US" dirty="0"/>
               <a:t>Click to edit Master title style</a:t>
             </a:r>
-            <a:endParaRPr lang="en-US" dirty="0"/>
           </a:p>
         </p:txBody>
       </p:sp>
@@ -2509,139 +4727,114 @@
         </p:nvSpPr>
         <p:spPr>
           <a:xfrm>
-            <a:off x="3887391" y="740569"/>
-            <a:ext cx="4629150" cy="3655219"/>
+            <a:off x="3570346" y="386193"/>
+            <a:ext cx="3385156" cy="4144828"/>
           </a:xfrm>
         </p:spPr>
         <p:txBody>
-          <a:bodyPr/>
+          <a:bodyPr>
+            <a:normAutofit/>
+          </a:bodyPr>
+          <a:lstStyle/>
+          <a:p>
+            <a:pPr lvl="0"/>
+            <a:r>
+              <a:rPr lang="en-US" dirty="0"/>
+              <a:t>Click to edit Master text styles</a:t>
+            </a:r>
+          </a:p>
+          <a:p>
+            <a:pPr lvl="1"/>
+            <a:r>
+              <a:rPr lang="en-US" dirty="0"/>
+              <a:t>Second level</a:t>
+            </a:r>
+          </a:p>
+          <a:p>
+            <a:pPr lvl="2"/>
+            <a:r>
+              <a:rPr lang="en-US" dirty="0"/>
+              <a:t>Third level</a:t>
+            </a:r>
+          </a:p>
+          <a:p>
+            <a:pPr lvl="3"/>
+            <a:r>
+              <a:rPr lang="en-US" dirty="0"/>
+              <a:t>Fourth level</a:t>
+            </a:r>
+          </a:p>
+          <a:p>
+            <a:pPr lvl="4"/>
+            <a:r>
+              <a:rPr lang="en-US" dirty="0"/>
+              <a:t>Fifth level</a:t>
+            </a:r>
+          </a:p>
+        </p:txBody>
+      </p:sp>
+      <p:sp>
+        <p:nvSpPr>
+          <p:cNvPr id="4" name="Text Placeholder 3"/>
+          <p:cNvSpPr>
+            <a:spLocks noGrp="1"/>
+          </p:cNvSpPr>
+          <p:nvPr>
+            <p:ph type="body" sz="half" idx="2"/>
+          </p:nvPr>
+        </p:nvSpPr>
+        <p:spPr>
+          <a:xfrm>
+            <a:off x="508001" y="2082802"/>
+            <a:ext cx="2890896" cy="1938337"/>
+          </a:xfrm>
+        </p:spPr>
+        <p:txBody>
+          <a:bodyPr>
+            <a:normAutofit/>
+          </a:bodyPr>
           <a:lstStyle>
-            <a:lvl1pPr>
-              <a:defRPr sz="2400"/>
+            <a:lvl1pPr marL="0" indent="0">
+              <a:buNone/>
+              <a:defRPr sz="2489"/>
             </a:lvl1pPr>
-            <a:lvl2pPr>
-              <a:defRPr sz="2100"/>
+            <a:lvl2pPr marL="812567" indent="0">
+              <a:buNone/>
+              <a:defRPr sz="2489"/>
             </a:lvl2pPr>
-            <a:lvl3pPr>
-              <a:defRPr sz="1800"/>
+            <a:lvl3pPr marL="1625133" indent="0">
+              <a:buNone/>
+              <a:defRPr sz="2133"/>
             </a:lvl3pPr>
-            <a:lvl4pPr>
-              <a:defRPr sz="1500"/>
+            <a:lvl4pPr marL="2437700" indent="0">
+              <a:buNone/>
+              <a:defRPr sz="1778"/>
             </a:lvl4pPr>
-            <a:lvl5pPr>
-              <a:defRPr sz="1500"/>
+            <a:lvl5pPr marL="3250265" indent="0">
+              <a:buNone/>
+              <a:defRPr sz="1778"/>
             </a:lvl5pPr>
-            <a:lvl6pPr>
-              <a:defRPr sz="1500"/>
+            <a:lvl6pPr marL="4062831" indent="0">
+              <a:buNone/>
+              <a:defRPr sz="1778"/>
             </a:lvl6pPr>
-            <a:lvl7pPr>
-              <a:defRPr sz="1500"/>
+            <a:lvl7pPr marL="4875398" indent="0">
+              <a:buNone/>
+              <a:defRPr sz="1778"/>
             </a:lvl7pPr>
-            <a:lvl8pPr>
-              <a:defRPr sz="1500"/>
+            <a:lvl8pPr marL="5687964" indent="0">
+              <a:buNone/>
+              <a:defRPr sz="1778"/>
             </a:lvl8pPr>
-            <a:lvl9pPr>
-              <a:defRPr sz="1500"/>
+            <a:lvl9pPr marL="6500531" indent="0">
+              <a:buNone/>
+              <a:defRPr sz="1778"/>
             </a:lvl9pPr>
           </a:lstStyle>
           <a:p>
             <a:pPr lvl="0"/>
             <a:r>
-              <a:rPr lang="en-US"/>
-              <a:t>Click to edit Master text styles</a:t>
-            </a:r>
-          </a:p>
-          <a:p>
-            <a:pPr lvl="1"/>
-            <a:r>
-              <a:rPr lang="en-US"/>
-              <a:t>Second level</a:t>
-            </a:r>
-          </a:p>
-          <a:p>
-            <a:pPr lvl="2"/>
-            <a:r>
-              <a:rPr lang="en-US"/>
-              <a:t>Third level</a:t>
-            </a:r>
-          </a:p>
-          <a:p>
-            <a:pPr lvl="3"/>
-            <a:r>
-              <a:rPr lang="en-US"/>
-              <a:t>Fourth level</a:t>
-            </a:r>
-          </a:p>
-          <a:p>
-            <a:pPr lvl="4"/>
-            <a:r>
-              <a:rPr lang="en-US"/>
-              <a:t>Fifth level</a:t>
-            </a:r>
-            <a:endParaRPr lang="en-US" dirty="0"/>
-          </a:p>
-        </p:txBody>
-      </p:sp>
-      <p:sp>
-        <p:nvSpPr>
-          <p:cNvPr id="4" name="Text Placeholder 3"/>
-          <p:cNvSpPr>
-            <a:spLocks noGrp="1"/>
-          </p:cNvSpPr>
-          <p:nvPr>
-            <p:ph type="body" sz="half" idx="2"/>
-          </p:nvPr>
-        </p:nvSpPr>
-        <p:spPr>
-          <a:xfrm>
-            <a:off x="629841" y="1543050"/>
-            <a:ext cx="2949178" cy="2858691"/>
-          </a:xfrm>
-        </p:spPr>
-        <p:txBody>
-          <a:bodyPr/>
-          <a:lstStyle>
-            <a:lvl1pPr marL="0" indent="0">
-              <a:buNone/>
-              <a:defRPr sz="1200"/>
-            </a:lvl1pPr>
-            <a:lvl2pPr marL="342900" indent="0">
-              <a:buNone/>
-              <a:defRPr sz="1050"/>
-            </a:lvl2pPr>
-            <a:lvl3pPr marL="685800" indent="0">
-              <a:buNone/>
-              <a:defRPr sz="900"/>
-            </a:lvl3pPr>
-            <a:lvl4pPr marL="1028700" indent="0">
-              <a:buNone/>
-              <a:defRPr sz="750"/>
-            </a:lvl4pPr>
-            <a:lvl5pPr marL="1371600" indent="0">
-              <a:buNone/>
-              <a:defRPr sz="750"/>
-            </a:lvl5pPr>
-            <a:lvl6pPr marL="1714500" indent="0">
-              <a:buNone/>
-              <a:defRPr sz="750"/>
-            </a:lvl6pPr>
-            <a:lvl7pPr marL="2057400" indent="0">
-              <a:buNone/>
-              <a:defRPr sz="750"/>
-            </a:lvl7pPr>
-            <a:lvl8pPr marL="2400300" indent="0">
-              <a:buNone/>
-              <a:defRPr sz="750"/>
-            </a:lvl8pPr>
-            <a:lvl9pPr marL="2743200" indent="0">
-              <a:buNone/>
-              <a:defRPr sz="750"/>
-            </a:lvl9pPr>
-          </a:lstStyle>
-          <a:p>
-            <a:pPr lvl="0"/>
-            <a:r>
-              <a:rPr lang="en-US"/>
+              <a:rPr lang="en-US" dirty="0"/>
               <a:t>Click to edit Master text styles</a:t>
             </a:r>
           </a:p>
@@ -2662,10 +4855,11 @@
           <a:bodyPr/>
           <a:lstStyle/>
           <a:p>
-            <a:r>
-              <a:rPr lang="en-US"/>
-              <a:t>6. 4. 2020</a:t>
-            </a:r>
+            <a:fld id="{42A54C80-263E-416B-A8E0-580EDEADCBDC}" type="datetimeFigureOut">
+              <a:rPr lang="en-US" dirty="0"/>
+              <a:t>5/25/2022</a:t>
+            </a:fld>
+            <a:endParaRPr lang="en-US" dirty="0"/>
           </a:p>
         </p:txBody>
       </p:sp>
@@ -2684,10 +4878,7 @@
           <a:bodyPr/>
           <a:lstStyle/>
           <a:p>
-            <a:r>
-              <a:rPr lang="en-US"/>
-              <a:t>PR19-20, Vmesna predstavitev</a:t>
-            </a:r>
+            <a:endParaRPr lang="en-US" dirty="0"/>
           </a:p>
         </p:txBody>
       </p:sp>
@@ -2706,18 +4897,18 @@
           <a:bodyPr/>
           <a:lstStyle/>
           <a:p>
-            <a:fld id="{03BC8BC1-971C-5C4D-898D-87CE7EF1EB36}" type="slidenum">
-              <a:rPr lang="en-US" smtClean="0"/>
+            <a:fld id="{519954A3-9DFD-4C44-94BA-B95130A3BA1C}" type="slidenum">
+              <a:rPr lang="en-US" dirty="0"/>
               <a:t>‹#›</a:t>
             </a:fld>
-            <a:endParaRPr lang="en-US"/>
+            <a:endParaRPr lang="en-US" dirty="0"/>
           </a:p>
         </p:txBody>
       </p:sp>
     </p:spTree>
     <p:extLst>
       <p:ext uri="{BB962C8B-B14F-4D97-AF65-F5344CB8AC3E}">
-        <p14:creationId xmlns:p14="http://schemas.microsoft.com/office/powerpoint/2010/main" val="2002368616"/>
+        <p14:creationId xmlns:p14="http://schemas.microsoft.com/office/powerpoint/2010/main" val="3540970505"/>
       </p:ext>
     </p:extLst>
   </p:cSld>
@@ -2756,23 +4947,24 @@
         </p:nvSpPr>
         <p:spPr>
           <a:xfrm>
-            <a:off x="629841" y="342900"/>
-            <a:ext cx="2949178" cy="1200150"/>
+            <a:off x="508001" y="3600450"/>
+            <a:ext cx="6447500" cy="425054"/>
           </a:xfrm>
         </p:spPr>
         <p:txBody>
-          <a:bodyPr anchor="b"/>
+          <a:bodyPr anchor="b">
+            <a:normAutofit/>
+          </a:bodyPr>
           <a:lstStyle>
-            <a:lvl1pPr>
-              <a:defRPr sz="2400"/>
+            <a:lvl1pPr algn="l">
+              <a:defRPr sz="4267" b="0"/>
             </a:lvl1pPr>
           </a:lstStyle>
           <a:p>
             <a:r>
-              <a:rPr lang="en-US"/>
+              <a:rPr lang="en-US" dirty="0"/>
               <a:t>Click to edit Master title style</a:t>
             </a:r>
-            <a:endParaRPr lang="en-US" dirty="0"/>
           </a:p>
         </p:txBody>
       </p:sp>
@@ -2788,119 +4980,119 @@
         </p:nvSpPr>
         <p:spPr>
           <a:xfrm>
-            <a:off x="3887391" y="740569"/>
-            <a:ext cx="4629150" cy="3655219"/>
+            <a:off x="508001" y="457200"/>
+            <a:ext cx="6447501" cy="2884289"/>
           </a:xfrm>
         </p:spPr>
         <p:txBody>
-          <a:bodyPr anchor="t"/>
+          <a:bodyPr anchor="t">
+            <a:normAutofit/>
+          </a:bodyPr>
+          <a:lstStyle>
+            <a:lvl1pPr marL="0" indent="0" algn="ctr">
+              <a:buNone/>
+              <a:defRPr sz="2844"/>
+            </a:lvl1pPr>
+            <a:lvl2pPr marL="812810" indent="0">
+              <a:buNone/>
+              <a:defRPr sz="2844"/>
+            </a:lvl2pPr>
+            <a:lvl3pPr marL="1625620" indent="0">
+              <a:buNone/>
+              <a:defRPr sz="2844"/>
+            </a:lvl3pPr>
+            <a:lvl4pPr marL="2438430" indent="0">
+              <a:buNone/>
+              <a:defRPr sz="2844"/>
+            </a:lvl4pPr>
+            <a:lvl5pPr marL="3251241" indent="0">
+              <a:buNone/>
+              <a:defRPr sz="2844"/>
+            </a:lvl5pPr>
+            <a:lvl6pPr marL="4064051" indent="0">
+              <a:buNone/>
+              <a:defRPr sz="2844"/>
+            </a:lvl6pPr>
+            <a:lvl7pPr marL="4876861" indent="0">
+              <a:buNone/>
+              <a:defRPr sz="2844"/>
+            </a:lvl7pPr>
+            <a:lvl8pPr marL="5689671" indent="0">
+              <a:buNone/>
+              <a:defRPr sz="2844"/>
+            </a:lvl8pPr>
+            <a:lvl9pPr marL="6502481" indent="0">
+              <a:buNone/>
+              <a:defRPr sz="2844"/>
+            </a:lvl9pPr>
+          </a:lstStyle>
+          <a:p>
+            <a:endParaRPr lang="en-US" dirty="0"/>
+          </a:p>
+        </p:txBody>
+      </p:sp>
+      <p:sp>
+        <p:nvSpPr>
+          <p:cNvPr id="4" name="Text Placeholder 3"/>
+          <p:cNvSpPr>
+            <a:spLocks noGrp="1"/>
+          </p:cNvSpPr>
+          <p:nvPr>
+            <p:ph type="body" sz="half" idx="2"/>
+          </p:nvPr>
+        </p:nvSpPr>
+        <p:spPr>
+          <a:xfrm>
+            <a:off x="508001" y="4025504"/>
+            <a:ext cx="6447500" cy="505518"/>
+          </a:xfrm>
+        </p:spPr>
+        <p:txBody>
+          <a:bodyPr>
+            <a:normAutofit/>
+          </a:bodyPr>
           <a:lstStyle>
             <a:lvl1pPr marL="0" indent="0">
               <a:buNone/>
-              <a:defRPr sz="2400"/>
+              <a:defRPr sz="2133"/>
             </a:lvl1pPr>
-            <a:lvl2pPr marL="342900" indent="0">
-              <a:buNone/>
-              <a:defRPr sz="2100"/>
+            <a:lvl2pPr marL="812810" indent="0">
+              <a:buNone/>
+              <a:defRPr sz="2133"/>
             </a:lvl2pPr>
-            <a:lvl3pPr marL="685800" indent="0">
-              <a:buNone/>
-              <a:defRPr sz="1800"/>
+            <a:lvl3pPr marL="1625620" indent="0">
+              <a:buNone/>
+              <a:defRPr sz="1778"/>
             </a:lvl3pPr>
-            <a:lvl4pPr marL="1028700" indent="0">
-              <a:buNone/>
-              <a:defRPr sz="1500"/>
+            <a:lvl4pPr marL="2438430" indent="0">
+              <a:buNone/>
+              <a:defRPr sz="1600"/>
             </a:lvl4pPr>
-            <a:lvl5pPr marL="1371600" indent="0">
-              <a:buNone/>
-              <a:defRPr sz="1500"/>
+            <a:lvl5pPr marL="3251241" indent="0">
+              <a:buNone/>
+              <a:defRPr sz="1600"/>
             </a:lvl5pPr>
-            <a:lvl6pPr marL="1714500" indent="0">
-              <a:buNone/>
-              <a:defRPr sz="1500"/>
+            <a:lvl6pPr marL="4064051" indent="0">
+              <a:buNone/>
+              <a:defRPr sz="1600"/>
             </a:lvl6pPr>
-            <a:lvl7pPr marL="2057400" indent="0">
-              <a:buNone/>
-              <a:defRPr sz="1500"/>
+            <a:lvl7pPr marL="4876861" indent="0">
+              <a:buNone/>
+              <a:defRPr sz="1600"/>
             </a:lvl7pPr>
-            <a:lvl8pPr marL="2400300" indent="0">
-              <a:buNone/>
-              <a:defRPr sz="1500"/>
+            <a:lvl8pPr marL="5689671" indent="0">
+              <a:buNone/>
+              <a:defRPr sz="1600"/>
             </a:lvl8pPr>
-            <a:lvl9pPr marL="2743200" indent="0">
-              <a:buNone/>
-              <a:defRPr sz="1500"/>
+            <a:lvl9pPr marL="6502481" indent="0">
+              <a:buNone/>
+              <a:defRPr sz="1600"/>
             </a:lvl9pPr>
           </a:lstStyle>
           <a:p>
-            <a:r>
-              <a:rPr lang="en-US"/>
-              <a:t>Click icon to add picture</a:t>
-            </a:r>
-            <a:endParaRPr lang="en-US" dirty="0"/>
-          </a:p>
-        </p:txBody>
-      </p:sp>
-      <p:sp>
-        <p:nvSpPr>
-          <p:cNvPr id="4" name="Text Placeholder 3"/>
-          <p:cNvSpPr>
-            <a:spLocks noGrp="1"/>
-          </p:cNvSpPr>
-          <p:nvPr>
-            <p:ph type="body" sz="half" idx="2"/>
-          </p:nvPr>
-        </p:nvSpPr>
-        <p:spPr>
-          <a:xfrm>
-            <a:off x="629841" y="1543050"/>
-            <a:ext cx="2949178" cy="2858691"/>
-          </a:xfrm>
-        </p:spPr>
-        <p:txBody>
-          <a:bodyPr/>
-          <a:lstStyle>
-            <a:lvl1pPr marL="0" indent="0">
-              <a:buNone/>
-              <a:defRPr sz="1200"/>
-            </a:lvl1pPr>
-            <a:lvl2pPr marL="342900" indent="0">
-              <a:buNone/>
-              <a:defRPr sz="1050"/>
-            </a:lvl2pPr>
-            <a:lvl3pPr marL="685800" indent="0">
-              <a:buNone/>
-              <a:defRPr sz="900"/>
-            </a:lvl3pPr>
-            <a:lvl4pPr marL="1028700" indent="0">
-              <a:buNone/>
-              <a:defRPr sz="750"/>
-            </a:lvl4pPr>
-            <a:lvl5pPr marL="1371600" indent="0">
-              <a:buNone/>
-              <a:defRPr sz="750"/>
-            </a:lvl5pPr>
-            <a:lvl6pPr marL="1714500" indent="0">
-              <a:buNone/>
-              <a:defRPr sz="750"/>
-            </a:lvl6pPr>
-            <a:lvl7pPr marL="2057400" indent="0">
-              <a:buNone/>
-              <a:defRPr sz="750"/>
-            </a:lvl7pPr>
-            <a:lvl8pPr marL="2400300" indent="0">
-              <a:buNone/>
-              <a:defRPr sz="750"/>
-            </a:lvl8pPr>
-            <a:lvl9pPr marL="2743200" indent="0">
-              <a:buNone/>
-              <a:defRPr sz="750"/>
-            </a:lvl9pPr>
-          </a:lstStyle>
-          <a:p>
             <a:pPr lvl="0"/>
             <a:r>
-              <a:rPr lang="en-US"/>
+              <a:rPr lang="en-US" dirty="0"/>
               <a:t>Click to edit Master text styles</a:t>
             </a:r>
           </a:p>
@@ -2921,10 +5113,12 @@
           <a:bodyPr/>
           <a:lstStyle/>
           <a:p>
-            <a:r>
-              <a:rPr lang="en-US"/>
-              <a:t>6. 4. 2020</a:t>
-            </a:r>
+            <a:fld id="{B61BEF0D-F0BB-DE4B-95CE-6DB70DBA9567}" type="datetimeFigureOut">
+              <a:rPr lang="en-US" dirty="0"/>
+              <a:pPr/>
+              <a:t>5/25/2022</a:t>
+            </a:fld>
+            <a:endParaRPr lang="en-US" dirty="0"/>
           </a:p>
         </p:txBody>
       </p:sp>
@@ -2943,10 +5137,7 @@
           <a:bodyPr/>
           <a:lstStyle/>
           <a:p>
-            <a:r>
-              <a:rPr lang="en-US"/>
-              <a:t>PR19-20, Vmesna predstavitev</a:t>
-            </a:r>
+            <a:endParaRPr lang="en-US" dirty="0"/>
           </a:p>
         </p:txBody>
       </p:sp>
@@ -2965,18 +5156,19 @@
           <a:bodyPr/>
           <a:lstStyle/>
           <a:p>
-            <a:fld id="{03BC8BC1-971C-5C4D-898D-87CE7EF1EB36}" type="slidenum">
-              <a:rPr lang="en-US" smtClean="0"/>
+            <a:fld id="{D57F1E4F-1CFF-5643-939E-217C01CDF565}" type="slidenum">
+              <a:rPr lang="en-US" dirty="0"/>
+              <a:pPr/>
               <a:t>‹#›</a:t>
             </a:fld>
-            <a:endParaRPr lang="en-US"/>
+            <a:endParaRPr lang="en-US" dirty="0"/>
           </a:p>
         </p:txBody>
       </p:sp>
     </p:spTree>
     <p:extLst>
       <p:ext uri="{BB962C8B-B14F-4D97-AF65-F5344CB8AC3E}">
-        <p14:creationId xmlns:p14="http://schemas.microsoft.com/office/powerpoint/2010/main" val="3394400871"/>
+        <p14:creationId xmlns:p14="http://schemas.microsoft.com/office/powerpoint/2010/main" val="1024974884"/>
       </p:ext>
     </p:extLst>
   </p:cSld>
@@ -3008,6 +5200,536 @@
           <a:chExt cx="0" cy="0"/>
         </a:xfrm>
       </p:grpSpPr>
+      <p:grpSp>
+        <p:nvGrpSpPr>
+          <p:cNvPr id="7" name="Group 6"/>
+          <p:cNvGrpSpPr/>
+          <p:nvPr/>
+        </p:nvGrpSpPr>
+        <p:grpSpPr>
+          <a:xfrm>
+            <a:off x="0" y="-6350"/>
+            <a:ext cx="9144000" cy="5149850"/>
+            <a:chOff x="0" y="-8467"/>
+            <a:chExt cx="12192000" cy="6866467"/>
+          </a:xfrm>
+        </p:grpSpPr>
+        <p:cxnSp>
+          <p:nvCxnSpPr>
+            <p:cNvPr id="20" name="Straight Connector 19"/>
+            <p:cNvCxnSpPr/>
+            <p:nvPr/>
+          </p:nvCxnSpPr>
+          <p:spPr>
+            <a:xfrm>
+              <a:off x="9371012" y="0"/>
+              <a:ext cx="1219200" cy="6858000"/>
+            </a:xfrm>
+            <a:prstGeom prst="line">
+              <a:avLst/>
+            </a:prstGeom>
+            <a:ln w="9525">
+              <a:solidFill>
+                <a:schemeClr val="bg1">
+                  <a:lumMod val="75000"/>
+                </a:schemeClr>
+              </a:solidFill>
+            </a:ln>
+          </p:spPr>
+          <p:style>
+            <a:lnRef idx="2">
+              <a:schemeClr val="accent1"/>
+            </a:lnRef>
+            <a:fillRef idx="0">
+              <a:schemeClr val="accent1"/>
+            </a:fillRef>
+            <a:effectRef idx="1">
+              <a:schemeClr val="accent1"/>
+            </a:effectRef>
+            <a:fontRef idx="minor">
+              <a:schemeClr val="tx1"/>
+            </a:fontRef>
+          </p:style>
+        </p:cxnSp>
+        <p:cxnSp>
+          <p:nvCxnSpPr>
+            <p:cNvPr id="21" name="Straight Connector 20"/>
+            <p:cNvCxnSpPr/>
+            <p:nvPr/>
+          </p:nvCxnSpPr>
+          <p:spPr>
+            <a:xfrm flipH="1">
+              <a:off x="7425267" y="3681413"/>
+              <a:ext cx="4763558" cy="3176587"/>
+            </a:xfrm>
+            <a:prstGeom prst="line">
+              <a:avLst/>
+            </a:prstGeom>
+            <a:ln w="9525">
+              <a:solidFill>
+                <a:schemeClr val="bg1">
+                  <a:lumMod val="85000"/>
+                </a:schemeClr>
+              </a:solidFill>
+            </a:ln>
+          </p:spPr>
+          <p:style>
+            <a:lnRef idx="2">
+              <a:schemeClr val="accent1"/>
+            </a:lnRef>
+            <a:fillRef idx="0">
+              <a:schemeClr val="accent1"/>
+            </a:fillRef>
+            <a:effectRef idx="1">
+              <a:schemeClr val="accent1"/>
+            </a:effectRef>
+            <a:fontRef idx="minor">
+              <a:schemeClr val="tx1"/>
+            </a:fontRef>
+          </p:style>
+        </p:cxnSp>
+        <p:sp>
+          <p:nvSpPr>
+            <p:cNvPr id="22" name="Rectangle 23"/>
+            <p:cNvSpPr/>
+            <p:nvPr/>
+          </p:nvSpPr>
+          <p:spPr>
+            <a:xfrm>
+              <a:off x="9181476" y="-8467"/>
+              <a:ext cx="3007349" cy="6866467"/>
+            </a:xfrm>
+            <a:custGeom>
+              <a:avLst/>
+              <a:gdLst/>
+              <a:ahLst/>
+              <a:cxnLst/>
+              <a:rect l="l" t="t" r="r" b="b"/>
+              <a:pathLst>
+                <a:path w="3007349" h="6866467">
+                  <a:moveTo>
+                    <a:pt x="2045532" y="0"/>
+                  </a:moveTo>
+                  <a:lnTo>
+                    <a:pt x="3007349" y="0"/>
+                  </a:lnTo>
+                  <a:lnTo>
+                    <a:pt x="3007349" y="6866467"/>
+                  </a:lnTo>
+                  <a:lnTo>
+                    <a:pt x="0" y="6866467"/>
+                  </a:lnTo>
+                  <a:lnTo>
+                    <a:pt x="2045532" y="0"/>
+                  </a:lnTo>
+                  <a:close/>
+                </a:path>
+              </a:pathLst>
+            </a:custGeom>
+            <a:solidFill>
+              <a:schemeClr val="accent1">
+                <a:alpha val="30000"/>
+              </a:schemeClr>
+            </a:solidFill>
+            <a:ln>
+              <a:noFill/>
+            </a:ln>
+            <a:effectLst/>
+          </p:spPr>
+          <p:style>
+            <a:lnRef idx="1">
+              <a:schemeClr val="accent1"/>
+            </a:lnRef>
+            <a:fillRef idx="3">
+              <a:schemeClr val="accent1"/>
+            </a:fillRef>
+            <a:effectRef idx="2">
+              <a:schemeClr val="accent1"/>
+            </a:effectRef>
+            <a:fontRef idx="minor">
+              <a:schemeClr val="lt1"/>
+            </a:fontRef>
+          </p:style>
+        </p:sp>
+        <p:sp>
+          <p:nvSpPr>
+            <p:cNvPr id="23" name="Rectangle 25"/>
+            <p:cNvSpPr/>
+            <p:nvPr/>
+          </p:nvSpPr>
+          <p:spPr>
+            <a:xfrm>
+              <a:off x="9603442" y="-8467"/>
+              <a:ext cx="2588558" cy="6866467"/>
+            </a:xfrm>
+            <a:custGeom>
+              <a:avLst/>
+              <a:gdLst/>
+              <a:ahLst/>
+              <a:cxnLst/>
+              <a:rect l="l" t="t" r="r" b="b"/>
+              <a:pathLst>
+                <a:path w="2573311" h="6866467">
+                  <a:moveTo>
+                    <a:pt x="0" y="0"/>
+                  </a:moveTo>
+                  <a:lnTo>
+                    <a:pt x="2573311" y="0"/>
+                  </a:lnTo>
+                  <a:lnTo>
+                    <a:pt x="2573311" y="6866467"/>
+                  </a:lnTo>
+                  <a:lnTo>
+                    <a:pt x="1202336" y="6866467"/>
+                  </a:lnTo>
+                  <a:lnTo>
+                    <a:pt x="0" y="0"/>
+                  </a:lnTo>
+                  <a:close/>
+                </a:path>
+              </a:pathLst>
+            </a:custGeom>
+            <a:solidFill>
+              <a:schemeClr val="accent1">
+                <a:alpha val="20000"/>
+              </a:schemeClr>
+            </a:solidFill>
+            <a:ln>
+              <a:noFill/>
+            </a:ln>
+            <a:effectLst/>
+          </p:spPr>
+          <p:style>
+            <a:lnRef idx="1">
+              <a:schemeClr val="accent1"/>
+            </a:lnRef>
+            <a:fillRef idx="3">
+              <a:schemeClr val="accent1"/>
+            </a:fillRef>
+            <a:effectRef idx="2">
+              <a:schemeClr val="accent1"/>
+            </a:effectRef>
+            <a:fontRef idx="minor">
+              <a:schemeClr val="lt1"/>
+            </a:fontRef>
+          </p:style>
+        </p:sp>
+        <p:sp>
+          <p:nvSpPr>
+            <p:cNvPr id="24" name="Isosceles Triangle 23"/>
+            <p:cNvSpPr/>
+            <p:nvPr/>
+          </p:nvSpPr>
+          <p:spPr>
+            <a:xfrm>
+              <a:off x="8932333" y="3048000"/>
+              <a:ext cx="3259667" cy="3810000"/>
+            </a:xfrm>
+            <a:prstGeom prst="triangle">
+              <a:avLst>
+                <a:gd name="adj" fmla="val 100000"/>
+              </a:avLst>
+            </a:prstGeom>
+            <a:solidFill>
+              <a:schemeClr val="accent2">
+                <a:alpha val="72000"/>
+              </a:schemeClr>
+            </a:solidFill>
+            <a:ln>
+              <a:noFill/>
+            </a:ln>
+            <a:effectLst/>
+          </p:spPr>
+          <p:style>
+            <a:lnRef idx="1">
+              <a:schemeClr val="accent1"/>
+            </a:lnRef>
+            <a:fillRef idx="3">
+              <a:schemeClr val="accent1"/>
+            </a:fillRef>
+            <a:effectRef idx="2">
+              <a:schemeClr val="accent1"/>
+            </a:effectRef>
+            <a:fontRef idx="minor">
+              <a:schemeClr val="lt1"/>
+            </a:fontRef>
+          </p:style>
+        </p:sp>
+        <p:sp>
+          <p:nvSpPr>
+            <p:cNvPr id="25" name="Rectangle 27"/>
+            <p:cNvSpPr/>
+            <p:nvPr/>
+          </p:nvSpPr>
+          <p:spPr>
+            <a:xfrm>
+              <a:off x="9334500" y="-8467"/>
+              <a:ext cx="2854326" cy="6866467"/>
+            </a:xfrm>
+            <a:custGeom>
+              <a:avLst/>
+              <a:gdLst/>
+              <a:ahLst/>
+              <a:cxnLst/>
+              <a:rect l="l" t="t" r="r" b="b"/>
+              <a:pathLst>
+                <a:path w="2858013" h="6866467">
+                  <a:moveTo>
+                    <a:pt x="0" y="0"/>
+                  </a:moveTo>
+                  <a:lnTo>
+                    <a:pt x="2858013" y="0"/>
+                  </a:lnTo>
+                  <a:lnTo>
+                    <a:pt x="2858013" y="6866467"/>
+                  </a:lnTo>
+                  <a:lnTo>
+                    <a:pt x="2473942" y="6866467"/>
+                  </a:lnTo>
+                  <a:lnTo>
+                    <a:pt x="0" y="0"/>
+                  </a:lnTo>
+                  <a:close/>
+                </a:path>
+              </a:pathLst>
+            </a:custGeom>
+            <a:solidFill>
+              <a:schemeClr val="accent2">
+                <a:lumMod val="75000"/>
+                <a:alpha val="70000"/>
+              </a:schemeClr>
+            </a:solidFill>
+            <a:ln>
+              <a:noFill/>
+            </a:ln>
+            <a:effectLst/>
+          </p:spPr>
+          <p:style>
+            <a:lnRef idx="1">
+              <a:schemeClr val="accent1"/>
+            </a:lnRef>
+            <a:fillRef idx="3">
+              <a:schemeClr val="accent1"/>
+            </a:fillRef>
+            <a:effectRef idx="2">
+              <a:schemeClr val="accent1"/>
+            </a:effectRef>
+            <a:fontRef idx="minor">
+              <a:schemeClr val="lt1"/>
+            </a:fontRef>
+          </p:style>
+        </p:sp>
+        <p:sp>
+          <p:nvSpPr>
+            <p:cNvPr id="26" name="Rectangle 28"/>
+            <p:cNvSpPr/>
+            <p:nvPr/>
+          </p:nvSpPr>
+          <p:spPr>
+            <a:xfrm>
+              <a:off x="10898730" y="-8467"/>
+              <a:ext cx="1290094" cy="6866467"/>
+            </a:xfrm>
+            <a:custGeom>
+              <a:avLst/>
+              <a:gdLst/>
+              <a:ahLst/>
+              <a:cxnLst/>
+              <a:rect l="l" t="t" r="r" b="b"/>
+              <a:pathLst>
+                <a:path w="1290094" h="6858000">
+                  <a:moveTo>
+                    <a:pt x="1019735" y="0"/>
+                  </a:moveTo>
+                  <a:lnTo>
+                    <a:pt x="1290094" y="0"/>
+                  </a:lnTo>
+                  <a:lnTo>
+                    <a:pt x="1290094" y="6858000"/>
+                  </a:lnTo>
+                  <a:lnTo>
+                    <a:pt x="0" y="6858000"/>
+                  </a:lnTo>
+                  <a:lnTo>
+                    <a:pt x="1019735" y="0"/>
+                  </a:lnTo>
+                  <a:close/>
+                </a:path>
+              </a:pathLst>
+            </a:custGeom>
+            <a:solidFill>
+              <a:schemeClr val="accent1">
+                <a:lumMod val="60000"/>
+                <a:lumOff val="40000"/>
+                <a:alpha val="70000"/>
+              </a:schemeClr>
+            </a:solidFill>
+            <a:ln>
+              <a:noFill/>
+            </a:ln>
+            <a:effectLst/>
+          </p:spPr>
+          <p:style>
+            <a:lnRef idx="1">
+              <a:schemeClr val="accent1"/>
+            </a:lnRef>
+            <a:fillRef idx="3">
+              <a:schemeClr val="accent1"/>
+            </a:fillRef>
+            <a:effectRef idx="2">
+              <a:schemeClr val="accent1"/>
+            </a:effectRef>
+            <a:fontRef idx="minor">
+              <a:schemeClr val="lt1"/>
+            </a:fontRef>
+          </p:style>
+        </p:sp>
+        <p:sp>
+          <p:nvSpPr>
+            <p:cNvPr id="27" name="Rectangle 29"/>
+            <p:cNvSpPr/>
+            <p:nvPr/>
+          </p:nvSpPr>
+          <p:spPr>
+            <a:xfrm>
+              <a:off x="10938999" y="-8467"/>
+              <a:ext cx="1249825" cy="6866467"/>
+            </a:xfrm>
+            <a:custGeom>
+              <a:avLst/>
+              <a:gdLst/>
+              <a:ahLst/>
+              <a:cxnLst/>
+              <a:rect l="l" t="t" r="r" b="b"/>
+              <a:pathLst>
+                <a:path w="1249825" h="6858000">
+                  <a:moveTo>
+                    <a:pt x="0" y="0"/>
+                  </a:moveTo>
+                  <a:lnTo>
+                    <a:pt x="1249825" y="0"/>
+                  </a:lnTo>
+                  <a:lnTo>
+                    <a:pt x="1249825" y="6858000"/>
+                  </a:lnTo>
+                  <a:lnTo>
+                    <a:pt x="1109382" y="6858000"/>
+                  </a:lnTo>
+                  <a:lnTo>
+                    <a:pt x="0" y="0"/>
+                  </a:lnTo>
+                  <a:close/>
+                </a:path>
+              </a:pathLst>
+            </a:custGeom>
+            <a:solidFill>
+              <a:schemeClr val="accent1">
+                <a:alpha val="65000"/>
+              </a:schemeClr>
+            </a:solidFill>
+            <a:ln>
+              <a:noFill/>
+            </a:ln>
+            <a:effectLst/>
+          </p:spPr>
+          <p:style>
+            <a:lnRef idx="1">
+              <a:schemeClr val="accent1"/>
+            </a:lnRef>
+            <a:fillRef idx="3">
+              <a:schemeClr val="accent1"/>
+            </a:fillRef>
+            <a:effectRef idx="2">
+              <a:schemeClr val="accent1"/>
+            </a:effectRef>
+            <a:fontRef idx="minor">
+              <a:schemeClr val="lt1"/>
+            </a:fontRef>
+          </p:style>
+        </p:sp>
+        <p:sp>
+          <p:nvSpPr>
+            <p:cNvPr id="28" name="Isosceles Triangle 27"/>
+            <p:cNvSpPr/>
+            <p:nvPr/>
+          </p:nvSpPr>
+          <p:spPr>
+            <a:xfrm>
+              <a:off x="10371666" y="3589867"/>
+              <a:ext cx="1817159" cy="3268133"/>
+            </a:xfrm>
+            <a:prstGeom prst="triangle">
+              <a:avLst>
+                <a:gd name="adj" fmla="val 100000"/>
+              </a:avLst>
+            </a:prstGeom>
+            <a:solidFill>
+              <a:schemeClr val="accent1">
+                <a:alpha val="80000"/>
+              </a:schemeClr>
+            </a:solidFill>
+            <a:ln>
+              <a:noFill/>
+            </a:ln>
+            <a:effectLst/>
+          </p:spPr>
+          <p:style>
+            <a:lnRef idx="1">
+              <a:schemeClr val="accent1"/>
+            </a:lnRef>
+            <a:fillRef idx="3">
+              <a:schemeClr val="accent1"/>
+            </a:fillRef>
+            <a:effectRef idx="2">
+              <a:schemeClr val="accent1"/>
+            </a:effectRef>
+            <a:fontRef idx="minor">
+              <a:schemeClr val="lt1"/>
+            </a:fontRef>
+          </p:style>
+        </p:sp>
+        <p:sp>
+          <p:nvSpPr>
+            <p:cNvPr id="29" name="Isosceles Triangle 28"/>
+            <p:cNvSpPr/>
+            <p:nvPr/>
+          </p:nvSpPr>
+          <p:spPr>
+            <a:xfrm>
+              <a:off x="0" y="4013200"/>
+              <a:ext cx="448733" cy="2844800"/>
+            </a:xfrm>
+            <a:prstGeom prst="triangle">
+              <a:avLst>
+                <a:gd name="adj" fmla="val 0"/>
+              </a:avLst>
+            </a:prstGeom>
+            <a:solidFill>
+              <a:schemeClr val="accent1">
+                <a:alpha val="85000"/>
+              </a:schemeClr>
+            </a:solidFill>
+            <a:ln>
+              <a:noFill/>
+            </a:ln>
+            <a:effectLst/>
+          </p:spPr>
+          <p:style>
+            <a:lnRef idx="1">
+              <a:schemeClr val="accent1"/>
+            </a:lnRef>
+            <a:fillRef idx="3">
+              <a:schemeClr val="accent1"/>
+            </a:fillRef>
+            <a:effectRef idx="2">
+              <a:schemeClr val="accent1"/>
+            </a:effectRef>
+            <a:fontRef idx="minor">
+              <a:schemeClr val="lt1"/>
+            </a:fontRef>
+          </p:style>
+        </p:sp>
+      </p:grpSp>
       <p:sp>
         <p:nvSpPr>
           <p:cNvPr id="2" name="Title Placeholder 1"/>
@@ -3020,24 +5742,23 @@
         </p:nvSpPr>
         <p:spPr>
           <a:xfrm>
-            <a:off x="628650" y="273844"/>
-            <a:ext cx="7886700" cy="994172"/>
+            <a:off x="508001" y="457200"/>
+            <a:ext cx="6447501" cy="990600"/>
           </a:xfrm>
           <a:prstGeom prst="rect">
             <a:avLst/>
           </a:prstGeom>
         </p:spPr>
         <p:txBody>
-          <a:bodyPr vert="horz" lIns="91440" tIns="45720" rIns="91440" bIns="45720" rtlCol="0" anchor="ctr">
+          <a:bodyPr vert="horz" lIns="91440" tIns="45720" rIns="91440" bIns="45720" rtlCol="0" anchor="t">
             <a:normAutofit/>
           </a:bodyPr>
           <a:lstStyle/>
           <a:p>
             <a:r>
-              <a:rPr lang="en-US"/>
+              <a:rPr lang="en-US" dirty="0"/>
               <a:t>Click to edit Master title style</a:t>
             </a:r>
-            <a:endParaRPr lang="en-US" dirty="0"/>
           </a:p>
         </p:txBody>
       </p:sp>
@@ -3053,8 +5774,8 @@
         </p:nvSpPr>
         <p:spPr>
           <a:xfrm>
-            <a:off x="628650" y="1369219"/>
-            <a:ext cx="7886700" cy="3263504"/>
+            <a:off x="508001" y="1620442"/>
+            <a:ext cx="6447501" cy="2910580"/>
           </a:xfrm>
           <a:prstGeom prst="rect">
             <a:avLst/>
@@ -3068,38 +5789,37 @@
           <a:p>
             <a:pPr lvl="0"/>
             <a:r>
-              <a:rPr lang="en-US"/>
+              <a:rPr lang="en-US" dirty="0"/>
               <a:t>Click to edit Master text styles</a:t>
             </a:r>
           </a:p>
           <a:p>
             <a:pPr lvl="1"/>
             <a:r>
-              <a:rPr lang="en-US"/>
+              <a:rPr lang="en-US" dirty="0"/>
               <a:t>Second level</a:t>
             </a:r>
           </a:p>
           <a:p>
             <a:pPr lvl="2"/>
             <a:r>
-              <a:rPr lang="en-US"/>
+              <a:rPr lang="en-US" dirty="0"/>
               <a:t>Third level</a:t>
             </a:r>
           </a:p>
           <a:p>
             <a:pPr lvl="3"/>
             <a:r>
-              <a:rPr lang="en-US"/>
+              <a:rPr lang="en-US" dirty="0"/>
               <a:t>Fourth level</a:t>
             </a:r>
           </a:p>
           <a:p>
             <a:pPr lvl="4"/>
             <a:r>
-              <a:rPr lang="en-US"/>
+              <a:rPr lang="en-US" dirty="0"/>
               <a:t>Fifth level</a:t>
             </a:r>
-            <a:endParaRPr lang="en-US" dirty="0"/>
           </a:p>
         </p:txBody>
       </p:sp>
@@ -3115,8 +5835,8 @@
         </p:nvSpPr>
         <p:spPr>
           <a:xfrm>
-            <a:off x="628650" y="4767263"/>
-            <a:ext cx="2057400" cy="273844"/>
+            <a:off x="5403850" y="4531022"/>
+            <a:ext cx="683954" cy="273844"/>
           </a:xfrm>
           <a:prstGeom prst="rect">
             <a:avLst/>
@@ -3125,8 +5845,8 @@
         <p:txBody>
           <a:bodyPr vert="horz" lIns="91440" tIns="45720" rIns="91440" bIns="45720" rtlCol="0" anchor="ctr"/>
           <a:lstStyle>
-            <a:lvl1pPr algn="l">
-              <a:defRPr sz="900">
+            <a:lvl1pPr algn="r">
+              <a:defRPr sz="1600">
                 <a:solidFill>
                   <a:schemeClr val="tx1">
                     <a:tint val="75000"/>
@@ -3136,10 +5856,12 @@
             </a:lvl1pPr>
           </a:lstStyle>
           <a:p>
-            <a:r>
-              <a:rPr lang="en-US"/>
-              <a:t>6. 4. 2020</a:t>
-            </a:r>
+            <a:fld id="{B61BEF0D-F0BB-DE4B-95CE-6DB70DBA9567}" type="datetimeFigureOut">
+              <a:rPr lang="en-US" dirty="0"/>
+              <a:pPr/>
+              <a:t>5/25/2022</a:t>
+            </a:fld>
+            <a:endParaRPr lang="en-US" dirty="0"/>
           </a:p>
         </p:txBody>
       </p:sp>
@@ -3155,8 +5877,8 @@
         </p:nvSpPr>
         <p:spPr>
           <a:xfrm>
-            <a:off x="3028950" y="4767263"/>
-            <a:ext cx="3086100" cy="273844"/>
+            <a:off x="508001" y="4531022"/>
+            <a:ext cx="4723209" cy="273844"/>
           </a:xfrm>
           <a:prstGeom prst="rect">
             <a:avLst/>
@@ -3165,8 +5887,8 @@
         <p:txBody>
           <a:bodyPr vert="horz" lIns="91440" tIns="45720" rIns="91440" bIns="45720" rtlCol="0" anchor="ctr"/>
           <a:lstStyle>
-            <a:lvl1pPr algn="ctr">
-              <a:defRPr sz="900">
+            <a:lvl1pPr algn="l">
+              <a:defRPr sz="1600">
                 <a:solidFill>
                   <a:schemeClr val="tx1">
                     <a:tint val="75000"/>
@@ -3176,10 +5898,7 @@
             </a:lvl1pPr>
           </a:lstStyle>
           <a:p>
-            <a:r>
-              <a:rPr lang="en-US"/>
-              <a:t>PR19-20, Vmesna predstavitev</a:t>
-            </a:r>
+            <a:endParaRPr lang="en-US" dirty="0"/>
           </a:p>
         </p:txBody>
       </p:sp>
@@ -3195,8 +5914,8 @@
         </p:nvSpPr>
         <p:spPr>
           <a:xfrm>
-            <a:off x="6457950" y="4767263"/>
-            <a:ext cx="2057400" cy="273844"/>
+            <a:off x="6442998" y="4531022"/>
+            <a:ext cx="512504" cy="273844"/>
           </a:xfrm>
           <a:prstGeom prst="rect">
             <a:avLst/>
@@ -3206,223 +5925,342 @@
           <a:bodyPr vert="horz" lIns="91440" tIns="45720" rIns="91440" bIns="45720" rtlCol="0" anchor="ctr"/>
           <a:lstStyle>
             <a:lvl1pPr algn="r">
-              <a:defRPr sz="900">
-                <a:solidFill>
-                  <a:schemeClr val="tx1">
-                    <a:tint val="75000"/>
-                  </a:schemeClr>
+              <a:defRPr sz="1600">
+                <a:solidFill>
+                  <a:schemeClr val="accent1"/>
                 </a:solidFill>
               </a:defRPr>
             </a:lvl1pPr>
           </a:lstStyle>
           <a:p>
-            <a:fld id="{03BC8BC1-971C-5C4D-898D-87CE7EF1EB36}" type="slidenum">
-              <a:rPr lang="en-US" smtClean="0"/>
+            <a:fld id="{D57F1E4F-1CFF-5643-939E-217C01CDF565}" type="slidenum">
+              <a:rPr lang="en-US" dirty="0"/>
+              <a:pPr/>
               <a:t>‹#›</a:t>
             </a:fld>
-            <a:endParaRPr lang="en-US"/>
+            <a:endParaRPr lang="en-US" dirty="0"/>
           </a:p>
         </p:txBody>
       </p:sp>
     </p:spTree>
     <p:extLst>
       <p:ext uri="{BB962C8B-B14F-4D97-AF65-F5344CB8AC3E}">
-        <p14:creationId xmlns:p14="http://schemas.microsoft.com/office/powerpoint/2010/main" val="4213692517"/>
+        <p14:creationId xmlns:p14="http://schemas.microsoft.com/office/powerpoint/2010/main" val="2158330849"/>
       </p:ext>
     </p:extLst>
   </p:cSld>
   <p:clrMap bg1="lt1" tx1="dk1" bg2="lt2" tx2="dk2" accent1="accent1" accent2="accent2" accent3="accent3" accent4="accent4" accent5="accent5" accent6="accent6" hlink="hlink" folHlink="folHlink"/>
   <p:sldLayoutIdLst>
-    <p:sldLayoutId id="2147483661" r:id="rId1"/>
-    <p:sldLayoutId id="2147483662" r:id="rId2"/>
-    <p:sldLayoutId id="2147483663" r:id="rId3"/>
-    <p:sldLayoutId id="2147483664" r:id="rId4"/>
-    <p:sldLayoutId id="2147483665" r:id="rId5"/>
-    <p:sldLayoutId id="2147483666" r:id="rId6"/>
-    <p:sldLayoutId id="2147483667" r:id="rId7"/>
-    <p:sldLayoutId id="2147483668" r:id="rId8"/>
-    <p:sldLayoutId id="2147483669" r:id="rId9"/>
-    <p:sldLayoutId id="2147483670" r:id="rId10"/>
-    <p:sldLayoutId id="2147483671" r:id="rId11"/>
+    <p:sldLayoutId id="2147483724" r:id="rId1"/>
+    <p:sldLayoutId id="2147483725" r:id="rId2"/>
+    <p:sldLayoutId id="2147483726" r:id="rId3"/>
+    <p:sldLayoutId id="2147483727" r:id="rId4"/>
+    <p:sldLayoutId id="2147483728" r:id="rId5"/>
+    <p:sldLayoutId id="2147483729" r:id="rId6"/>
+    <p:sldLayoutId id="2147483730" r:id="rId7"/>
+    <p:sldLayoutId id="2147483731" r:id="rId8"/>
+    <p:sldLayoutId id="2147483732" r:id="rId9"/>
+    <p:sldLayoutId id="2147483733" r:id="rId10"/>
+    <p:sldLayoutId id="2147483734" r:id="rId11"/>
+    <p:sldLayoutId id="2147483735" r:id="rId12"/>
+    <p:sldLayoutId id="2147483736" r:id="rId13"/>
+    <p:sldLayoutId id="2147483737" r:id="rId14"/>
+    <p:sldLayoutId id="2147483738" r:id="rId15"/>
+    <p:sldLayoutId id="2147483739" r:id="rId16"/>
   </p:sldLayoutIdLst>
-  <p:hf hdr="0"/>
   <p:txStyles>
     <p:titleStyle>
-      <a:lvl1pPr algn="l" defTabSz="685800" rtl="0" eaLnBrk="1" latinLnBrk="0" hangingPunct="1">
-        <a:lnSpc>
-          <a:spcPct val="90000"/>
-        </a:lnSpc>
+      <a:lvl1pPr algn="l" defTabSz="457200" rtl="0" eaLnBrk="1" latinLnBrk="0" hangingPunct="1">
         <a:spcBef>
           <a:spcPct val="0"/>
         </a:spcBef>
         <a:buNone/>
-        <a:defRPr sz="3300" kern="1200">
+        <a:defRPr sz="3600" kern="1200">
           <a:solidFill>
-            <a:schemeClr val="tx1"/>
+            <a:schemeClr val="accent1"/>
           </a:solidFill>
           <a:latin typeface="+mj-lt"/>
           <a:ea typeface="+mj-ea"/>
           <a:cs typeface="+mj-cs"/>
         </a:defRPr>
       </a:lvl1pPr>
+      <a:lvl2pPr eaLnBrk="1" hangingPunct="1">
+        <a:defRPr>
+          <a:solidFill>
+            <a:schemeClr val="tx2"/>
+          </a:solidFill>
+        </a:defRPr>
+      </a:lvl2pPr>
+      <a:lvl3pPr eaLnBrk="1" hangingPunct="1">
+        <a:defRPr>
+          <a:solidFill>
+            <a:schemeClr val="tx2"/>
+          </a:solidFill>
+        </a:defRPr>
+      </a:lvl3pPr>
+      <a:lvl4pPr eaLnBrk="1" hangingPunct="1">
+        <a:defRPr>
+          <a:solidFill>
+            <a:schemeClr val="tx2"/>
+          </a:solidFill>
+        </a:defRPr>
+      </a:lvl4pPr>
+      <a:lvl5pPr eaLnBrk="1" hangingPunct="1">
+        <a:defRPr>
+          <a:solidFill>
+            <a:schemeClr val="tx2"/>
+          </a:solidFill>
+        </a:defRPr>
+      </a:lvl5pPr>
+      <a:lvl6pPr eaLnBrk="1" hangingPunct="1">
+        <a:defRPr>
+          <a:solidFill>
+            <a:schemeClr val="tx2"/>
+          </a:solidFill>
+        </a:defRPr>
+      </a:lvl6pPr>
+      <a:lvl7pPr eaLnBrk="1" hangingPunct="1">
+        <a:defRPr>
+          <a:solidFill>
+            <a:schemeClr val="tx2"/>
+          </a:solidFill>
+        </a:defRPr>
+      </a:lvl7pPr>
+      <a:lvl8pPr eaLnBrk="1" hangingPunct="1">
+        <a:defRPr>
+          <a:solidFill>
+            <a:schemeClr val="tx2"/>
+          </a:solidFill>
+        </a:defRPr>
+      </a:lvl8pPr>
+      <a:lvl9pPr eaLnBrk="1" hangingPunct="1">
+        <a:defRPr>
+          <a:solidFill>
+            <a:schemeClr val="tx2"/>
+          </a:solidFill>
+        </a:defRPr>
+      </a:lvl9pPr>
     </p:titleStyle>
     <p:bodyStyle>
-      <a:lvl1pPr marL="171450" indent="-171450" algn="l" defTabSz="685800" rtl="0" eaLnBrk="1" latinLnBrk="0" hangingPunct="1">
-        <a:lnSpc>
-          <a:spcPct val="90000"/>
-        </a:lnSpc>
+      <a:lvl1pPr marL="342900" indent="-342900" algn="l" defTabSz="457200" rtl="0" eaLnBrk="1" latinLnBrk="0" hangingPunct="1">
         <a:spcBef>
-          <a:spcPts val="750"/>
+          <a:spcPts val="1000"/>
         </a:spcBef>
-        <a:buFont typeface="Arial" panose="020B0604020202020204" pitchFamily="34" charset="0"/>
-        <a:buChar char="•"/>
-        <a:defRPr sz="2100" kern="1200">
+        <a:spcAft>
+          <a:spcPts val="0"/>
+        </a:spcAft>
+        <a:buClr>
+          <a:schemeClr val="accent1"/>
+        </a:buClr>
+        <a:buSzPct val="80000"/>
+        <a:buFont typeface="Wingdings 3" charset="2"/>
+        <a:buChar char=""/>
+        <a:defRPr sz="1800" kern="1200">
           <a:solidFill>
-            <a:schemeClr val="tx1"/>
+            <a:schemeClr val="tx1">
+              <a:lumMod val="75000"/>
+              <a:lumOff val="25000"/>
+            </a:schemeClr>
           </a:solidFill>
           <a:latin typeface="+mn-lt"/>
           <a:ea typeface="+mn-ea"/>
           <a:cs typeface="+mn-cs"/>
         </a:defRPr>
       </a:lvl1pPr>
-      <a:lvl2pPr marL="514350" indent="-171450" algn="l" defTabSz="685800" rtl="0" eaLnBrk="1" latinLnBrk="0" hangingPunct="1">
-        <a:lnSpc>
-          <a:spcPct val="90000"/>
-        </a:lnSpc>
+      <a:lvl2pPr marL="742950" indent="-285750" algn="l" defTabSz="457200" rtl="0" eaLnBrk="1" latinLnBrk="0" hangingPunct="1">
         <a:spcBef>
-          <a:spcPts val="375"/>
+          <a:spcPts val="1000"/>
         </a:spcBef>
-        <a:buFont typeface="Arial" panose="020B0604020202020204" pitchFamily="34" charset="0"/>
-        <a:buChar char="•"/>
-        <a:defRPr sz="1800" kern="1200">
+        <a:spcAft>
+          <a:spcPts val="0"/>
+        </a:spcAft>
+        <a:buClr>
+          <a:schemeClr val="accent1"/>
+        </a:buClr>
+        <a:buSzPct val="80000"/>
+        <a:buFont typeface="Wingdings 3" charset="2"/>
+        <a:buChar char=""/>
+        <a:defRPr sz="1600" kern="1200">
           <a:solidFill>
-            <a:schemeClr val="tx1"/>
+            <a:schemeClr val="tx1">
+              <a:lumMod val="75000"/>
+              <a:lumOff val="25000"/>
+            </a:schemeClr>
           </a:solidFill>
           <a:latin typeface="+mn-lt"/>
           <a:ea typeface="+mn-ea"/>
           <a:cs typeface="+mn-cs"/>
         </a:defRPr>
       </a:lvl2pPr>
-      <a:lvl3pPr marL="857250" indent="-171450" algn="l" defTabSz="685800" rtl="0" eaLnBrk="1" latinLnBrk="0" hangingPunct="1">
-        <a:lnSpc>
-          <a:spcPct val="90000"/>
-        </a:lnSpc>
+      <a:lvl3pPr marL="1143000" indent="-228600" algn="l" defTabSz="457200" rtl="0" eaLnBrk="1" latinLnBrk="0" hangingPunct="1">
         <a:spcBef>
-          <a:spcPts val="375"/>
+          <a:spcPts val="1000"/>
         </a:spcBef>
-        <a:buFont typeface="Arial" panose="020B0604020202020204" pitchFamily="34" charset="0"/>
-        <a:buChar char="•"/>
-        <a:defRPr sz="1500" kern="1200">
+        <a:spcAft>
+          <a:spcPts val="0"/>
+        </a:spcAft>
+        <a:buClr>
+          <a:schemeClr val="accent1"/>
+        </a:buClr>
+        <a:buSzPct val="80000"/>
+        <a:buFont typeface="Wingdings 3" charset="2"/>
+        <a:buChar char=""/>
+        <a:defRPr sz="1400" kern="1200">
           <a:solidFill>
-            <a:schemeClr val="tx1"/>
+            <a:schemeClr val="tx1">
+              <a:lumMod val="75000"/>
+              <a:lumOff val="25000"/>
+            </a:schemeClr>
           </a:solidFill>
           <a:latin typeface="+mn-lt"/>
           <a:ea typeface="+mn-ea"/>
           <a:cs typeface="+mn-cs"/>
         </a:defRPr>
       </a:lvl3pPr>
-      <a:lvl4pPr marL="1200150" indent="-171450" algn="l" defTabSz="685800" rtl="0" eaLnBrk="1" latinLnBrk="0" hangingPunct="1">
-        <a:lnSpc>
-          <a:spcPct val="90000"/>
-        </a:lnSpc>
+      <a:lvl4pPr marL="1600200" indent="-228600" algn="l" defTabSz="457200" rtl="0" eaLnBrk="1" latinLnBrk="0" hangingPunct="1">
         <a:spcBef>
-          <a:spcPts val="375"/>
+          <a:spcPts val="1000"/>
         </a:spcBef>
-        <a:buFont typeface="Arial" panose="020B0604020202020204" pitchFamily="34" charset="0"/>
-        <a:buChar char="•"/>
-        <a:defRPr sz="1350" kern="1200">
+        <a:spcAft>
+          <a:spcPts val="0"/>
+        </a:spcAft>
+        <a:buClr>
+          <a:schemeClr val="accent1"/>
+        </a:buClr>
+        <a:buSzPct val="80000"/>
+        <a:buFont typeface="Wingdings 3" charset="2"/>
+        <a:buChar char=""/>
+        <a:defRPr sz="1200" kern="1200">
           <a:solidFill>
-            <a:schemeClr val="tx1"/>
+            <a:schemeClr val="tx1">
+              <a:lumMod val="75000"/>
+              <a:lumOff val="25000"/>
+            </a:schemeClr>
           </a:solidFill>
           <a:latin typeface="+mn-lt"/>
           <a:ea typeface="+mn-ea"/>
           <a:cs typeface="+mn-cs"/>
         </a:defRPr>
       </a:lvl4pPr>
-      <a:lvl5pPr marL="1543050" indent="-171450" algn="l" defTabSz="685800" rtl="0" eaLnBrk="1" latinLnBrk="0" hangingPunct="1">
-        <a:lnSpc>
-          <a:spcPct val="90000"/>
-        </a:lnSpc>
+      <a:lvl5pPr marL="2057400" indent="-228600" algn="l" defTabSz="457200" rtl="0" eaLnBrk="1" latinLnBrk="0" hangingPunct="1">
         <a:spcBef>
-          <a:spcPts val="375"/>
+          <a:spcPts val="1000"/>
         </a:spcBef>
-        <a:buFont typeface="Arial" panose="020B0604020202020204" pitchFamily="34" charset="0"/>
-        <a:buChar char="•"/>
-        <a:defRPr sz="1350" kern="1200">
+        <a:spcAft>
+          <a:spcPts val="0"/>
+        </a:spcAft>
+        <a:buClr>
+          <a:schemeClr val="accent1"/>
+        </a:buClr>
+        <a:buSzPct val="80000"/>
+        <a:buFont typeface="Wingdings 3" charset="2"/>
+        <a:buChar char=""/>
+        <a:defRPr sz="1200" kern="1200">
           <a:solidFill>
-            <a:schemeClr val="tx1"/>
+            <a:schemeClr val="tx1">
+              <a:lumMod val="75000"/>
+              <a:lumOff val="25000"/>
+            </a:schemeClr>
           </a:solidFill>
           <a:latin typeface="+mn-lt"/>
           <a:ea typeface="+mn-ea"/>
           <a:cs typeface="+mn-cs"/>
         </a:defRPr>
       </a:lvl5pPr>
-      <a:lvl6pPr marL="1885950" indent="-171450" algn="l" defTabSz="685800" rtl="0" eaLnBrk="1" latinLnBrk="0" hangingPunct="1">
-        <a:lnSpc>
-          <a:spcPct val="90000"/>
-        </a:lnSpc>
+      <a:lvl6pPr marL="2514600" indent="-228600" algn="l" defTabSz="457200" rtl="0" eaLnBrk="1" latinLnBrk="0" hangingPunct="1">
         <a:spcBef>
-          <a:spcPts val="375"/>
+          <a:spcPts val="1000"/>
         </a:spcBef>
-        <a:buFont typeface="Arial" panose="020B0604020202020204" pitchFamily="34" charset="0"/>
-        <a:buChar char="•"/>
-        <a:defRPr sz="1350" kern="1200">
+        <a:spcAft>
+          <a:spcPts val="0"/>
+        </a:spcAft>
+        <a:buClr>
+          <a:schemeClr val="accent1"/>
+        </a:buClr>
+        <a:buSzPct val="80000"/>
+        <a:buFont typeface="Wingdings 3" charset="2"/>
+        <a:buChar char=""/>
+        <a:defRPr sz="1200" kern="1200">
           <a:solidFill>
-            <a:schemeClr val="tx1"/>
+            <a:schemeClr val="tx1">
+              <a:lumMod val="75000"/>
+              <a:lumOff val="25000"/>
+            </a:schemeClr>
           </a:solidFill>
           <a:latin typeface="+mn-lt"/>
           <a:ea typeface="+mn-ea"/>
           <a:cs typeface="+mn-cs"/>
         </a:defRPr>
       </a:lvl6pPr>
-      <a:lvl7pPr marL="2228850" indent="-171450" algn="l" defTabSz="685800" rtl="0" eaLnBrk="1" latinLnBrk="0" hangingPunct="1">
-        <a:lnSpc>
-          <a:spcPct val="90000"/>
-        </a:lnSpc>
+      <a:lvl7pPr marL="2971800" indent="-228600" algn="l" defTabSz="457200" rtl="0" eaLnBrk="1" latinLnBrk="0" hangingPunct="1">
         <a:spcBef>
-          <a:spcPts val="375"/>
+          <a:spcPts val="1000"/>
         </a:spcBef>
-        <a:buFont typeface="Arial" panose="020B0604020202020204" pitchFamily="34" charset="0"/>
-        <a:buChar char="•"/>
-        <a:defRPr sz="1350" kern="1200">
+        <a:spcAft>
+          <a:spcPts val="0"/>
+        </a:spcAft>
+        <a:buClr>
+          <a:schemeClr val="accent1"/>
+        </a:buClr>
+        <a:buSzPct val="80000"/>
+        <a:buFont typeface="Wingdings 3" charset="2"/>
+        <a:buChar char=""/>
+        <a:defRPr sz="1200" kern="1200">
           <a:solidFill>
-            <a:schemeClr val="tx1"/>
+            <a:schemeClr val="tx1">
+              <a:lumMod val="75000"/>
+              <a:lumOff val="25000"/>
+            </a:schemeClr>
           </a:solidFill>
           <a:latin typeface="+mn-lt"/>
           <a:ea typeface="+mn-ea"/>
           <a:cs typeface="+mn-cs"/>
         </a:defRPr>
       </a:lvl7pPr>
-      <a:lvl8pPr marL="2571750" indent="-171450" algn="l" defTabSz="685800" rtl="0" eaLnBrk="1" latinLnBrk="0" hangingPunct="1">
-        <a:lnSpc>
-          <a:spcPct val="90000"/>
-        </a:lnSpc>
+      <a:lvl8pPr marL="3429000" indent="-228600" algn="l" defTabSz="457200" rtl="0" eaLnBrk="1" latinLnBrk="0" hangingPunct="1">
         <a:spcBef>
-          <a:spcPts val="375"/>
+          <a:spcPts val="1000"/>
         </a:spcBef>
-        <a:buFont typeface="Arial" panose="020B0604020202020204" pitchFamily="34" charset="0"/>
-        <a:buChar char="•"/>
-        <a:defRPr sz="1350" kern="1200">
+        <a:spcAft>
+          <a:spcPts val="0"/>
+        </a:spcAft>
+        <a:buClr>
+          <a:schemeClr val="accent1"/>
+        </a:buClr>
+        <a:buSzPct val="80000"/>
+        <a:buFont typeface="Wingdings 3" charset="2"/>
+        <a:buChar char=""/>
+        <a:defRPr sz="1200" kern="1200">
           <a:solidFill>
-            <a:schemeClr val="tx1"/>
+            <a:schemeClr val="tx1">
+              <a:lumMod val="75000"/>
+              <a:lumOff val="25000"/>
+            </a:schemeClr>
           </a:solidFill>
           <a:latin typeface="+mn-lt"/>
           <a:ea typeface="+mn-ea"/>
           <a:cs typeface="+mn-cs"/>
         </a:defRPr>
       </a:lvl8pPr>
-      <a:lvl9pPr marL="2914650" indent="-171450" algn="l" defTabSz="685800" rtl="0" eaLnBrk="1" latinLnBrk="0" hangingPunct="1">
-        <a:lnSpc>
-          <a:spcPct val="90000"/>
-        </a:lnSpc>
+      <a:lvl9pPr marL="3886200" indent="-228600" algn="l" defTabSz="457200" rtl="0" eaLnBrk="1" latinLnBrk="0" hangingPunct="1">
         <a:spcBef>
-          <a:spcPts val="375"/>
+          <a:spcPts val="1000"/>
         </a:spcBef>
-        <a:buFont typeface="Arial" panose="020B0604020202020204" pitchFamily="34" charset="0"/>
-        <a:buChar char="•"/>
-        <a:defRPr sz="1350" kern="1200">
+        <a:spcAft>
+          <a:spcPts val="0"/>
+        </a:spcAft>
+        <a:buClr>
+          <a:schemeClr val="accent1"/>
+        </a:buClr>
+        <a:buSzPct val="80000"/>
+        <a:buFont typeface="Wingdings 3" charset="2"/>
+        <a:buChar char=""/>
+        <a:defRPr sz="1200" kern="1200">
           <a:solidFill>
-            <a:schemeClr val="tx1"/>
+            <a:schemeClr val="tx1">
+              <a:lumMod val="75000"/>
+              <a:lumOff val="25000"/>
+            </a:schemeClr>
           </a:solidFill>
           <a:latin typeface="+mn-lt"/>
           <a:ea typeface="+mn-ea"/>
@@ -3434,8 +6272,8 @@
       <a:defPPr>
         <a:defRPr lang="en-US"/>
       </a:defPPr>
-      <a:lvl1pPr marL="0" algn="l" defTabSz="685800" rtl="0" eaLnBrk="1" latinLnBrk="0" hangingPunct="1">
-        <a:defRPr sz="1350" kern="1200">
+      <a:lvl1pPr marL="0" algn="l" defTabSz="457200" rtl="0" eaLnBrk="1" latinLnBrk="0" hangingPunct="1">
+        <a:defRPr sz="1800" kern="1200">
           <a:solidFill>
             <a:schemeClr val="tx1"/>
           </a:solidFill>
@@ -3444,8 +6282,8 @@
           <a:cs typeface="+mn-cs"/>
         </a:defRPr>
       </a:lvl1pPr>
-      <a:lvl2pPr marL="342900" algn="l" defTabSz="685800" rtl="0" eaLnBrk="1" latinLnBrk="0" hangingPunct="1">
-        <a:defRPr sz="1350" kern="1200">
+      <a:lvl2pPr marL="457200" algn="l" defTabSz="457200" rtl="0" eaLnBrk="1" latinLnBrk="0" hangingPunct="1">
+        <a:defRPr sz="1800" kern="1200">
           <a:solidFill>
             <a:schemeClr val="tx1"/>
           </a:solidFill>
@@ -3454,8 +6292,8 @@
           <a:cs typeface="+mn-cs"/>
         </a:defRPr>
       </a:lvl2pPr>
-      <a:lvl3pPr marL="685800" algn="l" defTabSz="685800" rtl="0" eaLnBrk="1" latinLnBrk="0" hangingPunct="1">
-        <a:defRPr sz="1350" kern="1200">
+      <a:lvl3pPr marL="914400" algn="l" defTabSz="457200" rtl="0" eaLnBrk="1" latinLnBrk="0" hangingPunct="1">
+        <a:defRPr sz="1800" kern="1200">
           <a:solidFill>
             <a:schemeClr val="tx1"/>
           </a:solidFill>
@@ -3464,8 +6302,8 @@
           <a:cs typeface="+mn-cs"/>
         </a:defRPr>
       </a:lvl3pPr>
-      <a:lvl4pPr marL="1028700" algn="l" defTabSz="685800" rtl="0" eaLnBrk="1" latinLnBrk="0" hangingPunct="1">
-        <a:defRPr sz="1350" kern="1200">
+      <a:lvl4pPr marL="1371600" algn="l" defTabSz="457200" rtl="0" eaLnBrk="1" latinLnBrk="0" hangingPunct="1">
+        <a:defRPr sz="1800" kern="1200">
           <a:solidFill>
             <a:schemeClr val="tx1"/>
           </a:solidFill>
@@ -3474,8 +6312,8 @@
           <a:cs typeface="+mn-cs"/>
         </a:defRPr>
       </a:lvl4pPr>
-      <a:lvl5pPr marL="1371600" algn="l" defTabSz="685800" rtl="0" eaLnBrk="1" latinLnBrk="0" hangingPunct="1">
-        <a:defRPr sz="1350" kern="1200">
+      <a:lvl5pPr marL="1828800" algn="l" defTabSz="457200" rtl="0" eaLnBrk="1" latinLnBrk="0" hangingPunct="1">
+        <a:defRPr sz="1800" kern="1200">
           <a:solidFill>
             <a:schemeClr val="tx1"/>
           </a:solidFill>
@@ -3484,8 +6322,8 @@
           <a:cs typeface="+mn-cs"/>
         </a:defRPr>
       </a:lvl5pPr>
-      <a:lvl6pPr marL="1714500" algn="l" defTabSz="685800" rtl="0" eaLnBrk="1" latinLnBrk="0" hangingPunct="1">
-        <a:defRPr sz="1350" kern="1200">
+      <a:lvl6pPr marL="2286000" algn="l" defTabSz="457200" rtl="0" eaLnBrk="1" latinLnBrk="0" hangingPunct="1">
+        <a:defRPr sz="1800" kern="1200">
           <a:solidFill>
             <a:schemeClr val="tx1"/>
           </a:solidFill>
@@ -3494,8 +6332,8 @@
           <a:cs typeface="+mn-cs"/>
         </a:defRPr>
       </a:lvl6pPr>
-      <a:lvl7pPr marL="2057400" algn="l" defTabSz="685800" rtl="0" eaLnBrk="1" latinLnBrk="0" hangingPunct="1">
-        <a:defRPr sz="1350" kern="1200">
+      <a:lvl7pPr marL="2743200" algn="l" defTabSz="457200" rtl="0" eaLnBrk="1" latinLnBrk="0" hangingPunct="1">
+        <a:defRPr sz="1800" kern="1200">
           <a:solidFill>
             <a:schemeClr val="tx1"/>
           </a:solidFill>
@@ -3504,8 +6342,8 @@
           <a:cs typeface="+mn-cs"/>
         </a:defRPr>
       </a:lvl7pPr>
-      <a:lvl8pPr marL="2400300" algn="l" defTabSz="685800" rtl="0" eaLnBrk="1" latinLnBrk="0" hangingPunct="1">
-        <a:defRPr sz="1350" kern="1200">
+      <a:lvl8pPr marL="3200400" algn="l" defTabSz="457200" rtl="0" eaLnBrk="1" latinLnBrk="0" hangingPunct="1">
+        <a:defRPr sz="1800" kern="1200">
           <a:solidFill>
             <a:schemeClr val="tx1"/>
           </a:solidFill>
@@ -3514,8 +6352,8 @@
           <a:cs typeface="+mn-cs"/>
         </a:defRPr>
       </a:lvl8pPr>
-      <a:lvl9pPr marL="2743200" algn="l" defTabSz="685800" rtl="0" eaLnBrk="1" latinLnBrk="0" hangingPunct="1">
-        <a:defRPr sz="1350" kern="1200">
+      <a:lvl9pPr marL="3657600" algn="l" defTabSz="457200" rtl="0" eaLnBrk="1" latinLnBrk="0" hangingPunct="1">
+        <a:defRPr sz="1800" kern="1200">
           <a:solidFill>
             <a:schemeClr val="tx1"/>
           </a:solidFill>
@@ -3568,22 +6406,20 @@
             <a:ext cx="2300583" cy="2228849"/>
           </a:xfrm>
           <a:ln>
-            <a:solidFill>
-              <a:schemeClr val="tx1"/>
-            </a:solidFill>
+            <a:noFill/>
           </a:ln>
         </p:spPr>
         <p:txBody>
           <a:bodyPr anchor="t">
-            <a:normAutofit/>
+            <a:noAutofit/>
           </a:bodyPr>
           <a:lstStyle/>
           <a:p>
             <a:r>
-              <a:rPr lang="sl-SI" b="1" dirty="0"/>
+              <a:rPr lang="sl-SI" sz="2400" b="1" dirty="0"/>
               <a:t>Razvoj in vpliv različnih faktorjev na epidemijo Korona-virusa v Sloveniji.</a:t>
             </a:r>
-            <a:endParaRPr lang="en-US" dirty="0"/>
+            <a:endParaRPr lang="en-US" sz="2400"/>
           </a:p>
         </p:txBody>
       </p:sp>
@@ -3609,13 +6445,11 @@
             <a:ext cx="6610190" cy="4727448"/>
           </a:xfrm>
           <a:ln>
-            <a:solidFill>
-              <a:schemeClr val="tx1"/>
-            </a:solidFill>
+            <a:noFill/>
           </a:ln>
         </p:spPr>
         <p:txBody>
-          <a:bodyPr>
+          <a:bodyPr vert="horz" lIns="91440" tIns="45720" rIns="91440" bIns="45720" rtlCol="0" anchor="t">
             <a:normAutofit/>
           </a:bodyPr>
           <a:lstStyle/>
@@ -3627,12 +6461,12 @@
               <a:rPr lang="en-US" sz="1600" b="1" dirty="0" err="1"/>
               <a:t>Podatki</a:t>
             </a:r>
-            <a:endParaRPr lang="en-US" sz="1600" b="1" dirty="0"/>
+            <a:endParaRPr lang="en-US" sz="1600" b="1"/>
           </a:p>
           <a:p>
             <a:pPr>
-              <a:buFontTx/>
-              <a:buChar char="-"/>
+              <a:buFont typeface="Arial" charset="2"/>
+              <a:buChar char="•"/>
             </a:pPr>
             <a:r>
               <a:rPr lang="sl-SI" sz="1600" dirty="0"/>
@@ -3642,8 +6476,8 @@
           </a:p>
           <a:p>
             <a:pPr>
-              <a:buFontTx/>
-              <a:buChar char="-"/>
+              <a:buFont typeface="Arial" charset="2"/>
+              <a:buChar char="•"/>
             </a:pPr>
             <a:r>
               <a:rPr lang="sl-SI" sz="1600" dirty="0"/>
@@ -3653,8 +6487,8 @@
           </a:p>
           <a:p>
             <a:pPr>
-              <a:buFontTx/>
-              <a:buChar char="-"/>
+              <a:buFont typeface="Arial" charset="2"/>
+              <a:buChar char="•"/>
             </a:pPr>
             <a:r>
               <a:rPr lang="sl-SI" sz="1600" dirty="0"/>
@@ -3664,8 +6498,8 @@
           </a:p>
           <a:p>
             <a:pPr>
-              <a:buFontTx/>
-              <a:buChar char="-"/>
+              <a:buFont typeface="Arial" charset="2"/>
+              <a:buChar char="•"/>
             </a:pPr>
             <a:r>
               <a:rPr lang="sl-SI" sz="1600" dirty="0"/>
@@ -3682,8 +6516,8 @@
           </a:p>
           <a:p>
             <a:pPr>
-              <a:buFontTx/>
-              <a:buChar char="-"/>
+              <a:buFont typeface="Arial" charset="2"/>
+              <a:buChar char="•"/>
             </a:pPr>
             <a:r>
               <a:rPr lang="sl-SI" sz="1600" dirty="0"/>
@@ -3691,7 +6525,7 @@
             </a:r>
             <a:r>
               <a:rPr lang="sl-SI" sz="1600" dirty="0" err="1"/>
-              <a:t>mankajičih</a:t>
+              <a:t>mankajoičih</a:t>
             </a:r>
             <a:r>
               <a:rPr lang="sl-SI" sz="1600" dirty="0"/>
@@ -3703,12 +6537,6 @@
             <a:pPr marL="0" indent="0">
               <a:buNone/>
             </a:pPr>
-            <a:endParaRPr lang="en-US" sz="1600" dirty="0"/>
-          </a:p>
-          <a:p>
-            <a:pPr marL="0" indent="0">
-              <a:buNone/>
-            </a:pPr>
             <a:r>
               <a:rPr lang="en-US" sz="1600" b="1" dirty="0" err="1"/>
               <a:t>Glavna</a:t>
@@ -3749,8 +6577,8 @@
           </a:p>
           <a:p>
             <a:pPr>
-              <a:buFontTx/>
-              <a:buChar char="-"/>
+              <a:buFont typeface="Arial" charset="2"/>
+              <a:buChar char="•"/>
             </a:pPr>
             <a:r>
               <a:rPr lang="sl-SI" sz="1600" dirty="0"/>
@@ -3764,8 +6592,8 @@
           </a:p>
           <a:p>
             <a:pPr>
-              <a:buFontTx/>
-              <a:buChar char="-"/>
+              <a:buFont typeface="Arial" charset="2"/>
+              <a:buChar char="•"/>
             </a:pPr>
             <a:r>
               <a:rPr lang="it-IT" sz="1600" dirty="0" err="1"/>
@@ -3811,18 +6639,66 @@
           </a:p>
           <a:p>
             <a:pPr>
-              <a:buFontTx/>
-              <a:buChar char="-"/>
+              <a:buFont typeface="Arial" charset="2"/>
+              <a:buChar char="•"/>
             </a:pPr>
             <a:r>
+              <a:rPr lang="pt-BR" sz="1600" dirty="0" err="1"/>
+              <a:t>Kakšen</a:t>
+            </a:r>
+            <a:r>
               <a:rPr lang="pt-BR" sz="1600" dirty="0"/>
-              <a:t>Kakšen je vpliv socialnega življenja ter vladnih ukrepov?</a:t>
-            </a:r>
-            <a:r>
-              <a:rPr lang="sl-SI" sz="1600" dirty="0"/>
-              <a:t>+</a:t>
-            </a:r>
-            <a:endParaRPr lang="en-US" sz="1600" dirty="0"/>
+              <a:t> </a:t>
+            </a:r>
+            <a:r>
+              <a:rPr lang="pt-BR" sz="1600" dirty="0" err="1"/>
+              <a:t>je</a:t>
+            </a:r>
+            <a:r>
+              <a:rPr lang="pt-BR" sz="1600" dirty="0"/>
+              <a:t> </a:t>
+            </a:r>
+            <a:r>
+              <a:rPr lang="pt-BR" sz="1600" dirty="0" err="1"/>
+              <a:t>vpliv</a:t>
+            </a:r>
+            <a:r>
+              <a:rPr lang="pt-BR" sz="1600" dirty="0"/>
+              <a:t> </a:t>
+            </a:r>
+            <a:r>
+              <a:rPr lang="pt-BR" sz="1600" dirty="0" err="1"/>
+              <a:t>socialnega</a:t>
+            </a:r>
+            <a:r>
+              <a:rPr lang="pt-BR" sz="1600" dirty="0"/>
+              <a:t> </a:t>
+            </a:r>
+            <a:r>
+              <a:rPr lang="pt-BR" sz="1600" dirty="0" err="1"/>
+              <a:t>življenja</a:t>
+            </a:r>
+            <a:r>
+              <a:rPr lang="pt-BR" sz="1600" dirty="0"/>
+              <a:t> ter </a:t>
+            </a:r>
+            <a:r>
+              <a:rPr lang="pt-BR" sz="1600" dirty="0" err="1"/>
+              <a:t>vladnih</a:t>
+            </a:r>
+            <a:r>
+              <a:rPr lang="pt-BR" sz="1600" dirty="0"/>
+              <a:t> </a:t>
+            </a:r>
+            <a:r>
+              <a:rPr lang="pt-BR" sz="1600" dirty="0" err="1"/>
+              <a:t>ukrepov</a:t>
+            </a:r>
+            <a:r>
+              <a:rPr lang="pt-BR" sz="1600" dirty="0"/>
+              <a:t>?</a:t>
+            </a:r>
+            <a:endParaRPr lang="sl-SI" sz="1600" dirty="0"/>
           </a:p>
         </p:txBody>
       </p:sp>
@@ -3848,9 +6724,7 @@
             <a:ext cx="2300583" cy="2319792"/>
           </a:xfrm>
           <a:ln>
-            <a:solidFill>
-              <a:schemeClr val="tx1"/>
-            </a:solidFill>
+            <a:noFill/>
           </a:ln>
         </p:spPr>
         <p:txBody>
@@ -3859,13 +6733,8 @@
           <a:p>
             <a:r>
               <a:rPr lang="sl-SI" dirty="0"/>
-              <a:t>David </a:t>
-            </a:r>
-            <a:r>
-              <a:rPr lang="sl-SI" dirty="0" err="1"/>
-              <a:t>Šeruga,</a:t>
-            </a:r>
-            <a:endParaRPr lang="sl-SI" dirty="0"/>
+              <a:t>David Šeruga,</a:t>
+            </a:r>
           </a:p>
           <a:p>
             <a:r>
@@ -3931,7 +6800,12 @@
             <p:ph type="ftr" sz="quarter" idx="11"/>
           </p:nvPr>
         </p:nvSpPr>
-        <p:spPr/>
+        <p:spPr>
+          <a:xfrm>
+            <a:off x="3860335" y="4802833"/>
+            <a:ext cx="4723209" cy="273844"/>
+          </a:xfrm>
+        </p:spPr>
         <p:txBody>
           <a:bodyPr/>
           <a:lstStyle/>
@@ -3978,10 +6852,10 @@
           <a:lstStyle/>
           <a:p>
             <a:fld id="{03BC8BC1-971C-5C4D-898D-87CE7EF1EB36}" type="slidenum">
-              <a:rPr lang="en-US" smtClean="0"/>
+              <a:rPr lang="en-US" dirty="0" smtClean="0"/>
               <a:t>1</a:t>
             </a:fld>
-            <a:endParaRPr lang="en-US"/>
+            <a:endParaRPr lang="en-US" dirty="0"/>
           </a:p>
         </p:txBody>
       </p:sp>
@@ -4033,97 +6907,201 @@
         </p:nvSpPr>
         <p:spPr>
           <a:xfrm>
-            <a:off x="92765" y="589356"/>
+            <a:off x="92765" y="631173"/>
             <a:ext cx="4403432" cy="4177907"/>
           </a:xfrm>
+          <a:noFill/>
           <a:ln>
-            <a:solidFill>
-              <a:schemeClr val="tx1"/>
-            </a:solidFill>
+            <a:noFill/>
           </a:ln>
         </p:spPr>
-        <p:txBody>
-          <a:bodyPr>
+        <p:style>
+          <a:lnRef idx="2">
+            <a:schemeClr val="dk1"/>
+          </a:lnRef>
+          <a:fillRef idx="1">
+            <a:schemeClr val="lt1"/>
+          </a:fillRef>
+          <a:effectRef idx="0">
+            <a:schemeClr val="dk1"/>
+          </a:effectRef>
+          <a:fontRef idx="minor">
+            <a:schemeClr val="dk1"/>
+          </a:fontRef>
+        </p:style>
+        <p:txBody>
+          <a:bodyPr vert="horz" lIns="91440" tIns="45720" rIns="91440" bIns="45720" rtlCol="0" anchor="t">
             <a:normAutofit/>
           </a:bodyPr>
           <a:lstStyle/>
           <a:p>
-            <a:pPr marL="0" indent="0">
-              <a:buNone/>
+            <a:pPr>
+              <a:buFont typeface="Arial" charset="2"/>
+              <a:buChar char="•"/>
             </a:pPr>
             <a:r>
-              <a:rPr lang="en-US" sz="1600" dirty="0" err="1"/>
-              <a:t>Kako</a:t>
-            </a:r>
-            <a:r>
-              <a:rPr lang="en-US" sz="1600" dirty="0"/>
+              <a:rPr lang="en-US" sz="1600" dirty="0">
+                <a:solidFill>
+                  <a:schemeClr val="tx1">
+                    <a:lumMod val="75000"/>
+                    <a:lumOff val="25000"/>
+                  </a:schemeClr>
+                </a:solidFill>
+              </a:rPr>
+              <a:t>Graf </a:t>
+            </a:r>
+            <a:r>
+              <a:rPr lang="en-US" sz="1600" dirty="0" err="1">
+                <a:solidFill>
+                  <a:schemeClr val="tx1">
+                    <a:lumMod val="75000"/>
+                    <a:lumOff val="25000"/>
+                  </a:schemeClr>
+                </a:solidFill>
+              </a:rPr>
+              <a:t>aktivno</a:t>
+            </a:r>
+            <a:r>
+              <a:rPr lang="en-US" sz="1600" dirty="0">
+                <a:solidFill>
+                  <a:schemeClr val="tx1">
+                    <a:lumMod val="75000"/>
+                    <a:lumOff val="25000"/>
+                  </a:schemeClr>
+                </a:solidFill>
+              </a:rPr>
               <a:t> </a:t>
             </a:r>
             <a:r>
-              <a:rPr lang="en-US" sz="1600" dirty="0" err="1"/>
-              <a:t>boste</a:t>
-            </a:r>
-            <a:r>
-              <a:rPr lang="en-US" sz="1600" dirty="0"/>
+              <a:rPr lang="en-US" sz="1600" dirty="0" err="1">
+                <a:solidFill>
+                  <a:schemeClr val="tx1">
+                    <a:lumMod val="75000"/>
+                    <a:lumOff val="25000"/>
+                  </a:schemeClr>
+                </a:solidFill>
+              </a:rPr>
+              <a:t>okuženih</a:t>
+            </a:r>
+            <a:r>
+              <a:rPr lang="en-US" sz="1600" dirty="0">
+                <a:solidFill>
+                  <a:schemeClr val="tx1">
+                    <a:lumMod val="75000"/>
+                    <a:lumOff val="25000"/>
+                  </a:schemeClr>
+                </a:solidFill>
+              </a:rPr>
+              <a:t> po </a:t>
+            </a:r>
+            <a:r>
+              <a:rPr lang="en-US" sz="1600" dirty="0" err="1">
+                <a:solidFill>
+                  <a:schemeClr val="tx1">
+                    <a:lumMod val="75000"/>
+                    <a:lumOff val="25000"/>
+                  </a:schemeClr>
+                </a:solidFill>
+              </a:rPr>
+              <a:t>starosti</a:t>
+            </a:r>
+            <a:r>
+              <a:rPr lang="en-US" sz="1600" dirty="0">
+                <a:solidFill>
+                  <a:schemeClr val="tx1">
+                    <a:lumMod val="75000"/>
+                    <a:lumOff val="25000"/>
+                  </a:schemeClr>
+                </a:solidFill>
+              </a:rPr>
+              <a:t> in </a:t>
+            </a:r>
+            <a:r>
+              <a:rPr lang="en-US" sz="1600" dirty="0" err="1">
+                <a:solidFill>
+                  <a:schemeClr val="tx1">
+                    <a:lumMod val="75000"/>
+                    <a:lumOff val="25000"/>
+                  </a:schemeClr>
+                </a:solidFill>
+              </a:rPr>
+              <a:t>regiji</a:t>
+            </a:r>
+            <a:endParaRPr lang="en-US" sz="1600">
+              <a:solidFill>
+                <a:schemeClr val="tx1">
+                  <a:lumMod val="75000"/>
+                  <a:lumOff val="25000"/>
+                </a:schemeClr>
+              </a:solidFill>
+            </a:endParaRPr>
+          </a:p>
+          <a:p>
+            <a:pPr>
+              <a:buFont typeface="Arial" charset="2"/>
+              <a:buChar char="•"/>
+            </a:pPr>
+            <a:r>
+              <a:rPr lang="en-US" sz="1600" dirty="0">
+                <a:solidFill>
+                  <a:schemeClr val="tx1">
+                    <a:lumMod val="75000"/>
+                    <a:lumOff val="25000"/>
+                  </a:schemeClr>
+                </a:solidFill>
+              </a:rPr>
+              <a:t>Histogram </a:t>
+            </a:r>
+            <a:r>
+              <a:rPr lang="en-US" sz="1600" dirty="0" err="1">
+                <a:solidFill>
+                  <a:schemeClr val="tx1">
+                    <a:lumMod val="75000"/>
+                    <a:lumOff val="25000"/>
+                  </a:schemeClr>
+                </a:solidFill>
+              </a:rPr>
+              <a:t>precepljenosti</a:t>
+            </a:r>
+            <a:r>
+              <a:rPr lang="en-US" sz="1600" dirty="0">
+                <a:solidFill>
+                  <a:schemeClr val="tx1">
+                    <a:lumMod val="75000"/>
+                    <a:lumOff val="25000"/>
+                  </a:schemeClr>
+                </a:solidFill>
+              </a:rPr>
               <a:t> </a:t>
             </a:r>
             <a:r>
-              <a:rPr lang="en-US" sz="1600" dirty="0" err="1"/>
-              <a:t>dosegli</a:t>
-            </a:r>
-            <a:r>
-              <a:rPr lang="en-US" sz="1600" dirty="0"/>
-              <a:t> </a:t>
-            </a:r>
-            <a:r>
-              <a:rPr lang="en-US" sz="1600" dirty="0" err="1"/>
-              <a:t>cilj</a:t>
-            </a:r>
-            <a:r>
-              <a:rPr lang="en-US" sz="1600" dirty="0"/>
-              <a:t> 1 </a:t>
-            </a:r>
-            <a:r>
-              <a:rPr lang="en-US" sz="1600" dirty="0" err="1"/>
-              <a:t>oziroma</a:t>
-            </a:r>
-            <a:r>
-              <a:rPr lang="en-US" sz="1600" dirty="0"/>
-              <a:t> </a:t>
-            </a:r>
-            <a:r>
-              <a:rPr lang="en-US" sz="1600" dirty="0" err="1"/>
-              <a:t>odgovorili</a:t>
-            </a:r>
-            <a:r>
-              <a:rPr lang="en-US" sz="1600" dirty="0"/>
-              <a:t> </a:t>
-            </a:r>
-            <a:r>
-              <a:rPr lang="en-US" sz="1600" dirty="0" err="1"/>
-              <a:t>na</a:t>
-            </a:r>
-            <a:r>
-              <a:rPr lang="en-US" sz="1600" dirty="0"/>
-              <a:t> </a:t>
-            </a:r>
-            <a:r>
-              <a:rPr lang="en-US" sz="1600" dirty="0" err="1"/>
-              <a:t>vprašanje</a:t>
-            </a:r>
-            <a:r>
-              <a:rPr lang="en-US" sz="1600" dirty="0"/>
-              <a:t> 1…</a:t>
-            </a:r>
-          </a:p>
-        </p:txBody>
-      </p:sp>
-      <p:sp>
-        <p:nvSpPr>
-          <p:cNvPr id="18" name="Content Placeholder 17">
+              <a:rPr lang="en-US" sz="1600" dirty="0" err="1">
+                <a:solidFill>
+                  <a:schemeClr val="tx1">
+                    <a:lumMod val="75000"/>
+                    <a:lumOff val="25000"/>
+                  </a:schemeClr>
+                </a:solidFill>
+              </a:rPr>
+              <a:t>regij</a:t>
+            </a:r>
+            <a:endParaRPr lang="en-US" sz="1600">
+              <a:solidFill>
+                <a:schemeClr val="tx1">
+                  <a:lumMod val="75000"/>
+                  <a:lumOff val="25000"/>
+                </a:schemeClr>
+              </a:solidFill>
+            </a:endParaRPr>
+          </a:p>
+        </p:txBody>
+      </p:sp>
+      <p:sp>
+        <p:nvSpPr>
+          <p:cNvPr id="10" name="Date Placeholder 11">
             <a:extLst>
               <a:ext uri="{FF2B5EF4-FFF2-40B4-BE49-F238E27FC236}">
-                <a16:creationId xmlns:a16="http://schemas.microsoft.com/office/drawing/2014/main" id="{BFC9798E-C22A-6049-8D8E-80BEDDEA70AA}"/>
+                <a16:creationId xmlns:a16="http://schemas.microsoft.com/office/drawing/2014/main" id="{32A25F90-8F3F-BA4A-B69D-D50871AAE3FF}"/>
               </a:ext>
             </a:extLst>
           </p:cNvPr>
@@ -4131,27 +7109,23 @@
             <a:spLocks noGrp="1"/>
           </p:cNvSpPr>
           <p:nvPr>
-            <p:ph sz="half" idx="2"/>
+            <p:ph type="dt" sz="half" idx="10"/>
           </p:nvPr>
         </p:nvSpPr>
         <p:spPr>
           <a:xfrm>
-            <a:off x="4588962" y="589356"/>
-            <a:ext cx="4462272" cy="4177907"/>
+            <a:off x="76857" y="4800600"/>
+            <a:ext cx="3754164" cy="273844"/>
           </a:xfrm>
-          <a:ln>
-            <a:solidFill>
-              <a:schemeClr val="tx1"/>
-            </a:solidFill>
-          </a:ln>
         </p:spPr>
         <p:txBody>
-          <a:bodyPr>
-            <a:normAutofit/>
-          </a:bodyPr>
+          <a:bodyPr/>
           <a:lstStyle/>
           <a:p>
-            <a:endParaRPr lang="en-US" sz="1600" dirty="0"/>
+            <a:r>
+              <a:rPr lang="en-US" dirty="0"/>
+              <a:t> 26. 5. 2022</a:t>
+            </a:r>
           </a:p>
         </p:txBody>
       </p:sp>
@@ -4177,10 +7151,10 @@
           <a:lstStyle/>
           <a:p>
             <a:fld id="{03BC8BC1-971C-5C4D-898D-87CE7EF1EB36}" type="slidenum">
-              <a:rPr lang="en-US" smtClean="0"/>
+              <a:rPr lang="en-US" dirty="0" smtClean="0"/>
               <a:t>2</a:t>
             </a:fld>
-            <a:endParaRPr lang="en-US"/>
+            <a:endParaRPr lang="en-US" dirty="0"/>
           </a:p>
         </p:txBody>
       </p:sp>
@@ -4390,283 +7364,95 @@
           </a:p>
         </p:txBody>
       </p:sp>
-      <p:sp>
-        <p:nvSpPr>
-          <p:cNvPr id="11" name="Content Placeholder 11">
+      <p:pic>
+        <p:nvPicPr>
+          <p:cNvPr id="15" name="Picture 15" descr="Chart&#10;&#10;Description automatically generated">
             <a:extLst>
               <a:ext uri="{FF2B5EF4-FFF2-40B4-BE49-F238E27FC236}">
-                <a16:creationId xmlns:a16="http://schemas.microsoft.com/office/drawing/2014/main" id="{7B9F5A0B-66B3-574B-8ADF-47E9BEA982E5}"/>
+                <a16:creationId xmlns:a16="http://schemas.microsoft.com/office/drawing/2014/main" id="{42C59EC9-392A-F5AF-632F-76CE2D5053C8}"/>
               </a:ext>
             </a:extLst>
           </p:cNvPr>
-          <p:cNvSpPr txBox="1">
-            <a:spLocks/>
-          </p:cNvSpPr>
-          <p:nvPr/>
-        </p:nvSpPr>
+          <p:cNvPicPr>
+            <a:picLocks noGrp="1" noChangeAspect="1"/>
+          </p:cNvPicPr>
+          <p:nvPr>
+            <p:ph sz="half" idx="2"/>
+          </p:nvPr>
+        </p:nvPicPr>
+        <p:blipFill>
+          <a:blip r:embed="rId2"/>
+          <a:stretch>
+            <a:fillRect/>
+          </a:stretch>
+        </p:blipFill>
         <p:spPr>
           <a:xfrm>
-            <a:off x="4572000" y="720327"/>
-            <a:ext cx="4436828" cy="3040640"/>
+            <a:off x="4584120" y="371527"/>
+            <a:ext cx="4406478" cy="2362731"/>
+          </a:xfrm>
+        </p:spPr>
+      </p:pic>
+      <p:pic>
+        <p:nvPicPr>
+          <p:cNvPr id="16" name="Picture 16" descr="A picture containing chart&#10;&#10;Description automatically generated">
+            <a:extLst>
+              <a:ext uri="{FF2B5EF4-FFF2-40B4-BE49-F238E27FC236}">
+                <a16:creationId xmlns:a16="http://schemas.microsoft.com/office/drawing/2014/main" id="{E03075D0-D3A4-EF55-528B-5F19FB82A30C}"/>
+              </a:ext>
+            </a:extLst>
+          </p:cNvPr>
+          <p:cNvPicPr>
+            <a:picLocks noChangeAspect="1"/>
+          </p:cNvPicPr>
+          <p:nvPr/>
+        </p:nvPicPr>
+        <p:blipFill>
+          <a:blip r:embed="rId3"/>
+          <a:stretch>
+            <a:fillRect/>
+          </a:stretch>
+        </p:blipFill>
+        <p:spPr>
+          <a:xfrm>
+            <a:off x="119875" y="1867643"/>
+            <a:ext cx="4346187" cy="2404853"/>
           </a:xfrm>
           <a:prstGeom prst="rect">
             <a:avLst/>
           </a:prstGeom>
         </p:spPr>
-        <p:txBody>
-          <a:bodyPr/>
-          <a:lstStyle>
-            <a:lvl1pPr marL="171450" indent="-171450" algn="l" defTabSz="685800" rtl="0" eaLnBrk="1" latinLnBrk="0" hangingPunct="1">
-              <a:lnSpc>
-                <a:spcPct val="90000"/>
-              </a:lnSpc>
-              <a:spcBef>
-                <a:spcPts val="750"/>
-              </a:spcBef>
-              <a:buFont typeface="Arial" panose="020B0604020202020204" pitchFamily="34" charset="0"/>
-              <a:buChar char="•"/>
-              <a:defRPr sz="2100" kern="1200">
-                <a:solidFill>
-                  <a:schemeClr val="tx1"/>
-                </a:solidFill>
-                <a:latin typeface="+mn-lt"/>
-                <a:ea typeface="+mn-ea"/>
-                <a:cs typeface="+mn-cs"/>
-              </a:defRPr>
-            </a:lvl1pPr>
-            <a:lvl2pPr marL="514350" indent="-171450" algn="l" defTabSz="685800" rtl="0" eaLnBrk="1" latinLnBrk="0" hangingPunct="1">
-              <a:lnSpc>
-                <a:spcPct val="90000"/>
-              </a:lnSpc>
-              <a:spcBef>
-                <a:spcPts val="375"/>
-              </a:spcBef>
-              <a:buFont typeface="Arial" panose="020B0604020202020204" pitchFamily="34" charset="0"/>
-              <a:buChar char="•"/>
-              <a:defRPr sz="1800" kern="1200">
-                <a:solidFill>
-                  <a:schemeClr val="tx1"/>
-                </a:solidFill>
-                <a:latin typeface="+mn-lt"/>
-                <a:ea typeface="+mn-ea"/>
-                <a:cs typeface="+mn-cs"/>
-              </a:defRPr>
-            </a:lvl2pPr>
-            <a:lvl3pPr marL="857250" indent="-171450" algn="l" defTabSz="685800" rtl="0" eaLnBrk="1" latinLnBrk="0" hangingPunct="1">
-              <a:lnSpc>
-                <a:spcPct val="90000"/>
-              </a:lnSpc>
-              <a:spcBef>
-                <a:spcPts val="375"/>
-              </a:spcBef>
-              <a:buFont typeface="Arial" panose="020B0604020202020204" pitchFamily="34" charset="0"/>
-              <a:buChar char="•"/>
-              <a:defRPr sz="1500" kern="1200">
-                <a:solidFill>
-                  <a:schemeClr val="tx1"/>
-                </a:solidFill>
-                <a:latin typeface="+mn-lt"/>
-                <a:ea typeface="+mn-ea"/>
-                <a:cs typeface="+mn-cs"/>
-              </a:defRPr>
-            </a:lvl3pPr>
-            <a:lvl4pPr marL="1200150" indent="-171450" algn="l" defTabSz="685800" rtl="0" eaLnBrk="1" latinLnBrk="0" hangingPunct="1">
-              <a:lnSpc>
-                <a:spcPct val="90000"/>
-              </a:lnSpc>
-              <a:spcBef>
-                <a:spcPts val="375"/>
-              </a:spcBef>
-              <a:buFont typeface="Arial" panose="020B0604020202020204" pitchFamily="34" charset="0"/>
-              <a:buChar char="•"/>
-              <a:defRPr sz="1350" kern="1200">
-                <a:solidFill>
-                  <a:schemeClr val="tx1"/>
-                </a:solidFill>
-                <a:latin typeface="+mn-lt"/>
-                <a:ea typeface="+mn-ea"/>
-                <a:cs typeface="+mn-cs"/>
-              </a:defRPr>
-            </a:lvl4pPr>
-            <a:lvl5pPr marL="1543050" indent="-171450" algn="l" defTabSz="685800" rtl="0" eaLnBrk="1" latinLnBrk="0" hangingPunct="1">
-              <a:lnSpc>
-                <a:spcPct val="90000"/>
-              </a:lnSpc>
-              <a:spcBef>
-                <a:spcPts val="375"/>
-              </a:spcBef>
-              <a:buFont typeface="Arial" panose="020B0604020202020204" pitchFamily="34" charset="0"/>
-              <a:buChar char="•"/>
-              <a:defRPr sz="1350" kern="1200">
-                <a:solidFill>
-                  <a:schemeClr val="tx1"/>
-                </a:solidFill>
-                <a:latin typeface="+mn-lt"/>
-                <a:ea typeface="+mn-ea"/>
-                <a:cs typeface="+mn-cs"/>
-              </a:defRPr>
-            </a:lvl5pPr>
-            <a:lvl6pPr marL="1885950" indent="-171450" algn="l" defTabSz="685800" rtl="0" eaLnBrk="1" latinLnBrk="0" hangingPunct="1">
-              <a:lnSpc>
-                <a:spcPct val="90000"/>
-              </a:lnSpc>
-              <a:spcBef>
-                <a:spcPts val="375"/>
-              </a:spcBef>
-              <a:buFont typeface="Arial" panose="020B0604020202020204" pitchFamily="34" charset="0"/>
-              <a:buChar char="•"/>
-              <a:defRPr sz="1350" kern="1200">
-                <a:solidFill>
-                  <a:schemeClr val="tx1"/>
-                </a:solidFill>
-                <a:latin typeface="+mn-lt"/>
-                <a:ea typeface="+mn-ea"/>
-                <a:cs typeface="+mn-cs"/>
-              </a:defRPr>
-            </a:lvl6pPr>
-            <a:lvl7pPr marL="2228850" indent="-171450" algn="l" defTabSz="685800" rtl="0" eaLnBrk="1" latinLnBrk="0" hangingPunct="1">
-              <a:lnSpc>
-                <a:spcPct val="90000"/>
-              </a:lnSpc>
-              <a:spcBef>
-                <a:spcPts val="375"/>
-              </a:spcBef>
-              <a:buFont typeface="Arial" panose="020B0604020202020204" pitchFamily="34" charset="0"/>
-              <a:buChar char="•"/>
-              <a:defRPr sz="1350" kern="1200">
-                <a:solidFill>
-                  <a:schemeClr val="tx1"/>
-                </a:solidFill>
-                <a:latin typeface="+mn-lt"/>
-                <a:ea typeface="+mn-ea"/>
-                <a:cs typeface="+mn-cs"/>
-              </a:defRPr>
-            </a:lvl7pPr>
-            <a:lvl8pPr marL="2571750" indent="-171450" algn="l" defTabSz="685800" rtl="0" eaLnBrk="1" latinLnBrk="0" hangingPunct="1">
-              <a:lnSpc>
-                <a:spcPct val="90000"/>
-              </a:lnSpc>
-              <a:spcBef>
-                <a:spcPts val="375"/>
-              </a:spcBef>
-              <a:buFont typeface="Arial" panose="020B0604020202020204" pitchFamily="34" charset="0"/>
-              <a:buChar char="•"/>
-              <a:defRPr sz="1350" kern="1200">
-                <a:solidFill>
-                  <a:schemeClr val="tx1"/>
-                </a:solidFill>
-                <a:latin typeface="+mn-lt"/>
-                <a:ea typeface="+mn-ea"/>
-                <a:cs typeface="+mn-cs"/>
-              </a:defRPr>
-            </a:lvl8pPr>
-            <a:lvl9pPr marL="2914650" indent="-171450" algn="l" defTabSz="685800" rtl="0" eaLnBrk="1" latinLnBrk="0" hangingPunct="1">
-              <a:lnSpc>
-                <a:spcPct val="90000"/>
-              </a:lnSpc>
-              <a:spcBef>
-                <a:spcPts val="375"/>
-              </a:spcBef>
-              <a:buFont typeface="Arial" panose="020B0604020202020204" pitchFamily="34" charset="0"/>
-              <a:buChar char="•"/>
-              <a:defRPr sz="1350" kern="1200">
-                <a:solidFill>
-                  <a:schemeClr val="tx1"/>
-                </a:solidFill>
-                <a:latin typeface="+mn-lt"/>
-                <a:ea typeface="+mn-ea"/>
-                <a:cs typeface="+mn-cs"/>
-              </a:defRPr>
-            </a:lvl9pPr>
-          </a:lstStyle>
-          <a:p>
-            <a:pPr marL="0" indent="0">
-              <a:buFont typeface="Arial" panose="020B0604020202020204" pitchFamily="34" charset="0"/>
-              <a:buNone/>
-            </a:pPr>
-            <a:endParaRPr lang="en-US" sz="1600" dirty="0"/>
-          </a:p>
-        </p:txBody>
-      </p:sp>
-      <p:sp>
-        <p:nvSpPr>
-          <p:cNvPr id="10" name="Date Placeholder 11">
+      </p:pic>
+      <p:pic>
+        <p:nvPicPr>
+          <p:cNvPr id="17" name="Picture 19" descr="Chart, histogram&#10;&#10;Description automatically generated">
             <a:extLst>
               <a:ext uri="{FF2B5EF4-FFF2-40B4-BE49-F238E27FC236}">
-                <a16:creationId xmlns:a16="http://schemas.microsoft.com/office/drawing/2014/main" id="{32A25F90-8F3F-BA4A-B69D-D50871AAE3FF}"/>
+                <a16:creationId xmlns:a16="http://schemas.microsoft.com/office/drawing/2014/main" id="{C69D62D4-2364-3288-6B54-B75477974114}"/>
               </a:ext>
             </a:extLst>
           </p:cNvPr>
-          <p:cNvSpPr>
-            <a:spLocks noGrp="1"/>
-          </p:cNvSpPr>
-          <p:nvPr>
-            <p:ph type="dt" sz="half" idx="10"/>
-          </p:nvPr>
-        </p:nvSpPr>
+          <p:cNvPicPr>
+            <a:picLocks noChangeAspect="1"/>
+          </p:cNvPicPr>
+          <p:nvPr/>
+        </p:nvPicPr>
+        <p:blipFill>
+          <a:blip r:embed="rId4"/>
+          <a:stretch>
+            <a:fillRect/>
+          </a:stretch>
+        </p:blipFill>
         <p:spPr>
           <a:xfrm>
-            <a:off x="76857" y="4800600"/>
-            <a:ext cx="3754164" cy="273844"/>
+            <a:off x="4615211" y="2697015"/>
+            <a:ext cx="4401943" cy="2446670"/>
           </a:xfrm>
+          <a:prstGeom prst="rect">
+            <a:avLst/>
+          </a:prstGeom>
         </p:spPr>
-        <p:txBody>
-          <a:bodyPr/>
-          <a:lstStyle/>
-          <a:p>
-            <a:r>
-              <a:rPr lang="en-US" dirty="0"/>
-              <a:t> 26. 5. 2022</a:t>
-            </a:r>
-          </a:p>
-        </p:txBody>
-      </p:sp>
-      <p:sp>
-        <p:nvSpPr>
-          <p:cNvPr id="14" name="Footer Placeholder 12">
-            <a:extLst>
-              <a:ext uri="{FF2B5EF4-FFF2-40B4-BE49-F238E27FC236}">
-                <a16:creationId xmlns:a16="http://schemas.microsoft.com/office/drawing/2014/main" id="{0AD5B515-41AA-9B49-B73A-7917CFB0034B}"/>
-              </a:ext>
-            </a:extLst>
-          </p:cNvPr>
-          <p:cNvSpPr>
-            <a:spLocks noGrp="1"/>
-          </p:cNvSpPr>
-          <p:nvPr>
-            <p:ph type="ftr" sz="quarter" idx="11"/>
-          </p:nvPr>
-        </p:nvSpPr>
-        <p:spPr>
-          <a:xfrm>
-            <a:off x="3028950" y="4767263"/>
-            <a:ext cx="3086100" cy="273844"/>
-          </a:xfrm>
-        </p:spPr>
-        <p:txBody>
-          <a:bodyPr/>
-          <a:lstStyle/>
-          <a:p>
-            <a:r>
-              <a:rPr lang="en-US" dirty="0"/>
-              <a:t>PR21-22, </a:t>
-            </a:r>
-            <a:r>
-              <a:rPr lang="en-US" dirty="0" err="1"/>
-              <a:t>Končna</a:t>
-            </a:r>
-            <a:r>
-              <a:rPr lang="en-US" dirty="0"/>
-              <a:t> </a:t>
-            </a:r>
-            <a:r>
-              <a:rPr lang="en-US" dirty="0" err="1"/>
-              <a:t>predstavitev</a:t>
-            </a:r>
-            <a:endParaRPr lang="en-US" dirty="0"/>
-          </a:p>
-        </p:txBody>
-      </p:sp>
+      </p:pic>
     </p:spTree>
     <p:extLst>
       <p:ext uri="{BB962C8B-B14F-4D97-AF65-F5344CB8AC3E}">
@@ -4699,10 +7485,10 @@
       </p:grpSpPr>
       <p:sp>
         <p:nvSpPr>
-          <p:cNvPr id="3" name="Content Placeholder 2">
+          <p:cNvPr id="10" name="Date Placeholder 11">
             <a:extLst>
               <a:ext uri="{FF2B5EF4-FFF2-40B4-BE49-F238E27FC236}">
-                <a16:creationId xmlns:a16="http://schemas.microsoft.com/office/drawing/2014/main" id="{9D9094EB-9AF8-C443-A38F-2140C80C75A0}"/>
+                <a16:creationId xmlns:a16="http://schemas.microsoft.com/office/drawing/2014/main" id="{32A25F90-8F3F-BA4A-B69D-D50871AAE3FF}"/>
               </a:ext>
             </a:extLst>
           </p:cNvPr>
@@ -4710,130 +7496,23 @@
             <a:spLocks noGrp="1"/>
           </p:cNvSpPr>
           <p:nvPr>
-            <p:ph sz="half" idx="1"/>
+            <p:ph type="dt" sz="half" idx="10"/>
           </p:nvPr>
         </p:nvSpPr>
         <p:spPr>
           <a:xfrm>
-            <a:off x="92765" y="589356"/>
-            <a:ext cx="4403432" cy="4177907"/>
+            <a:off x="76857" y="4800600"/>
+            <a:ext cx="3754164" cy="273844"/>
           </a:xfrm>
-          <a:ln>
-            <a:solidFill>
-              <a:schemeClr val="tx1"/>
-            </a:solidFill>
-          </a:ln>
         </p:spPr>
         <p:txBody>
-          <a:bodyPr>
-            <a:normAutofit/>
-          </a:bodyPr>
+          <a:bodyPr/>
           <a:lstStyle/>
           <a:p>
-            <a:pPr marL="0" indent="0">
-              <a:buNone/>
-            </a:pPr>
-            <a:r>
-              <a:rPr lang="en-US" sz="1600" dirty="0" err="1"/>
-              <a:t>Kako</a:t>
-            </a:r>
-            <a:r>
-              <a:rPr lang="en-US" sz="1600" dirty="0"/>
-              <a:t> </a:t>
-            </a:r>
-            <a:r>
-              <a:rPr lang="en-US" sz="1600" dirty="0" err="1"/>
-              <a:t>boste</a:t>
-            </a:r>
-            <a:r>
-              <a:rPr lang="en-US" sz="1600" dirty="0"/>
-              <a:t> </a:t>
-            </a:r>
-            <a:r>
-              <a:rPr lang="en-US" sz="1600" dirty="0" err="1"/>
-              <a:t>dosegli</a:t>
-            </a:r>
-            <a:r>
-              <a:rPr lang="en-US" sz="1600" dirty="0"/>
-              <a:t> </a:t>
-            </a:r>
-            <a:r>
-              <a:rPr lang="en-US" sz="1600" dirty="0" err="1"/>
-              <a:t>cilj</a:t>
-            </a:r>
-            <a:r>
-              <a:rPr lang="en-US" sz="1600" dirty="0"/>
-              <a:t> 1 </a:t>
-            </a:r>
-            <a:r>
-              <a:rPr lang="en-US" sz="1600" dirty="0" err="1"/>
-              <a:t>oziroma</a:t>
-            </a:r>
-            <a:r>
-              <a:rPr lang="en-US" sz="1600" dirty="0"/>
-              <a:t> </a:t>
-            </a:r>
-            <a:r>
-              <a:rPr lang="en-US" sz="1600" dirty="0" err="1"/>
-              <a:t>odgovorili</a:t>
-            </a:r>
-            <a:r>
-              <a:rPr lang="en-US" sz="1600" dirty="0"/>
-              <a:t> </a:t>
-            </a:r>
-            <a:r>
-              <a:rPr lang="en-US" sz="1600" dirty="0" err="1"/>
-              <a:t>na</a:t>
-            </a:r>
-            <a:r>
-              <a:rPr lang="en-US" sz="1600" dirty="0"/>
-              <a:t> </a:t>
-            </a:r>
-            <a:r>
-              <a:rPr lang="en-US" sz="1600" dirty="0" err="1"/>
-              <a:t>vprašanje</a:t>
-            </a:r>
-            <a:r>
-              <a:rPr lang="en-US" sz="1600" dirty="0"/>
-              <a:t> 1…</a:t>
-            </a:r>
-          </a:p>
-        </p:txBody>
-      </p:sp>
-      <p:sp>
-        <p:nvSpPr>
-          <p:cNvPr id="18" name="Content Placeholder 17">
-            <a:extLst>
-              <a:ext uri="{FF2B5EF4-FFF2-40B4-BE49-F238E27FC236}">
-                <a16:creationId xmlns:a16="http://schemas.microsoft.com/office/drawing/2014/main" id="{BFC9798E-C22A-6049-8D8E-80BEDDEA70AA}"/>
-              </a:ext>
-            </a:extLst>
-          </p:cNvPr>
-          <p:cNvSpPr>
-            <a:spLocks noGrp="1"/>
-          </p:cNvSpPr>
-          <p:nvPr>
-            <p:ph sz="half" idx="2"/>
-          </p:nvPr>
-        </p:nvSpPr>
-        <p:spPr>
-          <a:xfrm>
-            <a:off x="4588962" y="589356"/>
-            <a:ext cx="4462272" cy="4177907"/>
-          </a:xfrm>
-          <a:ln>
-            <a:solidFill>
-              <a:schemeClr val="tx1"/>
-            </a:solidFill>
-          </a:ln>
-        </p:spPr>
-        <p:txBody>
-          <a:bodyPr>
-            <a:normAutofit/>
-          </a:bodyPr>
-          <a:lstStyle/>
-          <a:p>
-            <a:endParaRPr lang="en-US" sz="1600" dirty="0"/>
+            <a:r>
+              <a:rPr lang="en-US" dirty="0"/>
+              <a:t> 26. 5. 2022</a:t>
+            </a:r>
           </a:p>
         </p:txBody>
       </p:sp>
@@ -5272,83 +7951,338 @@
       </p:sp>
       <p:sp>
         <p:nvSpPr>
-          <p:cNvPr id="10" name="Date Placeholder 11">
+          <p:cNvPr id="4" name="TextBox 3">
             <a:extLst>
               <a:ext uri="{FF2B5EF4-FFF2-40B4-BE49-F238E27FC236}">
-                <a16:creationId xmlns:a16="http://schemas.microsoft.com/office/drawing/2014/main" id="{32A25F90-8F3F-BA4A-B69D-D50871AAE3FF}"/>
+                <a16:creationId xmlns:a16="http://schemas.microsoft.com/office/drawing/2014/main" id="{C690E7C5-937C-E328-20E7-63488D64F4A3}"/>
               </a:ext>
             </a:extLst>
           </p:cNvPr>
-          <p:cNvSpPr>
-            <a:spLocks noGrp="1"/>
-          </p:cNvSpPr>
-          <p:nvPr>
-            <p:ph type="dt" sz="half" idx="10"/>
-          </p:nvPr>
+          <p:cNvSpPr txBox="1"/>
+          <p:nvPr/>
         </p:nvSpPr>
         <p:spPr>
           <a:xfrm>
-            <a:off x="76857" y="4800600"/>
-            <a:ext cx="3754164" cy="273844"/>
+            <a:off x="91998" y="628648"/>
+            <a:ext cx="4401942" cy="1267014"/>
           </a:xfrm>
+          <a:prstGeom prst="rect">
+            <a:avLst/>
+          </a:prstGeom>
+          <a:noFill/>
         </p:spPr>
         <p:txBody>
-          <a:bodyPr/>
+          <a:bodyPr rot="0" spcFirstLastPara="0" vertOverflow="overflow" horzOverflow="overflow" vert="horz" wrap="square" lIns="91440" tIns="45720" rIns="91440" bIns="45720" numCol="1" spcCol="0" rtlCol="0" fromWordArt="0" anchor="t" anchorCtr="0" forceAA="0" compatLnSpc="1">
+            <a:prstTxWarp prst="textNoShape">
+              <a:avLst/>
+            </a:prstTxWarp>
+            <a:spAutoFit/>
+          </a:bodyPr>
           <a:lstStyle/>
           <a:p>
-            <a:r>
-              <a:rPr lang="en-US" dirty="0"/>
-              <a:t> 26. 5. 2022</a:t>
-            </a:r>
-          </a:p>
-        </p:txBody>
-      </p:sp>
-      <p:sp>
-        <p:nvSpPr>
-          <p:cNvPr id="14" name="Footer Placeholder 12">
+            <a:pPr marL="342900" indent="-342900">
+              <a:spcBef>
+                <a:spcPts val="1000"/>
+              </a:spcBef>
+              <a:buClr>
+                <a:schemeClr val="accent1"/>
+              </a:buClr>
+              <a:buSzPct val="80000"/>
+              <a:buFont typeface="Arial" charset="2"/>
+              <a:buChar char="•"/>
+            </a:pPr>
+            <a:r>
+              <a:rPr lang="en-US" sz="1600" dirty="0" err="1">
+                <a:solidFill>
+                  <a:schemeClr val="tx1">
+                    <a:lumMod val="75000"/>
+                    <a:lumOff val="25000"/>
+                  </a:schemeClr>
+                </a:solidFill>
+              </a:rPr>
+              <a:t>Primerjava</a:t>
+            </a:r>
+            <a:r>
+              <a:rPr lang="en-US" sz="1600" dirty="0">
+                <a:solidFill>
+                  <a:schemeClr val="tx1">
+                    <a:lumMod val="75000"/>
+                    <a:lumOff val="25000"/>
+                  </a:schemeClr>
+                </a:solidFill>
+              </a:rPr>
+              <a:t> po </a:t>
+            </a:r>
+            <a:r>
+              <a:rPr lang="en-US" sz="1600" dirty="0" err="1">
+                <a:solidFill>
+                  <a:schemeClr val="tx1">
+                    <a:lumMod val="75000"/>
+                    <a:lumOff val="25000"/>
+                  </a:schemeClr>
+                </a:solidFill>
+              </a:rPr>
+              <a:t>starostnih</a:t>
+            </a:r>
+            <a:r>
+              <a:rPr lang="en-US" sz="1600" dirty="0">
+                <a:solidFill>
+                  <a:schemeClr val="tx1">
+                    <a:lumMod val="75000"/>
+                    <a:lumOff val="25000"/>
+                  </a:schemeClr>
+                </a:solidFill>
+              </a:rPr>
+              <a:t> </a:t>
+            </a:r>
+            <a:r>
+              <a:rPr lang="en-US" sz="1600" dirty="0" err="1">
+                <a:solidFill>
+                  <a:schemeClr val="tx1">
+                    <a:lumMod val="75000"/>
+                    <a:lumOff val="25000"/>
+                  </a:schemeClr>
+                </a:solidFill>
+              </a:rPr>
+              <a:t>skupinah</a:t>
+            </a:r>
+            <a:endParaRPr lang="en-US" sz="1600">
+              <a:solidFill>
+                <a:schemeClr val="tx1">
+                  <a:lumMod val="75000"/>
+                  <a:lumOff val="25000"/>
+                </a:schemeClr>
+              </a:solidFill>
+            </a:endParaRPr>
+          </a:p>
+          <a:p>
+            <a:pPr marL="342900" indent="-342900">
+              <a:spcBef>
+                <a:spcPts val="1000"/>
+              </a:spcBef>
+              <a:buClr>
+                <a:schemeClr val="accent1"/>
+              </a:buClr>
+              <a:buSzPct val="80000"/>
+              <a:buFont typeface="Arial" charset="2"/>
+              <a:buChar char="•"/>
+            </a:pPr>
+            <a:r>
+              <a:rPr lang="en-US" sz="1600" dirty="0" err="1">
+                <a:solidFill>
+                  <a:schemeClr val="tx1">
+                    <a:lumMod val="75000"/>
+                    <a:lumOff val="25000"/>
+                  </a:schemeClr>
+                </a:solidFill>
+              </a:rPr>
+              <a:t>Cepiva</a:t>
+            </a:r>
+            <a:r>
+              <a:rPr lang="en-US" sz="1600" dirty="0">
+                <a:solidFill>
+                  <a:schemeClr val="tx1">
+                    <a:lumMod val="75000"/>
+                    <a:lumOff val="25000"/>
+                  </a:schemeClr>
+                </a:solidFill>
+              </a:rPr>
+              <a:t> </a:t>
+            </a:r>
+            <a:r>
+              <a:rPr lang="en-US" sz="1600" dirty="0" err="1">
+                <a:solidFill>
+                  <a:schemeClr val="tx1">
+                    <a:lumMod val="75000"/>
+                    <a:lumOff val="25000"/>
+                  </a:schemeClr>
+                </a:solidFill>
+              </a:rPr>
+              <a:t>vplivala</a:t>
+            </a:r>
+            <a:r>
+              <a:rPr lang="en-US" sz="1600" dirty="0">
+                <a:solidFill>
+                  <a:schemeClr val="tx1">
+                    <a:lumMod val="75000"/>
+                    <a:lumOff val="25000"/>
+                  </a:schemeClr>
+                </a:solidFill>
+              </a:rPr>
+              <a:t> </a:t>
+            </a:r>
+            <a:r>
+              <a:rPr lang="en-US" sz="1600" dirty="0" err="1">
+                <a:solidFill>
+                  <a:schemeClr val="tx1">
+                    <a:lumMod val="75000"/>
+                    <a:lumOff val="25000"/>
+                  </a:schemeClr>
+                </a:solidFill>
+              </a:rPr>
+              <a:t>na</a:t>
+            </a:r>
+            <a:r>
+              <a:rPr lang="en-US" sz="1600" dirty="0">
+                <a:solidFill>
+                  <a:schemeClr val="tx1">
+                    <a:lumMod val="75000"/>
+                    <a:lumOff val="25000"/>
+                  </a:schemeClr>
+                </a:solidFill>
+              </a:rPr>
+              <a:t> </a:t>
+            </a:r>
+            <a:r>
+              <a:rPr lang="en-US" sz="1600" dirty="0" err="1">
+                <a:solidFill>
+                  <a:schemeClr val="tx1">
+                    <a:lumMod val="75000"/>
+                    <a:lumOff val="25000"/>
+                  </a:schemeClr>
+                </a:solidFill>
+              </a:rPr>
+              <a:t>število</a:t>
+            </a:r>
+            <a:r>
+              <a:rPr lang="en-US" sz="1600" dirty="0">
+                <a:solidFill>
+                  <a:schemeClr val="tx1">
+                    <a:lumMod val="75000"/>
+                    <a:lumOff val="25000"/>
+                  </a:schemeClr>
+                </a:solidFill>
+              </a:rPr>
+              <a:t> </a:t>
+            </a:r>
+            <a:r>
+              <a:rPr lang="en-US" sz="1600" dirty="0" err="1">
+                <a:solidFill>
+                  <a:schemeClr val="tx1">
+                    <a:lumMod val="75000"/>
+                    <a:lumOff val="25000"/>
+                  </a:schemeClr>
+                </a:solidFill>
+              </a:rPr>
+              <a:t>okužb</a:t>
+            </a:r>
+            <a:r>
+              <a:rPr lang="en-US" sz="1600" dirty="0">
+                <a:solidFill>
+                  <a:schemeClr val="tx1">
+                    <a:lumMod val="75000"/>
+                    <a:lumOff val="25000"/>
+                  </a:schemeClr>
+                </a:solidFill>
+              </a:rPr>
+              <a:t>?</a:t>
+            </a:r>
+          </a:p>
+          <a:p>
+            <a:pPr marL="285750" indent="-285750">
+              <a:buFont typeface="Arial"/>
+              <a:buChar char="•"/>
+            </a:pPr>
+            <a:endParaRPr lang="en-US" dirty="0"/>
+          </a:p>
+          <a:p>
+            <a:pPr marL="285750" indent="-285750">
+              <a:buFont typeface="Arial"/>
+              <a:buChar char="•"/>
+            </a:pPr>
+            <a:endParaRPr lang="en-US" dirty="0"/>
+          </a:p>
+        </p:txBody>
+      </p:sp>
+      <p:pic>
+        <p:nvPicPr>
+          <p:cNvPr id="5" name="Picture 5" descr="Chart, bar chart&#10;&#10;Description automatically generated">
             <a:extLst>
               <a:ext uri="{FF2B5EF4-FFF2-40B4-BE49-F238E27FC236}">
-                <a16:creationId xmlns:a16="http://schemas.microsoft.com/office/drawing/2014/main" id="{0AD5B515-41AA-9B49-B73A-7917CFB0034B}"/>
+                <a16:creationId xmlns:a16="http://schemas.microsoft.com/office/drawing/2014/main" id="{B6B26BA7-4A70-E05B-D369-03D428F19640}"/>
               </a:ext>
             </a:extLst>
           </p:cNvPr>
-          <p:cNvSpPr>
-            <a:spLocks noGrp="1"/>
-          </p:cNvSpPr>
-          <p:nvPr>
-            <p:ph type="ftr" sz="quarter" idx="11"/>
-          </p:nvPr>
-        </p:nvSpPr>
+          <p:cNvPicPr>
+            <a:picLocks noChangeAspect="1"/>
+          </p:cNvPicPr>
+          <p:nvPr/>
+        </p:nvPicPr>
+        <p:blipFill>
+          <a:blip r:embed="rId2"/>
+          <a:stretch>
+            <a:fillRect/>
+          </a:stretch>
+        </p:blipFill>
         <p:spPr>
           <a:xfrm>
-            <a:off x="3028950" y="4767263"/>
-            <a:ext cx="3086100" cy="273844"/>
+            <a:off x="154724" y="2031903"/>
+            <a:ext cx="4158010" cy="2606017"/>
+          </a:xfrm>
+          <a:prstGeom prst="rect">
+            <a:avLst/>
+          </a:prstGeom>
+        </p:spPr>
+      </p:pic>
+      <p:pic>
+        <p:nvPicPr>
+          <p:cNvPr id="9" name="Picture 11" descr="Chart&#10;&#10;Description automatically generated">
+            <a:extLst>
+              <a:ext uri="{FF2B5EF4-FFF2-40B4-BE49-F238E27FC236}">
+                <a16:creationId xmlns:a16="http://schemas.microsoft.com/office/drawing/2014/main" id="{3329D50C-6083-2F5F-F37E-32DD57BF8E66}"/>
+              </a:ext>
+            </a:extLst>
+          </p:cNvPr>
+          <p:cNvPicPr>
+            <a:picLocks noChangeAspect="1"/>
+          </p:cNvPicPr>
+          <p:nvPr/>
+        </p:nvPicPr>
+        <p:blipFill>
+          <a:blip r:embed="rId3"/>
+          <a:stretch>
+            <a:fillRect/>
+          </a:stretch>
+        </p:blipFill>
+        <p:spPr>
+          <a:xfrm>
+            <a:off x="4573394" y="2717359"/>
+            <a:ext cx="4158011" cy="2336287"/>
+          </a:xfrm>
+          <a:prstGeom prst="rect">
+            <a:avLst/>
+          </a:prstGeom>
+        </p:spPr>
+      </p:pic>
+      <p:pic>
+        <p:nvPicPr>
+          <p:cNvPr id="14" name="Picture 14" descr="Chart, line chart&#10;&#10;Description automatically generated">
+            <a:extLst>
+              <a:ext uri="{FF2B5EF4-FFF2-40B4-BE49-F238E27FC236}">
+                <a16:creationId xmlns:a16="http://schemas.microsoft.com/office/drawing/2014/main" id="{99D36A4E-4F42-10EC-00E7-B0F00436B26C}"/>
+              </a:ext>
+            </a:extLst>
+          </p:cNvPr>
+          <p:cNvPicPr>
+            <a:picLocks noGrp="1" noChangeAspect="1"/>
+          </p:cNvPicPr>
+          <p:nvPr>
+            <p:ph sz="half" idx="1"/>
+          </p:nvPr>
+        </p:nvPicPr>
+        <p:blipFill>
+          <a:blip r:embed="rId4"/>
+          <a:stretch>
+            <a:fillRect/>
+          </a:stretch>
+        </p:blipFill>
+        <p:spPr>
+          <a:xfrm>
+            <a:off x="4571227" y="399750"/>
+            <a:ext cx="4162544" cy="2341133"/>
           </a:xfrm>
         </p:spPr>
-        <p:txBody>
-          <a:bodyPr/>
-          <a:lstStyle/>
-          <a:p>
-            <a:r>
-              <a:rPr lang="en-US" dirty="0"/>
-              <a:t>PR21-22, </a:t>
-            </a:r>
-            <a:r>
-              <a:rPr lang="en-US" dirty="0" err="1"/>
-              <a:t>Končna</a:t>
-            </a:r>
-            <a:r>
-              <a:rPr lang="en-US" dirty="0"/>
-              <a:t> </a:t>
-            </a:r>
-            <a:r>
-              <a:rPr lang="en-US" dirty="0" err="1"/>
-              <a:t>predstavitev</a:t>
-            </a:r>
-            <a:endParaRPr lang="en-US" dirty="0"/>
-          </a:p>
-        </p:txBody>
-      </p:sp>
+      </p:pic>
     </p:spTree>
     <p:extLst>
       <p:ext uri="{BB962C8B-B14F-4D97-AF65-F5344CB8AC3E}">
@@ -5397,27 +8331,42 @@
         </p:nvSpPr>
         <p:spPr>
           <a:xfrm>
-            <a:off x="92765" y="589356"/>
-            <a:ext cx="4403432" cy="4177907"/>
+            <a:off x="92765" y="631174"/>
+            <a:ext cx="7581529" cy="1334347"/>
           </a:xfrm>
           <a:ln>
-            <a:solidFill>
-              <a:schemeClr val="tx1"/>
-            </a:solidFill>
+            <a:noFill/>
           </a:ln>
         </p:spPr>
         <p:txBody>
-          <a:bodyPr>
+          <a:bodyPr vert="horz" lIns="91440" tIns="45720" rIns="91440" bIns="45720" rtlCol="0" anchor="t">
             <a:normAutofit/>
           </a:bodyPr>
           <a:lstStyle/>
           <a:p>
-            <a:pPr marL="0" indent="0">
-              <a:buNone/>
+            <a:pPr>
+              <a:buFont typeface="Arial" charset="2"/>
+              <a:buChar char="•"/>
             </a:pPr>
             <a:r>
               <a:rPr lang="en-US" sz="1600" dirty="0" err="1"/>
-              <a:t>Kako</a:t>
+              <a:t>Primerjava</a:t>
+            </a:r>
+            <a:r>
+              <a:rPr lang="en-US" sz="1600" dirty="0"/>
+              <a:t> </a:t>
+            </a:r>
+            <a:r>
+              <a:rPr lang="en-US" sz="1600" dirty="0" err="1"/>
+              <a:t>smrti</a:t>
+            </a:r>
+            <a:r>
+              <a:rPr lang="en-US" sz="1600" dirty="0"/>
+              <a:t> v </a:t>
+            </a:r>
+            <a:r>
+              <a:rPr lang="en-US" sz="1600" dirty="0" err="1"/>
+              <a:t>času</a:t>
             </a:r>
             <a:r>
               <a:rPr lang="en-US" sz="1600" dirty="0"/>
@@ -5425,7 +8374,42 @@
             </a:r>
             <a:r>
               <a:rPr lang="en-US" sz="1600" dirty="0" err="1"/>
-              <a:t>boste</a:t>
+              <a:t>korone</a:t>
+            </a:r>
+            <a:r>
+              <a:rPr lang="en-US" sz="1600" dirty="0"/>
+              <a:t> z </a:t>
+            </a:r>
+            <a:r>
+              <a:rPr lang="en-US" sz="1600" dirty="0" err="1"/>
+              <a:t>leti</a:t>
+            </a:r>
+            <a:r>
+              <a:rPr lang="en-US" sz="1600" dirty="0"/>
+              <a:t> s </a:t>
+            </a:r>
+            <a:r>
+              <a:rPr lang="en-US" sz="1600" dirty="0" err="1"/>
+              <a:t>časov</a:t>
+            </a:r>
+            <a:r>
+              <a:rPr lang="en-US" sz="1600" dirty="0"/>
+              <a:t> pred </a:t>
+            </a:r>
+            <a:r>
+              <a:rPr lang="en-US" sz="1600" dirty="0" err="1"/>
+              <a:t>korono</a:t>
+            </a:r>
+            <a:endParaRPr lang="en-US" sz="1600"/>
+          </a:p>
+          <a:p>
+            <a:pPr>
+              <a:buFont typeface="Arial" charset="2"/>
+              <a:buChar char="•"/>
+            </a:pPr>
+            <a:r>
+              <a:rPr lang="en-US" sz="1600" dirty="0" err="1"/>
+              <a:t>Vplivi</a:t>
             </a:r>
             <a:r>
               <a:rPr lang="en-US" sz="1600" dirty="0"/>
@@ -5433,7 +8417,7 @@
             </a:r>
             <a:r>
               <a:rPr lang="en-US" sz="1600" dirty="0" err="1"/>
-              <a:t>dosegli</a:t>
+              <a:t>praznikov</a:t>
             </a:r>
             <a:r>
               <a:rPr lang="en-US" sz="1600" dirty="0"/>
@@ -5441,15 +8425,15 @@
             </a:r>
             <a:r>
               <a:rPr lang="en-US" sz="1600" dirty="0" err="1"/>
-              <a:t>cilj</a:t>
+              <a:t>na</a:t>
             </a:r>
             <a:r>
               <a:rPr lang="en-US" sz="1600" dirty="0"/>
-              <a:t> 1 </a:t>
+              <a:t> </a:t>
             </a:r>
             <a:r>
               <a:rPr lang="en-US" sz="1600" dirty="0" err="1"/>
-              <a:t>oziroma</a:t>
+              <a:t>število</a:t>
             </a:r>
             <a:r>
               <a:rPr lang="en-US" sz="1600" dirty="0"/>
@@ -5457,65 +8441,80 @@
             </a:r>
             <a:r>
               <a:rPr lang="en-US" sz="1600" dirty="0" err="1"/>
-              <a:t>odgovorili</a:t>
-            </a:r>
-            <a:r>
-              <a:rPr lang="en-US" sz="1600" dirty="0"/>
-              <a:t> </a:t>
-            </a:r>
-            <a:r>
-              <a:rPr lang="en-US" sz="1600" dirty="0" err="1"/>
-              <a:t>na</a:t>
-            </a:r>
-            <a:r>
-              <a:rPr lang="en-US" sz="1600" dirty="0"/>
-              <a:t> </a:t>
-            </a:r>
-            <a:r>
-              <a:rPr lang="en-US" sz="1600" dirty="0" err="1"/>
-              <a:t>vprašanje</a:t>
-            </a:r>
-            <a:r>
-              <a:rPr lang="en-US" sz="1600" dirty="0"/>
-              <a:t> 1…</a:t>
-            </a:r>
-          </a:p>
-        </p:txBody>
-      </p:sp>
-      <p:sp>
-        <p:nvSpPr>
-          <p:cNvPr id="18" name="Content Placeholder 17">
+              <a:t>okužb</a:t>
+            </a:r>
+          </a:p>
+          <a:p>
+            <a:pPr>
+              <a:buFont typeface="Arial" charset="2"/>
+              <a:buChar char="•"/>
+            </a:pPr>
+            <a:endParaRPr lang="en-US" sz="1600" dirty="0"/>
+          </a:p>
+        </p:txBody>
+      </p:sp>
+      <p:pic>
+        <p:nvPicPr>
+          <p:cNvPr id="2" name="Picture 3" descr="Chart, histogram&#10;&#10;Description automatically generated">
             <a:extLst>
               <a:ext uri="{FF2B5EF4-FFF2-40B4-BE49-F238E27FC236}">
-                <a16:creationId xmlns:a16="http://schemas.microsoft.com/office/drawing/2014/main" id="{BFC9798E-C22A-6049-8D8E-80BEDDEA70AA}"/>
+                <a16:creationId xmlns:a16="http://schemas.microsoft.com/office/drawing/2014/main" id="{EB9F99B0-3702-3FEE-0944-11F531E0085E}"/>
               </a:ext>
             </a:extLst>
           </p:cNvPr>
-          <p:cNvSpPr>
-            <a:spLocks noGrp="1"/>
-          </p:cNvSpPr>
+          <p:cNvPicPr>
+            <a:picLocks noGrp="1" noChangeAspect="1"/>
+          </p:cNvPicPr>
           <p:nvPr>
             <p:ph sz="half" idx="2"/>
           </p:nvPr>
-        </p:nvSpPr>
+        </p:nvPicPr>
+        <p:blipFill>
+          <a:blip r:embed="rId2"/>
+          <a:stretch>
+            <a:fillRect/>
+          </a:stretch>
+        </p:blipFill>
         <p:spPr>
           <a:xfrm>
-            <a:off x="4588962" y="589356"/>
-            <a:ext cx="4462272" cy="4177907"/>
+            <a:off x="755731" y="1490628"/>
+            <a:ext cx="6246467" cy="3107161"/>
           </a:xfrm>
           <a:ln>
-            <a:solidFill>
-              <a:schemeClr val="tx1"/>
-            </a:solidFill>
+            <a:noFill/>
           </a:ln>
         </p:spPr>
-        <p:txBody>
-          <a:bodyPr>
-            <a:normAutofit/>
-          </a:bodyPr>
+      </p:pic>
+      <p:sp>
+        <p:nvSpPr>
+          <p:cNvPr id="10" name="Date Placeholder 11">
+            <a:extLst>
+              <a:ext uri="{FF2B5EF4-FFF2-40B4-BE49-F238E27FC236}">
+                <a16:creationId xmlns:a16="http://schemas.microsoft.com/office/drawing/2014/main" id="{32A25F90-8F3F-BA4A-B69D-D50871AAE3FF}"/>
+              </a:ext>
+            </a:extLst>
+          </p:cNvPr>
+          <p:cNvSpPr>
+            <a:spLocks noGrp="1"/>
+          </p:cNvSpPr>
+          <p:nvPr>
+            <p:ph type="dt" sz="half" idx="10"/>
+          </p:nvPr>
+        </p:nvSpPr>
+        <p:spPr>
+          <a:xfrm>
+            <a:off x="76857" y="4800600"/>
+            <a:ext cx="3754164" cy="273844"/>
+          </a:xfrm>
+        </p:spPr>
+        <p:txBody>
+          <a:bodyPr/>
           <a:lstStyle/>
           <a:p>
-            <a:endParaRPr lang="en-US" sz="1600" dirty="0"/>
+            <a:r>
+              <a:rPr lang="en-US" dirty="0"/>
+              <a:t> 26. 5. 2022</a:t>
+            </a:r>
           </a:p>
         </p:txBody>
       </p:sp>
@@ -5751,283 +8750,6 @@
               <a:t>Vprašanje 3: Vpliv socialnega življenja ter vladnih ukrepov.</a:t>
             </a:r>
             <a:endParaRPr lang="en-US" sz="1600" b="1" dirty="0"/>
-          </a:p>
-        </p:txBody>
-      </p:sp>
-      <p:sp>
-        <p:nvSpPr>
-          <p:cNvPr id="11" name="Content Placeholder 11">
-            <a:extLst>
-              <a:ext uri="{FF2B5EF4-FFF2-40B4-BE49-F238E27FC236}">
-                <a16:creationId xmlns:a16="http://schemas.microsoft.com/office/drawing/2014/main" id="{7B9F5A0B-66B3-574B-8ADF-47E9BEA982E5}"/>
-              </a:ext>
-            </a:extLst>
-          </p:cNvPr>
-          <p:cNvSpPr txBox="1">
-            <a:spLocks/>
-          </p:cNvSpPr>
-          <p:nvPr/>
-        </p:nvSpPr>
-        <p:spPr>
-          <a:xfrm>
-            <a:off x="4572000" y="720327"/>
-            <a:ext cx="4436828" cy="3040640"/>
-          </a:xfrm>
-          <a:prstGeom prst="rect">
-            <a:avLst/>
-          </a:prstGeom>
-        </p:spPr>
-        <p:txBody>
-          <a:bodyPr/>
-          <a:lstStyle>
-            <a:lvl1pPr marL="171450" indent="-171450" algn="l" defTabSz="685800" rtl="0" eaLnBrk="1" latinLnBrk="0" hangingPunct="1">
-              <a:lnSpc>
-                <a:spcPct val="90000"/>
-              </a:lnSpc>
-              <a:spcBef>
-                <a:spcPts val="750"/>
-              </a:spcBef>
-              <a:buFont typeface="Arial" panose="020B0604020202020204" pitchFamily="34" charset="0"/>
-              <a:buChar char="•"/>
-              <a:defRPr sz="2100" kern="1200">
-                <a:solidFill>
-                  <a:schemeClr val="tx1"/>
-                </a:solidFill>
-                <a:latin typeface="+mn-lt"/>
-                <a:ea typeface="+mn-ea"/>
-                <a:cs typeface="+mn-cs"/>
-              </a:defRPr>
-            </a:lvl1pPr>
-            <a:lvl2pPr marL="514350" indent="-171450" algn="l" defTabSz="685800" rtl="0" eaLnBrk="1" latinLnBrk="0" hangingPunct="1">
-              <a:lnSpc>
-                <a:spcPct val="90000"/>
-              </a:lnSpc>
-              <a:spcBef>
-                <a:spcPts val="375"/>
-              </a:spcBef>
-              <a:buFont typeface="Arial" panose="020B0604020202020204" pitchFamily="34" charset="0"/>
-              <a:buChar char="•"/>
-              <a:defRPr sz="1800" kern="1200">
-                <a:solidFill>
-                  <a:schemeClr val="tx1"/>
-                </a:solidFill>
-                <a:latin typeface="+mn-lt"/>
-                <a:ea typeface="+mn-ea"/>
-                <a:cs typeface="+mn-cs"/>
-              </a:defRPr>
-            </a:lvl2pPr>
-            <a:lvl3pPr marL="857250" indent="-171450" algn="l" defTabSz="685800" rtl="0" eaLnBrk="1" latinLnBrk="0" hangingPunct="1">
-              <a:lnSpc>
-                <a:spcPct val="90000"/>
-              </a:lnSpc>
-              <a:spcBef>
-                <a:spcPts val="375"/>
-              </a:spcBef>
-              <a:buFont typeface="Arial" panose="020B0604020202020204" pitchFamily="34" charset="0"/>
-              <a:buChar char="•"/>
-              <a:defRPr sz="1500" kern="1200">
-                <a:solidFill>
-                  <a:schemeClr val="tx1"/>
-                </a:solidFill>
-                <a:latin typeface="+mn-lt"/>
-                <a:ea typeface="+mn-ea"/>
-                <a:cs typeface="+mn-cs"/>
-              </a:defRPr>
-            </a:lvl3pPr>
-            <a:lvl4pPr marL="1200150" indent="-171450" algn="l" defTabSz="685800" rtl="0" eaLnBrk="1" latinLnBrk="0" hangingPunct="1">
-              <a:lnSpc>
-                <a:spcPct val="90000"/>
-              </a:lnSpc>
-              <a:spcBef>
-                <a:spcPts val="375"/>
-              </a:spcBef>
-              <a:buFont typeface="Arial" panose="020B0604020202020204" pitchFamily="34" charset="0"/>
-              <a:buChar char="•"/>
-              <a:defRPr sz="1350" kern="1200">
-                <a:solidFill>
-                  <a:schemeClr val="tx1"/>
-                </a:solidFill>
-                <a:latin typeface="+mn-lt"/>
-                <a:ea typeface="+mn-ea"/>
-                <a:cs typeface="+mn-cs"/>
-              </a:defRPr>
-            </a:lvl4pPr>
-            <a:lvl5pPr marL="1543050" indent="-171450" algn="l" defTabSz="685800" rtl="0" eaLnBrk="1" latinLnBrk="0" hangingPunct="1">
-              <a:lnSpc>
-                <a:spcPct val="90000"/>
-              </a:lnSpc>
-              <a:spcBef>
-                <a:spcPts val="375"/>
-              </a:spcBef>
-              <a:buFont typeface="Arial" panose="020B0604020202020204" pitchFamily="34" charset="0"/>
-              <a:buChar char="•"/>
-              <a:defRPr sz="1350" kern="1200">
-                <a:solidFill>
-                  <a:schemeClr val="tx1"/>
-                </a:solidFill>
-                <a:latin typeface="+mn-lt"/>
-                <a:ea typeface="+mn-ea"/>
-                <a:cs typeface="+mn-cs"/>
-              </a:defRPr>
-            </a:lvl5pPr>
-            <a:lvl6pPr marL="1885950" indent="-171450" algn="l" defTabSz="685800" rtl="0" eaLnBrk="1" latinLnBrk="0" hangingPunct="1">
-              <a:lnSpc>
-                <a:spcPct val="90000"/>
-              </a:lnSpc>
-              <a:spcBef>
-                <a:spcPts val="375"/>
-              </a:spcBef>
-              <a:buFont typeface="Arial" panose="020B0604020202020204" pitchFamily="34" charset="0"/>
-              <a:buChar char="•"/>
-              <a:defRPr sz="1350" kern="1200">
-                <a:solidFill>
-                  <a:schemeClr val="tx1"/>
-                </a:solidFill>
-                <a:latin typeface="+mn-lt"/>
-                <a:ea typeface="+mn-ea"/>
-                <a:cs typeface="+mn-cs"/>
-              </a:defRPr>
-            </a:lvl6pPr>
-            <a:lvl7pPr marL="2228850" indent="-171450" algn="l" defTabSz="685800" rtl="0" eaLnBrk="1" latinLnBrk="0" hangingPunct="1">
-              <a:lnSpc>
-                <a:spcPct val="90000"/>
-              </a:lnSpc>
-              <a:spcBef>
-                <a:spcPts val="375"/>
-              </a:spcBef>
-              <a:buFont typeface="Arial" panose="020B0604020202020204" pitchFamily="34" charset="0"/>
-              <a:buChar char="•"/>
-              <a:defRPr sz="1350" kern="1200">
-                <a:solidFill>
-                  <a:schemeClr val="tx1"/>
-                </a:solidFill>
-                <a:latin typeface="+mn-lt"/>
-                <a:ea typeface="+mn-ea"/>
-                <a:cs typeface="+mn-cs"/>
-              </a:defRPr>
-            </a:lvl7pPr>
-            <a:lvl8pPr marL="2571750" indent="-171450" algn="l" defTabSz="685800" rtl="0" eaLnBrk="1" latinLnBrk="0" hangingPunct="1">
-              <a:lnSpc>
-                <a:spcPct val="90000"/>
-              </a:lnSpc>
-              <a:spcBef>
-                <a:spcPts val="375"/>
-              </a:spcBef>
-              <a:buFont typeface="Arial" panose="020B0604020202020204" pitchFamily="34" charset="0"/>
-              <a:buChar char="•"/>
-              <a:defRPr sz="1350" kern="1200">
-                <a:solidFill>
-                  <a:schemeClr val="tx1"/>
-                </a:solidFill>
-                <a:latin typeface="+mn-lt"/>
-                <a:ea typeface="+mn-ea"/>
-                <a:cs typeface="+mn-cs"/>
-              </a:defRPr>
-            </a:lvl8pPr>
-            <a:lvl9pPr marL="2914650" indent="-171450" algn="l" defTabSz="685800" rtl="0" eaLnBrk="1" latinLnBrk="0" hangingPunct="1">
-              <a:lnSpc>
-                <a:spcPct val="90000"/>
-              </a:lnSpc>
-              <a:spcBef>
-                <a:spcPts val="375"/>
-              </a:spcBef>
-              <a:buFont typeface="Arial" panose="020B0604020202020204" pitchFamily="34" charset="0"/>
-              <a:buChar char="•"/>
-              <a:defRPr sz="1350" kern="1200">
-                <a:solidFill>
-                  <a:schemeClr val="tx1"/>
-                </a:solidFill>
-                <a:latin typeface="+mn-lt"/>
-                <a:ea typeface="+mn-ea"/>
-                <a:cs typeface="+mn-cs"/>
-              </a:defRPr>
-            </a:lvl9pPr>
-          </a:lstStyle>
-          <a:p>
-            <a:pPr marL="0" indent="0">
-              <a:buFont typeface="Arial" panose="020B0604020202020204" pitchFamily="34" charset="0"/>
-              <a:buNone/>
-            </a:pPr>
-            <a:endParaRPr lang="en-US" sz="1600" dirty="0"/>
-          </a:p>
-        </p:txBody>
-      </p:sp>
-      <p:sp>
-        <p:nvSpPr>
-          <p:cNvPr id="10" name="Date Placeholder 11">
-            <a:extLst>
-              <a:ext uri="{FF2B5EF4-FFF2-40B4-BE49-F238E27FC236}">
-                <a16:creationId xmlns:a16="http://schemas.microsoft.com/office/drawing/2014/main" id="{32A25F90-8F3F-BA4A-B69D-D50871AAE3FF}"/>
-              </a:ext>
-            </a:extLst>
-          </p:cNvPr>
-          <p:cNvSpPr>
-            <a:spLocks noGrp="1"/>
-          </p:cNvSpPr>
-          <p:nvPr>
-            <p:ph type="dt" sz="half" idx="10"/>
-          </p:nvPr>
-        </p:nvSpPr>
-        <p:spPr>
-          <a:xfrm>
-            <a:off x="76857" y="4800600"/>
-            <a:ext cx="3754164" cy="273844"/>
-          </a:xfrm>
-        </p:spPr>
-        <p:txBody>
-          <a:bodyPr/>
-          <a:lstStyle/>
-          <a:p>
-            <a:r>
-              <a:rPr lang="en-US" dirty="0"/>
-              <a:t> 26. 5. 2022</a:t>
-            </a:r>
-          </a:p>
-        </p:txBody>
-      </p:sp>
-      <p:sp>
-        <p:nvSpPr>
-          <p:cNvPr id="14" name="Footer Placeholder 12">
-            <a:extLst>
-              <a:ext uri="{FF2B5EF4-FFF2-40B4-BE49-F238E27FC236}">
-                <a16:creationId xmlns:a16="http://schemas.microsoft.com/office/drawing/2014/main" id="{0AD5B515-41AA-9B49-B73A-7917CFB0034B}"/>
-              </a:ext>
-            </a:extLst>
-          </p:cNvPr>
-          <p:cNvSpPr>
-            <a:spLocks noGrp="1"/>
-          </p:cNvSpPr>
-          <p:nvPr>
-            <p:ph type="ftr" sz="quarter" idx="11"/>
-          </p:nvPr>
-        </p:nvSpPr>
-        <p:spPr>
-          <a:xfrm>
-            <a:off x="3028950" y="4767263"/>
-            <a:ext cx="3086100" cy="273844"/>
-          </a:xfrm>
-        </p:spPr>
-        <p:txBody>
-          <a:bodyPr/>
-          <a:lstStyle/>
-          <a:p>
-            <a:r>
-              <a:rPr lang="en-US" dirty="0"/>
-              <a:t>PR21-22, </a:t>
-            </a:r>
-            <a:r>
-              <a:rPr lang="en-US" dirty="0" err="1"/>
-              <a:t>Končna</a:t>
-            </a:r>
-            <a:r>
-              <a:rPr lang="en-US" dirty="0"/>
-              <a:t> </a:t>
-            </a:r>
-            <a:r>
-              <a:rPr lang="en-US" dirty="0" err="1"/>
-              <a:t>predstavitev</a:t>
-            </a:r>
-            <a:endParaRPr lang="en-US" dirty="0"/>
           </a:p>
         </p:txBody>
       </p:sp>
@@ -6061,127 +8783,44 @@
           <a:chExt cx="0" cy="0"/>
         </a:xfrm>
       </p:grpSpPr>
-      <p:sp>
-        <p:nvSpPr>
-          <p:cNvPr id="2" name="Title 1">
+      <p:pic>
+        <p:nvPicPr>
+          <p:cNvPr id="4" name="Picture 4" descr="Chart, histogram&#10;&#10;Description automatically generated">
             <a:extLst>
               <a:ext uri="{FF2B5EF4-FFF2-40B4-BE49-F238E27FC236}">
-                <a16:creationId xmlns:a16="http://schemas.microsoft.com/office/drawing/2014/main" id="{38032997-45F8-4B43-BA59-BC34FE1B6DF0}"/>
+                <a16:creationId xmlns:a16="http://schemas.microsoft.com/office/drawing/2014/main" id="{54B84133-AA03-028C-207B-5218C1E30FEE}"/>
               </a:ext>
             </a:extLst>
           </p:cNvPr>
-          <p:cNvSpPr>
-            <a:spLocks noGrp="1"/>
-          </p:cNvSpPr>
-          <p:nvPr>
-            <p:ph type="title"/>
-          </p:nvPr>
-        </p:nvSpPr>
+          <p:cNvPicPr>
+            <a:picLocks noGrp="1" noChangeAspect="1"/>
+          </p:cNvPicPr>
+          <p:nvPr>
+            <p:ph idx="1"/>
+          </p:nvPr>
+        </p:nvPicPr>
+        <p:blipFill>
+          <a:blip r:embed="rId2"/>
+          <a:stretch>
+            <a:fillRect/>
+          </a:stretch>
+        </p:blipFill>
         <p:spPr>
           <a:xfrm>
-            <a:off x="99391" y="102394"/>
-            <a:ext cx="8945218" cy="410942"/>
+            <a:off x="459871" y="443641"/>
+            <a:ext cx="8224259" cy="4253927"/>
           </a:xfrm>
+          <a:ln>
+            <a:noFill/>
+          </a:ln>
         </p:spPr>
-        <p:txBody>
-          <a:bodyPr>
-            <a:normAutofit/>
-          </a:bodyPr>
-          <a:lstStyle/>
-          <a:p>
-            <a:r>
-              <a:rPr lang="en-US" sz="1600" b="1" dirty="0" err="1">
-                <a:latin typeface="+mn-lt"/>
-              </a:rPr>
-              <a:t>Dodatna</a:t>
-            </a:r>
-            <a:r>
-              <a:rPr lang="en-US" sz="1600" b="1" dirty="0">
-                <a:latin typeface="+mn-lt"/>
-              </a:rPr>
-              <a:t> </a:t>
-            </a:r>
-            <a:r>
-              <a:rPr lang="en-US" sz="1600" b="1" dirty="0" err="1">
-                <a:latin typeface="+mn-lt"/>
-              </a:rPr>
-              <a:t>prosojnica</a:t>
-            </a:r>
-            <a:r>
-              <a:rPr lang="en-US" sz="1600" b="1" dirty="0">
-                <a:latin typeface="+mn-lt"/>
-              </a:rPr>
-              <a:t> za </a:t>
-            </a:r>
-            <a:r>
-              <a:rPr lang="en-US" sz="1600" b="1" dirty="0" err="1">
-                <a:latin typeface="+mn-lt"/>
-              </a:rPr>
-              <a:t>rezultate</a:t>
-            </a:r>
-            <a:r>
-              <a:rPr lang="en-US" sz="1600" b="1" dirty="0">
-                <a:latin typeface="+mn-lt"/>
-              </a:rPr>
-              <a:t> oz. </a:t>
-            </a:r>
-            <a:r>
-              <a:rPr lang="en-US" sz="1600" b="1" dirty="0" err="1">
-                <a:latin typeface="+mn-lt"/>
-              </a:rPr>
-              <a:t>odprta</a:t>
-            </a:r>
-            <a:r>
-              <a:rPr lang="en-US" sz="1600" b="1" dirty="0">
-                <a:latin typeface="+mn-lt"/>
-              </a:rPr>
-              <a:t> </a:t>
-            </a:r>
-            <a:r>
-              <a:rPr lang="en-US" sz="1600" b="1" dirty="0" err="1">
-                <a:latin typeface="+mn-lt"/>
-              </a:rPr>
-              <a:t>vprašanja</a:t>
-            </a:r>
-            <a:r>
-              <a:rPr lang="en-US" sz="1600" b="1" dirty="0">
-                <a:latin typeface="+mn-lt"/>
-              </a:rPr>
-              <a:t> (</a:t>
-            </a:r>
-            <a:r>
-              <a:rPr lang="en-US" sz="1600" b="1" dirty="0" err="1">
-                <a:latin typeface="+mn-lt"/>
-              </a:rPr>
-              <a:t>če</a:t>
-            </a:r>
-            <a:r>
-              <a:rPr lang="en-US" sz="1600" b="1" dirty="0">
-                <a:latin typeface="+mn-lt"/>
-              </a:rPr>
-              <a:t> </a:t>
-            </a:r>
-            <a:r>
-              <a:rPr lang="en-US" sz="1600" b="1" dirty="0" err="1">
-                <a:latin typeface="+mn-lt"/>
-              </a:rPr>
-              <a:t>potrebno</a:t>
-            </a:r>
-            <a:r>
-              <a:rPr lang="en-US" sz="1600" b="1" dirty="0">
-                <a:latin typeface="+mn-lt"/>
-              </a:rPr>
-              <a:t>)</a:t>
-            </a:r>
-          </a:p>
-        </p:txBody>
-      </p:sp>
-      <p:sp>
-        <p:nvSpPr>
-          <p:cNvPr id="3" name="Content Placeholder 2">
+      </p:pic>
+      <p:sp>
+        <p:nvSpPr>
+          <p:cNvPr id="7" name="Date Placeholder 11">
             <a:extLst>
               <a:ext uri="{FF2B5EF4-FFF2-40B4-BE49-F238E27FC236}">
-                <a16:creationId xmlns:a16="http://schemas.microsoft.com/office/drawing/2014/main" id="{E736DCB2-1C93-E142-85FE-F367FBA7EB28}"/>
+                <a16:creationId xmlns:a16="http://schemas.microsoft.com/office/drawing/2014/main" id="{BD2A07E5-3C03-A849-88F8-7AFCB12B87FD}"/>
               </a:ext>
             </a:extLst>
           </p:cNvPr>
@@ -6189,27 +8828,23 @@
             <a:spLocks noGrp="1"/>
           </p:cNvSpPr>
           <p:nvPr>
-            <p:ph idx="1"/>
+            <p:ph type="dt" sz="half" idx="10"/>
           </p:nvPr>
         </p:nvSpPr>
         <p:spPr>
           <a:xfrm>
-            <a:off x="99392" y="513336"/>
-            <a:ext cx="8945217" cy="4253927"/>
+            <a:off x="76857" y="4800600"/>
+            <a:ext cx="3754164" cy="273844"/>
           </a:xfrm>
-          <a:ln>
-            <a:solidFill>
-              <a:schemeClr val="tx1"/>
-            </a:solidFill>
-          </a:ln>
         </p:spPr>
         <p:txBody>
-          <a:bodyPr>
-            <a:normAutofit/>
-          </a:bodyPr>
+          <a:bodyPr/>
           <a:lstStyle/>
           <a:p>
-            <a:endParaRPr lang="en-US" sz="1600" dirty="0"/>
+            <a:r>
+              <a:rPr lang="en-US" dirty="0"/>
+              <a:t> 26. 5. 2022</a:t>
+            </a:r>
           </a:p>
         </p:txBody>
       </p:sp>
@@ -6235,88 +8870,9 @@
           <a:lstStyle/>
           <a:p>
             <a:fld id="{03BC8BC1-971C-5C4D-898D-87CE7EF1EB36}" type="slidenum">
-              <a:rPr lang="en-US" smtClean="0"/>
+              <a:rPr lang="en-US" dirty="0" smtClean="0"/>
               <a:t>5</a:t>
             </a:fld>
-            <a:endParaRPr lang="en-US"/>
-          </a:p>
-        </p:txBody>
-      </p:sp>
-      <p:sp>
-        <p:nvSpPr>
-          <p:cNvPr id="7" name="Date Placeholder 11">
-            <a:extLst>
-              <a:ext uri="{FF2B5EF4-FFF2-40B4-BE49-F238E27FC236}">
-                <a16:creationId xmlns:a16="http://schemas.microsoft.com/office/drawing/2014/main" id="{BD2A07E5-3C03-A849-88F8-7AFCB12B87FD}"/>
-              </a:ext>
-            </a:extLst>
-          </p:cNvPr>
-          <p:cNvSpPr>
-            <a:spLocks noGrp="1"/>
-          </p:cNvSpPr>
-          <p:nvPr>
-            <p:ph type="dt" sz="half" idx="10"/>
-          </p:nvPr>
-        </p:nvSpPr>
-        <p:spPr>
-          <a:xfrm>
-            <a:off x="76857" y="4800600"/>
-            <a:ext cx="3754164" cy="273844"/>
-          </a:xfrm>
-        </p:spPr>
-        <p:txBody>
-          <a:bodyPr/>
-          <a:lstStyle/>
-          <a:p>
-            <a:r>
-              <a:rPr lang="en-US" dirty="0"/>
-              <a:t> 26. 5. 2022</a:t>
-            </a:r>
-          </a:p>
-        </p:txBody>
-      </p:sp>
-      <p:sp>
-        <p:nvSpPr>
-          <p:cNvPr id="10" name="Footer Placeholder 12">
-            <a:extLst>
-              <a:ext uri="{FF2B5EF4-FFF2-40B4-BE49-F238E27FC236}">
-                <a16:creationId xmlns:a16="http://schemas.microsoft.com/office/drawing/2014/main" id="{919300DD-5012-D84A-91E3-B74791DE9DDB}"/>
-              </a:ext>
-            </a:extLst>
-          </p:cNvPr>
-          <p:cNvSpPr>
-            <a:spLocks noGrp="1"/>
-          </p:cNvSpPr>
-          <p:nvPr>
-            <p:ph type="ftr" sz="quarter" idx="11"/>
-          </p:nvPr>
-        </p:nvSpPr>
-        <p:spPr>
-          <a:xfrm>
-            <a:off x="3028950" y="4767263"/>
-            <a:ext cx="3086100" cy="273844"/>
-          </a:xfrm>
-        </p:spPr>
-        <p:txBody>
-          <a:bodyPr/>
-          <a:lstStyle/>
-          <a:p>
-            <a:r>
-              <a:rPr lang="en-US" dirty="0"/>
-              <a:t>PR21-22, </a:t>
-            </a:r>
-            <a:r>
-              <a:rPr lang="en-US" dirty="0" err="1"/>
-              <a:t>Končna</a:t>
-            </a:r>
-            <a:r>
-              <a:rPr lang="en-US" dirty="0"/>
-              <a:t> </a:t>
-            </a:r>
-            <a:r>
-              <a:rPr lang="en-US" dirty="0" err="1"/>
-              <a:t>predstavitev</a:t>
-            </a:r>
             <a:endParaRPr lang="en-US" dirty="0"/>
           </a:p>
         </p:txBody>
@@ -6335,9 +8891,9 @@
 </file>
 
 <file path=ppt/theme/theme1.xml><?xml version="1.0" encoding="utf-8"?>
-<a:theme xmlns:a="http://schemas.openxmlformats.org/drawingml/2006/main" name="Office Theme">
+<a:theme xmlns:a="http://schemas.openxmlformats.org/drawingml/2006/main" name="Facet">
   <a:themeElements>
-    <a:clrScheme name="Office Theme">
+    <a:clrScheme name="Facet">
       <a:dk1>
         <a:sysClr val="windowText" lastClr="000000"/>
       </a:dk1>
@@ -6345,52 +8901,52 @@
         <a:sysClr val="window" lastClr="FFFFFF"/>
       </a:lt1>
       <a:dk2>
-        <a:srgbClr val="44546A"/>
+        <a:srgbClr val="2C3C43"/>
       </a:dk2>
       <a:lt2>
-        <a:srgbClr val="E7E6E6"/>
+        <a:srgbClr val="EBEBEB"/>
       </a:lt2>
       <a:accent1>
-        <a:srgbClr val="4472C4"/>
+        <a:srgbClr val="90C226"/>
       </a:accent1>
       <a:accent2>
-        <a:srgbClr val="ED7D31"/>
+        <a:srgbClr val="54A021"/>
       </a:accent2>
       <a:accent3>
-        <a:srgbClr val="A5A5A5"/>
+        <a:srgbClr val="E6B91E"/>
       </a:accent3>
       <a:accent4>
-        <a:srgbClr val="FFC000"/>
+        <a:srgbClr val="E76618"/>
       </a:accent4>
       <a:accent5>
-        <a:srgbClr val="5B9BD5"/>
+        <a:srgbClr val="C42F1A"/>
       </a:accent5>
       <a:accent6>
-        <a:srgbClr val="70AD47"/>
+        <a:srgbClr val="918655"/>
       </a:accent6>
       <a:hlink>
-        <a:srgbClr val="0563C1"/>
+        <a:srgbClr val="99CA3C"/>
       </a:hlink>
       <a:folHlink>
-        <a:srgbClr val="954F72"/>
+        <a:srgbClr val="B9D181"/>
       </a:folHlink>
     </a:clrScheme>
-    <a:fontScheme name="Office Theme">
+    <a:fontScheme name="Facet">
       <a:majorFont>
-        <a:latin typeface="Calibri Light" panose="020F0302020204030204"/>
+        <a:latin typeface="Trebuchet MS" panose="020B0603020202020204"/>
         <a:ea typeface=""/>
         <a:cs typeface=""/>
-        <a:font script="Jpan" typeface="游ゴシック Light"/>
+        <a:font script="Jpan" typeface="メイリオ"/>
         <a:font script="Hang" typeface="맑은 고딕"/>
-        <a:font script="Hans" typeface="等线 Light"/>
-        <a:font script="Hant" typeface="新細明體"/>
-        <a:font script="Arab" typeface="Times New Roman"/>
-        <a:font script="Hebr" typeface="Times New Roman"/>
-        <a:font script="Thai" typeface="Angsana New"/>
+        <a:font script="Hans" typeface="方正姚体"/>
+        <a:font script="Hant" typeface="微軟正黑體"/>
+        <a:font script="Arab" typeface="Tahoma"/>
+        <a:font script="Hebr" typeface="Arial"/>
+        <a:font script="Thai" typeface="Cordia New"/>
         <a:font script="Ethi" typeface="Nyala"/>
         <a:font script="Beng" typeface="Vrinda"/>
         <a:font script="Gujr" typeface="Shruti"/>
-        <a:font script="Khmr" typeface="MoolBoran"/>
+        <a:font script="Khmr" typeface="DaunPenh"/>
         <a:font script="Knda" typeface="Tunga"/>
         <a:font script="Guru" typeface="Raavi"/>
         <a:font script="Cans" typeface="Euphemia"/>
@@ -6407,21 +8963,21 @@
         <a:font script="Laoo" typeface="DokChampa"/>
         <a:font script="Sinh" typeface="Iskoola Pota"/>
         <a:font script="Mong" typeface="Mongolian Baiti"/>
-        <a:font script="Viet" typeface="Times New Roman"/>
+        <a:font script="Viet" typeface="Tahoma"/>
         <a:font script="Uigh" typeface="Microsoft Uighur"/>
         <a:font script="Geor" typeface="Sylfaen"/>
       </a:majorFont>
       <a:minorFont>
-        <a:latin typeface="Calibri" panose="020F0502020204030204"/>
+        <a:latin typeface="Trebuchet MS" panose="020B0603020202020204"/>
         <a:ea typeface=""/>
         <a:cs typeface=""/>
-        <a:font script="Jpan" typeface="游ゴシック"/>
-        <a:font script="Hang" typeface="맑은 고딕"/>
-        <a:font script="Hans" typeface="等线"/>
-        <a:font script="Hant" typeface="新細明體"/>
-        <a:font script="Arab" typeface="Arial"/>
-        <a:font script="Hebr" typeface="Arial"/>
-        <a:font script="Thai" typeface="Cordia New"/>
+        <a:font script="Jpan" typeface="メイリオ"/>
+        <a:font script="Hang" typeface="HY그래픽M"/>
+        <a:font script="Hans" typeface="华文新魏"/>
+        <a:font script="Hant" typeface="微軟正黑體"/>
+        <a:font script="Arab" typeface="Tahoma"/>
+        <a:font script="Hebr" typeface="Gisha"/>
+        <a:font script="Thai" typeface="IrisUPC"/>
         <a:font script="Ethi" typeface="Nyala"/>
         <a:font script="Beng" typeface="Vrinda"/>
         <a:font script="Gujr" typeface="Shruti"/>
@@ -6447,7 +9003,7 @@
         <a:font script="Geor" typeface="Sylfaen"/>
       </a:minorFont>
     </a:fontScheme>
-    <a:fmtScheme name="Office Theme">
+    <a:fmtScheme name="Facet">
       <a:fillStyleLst>
         <a:solidFill>
           <a:schemeClr val="phClr"/>
@@ -6456,23 +9012,13 @@
           <a:gsLst>
             <a:gs pos="0">
               <a:schemeClr val="phClr">
+                <a:tint val="65000"/>
                 <a:lumMod val="110000"/>
-                <a:satMod val="105000"/>
-                <a:tint val="67000"/>
               </a:schemeClr>
             </a:gs>
-            <a:gs pos="50000">
+            <a:gs pos="88000">
               <a:schemeClr val="phClr">
-                <a:lumMod val="105000"/>
-                <a:satMod val="103000"/>
-                <a:tint val="73000"/>
-              </a:schemeClr>
-            </a:gs>
-            <a:gs pos="100000">
-              <a:schemeClr val="phClr">
-                <a:lumMod val="105000"/>
-                <a:satMod val="109000"/>
-                <a:tint val="81000"/>
+                <a:tint val="90000"/>
               </a:schemeClr>
             </a:gs>
           </a:gsLst>
@@ -6482,23 +9028,14 @@
           <a:gsLst>
             <a:gs pos="0">
               <a:schemeClr val="phClr">
-                <a:satMod val="103000"/>
-                <a:lumMod val="102000"/>
-                <a:tint val="94000"/>
+                <a:tint val="96000"/>
+                <a:lumMod val="100000"/>
               </a:schemeClr>
             </a:gs>
-            <a:gs pos="50000">
+            <a:gs pos="78000">
               <a:schemeClr val="phClr">
-                <a:satMod val="110000"/>
-                <a:lumMod val="100000"/>
-                <a:shade val="100000"/>
-              </a:schemeClr>
-            </a:gs>
-            <a:gs pos="100000">
-              <a:schemeClr val="phClr">
-                <a:lumMod val="99000"/>
-                <a:satMod val="120000"/>
-                <a:shade val="78000"/>
+                <a:shade val="94000"/>
+                <a:lumMod val="94000"/>
               </a:schemeClr>
             </a:gs>
           </a:gsLst>
@@ -6506,26 +9043,23 @@
         </a:gradFill>
       </a:fillStyleLst>
       <a:lnStyleLst>
-        <a:ln w="6350" cap="flat" cmpd="sng" algn="ctr">
+        <a:ln w="12700" cap="rnd" cmpd="sng" algn="ctr">
           <a:solidFill>
             <a:schemeClr val="phClr"/>
           </a:solidFill>
           <a:prstDash val="solid"/>
-          <a:miter lim="800000"/>
         </a:ln>
-        <a:ln w="12700" cap="flat" cmpd="sng" algn="ctr">
+        <a:ln w="19050" cap="rnd" cmpd="sng" algn="ctr">
           <a:solidFill>
             <a:schemeClr val="phClr"/>
           </a:solidFill>
           <a:prstDash val="solid"/>
-          <a:miter lim="800000"/>
         </a:ln>
-        <a:ln w="19050" cap="flat" cmpd="sng" algn="ctr">
+        <a:ln w="25400" cap="rnd" cmpd="sng" algn="ctr">
           <a:solidFill>
             <a:schemeClr val="phClr"/>
           </a:solidFill>
           <a:prstDash val="solid"/>
-          <a:miter lim="800000"/>
         </a:ln>
       </a:lnStyleLst>
       <a:effectStyleLst>
@@ -6533,54 +9067,72 @@
           <a:effectLst/>
         </a:effectStyle>
         <a:effectStyle>
-          <a:effectLst/>
+          <a:effectLst>
+            <a:outerShdw blurRad="38100" dist="25400" dir="5400000" rotWithShape="0">
+              <a:srgbClr val="000000">
+                <a:alpha val="35000"/>
+              </a:srgbClr>
+            </a:outerShdw>
+          </a:effectLst>
         </a:effectStyle>
         <a:effectStyle>
           <a:effectLst>
-            <a:outerShdw blurRad="57150" dist="19050" dir="5400000" algn="ctr" rotWithShape="0">
+            <a:outerShdw blurRad="50800" dist="38100" dir="5400000" rotWithShape="0">
               <a:srgbClr val="000000">
-                <a:alpha val="63000"/>
+                <a:alpha val="35000"/>
               </a:srgbClr>
             </a:outerShdw>
           </a:effectLst>
+          <a:scene3d>
+            <a:camera prst="orthographicFront">
+              <a:rot lat="0" lon="0" rev="0"/>
+            </a:camera>
+            <a:lightRig rig="threePt" dir="tl"/>
+          </a:scene3d>
+          <a:sp3d prstMaterial="plastic">
+            <a:bevelT w="0" h="0"/>
+          </a:sp3d>
         </a:effectStyle>
       </a:effectStyleLst>
       <a:bgFillStyleLst>
         <a:solidFill>
           <a:schemeClr val="phClr"/>
         </a:solidFill>
-        <a:solidFill>
-          <a:schemeClr val="phClr">
-            <a:tint val="95000"/>
-            <a:satMod val="170000"/>
-          </a:schemeClr>
-        </a:solidFill>
         <a:gradFill rotWithShape="1">
           <a:gsLst>
             <a:gs pos="0">
               <a:schemeClr val="phClr">
-                <a:tint val="93000"/>
-                <a:satMod val="150000"/>
-                <a:shade val="98000"/>
-                <a:lumMod val="102000"/>
+                <a:tint val="90000"/>
+                <a:lumMod val="104000"/>
               </a:schemeClr>
             </a:gs>
-            <a:gs pos="50000">
+            <a:gs pos="94000">
               <a:schemeClr val="phClr">
-                <a:tint val="98000"/>
-                <a:satMod val="130000"/>
-                <a:shade val="90000"/>
-                <a:lumMod val="103000"/>
+                <a:shade val="96000"/>
+                <a:lumMod val="82000"/>
+              </a:schemeClr>
+            </a:gs>
+          </a:gsLst>
+          <a:lin ang="5400000" scaled="0"/>
+        </a:gradFill>
+        <a:gradFill rotWithShape="1">
+          <a:gsLst>
+            <a:gs pos="0">
+              <a:schemeClr val="phClr">
+                <a:tint val="90000"/>
+                <a:lumMod val="110000"/>
               </a:schemeClr>
             </a:gs>
             <a:gs pos="100000">
               <a:schemeClr val="phClr">
-                <a:shade val="63000"/>
-                <a:satMod val="120000"/>
+                <a:shade val="94000"/>
+                <a:lumMod val="96000"/>
               </a:schemeClr>
             </a:gs>
           </a:gsLst>
-          <a:lin ang="5400000" scaled="0"/>
+          <a:path path="circle">
+            <a:fillToRect l="50000" t="50000" r="100000" b="100000"/>
+          </a:path>
         </a:gradFill>
       </a:bgFillStyleLst>
     </a:fmtScheme>
@@ -6589,7 +9141,7 @@
   <a:extraClrSchemeLst/>
   <a:extLst>
     <a:ext uri="{05A4C25C-085E-4340-85A3-A5531E510DB2}">
-      <thm15:themeFamily xmlns:thm15="http://schemas.microsoft.com/office/thememl/2012/main" name="Office Theme" id="{62F939B6-93AF-4DB8-9C6B-D6C7DFDC589F}" vid="{4A3C46E8-61CC-4603-A589-7422A47A8E4A}"/>
+      <thm15:themeFamily xmlns:thm15="http://schemas.microsoft.com/office/thememl/2012/main" name="Facet" id="{C0C680CD-088A-49FC-A102-D699147F32B2}" vid="{CFBC31BA-B70F-4F30-BCAA-4F3011E16C4D}"/>
     </a:ext>
   </a:extLst>
 </a:theme>
